--- a/slides/Curso_QGIS.pptx
+++ b/slides/Curso_QGIS.pptx
@@ -1,36 +1,36 @@
 
 <file path=ppt/presentation.xml><?xml version="1.0" encoding="utf-8"?>
-<p:presentation xmlns:a="http://schemas.openxmlformats.org/drawingml/2006/main" xmlns:r="http://schemas.openxmlformats.org/officeDocument/2006/relationships" xmlns:mc="http://schemas.openxmlformats.org/markup-compatibility/2006" xmlns:mv="urn:schemas-microsoft-com:mac:vml" xmlns:p="http://schemas.openxmlformats.org/presentationml/2006/main" xmlns:c="http://schemas.openxmlformats.org/drawingml/2006/chart" xmlns:dgm="http://schemas.openxmlformats.org/drawingml/2006/diagram" xmlns:o="urn:schemas-microsoft-com:office:office" xmlns:v="urn:schemas-microsoft-com:vml" xmlns:pvml="urn:schemas-microsoft-com:office:powerpoint" xmlns:com="http://schemas.openxmlformats.org/drawingml/2006/compatibility" xmlns:p14="http://schemas.microsoft.com/office/powerpoint/2010/main" xmlns:p15="http://schemas.microsoft.com/office/powerpoint/2012/main" xmlns:ahyp="http://schemas.microsoft.com/office/drawing/2018/hyperlinkcolor" autoCompressPictures="0" embedTrueTypeFonts="1" strictFirstAndLastChars="0" saveSubsetFonts="1">
+<p:presentation xmlns:a="http://schemas.openxmlformats.org/drawingml/2006/main" xmlns:r="http://schemas.openxmlformats.org/officeDocument/2006/relationships" xmlns:p="http://schemas.openxmlformats.org/presentationml/2006/main" strictFirstAndLastChars="0" embedTrueTypeFonts="1" saveSubsetFonts="1" autoCompressPictures="0">
   <p:sldMasterIdLst>
-    <p:sldMasterId id="2147483659" r:id="rId4"/>
+    <p:sldMasterId id="2147483659" r:id="rId1"/>
   </p:sldMasterIdLst>
   <p:notesMasterIdLst>
-    <p:notesMasterId r:id="rId5"/>
+    <p:notesMasterId r:id="rId6"/>
   </p:notesMasterIdLst>
   <p:sldIdLst>
-    <p:sldId id="256" r:id="rId6"/>
-    <p:sldId id="257" r:id="rId7"/>
-    <p:sldId id="258" r:id="rId8"/>
-    <p:sldId id="259" r:id="rId9"/>
+    <p:sldId id="256" r:id="rId2"/>
+    <p:sldId id="257" r:id="rId3"/>
+    <p:sldId id="258" r:id="rId4"/>
+    <p:sldId id="259" r:id="rId5"/>
   </p:sldIdLst>
-  <p:sldSz cy="5143500" cx="9144000"/>
+  <p:sldSz cx="9144000" cy="5143500" type="screen16x9"/>
   <p:notesSz cx="6858000" cy="9144000"/>
   <p:embeddedFontLst>
     <p:embeddedFont>
-      <p:font typeface="Nunito"/>
-      <p:regular r:id="rId10"/>
-      <p:bold r:id="rId11"/>
-      <p:italic r:id="rId12"/>
-      <p:boldItalic r:id="rId13"/>
+      <p:font typeface="Maven Pro" panose="020B0604020202020204" charset="0"/>
+      <p:regular r:id="rId7"/>
+      <p:bold r:id="rId8"/>
     </p:embeddedFont>
     <p:embeddedFont>
-      <p:font typeface="Maven Pro"/>
-      <p:regular r:id="rId14"/>
-      <p:bold r:id="rId15"/>
+      <p:font typeface="Nunito" panose="020B0604020202020204" charset="0"/>
+      <p:regular r:id="rId9"/>
+      <p:bold r:id="rId10"/>
+      <p:italic r:id="rId11"/>
+      <p:boldItalic r:id="rId12"/>
     </p:embeddedFont>
   </p:embeddedFontLst>
   <p:defaultTextStyle>
-    <a:defPPr lvl="0" marR="0" rtl="0" algn="l">
+    <a:defPPr marR="0" lvl="0" algn="l" rtl="0">
       <a:lnSpc>
         <a:spcPct val="100000"/>
       </a:lnSpc>
@@ -41,7 +41,7 @@
         <a:spcPts val="0"/>
       </a:spcAft>
     </a:defPPr>
-    <a:lvl1pPr lvl="0" marR="0" rtl="0" algn="l">
+    <a:lvl1pPr marR="0" lvl="0" algn="l" rtl="0">
       <a:lnSpc>
         <a:spcPct val="100000"/>
       </a:lnSpc>
@@ -55,7 +55,7 @@
         <a:srgbClr val="000000"/>
       </a:buClr>
       <a:buFont typeface="Arial"/>
-      <a:defRPr b="0" i="0" sz="1400" u="none" cap="none" strike="noStrike">
+      <a:defRPr sz="1400" b="0" i="0" u="none" strike="noStrike" cap="none">
         <a:solidFill>
           <a:srgbClr val="000000"/>
         </a:solidFill>
@@ -65,7 +65,7 @@
         <a:sym typeface="Arial"/>
       </a:defRPr>
     </a:lvl1pPr>
-    <a:lvl2pPr lvl="1" marR="0" rtl="0" algn="l">
+    <a:lvl2pPr marR="0" lvl="1" algn="l" rtl="0">
       <a:lnSpc>
         <a:spcPct val="100000"/>
       </a:lnSpc>
@@ -79,7 +79,7 @@
         <a:srgbClr val="000000"/>
       </a:buClr>
       <a:buFont typeface="Arial"/>
-      <a:defRPr b="0" i="0" sz="1400" u="none" cap="none" strike="noStrike">
+      <a:defRPr sz="1400" b="0" i="0" u="none" strike="noStrike" cap="none">
         <a:solidFill>
           <a:srgbClr val="000000"/>
         </a:solidFill>
@@ -89,7 +89,7 @@
         <a:sym typeface="Arial"/>
       </a:defRPr>
     </a:lvl2pPr>
-    <a:lvl3pPr lvl="2" marR="0" rtl="0" algn="l">
+    <a:lvl3pPr marR="0" lvl="2" algn="l" rtl="0">
       <a:lnSpc>
         <a:spcPct val="100000"/>
       </a:lnSpc>
@@ -103,7 +103,7 @@
         <a:srgbClr val="000000"/>
       </a:buClr>
       <a:buFont typeface="Arial"/>
-      <a:defRPr b="0" i="0" sz="1400" u="none" cap="none" strike="noStrike">
+      <a:defRPr sz="1400" b="0" i="0" u="none" strike="noStrike" cap="none">
         <a:solidFill>
           <a:srgbClr val="000000"/>
         </a:solidFill>
@@ -113,7 +113,7 @@
         <a:sym typeface="Arial"/>
       </a:defRPr>
     </a:lvl3pPr>
-    <a:lvl4pPr lvl="3" marR="0" rtl="0" algn="l">
+    <a:lvl4pPr marR="0" lvl="3" algn="l" rtl="0">
       <a:lnSpc>
         <a:spcPct val="100000"/>
       </a:lnSpc>
@@ -127,7 +127,7 @@
         <a:srgbClr val="000000"/>
       </a:buClr>
       <a:buFont typeface="Arial"/>
-      <a:defRPr b="0" i="0" sz="1400" u="none" cap="none" strike="noStrike">
+      <a:defRPr sz="1400" b="0" i="0" u="none" strike="noStrike" cap="none">
         <a:solidFill>
           <a:srgbClr val="000000"/>
         </a:solidFill>
@@ -137,7 +137,7 @@
         <a:sym typeface="Arial"/>
       </a:defRPr>
     </a:lvl4pPr>
-    <a:lvl5pPr lvl="4" marR="0" rtl="0" algn="l">
+    <a:lvl5pPr marR="0" lvl="4" algn="l" rtl="0">
       <a:lnSpc>
         <a:spcPct val="100000"/>
       </a:lnSpc>
@@ -151,7 +151,7 @@
         <a:srgbClr val="000000"/>
       </a:buClr>
       <a:buFont typeface="Arial"/>
-      <a:defRPr b="0" i="0" sz="1400" u="none" cap="none" strike="noStrike">
+      <a:defRPr sz="1400" b="0" i="0" u="none" strike="noStrike" cap="none">
         <a:solidFill>
           <a:srgbClr val="000000"/>
         </a:solidFill>
@@ -161,7 +161,7 @@
         <a:sym typeface="Arial"/>
       </a:defRPr>
     </a:lvl5pPr>
-    <a:lvl6pPr lvl="5" marR="0" rtl="0" algn="l">
+    <a:lvl6pPr marR="0" lvl="5" algn="l" rtl="0">
       <a:lnSpc>
         <a:spcPct val="100000"/>
       </a:lnSpc>
@@ -175,7 +175,7 @@
         <a:srgbClr val="000000"/>
       </a:buClr>
       <a:buFont typeface="Arial"/>
-      <a:defRPr b="0" i="0" sz="1400" u="none" cap="none" strike="noStrike">
+      <a:defRPr sz="1400" b="0" i="0" u="none" strike="noStrike" cap="none">
         <a:solidFill>
           <a:srgbClr val="000000"/>
         </a:solidFill>
@@ -185,7 +185,7 @@
         <a:sym typeface="Arial"/>
       </a:defRPr>
     </a:lvl6pPr>
-    <a:lvl7pPr lvl="6" marR="0" rtl="0" algn="l">
+    <a:lvl7pPr marR="0" lvl="6" algn="l" rtl="0">
       <a:lnSpc>
         <a:spcPct val="100000"/>
       </a:lnSpc>
@@ -199,7 +199,7 @@
         <a:srgbClr val="000000"/>
       </a:buClr>
       <a:buFont typeface="Arial"/>
-      <a:defRPr b="0" i="0" sz="1400" u="none" cap="none" strike="noStrike">
+      <a:defRPr sz="1400" b="0" i="0" u="none" strike="noStrike" cap="none">
         <a:solidFill>
           <a:srgbClr val="000000"/>
         </a:solidFill>
@@ -209,7 +209,7 @@
         <a:sym typeface="Arial"/>
       </a:defRPr>
     </a:lvl7pPr>
-    <a:lvl8pPr lvl="7" marR="0" rtl="0" algn="l">
+    <a:lvl8pPr marR="0" lvl="7" algn="l" rtl="0">
       <a:lnSpc>
         <a:spcPct val="100000"/>
       </a:lnSpc>
@@ -223,7 +223,7 @@
         <a:srgbClr val="000000"/>
       </a:buClr>
       <a:buFont typeface="Arial"/>
-      <a:defRPr b="0" i="0" sz="1400" u="none" cap="none" strike="noStrike">
+      <a:defRPr sz="1400" b="0" i="0" u="none" strike="noStrike" cap="none">
         <a:solidFill>
           <a:srgbClr val="000000"/>
         </a:solidFill>
@@ -233,7 +233,7 @@
         <a:sym typeface="Arial"/>
       </a:defRPr>
     </a:lvl8pPr>
-    <a:lvl9pPr lvl="8" marR="0" rtl="0" algn="l">
+    <a:lvl9pPr marR="0" lvl="8" algn="l" rtl="0">
       <a:lnSpc>
         <a:spcPct val="100000"/>
       </a:lnSpc>
@@ -247,7 +247,7 @@
         <a:srgbClr val="000000"/>
       </a:buClr>
       <a:buFont typeface="Arial"/>
-      <a:defRPr b="0" i="0" sz="1400" u="none" cap="none" strike="noStrike">
+      <a:defRPr sz="1400" b="0" i="0" u="none" strike="noStrike" cap="none">
         <a:solidFill>
           <a:srgbClr val="000000"/>
         </a:solidFill>
@@ -260,7 +260,7 @@
   </p:defaultTextStyle>
   <p:extLst>
     <p:ext uri="{EFAFB233-063F-42B5-8137-9DF3F51BA10A}">
-      <p15:sldGuideLst>
+      <p15:sldGuideLst xmlns:p15="http://schemas.microsoft.com/office/powerpoint/2012/main">
         <p15:guide id="1" orient="horz" pos="1620">
           <p15:clr>
             <a:srgbClr val="A4A3A4"/>
@@ -278,11 +278,16 @@
 </file>
 
 <file path=ppt/notesMasters/notesMaster1.xml><?xml version="1.0" encoding="utf-8"?>
-<p:notesMaster xmlns:a="http://schemas.openxmlformats.org/drawingml/2006/main" xmlns:r="http://schemas.openxmlformats.org/officeDocument/2006/relationships" xmlns:mc="http://schemas.openxmlformats.org/markup-compatibility/2006" xmlns:mv="urn:schemas-microsoft-com:mac:vml" xmlns:p="http://schemas.openxmlformats.org/presentationml/2006/main" xmlns:c="http://schemas.openxmlformats.org/drawingml/2006/chart" xmlns:dgm="http://schemas.openxmlformats.org/drawingml/2006/diagram" xmlns:o="urn:schemas-microsoft-com:office:office" xmlns:v="urn:schemas-microsoft-com:vml" xmlns:pvml="urn:schemas-microsoft-com:office:powerpoint" xmlns:com="http://schemas.openxmlformats.org/drawingml/2006/compatibility" xmlns:p14="http://schemas.microsoft.com/office/powerpoint/2010/main" xmlns:p15="http://schemas.microsoft.com/office/powerpoint/2012/main" xmlns:ahyp="http://schemas.microsoft.com/office/drawing/2018/hyperlinkcolor">
+<p:notesMaster xmlns:a="http://schemas.openxmlformats.org/drawingml/2006/main" xmlns:r="http://schemas.openxmlformats.org/officeDocument/2006/relationships" xmlns:p="http://schemas.openxmlformats.org/presentationml/2006/main">
   <p:cSld>
+    <p:bg>
+      <p:bgRef idx="1001">
+        <a:schemeClr val="bg1"/>
+      </p:bgRef>
+    </p:bg>
     <p:spTree>
       <p:nvGrpSpPr>
-        <p:cNvPr id="2" name="Shape 2"/>
+        <p:cNvPr id="1" name="Shape 2"/>
         <p:cNvGrpSpPr/>
         <p:nvPr/>
       </p:nvGrpSpPr>
@@ -297,9 +302,11 @@
       <p:sp>
         <p:nvSpPr>
           <p:cNvPr id="3" name="Google Shape;3;n"/>
-          <p:cNvSpPr/>
+          <p:cNvSpPr>
+            <a:spLocks noGrp="1" noRot="1" noChangeAspect="1"/>
+          </p:cNvSpPr>
           <p:nvPr>
-            <p:ph idx="2" type="sldImg"/>
+            <p:ph type="sldImg" idx="2"/>
           </p:nvPr>
         </p:nvSpPr>
         <p:spPr>
@@ -308,9 +315,13 @@
             <a:ext cx="6096075" cy="3429000"/>
           </a:xfrm>
           <a:custGeom>
-            <a:rect b="b" l="l" r="r" t="t"/>
+            <a:avLst/>
+            <a:gdLst/>
+            <a:ahLst/>
+            <a:cxnLst/>
+            <a:rect l="l" t="t" r="r" b="b"/>
             <a:pathLst>
-              <a:path extrusionOk="0" h="120000" w="120000">
+              <a:path w="120000" h="120000" extrusionOk="0">
                 <a:moveTo>
                   <a:pt x="0" y="0"/>
                 </a:moveTo>
@@ -328,23 +339,25 @@
             </a:pathLst>
           </a:custGeom>
           <a:noFill/>
-          <a:ln cap="flat" cmpd="sng" w="9525">
+          <a:ln w="9525" cap="flat" cmpd="sng">
             <a:solidFill>
               <a:srgbClr val="000000"/>
             </a:solidFill>
             <a:prstDash val="solid"/>
             <a:round/>
-            <a:headEnd len="sm" w="sm" type="none"/>
-            <a:tailEnd len="sm" w="sm" type="none"/>
+            <a:headEnd type="none" w="sm" len="sm"/>
+            <a:tailEnd type="none" w="sm" len="sm"/>
           </a:ln>
         </p:spPr>
       </p:sp>
       <p:sp>
         <p:nvSpPr>
           <p:cNvPr id="4" name="Google Shape;4;n"/>
-          <p:cNvSpPr txBox="1"/>
+          <p:cNvSpPr txBox="1">
+            <a:spLocks noGrp="1"/>
+          </p:cNvSpPr>
           <p:nvPr>
-            <p:ph idx="1" type="body"/>
+            <p:ph type="body" idx="1"/>
           </p:nvPr>
         </p:nvSpPr>
         <p:spPr>
@@ -361,11 +374,11 @@
           </a:ln>
         </p:spPr>
         <p:txBody>
-          <a:bodyPr anchorCtr="0" anchor="t" bIns="91425" lIns="91425" spcFirstLastPara="1" rIns="91425" wrap="square" tIns="91425">
+          <a:bodyPr spcFirstLastPara="1" wrap="square" lIns="91425" tIns="91425" rIns="91425" bIns="91425" anchor="t" anchorCtr="0">
             <a:noAutofit/>
           </a:bodyPr>
           <a:lstStyle>
-            <a:lvl1pPr indent="-298450" lvl="0" marL="457200">
+            <a:lvl1pPr marL="457200" lvl="0" indent="-298450">
               <a:spcBef>
                 <a:spcPts val="0"/>
               </a:spcBef>
@@ -376,7 +389,7 @@
               <a:buChar char="●"/>
               <a:defRPr sz="1100"/>
             </a:lvl1pPr>
-            <a:lvl2pPr indent="-298450" lvl="1" marL="914400">
+            <a:lvl2pPr marL="914400" lvl="1" indent="-298450">
               <a:spcBef>
                 <a:spcPts val="0"/>
               </a:spcBef>
@@ -387,7 +400,7 @@
               <a:buChar char="○"/>
               <a:defRPr sz="1100"/>
             </a:lvl2pPr>
-            <a:lvl3pPr indent="-298450" lvl="2" marL="1371600">
+            <a:lvl3pPr marL="1371600" lvl="2" indent="-298450">
               <a:spcBef>
                 <a:spcPts val="0"/>
               </a:spcBef>
@@ -398,7 +411,7 @@
               <a:buChar char="■"/>
               <a:defRPr sz="1100"/>
             </a:lvl3pPr>
-            <a:lvl4pPr indent="-298450" lvl="3" marL="1828800">
+            <a:lvl4pPr marL="1828800" lvl="3" indent="-298450">
               <a:spcBef>
                 <a:spcPts val="0"/>
               </a:spcBef>
@@ -409,7 +422,7 @@
               <a:buChar char="●"/>
               <a:defRPr sz="1100"/>
             </a:lvl4pPr>
-            <a:lvl5pPr indent="-298450" lvl="4" marL="2286000">
+            <a:lvl5pPr marL="2286000" lvl="4" indent="-298450">
               <a:spcBef>
                 <a:spcPts val="0"/>
               </a:spcBef>
@@ -420,7 +433,7 @@
               <a:buChar char="○"/>
               <a:defRPr sz="1100"/>
             </a:lvl5pPr>
-            <a:lvl6pPr indent="-298450" lvl="5" marL="2743200">
+            <a:lvl6pPr marL="2743200" lvl="5" indent="-298450">
               <a:spcBef>
                 <a:spcPts val="0"/>
               </a:spcBef>
@@ -431,7 +444,7 @@
               <a:buChar char="■"/>
               <a:defRPr sz="1100"/>
             </a:lvl6pPr>
-            <a:lvl7pPr indent="-298450" lvl="6" marL="3200400">
+            <a:lvl7pPr marL="3200400" lvl="6" indent="-298450">
               <a:spcBef>
                 <a:spcPts val="0"/>
               </a:spcBef>
@@ -442,7 +455,7 @@
               <a:buChar char="●"/>
               <a:defRPr sz="1100"/>
             </a:lvl7pPr>
-            <a:lvl8pPr indent="-298450" lvl="7" marL="3657600">
+            <a:lvl8pPr marL="3657600" lvl="7" indent="-298450">
               <a:spcBef>
                 <a:spcPts val="0"/>
               </a:spcBef>
@@ -453,7 +466,7 @@
               <a:buChar char="○"/>
               <a:defRPr sz="1100"/>
             </a:lvl8pPr>
-            <a:lvl9pPr indent="-298450" lvl="8" marL="4114800">
+            <a:lvl9pPr marL="4114800" lvl="8" indent="-298450">
               <a:spcBef>
                 <a:spcPts val="0"/>
               </a:spcBef>
@@ -465,14 +478,16 @@
               <a:defRPr sz="1100"/>
             </a:lvl9pPr>
           </a:lstStyle>
-          <a:p/>
+          <a:p>
+            <a:endParaRPr/>
+          </a:p>
         </p:txBody>
       </p:sp>
     </p:spTree>
   </p:cSld>
-  <p:clrMap accent1="accent1" accent2="accent2" accent3="accent3" accent4="accent4" accent5="accent5" accent6="accent6" bg1="lt1" bg2="dk2" tx1="dk1" tx2="lt2" folHlink="folHlink" hlink="hlink"/>
+  <p:clrMap bg1="lt1" tx1="dk1" bg2="dk2" tx2="lt2" accent1="accent1" accent2="accent2" accent3="accent3" accent4="accent4" accent5="accent5" accent6="accent6" hlink="hlink" folHlink="folHlink"/>
   <p:notesStyle>
-    <a:defPPr lvl="0" marR="0" rtl="0" algn="l">
+    <a:defPPr marR="0" lvl="0" algn="l" rtl="0">
       <a:lnSpc>
         <a:spcPct val="100000"/>
       </a:lnSpc>
@@ -483,7 +498,7 @@
         <a:spcPts val="0"/>
       </a:spcAft>
     </a:defPPr>
-    <a:lvl1pPr lvl="0" marR="0" rtl="0" algn="l">
+    <a:lvl1pPr marR="0" lvl="0" algn="l" rtl="0">
       <a:lnSpc>
         <a:spcPct val="100000"/>
       </a:lnSpc>
@@ -497,7 +512,7 @@
         <a:srgbClr val="000000"/>
       </a:buClr>
       <a:buFont typeface="Arial"/>
-      <a:defRPr b="0" i="0" sz="1400" u="none" cap="none" strike="noStrike">
+      <a:defRPr sz="1400" b="0" i="0" u="none" strike="noStrike" cap="none">
         <a:solidFill>
           <a:srgbClr val="000000"/>
         </a:solidFill>
@@ -507,7 +522,7 @@
         <a:sym typeface="Arial"/>
       </a:defRPr>
     </a:lvl1pPr>
-    <a:lvl2pPr lvl="1" marR="0" rtl="0" algn="l">
+    <a:lvl2pPr marR="0" lvl="1" algn="l" rtl="0">
       <a:lnSpc>
         <a:spcPct val="100000"/>
       </a:lnSpc>
@@ -521,7 +536,7 @@
         <a:srgbClr val="000000"/>
       </a:buClr>
       <a:buFont typeface="Arial"/>
-      <a:defRPr b="0" i="0" sz="1400" u="none" cap="none" strike="noStrike">
+      <a:defRPr sz="1400" b="0" i="0" u="none" strike="noStrike" cap="none">
         <a:solidFill>
           <a:srgbClr val="000000"/>
         </a:solidFill>
@@ -531,7 +546,7 @@
         <a:sym typeface="Arial"/>
       </a:defRPr>
     </a:lvl2pPr>
-    <a:lvl3pPr lvl="2" marR="0" rtl="0" algn="l">
+    <a:lvl3pPr marR="0" lvl="2" algn="l" rtl="0">
       <a:lnSpc>
         <a:spcPct val="100000"/>
       </a:lnSpc>
@@ -545,7 +560,7 @@
         <a:srgbClr val="000000"/>
       </a:buClr>
       <a:buFont typeface="Arial"/>
-      <a:defRPr b="0" i="0" sz="1400" u="none" cap="none" strike="noStrike">
+      <a:defRPr sz="1400" b="0" i="0" u="none" strike="noStrike" cap="none">
         <a:solidFill>
           <a:srgbClr val="000000"/>
         </a:solidFill>
@@ -555,7 +570,7 @@
         <a:sym typeface="Arial"/>
       </a:defRPr>
     </a:lvl3pPr>
-    <a:lvl4pPr lvl="3" marR="0" rtl="0" algn="l">
+    <a:lvl4pPr marR="0" lvl="3" algn="l" rtl="0">
       <a:lnSpc>
         <a:spcPct val="100000"/>
       </a:lnSpc>
@@ -569,7 +584,7 @@
         <a:srgbClr val="000000"/>
       </a:buClr>
       <a:buFont typeface="Arial"/>
-      <a:defRPr b="0" i="0" sz="1400" u="none" cap="none" strike="noStrike">
+      <a:defRPr sz="1400" b="0" i="0" u="none" strike="noStrike" cap="none">
         <a:solidFill>
           <a:srgbClr val="000000"/>
         </a:solidFill>
@@ -579,7 +594,7 @@
         <a:sym typeface="Arial"/>
       </a:defRPr>
     </a:lvl4pPr>
-    <a:lvl5pPr lvl="4" marR="0" rtl="0" algn="l">
+    <a:lvl5pPr marR="0" lvl="4" algn="l" rtl="0">
       <a:lnSpc>
         <a:spcPct val="100000"/>
       </a:lnSpc>
@@ -593,7 +608,7 @@
         <a:srgbClr val="000000"/>
       </a:buClr>
       <a:buFont typeface="Arial"/>
-      <a:defRPr b="0" i="0" sz="1400" u="none" cap="none" strike="noStrike">
+      <a:defRPr sz="1400" b="0" i="0" u="none" strike="noStrike" cap="none">
         <a:solidFill>
           <a:srgbClr val="000000"/>
         </a:solidFill>
@@ -603,7 +618,7 @@
         <a:sym typeface="Arial"/>
       </a:defRPr>
     </a:lvl5pPr>
-    <a:lvl6pPr lvl="5" marR="0" rtl="0" algn="l">
+    <a:lvl6pPr marR="0" lvl="5" algn="l" rtl="0">
       <a:lnSpc>
         <a:spcPct val="100000"/>
       </a:lnSpc>
@@ -617,7 +632,7 @@
         <a:srgbClr val="000000"/>
       </a:buClr>
       <a:buFont typeface="Arial"/>
-      <a:defRPr b="0" i="0" sz="1400" u="none" cap="none" strike="noStrike">
+      <a:defRPr sz="1400" b="0" i="0" u="none" strike="noStrike" cap="none">
         <a:solidFill>
           <a:srgbClr val="000000"/>
         </a:solidFill>
@@ -627,7 +642,7 @@
         <a:sym typeface="Arial"/>
       </a:defRPr>
     </a:lvl6pPr>
-    <a:lvl7pPr lvl="6" marR="0" rtl="0" algn="l">
+    <a:lvl7pPr marR="0" lvl="6" algn="l" rtl="0">
       <a:lnSpc>
         <a:spcPct val="100000"/>
       </a:lnSpc>
@@ -641,7 +656,7 @@
         <a:srgbClr val="000000"/>
       </a:buClr>
       <a:buFont typeface="Arial"/>
-      <a:defRPr b="0" i="0" sz="1400" u="none" cap="none" strike="noStrike">
+      <a:defRPr sz="1400" b="0" i="0" u="none" strike="noStrike" cap="none">
         <a:solidFill>
           <a:srgbClr val="000000"/>
         </a:solidFill>
@@ -651,7 +666,7 @@
         <a:sym typeface="Arial"/>
       </a:defRPr>
     </a:lvl7pPr>
-    <a:lvl8pPr lvl="7" marR="0" rtl="0" algn="l">
+    <a:lvl8pPr marR="0" lvl="7" algn="l" rtl="0">
       <a:lnSpc>
         <a:spcPct val="100000"/>
       </a:lnSpc>
@@ -665,7 +680,7 @@
         <a:srgbClr val="000000"/>
       </a:buClr>
       <a:buFont typeface="Arial"/>
-      <a:defRPr b="0" i="0" sz="1400" u="none" cap="none" strike="noStrike">
+      <a:defRPr sz="1400" b="0" i="0" u="none" strike="noStrike" cap="none">
         <a:solidFill>
           <a:srgbClr val="000000"/>
         </a:solidFill>
@@ -675,7 +690,7 @@
         <a:sym typeface="Arial"/>
       </a:defRPr>
     </a:lvl8pPr>
-    <a:lvl9pPr lvl="8" marR="0" rtl="0" algn="l">
+    <a:lvl9pPr marR="0" lvl="8" algn="l" rtl="0">
       <a:lnSpc>
         <a:spcPct val="100000"/>
       </a:lnSpc>
@@ -689,7 +704,7 @@
         <a:srgbClr val="000000"/>
       </a:buClr>
       <a:buFont typeface="Arial"/>
-      <a:defRPr b="0" i="0" sz="1400" u="none" cap="none" strike="noStrike">
+      <a:defRPr sz="1400" b="0" i="0" u="none" strike="noStrike" cap="none">
         <a:solidFill>
           <a:srgbClr val="000000"/>
         </a:solidFill>
@@ -704,11 +719,11 @@
 </file>
 
 <file path=ppt/notesSlides/notesSlide1.xml><?xml version="1.0" encoding="utf-8"?>
-<p:notes xmlns:a="http://schemas.openxmlformats.org/drawingml/2006/main" xmlns:r="http://schemas.openxmlformats.org/officeDocument/2006/relationships" xmlns:mc="http://schemas.openxmlformats.org/markup-compatibility/2006" xmlns:mv="urn:schemas-microsoft-com:mac:vml" xmlns:p="http://schemas.openxmlformats.org/presentationml/2006/main" xmlns:c="http://schemas.openxmlformats.org/drawingml/2006/chart" xmlns:dgm="http://schemas.openxmlformats.org/drawingml/2006/diagram" xmlns:o="urn:schemas-microsoft-com:office:office" xmlns:v="urn:schemas-microsoft-com:vml" xmlns:pvml="urn:schemas-microsoft-com:office:powerpoint" xmlns:com="http://schemas.openxmlformats.org/drawingml/2006/compatibility" xmlns:p14="http://schemas.microsoft.com/office/powerpoint/2010/main" xmlns:p15="http://schemas.microsoft.com/office/powerpoint/2012/main" xmlns:ahyp="http://schemas.microsoft.com/office/drawing/2018/hyperlinkcolor" showMasterPhAnim="0" showMasterSp="0">
+<p:notes xmlns:a="http://schemas.openxmlformats.org/drawingml/2006/main" xmlns:r="http://schemas.openxmlformats.org/officeDocument/2006/relationships" xmlns:p="http://schemas.openxmlformats.org/presentationml/2006/main" showMasterSp="0" showMasterPhAnim="0">
   <p:cSld>
     <p:spTree>
       <p:nvGrpSpPr>
-        <p:cNvPr id="257" name="Shape 257"/>
+        <p:cNvPr id="1" name="Shape 257"/>
         <p:cNvGrpSpPr/>
         <p:nvPr/>
       </p:nvGrpSpPr>
@@ -723,9 +738,11 @@
       <p:sp>
         <p:nvSpPr>
           <p:cNvPr id="258" name="Google Shape;258;p:notes"/>
-          <p:cNvSpPr/>
+          <p:cNvSpPr>
+            <a:spLocks noGrp="1" noRot="1" noChangeAspect="1"/>
+          </p:cNvSpPr>
           <p:nvPr>
-            <p:ph idx="2" type="sldImg"/>
+            <p:ph type="sldImg" idx="2"/>
           </p:nvPr>
         </p:nvSpPr>
         <p:spPr>
@@ -734,9 +751,13 @@
             <a:ext cx="6096075" cy="3429000"/>
           </a:xfrm>
           <a:custGeom>
-            <a:rect b="b" l="l" r="r" t="t"/>
+            <a:avLst/>
+            <a:gdLst/>
+            <a:ahLst/>
+            <a:cxnLst/>
+            <a:rect l="l" t="t" r="r" b="b"/>
             <a:pathLst>
-              <a:path extrusionOk="0" h="120000" w="120000">
+              <a:path w="120000" h="120000" extrusionOk="0">
                 <a:moveTo>
                   <a:pt x="0" y="0"/>
                 </a:moveTo>
@@ -758,9 +779,11 @@
       <p:sp>
         <p:nvSpPr>
           <p:cNvPr id="259" name="Google Shape;259;p:notes"/>
-          <p:cNvSpPr txBox="1"/>
+          <p:cNvSpPr txBox="1">
+            <a:spLocks noGrp="1"/>
+          </p:cNvSpPr>
           <p:nvPr>
-            <p:ph idx="1" type="body"/>
+            <p:ph type="body" idx="1"/>
           </p:nvPr>
         </p:nvSpPr>
         <p:spPr>
@@ -773,12 +796,12 @@
           </a:prstGeom>
         </p:spPr>
         <p:txBody>
-          <a:bodyPr anchorCtr="0" anchor="t" bIns="91425" lIns="91425" spcFirstLastPara="1" rIns="91425" wrap="square" tIns="91425">
+          <a:bodyPr spcFirstLastPara="1" wrap="square" lIns="91425" tIns="91425" rIns="91425" bIns="91425" anchor="t" anchorCtr="0">
             <a:noAutofit/>
           </a:bodyPr>
           <a:lstStyle/>
           <a:p>
-            <a:pPr indent="0" lvl="0" marL="0" rtl="0" algn="l">
+            <a:pPr marL="0" lvl="0" indent="0" algn="l" rtl="0">
               <a:spcBef>
                 <a:spcPts val="0"/>
               </a:spcBef>
@@ -787,9 +810,6 @@
               </a:spcAft>
               <a:buNone/>
             </a:pPr>
-            <a:r>
-              <a:t/>
-            </a:r>
             <a:endParaRPr/>
           </a:p>
         </p:txBody>
@@ -803,11 +823,11 @@
 </file>
 
 <file path=ppt/notesSlides/notesSlide2.xml><?xml version="1.0" encoding="utf-8"?>
-<p:notes xmlns:a="http://schemas.openxmlformats.org/drawingml/2006/main" xmlns:r="http://schemas.openxmlformats.org/officeDocument/2006/relationships" xmlns:mc="http://schemas.openxmlformats.org/markup-compatibility/2006" xmlns:mv="urn:schemas-microsoft-com:mac:vml" xmlns:p="http://schemas.openxmlformats.org/presentationml/2006/main" xmlns:c="http://schemas.openxmlformats.org/drawingml/2006/chart" xmlns:dgm="http://schemas.openxmlformats.org/drawingml/2006/diagram" xmlns:o="urn:schemas-microsoft-com:office:office" xmlns:v="urn:schemas-microsoft-com:vml" xmlns:pvml="urn:schemas-microsoft-com:office:powerpoint" xmlns:com="http://schemas.openxmlformats.org/drawingml/2006/compatibility" xmlns:p14="http://schemas.microsoft.com/office/powerpoint/2010/main" xmlns:p15="http://schemas.microsoft.com/office/powerpoint/2012/main" xmlns:ahyp="http://schemas.microsoft.com/office/drawing/2018/hyperlinkcolor" showMasterPhAnim="0" showMasterSp="0">
+<p:notes xmlns:a="http://schemas.openxmlformats.org/drawingml/2006/main" xmlns:r="http://schemas.openxmlformats.org/officeDocument/2006/relationships" xmlns:p="http://schemas.openxmlformats.org/presentationml/2006/main" showMasterSp="0" showMasterPhAnim="0">
   <p:cSld>
     <p:spTree>
       <p:nvGrpSpPr>
-        <p:cNvPr id="263" name="Shape 263"/>
+        <p:cNvPr id="1" name="Shape 263"/>
         <p:cNvGrpSpPr/>
         <p:nvPr/>
       </p:nvGrpSpPr>
@@ -822,20 +842,26 @@
       <p:sp>
         <p:nvSpPr>
           <p:cNvPr id="264" name="Google Shape;264;g9b0372e4da_0_278:notes"/>
-          <p:cNvSpPr/>
+          <p:cNvSpPr>
+            <a:spLocks noGrp="1" noRot="1" noChangeAspect="1"/>
+          </p:cNvSpPr>
           <p:nvPr>
-            <p:ph idx="2" type="sldImg"/>
+            <p:ph type="sldImg" idx="2"/>
           </p:nvPr>
         </p:nvSpPr>
         <p:spPr>
           <a:xfrm>
-            <a:off x="381300" y="685800"/>
+            <a:off x="381000" y="685800"/>
             <a:ext cx="6096000" cy="3429000"/>
           </a:xfrm>
           <a:custGeom>
-            <a:rect b="b" l="l" r="r" t="t"/>
+            <a:avLst/>
+            <a:gdLst/>
+            <a:ahLst/>
+            <a:cxnLst/>
+            <a:rect l="l" t="t" r="r" b="b"/>
             <a:pathLst>
-              <a:path extrusionOk="0" h="120000" w="120000">
+              <a:path w="120000" h="120000" extrusionOk="0">
                 <a:moveTo>
                   <a:pt x="0" y="0"/>
                 </a:moveTo>
@@ -857,9 +883,11 @@
       <p:sp>
         <p:nvSpPr>
           <p:cNvPr id="265" name="Google Shape;265;g9b0372e4da_0_278:notes"/>
-          <p:cNvSpPr txBox="1"/>
+          <p:cNvSpPr txBox="1">
+            <a:spLocks noGrp="1"/>
+          </p:cNvSpPr>
           <p:nvPr>
-            <p:ph idx="1" type="body"/>
+            <p:ph type="body" idx="1"/>
           </p:nvPr>
         </p:nvSpPr>
         <p:spPr>
@@ -872,12 +900,12 @@
           </a:prstGeom>
         </p:spPr>
         <p:txBody>
-          <a:bodyPr anchorCtr="0" anchor="t" bIns="91425" lIns="91425" spcFirstLastPara="1" rIns="91425" wrap="square" tIns="91425">
+          <a:bodyPr spcFirstLastPara="1" wrap="square" lIns="91425" tIns="91425" rIns="91425" bIns="91425" anchor="t" anchorCtr="0">
             <a:noAutofit/>
           </a:bodyPr>
           <a:lstStyle/>
           <a:p>
-            <a:pPr indent="0" lvl="0" marL="0" rtl="0" algn="l">
+            <a:pPr marL="0" lvl="0" indent="0" algn="l" rtl="0">
               <a:spcBef>
                 <a:spcPts val="0"/>
               </a:spcBef>
@@ -886,9 +914,6 @@
               </a:spcAft>
               <a:buNone/>
             </a:pPr>
-            <a:r>
-              <a:t/>
-            </a:r>
             <a:endParaRPr/>
           </a:p>
         </p:txBody>
@@ -902,11 +927,11 @@
 </file>
 
 <file path=ppt/notesSlides/notesSlide3.xml><?xml version="1.0" encoding="utf-8"?>
-<p:notes xmlns:a="http://schemas.openxmlformats.org/drawingml/2006/main" xmlns:r="http://schemas.openxmlformats.org/officeDocument/2006/relationships" xmlns:mc="http://schemas.openxmlformats.org/markup-compatibility/2006" xmlns:mv="urn:schemas-microsoft-com:mac:vml" xmlns:p="http://schemas.openxmlformats.org/presentationml/2006/main" xmlns:c="http://schemas.openxmlformats.org/drawingml/2006/chart" xmlns:dgm="http://schemas.openxmlformats.org/drawingml/2006/diagram" xmlns:o="urn:schemas-microsoft-com:office:office" xmlns:v="urn:schemas-microsoft-com:vml" xmlns:pvml="urn:schemas-microsoft-com:office:powerpoint" xmlns:com="http://schemas.openxmlformats.org/drawingml/2006/compatibility" xmlns:p14="http://schemas.microsoft.com/office/powerpoint/2010/main" xmlns:p15="http://schemas.microsoft.com/office/powerpoint/2012/main" xmlns:ahyp="http://schemas.microsoft.com/office/drawing/2018/hyperlinkcolor" showMasterPhAnim="0" showMasterSp="0">
+<p:notes xmlns:a="http://schemas.openxmlformats.org/drawingml/2006/main" xmlns:r="http://schemas.openxmlformats.org/officeDocument/2006/relationships" xmlns:p="http://schemas.openxmlformats.org/presentationml/2006/main" showMasterSp="0" showMasterPhAnim="0">
   <p:cSld>
     <p:spTree>
       <p:nvGrpSpPr>
-        <p:cNvPr id="273" name="Shape 273"/>
+        <p:cNvPr id="1" name="Shape 273"/>
         <p:cNvGrpSpPr/>
         <p:nvPr/>
       </p:nvGrpSpPr>
@@ -921,9 +946,11 @@
       <p:sp>
         <p:nvSpPr>
           <p:cNvPr id="274" name="Google Shape;274;g9b0372e4da_0_269:notes"/>
-          <p:cNvSpPr/>
+          <p:cNvSpPr>
+            <a:spLocks noGrp="1" noRot="1" noChangeAspect="1"/>
+          </p:cNvSpPr>
           <p:nvPr>
-            <p:ph idx="2" type="sldImg"/>
+            <p:ph type="sldImg" idx="2"/>
           </p:nvPr>
         </p:nvSpPr>
         <p:spPr>
@@ -932,9 +959,13 @@
             <a:ext cx="6096000" cy="3429000"/>
           </a:xfrm>
           <a:custGeom>
-            <a:rect b="b" l="l" r="r" t="t"/>
+            <a:avLst/>
+            <a:gdLst/>
+            <a:ahLst/>
+            <a:cxnLst/>
+            <a:rect l="l" t="t" r="r" b="b"/>
             <a:pathLst>
-              <a:path extrusionOk="0" h="120000" w="120000">
+              <a:path w="120000" h="120000" extrusionOk="0">
                 <a:moveTo>
                   <a:pt x="0" y="0"/>
                 </a:moveTo>
@@ -956,9 +987,11 @@
       <p:sp>
         <p:nvSpPr>
           <p:cNvPr id="275" name="Google Shape;275;g9b0372e4da_0_269:notes"/>
-          <p:cNvSpPr txBox="1"/>
+          <p:cNvSpPr txBox="1">
+            <a:spLocks noGrp="1"/>
+          </p:cNvSpPr>
           <p:nvPr>
-            <p:ph idx="1" type="body"/>
+            <p:ph type="body" idx="1"/>
           </p:nvPr>
         </p:nvSpPr>
         <p:spPr>
@@ -971,12 +1004,12 @@
           </a:prstGeom>
         </p:spPr>
         <p:txBody>
-          <a:bodyPr anchorCtr="0" anchor="t" bIns="91425" lIns="91425" spcFirstLastPara="1" rIns="91425" wrap="square" tIns="91425">
+          <a:bodyPr spcFirstLastPara="1" wrap="square" lIns="91425" tIns="91425" rIns="91425" bIns="91425" anchor="t" anchorCtr="0">
             <a:noAutofit/>
           </a:bodyPr>
           <a:lstStyle/>
           <a:p>
-            <a:pPr indent="0" lvl="0" marL="0" rtl="0" algn="l">
+            <a:pPr marL="0" lvl="0" indent="0" algn="l" rtl="0">
               <a:spcBef>
                 <a:spcPts val="0"/>
               </a:spcBef>
@@ -985,9 +1018,6 @@
               </a:spcAft>
               <a:buNone/>
             </a:pPr>
-            <a:r>
-              <a:t/>
-            </a:r>
             <a:endParaRPr/>
           </a:p>
         </p:txBody>
@@ -1001,11 +1031,11 @@
 </file>
 
 <file path=ppt/notesSlides/notesSlide4.xml><?xml version="1.0" encoding="utf-8"?>
-<p:notes xmlns:a="http://schemas.openxmlformats.org/drawingml/2006/main" xmlns:r="http://schemas.openxmlformats.org/officeDocument/2006/relationships" xmlns:mc="http://schemas.openxmlformats.org/markup-compatibility/2006" xmlns:mv="urn:schemas-microsoft-com:mac:vml" xmlns:p="http://schemas.openxmlformats.org/presentationml/2006/main" xmlns:c="http://schemas.openxmlformats.org/drawingml/2006/chart" xmlns:dgm="http://schemas.openxmlformats.org/drawingml/2006/diagram" xmlns:o="urn:schemas-microsoft-com:office:office" xmlns:v="urn:schemas-microsoft-com:vml" xmlns:pvml="urn:schemas-microsoft-com:office:powerpoint" xmlns:com="http://schemas.openxmlformats.org/drawingml/2006/compatibility" xmlns:p14="http://schemas.microsoft.com/office/powerpoint/2010/main" xmlns:p15="http://schemas.microsoft.com/office/powerpoint/2012/main" xmlns:ahyp="http://schemas.microsoft.com/office/drawing/2018/hyperlinkcolor" showMasterPhAnim="0" showMasterSp="0">
+<p:notes xmlns:a="http://schemas.openxmlformats.org/drawingml/2006/main" xmlns:r="http://schemas.openxmlformats.org/officeDocument/2006/relationships" xmlns:p="http://schemas.openxmlformats.org/presentationml/2006/main" showMasterSp="0" showMasterPhAnim="0">
   <p:cSld>
     <p:spTree>
       <p:nvGrpSpPr>
-        <p:cNvPr id="283" name="Shape 283"/>
+        <p:cNvPr id="1" name="Shape 283"/>
         <p:cNvGrpSpPr/>
         <p:nvPr/>
       </p:nvGrpSpPr>
@@ -1020,9 +1050,11 @@
       <p:sp>
         <p:nvSpPr>
           <p:cNvPr id="284" name="Google Shape;284;g9b0372e4da_0_288:notes"/>
-          <p:cNvSpPr/>
+          <p:cNvSpPr>
+            <a:spLocks noGrp="1" noRot="1" noChangeAspect="1"/>
+          </p:cNvSpPr>
           <p:nvPr>
-            <p:ph idx="2" type="sldImg"/>
+            <p:ph type="sldImg" idx="2"/>
           </p:nvPr>
         </p:nvSpPr>
         <p:spPr>
@@ -1031,9 +1063,13 @@
             <a:ext cx="6096000" cy="3429000"/>
           </a:xfrm>
           <a:custGeom>
-            <a:rect b="b" l="l" r="r" t="t"/>
+            <a:avLst/>
+            <a:gdLst/>
+            <a:ahLst/>
+            <a:cxnLst/>
+            <a:rect l="l" t="t" r="r" b="b"/>
             <a:pathLst>
-              <a:path extrusionOk="0" h="120000" w="120000">
+              <a:path w="120000" h="120000" extrusionOk="0">
                 <a:moveTo>
                   <a:pt x="0" y="0"/>
                 </a:moveTo>
@@ -1055,9 +1091,11 @@
       <p:sp>
         <p:nvSpPr>
           <p:cNvPr id="285" name="Google Shape;285;g9b0372e4da_0_288:notes"/>
-          <p:cNvSpPr txBox="1"/>
+          <p:cNvSpPr txBox="1">
+            <a:spLocks noGrp="1"/>
+          </p:cNvSpPr>
           <p:nvPr>
-            <p:ph idx="1" type="body"/>
+            <p:ph type="body" idx="1"/>
           </p:nvPr>
         </p:nvSpPr>
         <p:spPr>
@@ -1070,12 +1108,12 @@
           </a:prstGeom>
         </p:spPr>
         <p:txBody>
-          <a:bodyPr anchorCtr="0" anchor="t" bIns="91425" lIns="91425" spcFirstLastPara="1" rIns="91425" wrap="square" tIns="91425">
+          <a:bodyPr spcFirstLastPara="1" wrap="square" lIns="91425" tIns="91425" rIns="91425" bIns="91425" anchor="t" anchorCtr="0">
             <a:noAutofit/>
           </a:bodyPr>
           <a:lstStyle/>
           <a:p>
-            <a:pPr indent="0" lvl="0" marL="0" rtl="0" algn="l">
+            <a:pPr marL="0" lvl="0" indent="0" algn="l" rtl="0">
               <a:spcBef>
                 <a:spcPts val="0"/>
               </a:spcBef>
@@ -1084,9 +1122,6 @@
               </a:spcAft>
               <a:buNone/>
             </a:pPr>
-            <a:r>
-              <a:t/>
-            </a:r>
             <a:endParaRPr/>
           </a:p>
         </p:txBody>
@@ -1100,18 +1135,19 @@
 </file>
 
 <file path=ppt/slideLayouts/slideLayout1.xml><?xml version="1.0" encoding="utf-8"?>
-<p:sldLayout xmlns:a="http://schemas.openxmlformats.org/drawingml/2006/main" xmlns:r="http://schemas.openxmlformats.org/officeDocument/2006/relationships" xmlns:mc="http://schemas.openxmlformats.org/markup-compatibility/2006" xmlns:mv="urn:schemas-microsoft-com:mac:vml" xmlns:p="http://schemas.openxmlformats.org/presentationml/2006/main" xmlns:c="http://schemas.openxmlformats.org/drawingml/2006/chart" xmlns:dgm="http://schemas.openxmlformats.org/drawingml/2006/diagram" xmlns:o="urn:schemas-microsoft-com:office:office" xmlns:v="urn:schemas-microsoft-com:vml" xmlns:pvml="urn:schemas-microsoft-com:office:powerpoint" xmlns:com="http://schemas.openxmlformats.org/drawingml/2006/compatibility" xmlns:p14="http://schemas.microsoft.com/office/powerpoint/2010/main" xmlns:p15="http://schemas.microsoft.com/office/powerpoint/2012/main" xmlns:ahyp="http://schemas.microsoft.com/office/drawing/2018/hyperlinkcolor" matchingName="vjgeotec_curso" type="title">
+<p:sldLayout xmlns:a="http://schemas.openxmlformats.org/drawingml/2006/main" xmlns:r="http://schemas.openxmlformats.org/officeDocument/2006/relationships" xmlns:p="http://schemas.openxmlformats.org/presentationml/2006/main" matchingName="vjgeotec_curso" type="title">
   <p:cSld name="TITLE">
     <p:bg>
       <p:bgPr>
         <a:solidFill>
           <a:srgbClr val="1155CC"/>
         </a:solidFill>
+        <a:effectLst/>
       </p:bgPr>
     </p:bg>
     <p:spTree>
       <p:nvGrpSpPr>
-        <p:cNvPr id="9" name="Shape 9"/>
+        <p:cNvPr id="1" name="Shape 9"/>
         <p:cNvGrpSpPr/>
         <p:nvPr/>
       </p:nvGrpSpPr>
@@ -1164,8 +1200,8 @@
               </a:xfrm>
               <a:prstGeom prst="round2SameRect">
                 <a:avLst>
-                  <a:gd fmla="val 50000" name="adj1"/>
-                  <a:gd fmla="val 0" name="adj2"/>
+                  <a:gd name="adj1" fmla="val 50000"/>
+                  <a:gd name="adj2" fmla="val 0"/>
                 </a:avLst>
               </a:prstGeom>
               <a:solidFill>
@@ -1178,12 +1214,12 @@
               </a:ln>
             </p:spPr>
             <p:txBody>
-              <a:bodyPr anchorCtr="0" anchor="ctr" bIns="91425" lIns="91425" spcFirstLastPara="1" rIns="91425" wrap="square" tIns="91425">
+              <a:bodyPr spcFirstLastPara="1" wrap="square" lIns="91425" tIns="91425" rIns="91425" bIns="91425" anchor="ctr" anchorCtr="0">
                 <a:noAutofit/>
               </a:bodyPr>
               <a:lstStyle/>
               <a:p>
-                <a:pPr indent="0" lvl="0" marL="0" rtl="0" algn="l">
+                <a:pPr marL="0" lvl="0" indent="0" algn="l" rtl="0">
                   <a:spcBef>
                     <a:spcPts val="0"/>
                   </a:spcBef>
@@ -1192,9 +1228,6 @@
                   </a:spcAft>
                   <a:buNone/>
                 </a:pPr>
-                <a:r>
-                  <a:t/>
-                </a:r>
                 <a:endParaRPr/>
               </a:p>
             </p:txBody>
@@ -1212,8 +1245,8 @@
               </a:xfrm>
               <a:prstGeom prst="round2SameRect">
                 <a:avLst>
-                  <a:gd fmla="val 50000" name="adj1"/>
-                  <a:gd fmla="val 0" name="adj2"/>
+                  <a:gd name="adj1" fmla="val 50000"/>
+                  <a:gd name="adj2" fmla="val 0"/>
                 </a:avLst>
               </a:prstGeom>
               <a:solidFill>
@@ -1226,12 +1259,12 @@
               </a:ln>
             </p:spPr>
             <p:txBody>
-              <a:bodyPr anchorCtr="0" anchor="ctr" bIns="91425" lIns="91425" spcFirstLastPara="1" rIns="91425" wrap="square" tIns="91425">
+              <a:bodyPr spcFirstLastPara="1" wrap="square" lIns="91425" tIns="91425" rIns="91425" bIns="91425" anchor="ctr" anchorCtr="0">
                 <a:noAutofit/>
               </a:bodyPr>
               <a:lstStyle/>
               <a:p>
-                <a:pPr indent="0" lvl="0" marL="0" rtl="0" algn="l">
+                <a:pPr marL="0" lvl="0" indent="0" algn="l" rtl="0">
                   <a:spcBef>
                     <a:spcPts val="0"/>
                   </a:spcBef>
@@ -1240,9 +1273,6 @@
                   </a:spcAft>
                   <a:buNone/>
                 </a:pPr>
-                <a:r>
-                  <a:t/>
-                </a:r>
                 <a:endParaRPr/>
               </a:p>
             </p:txBody>
@@ -1275,8 +1305,8 @@
               </a:xfrm>
               <a:prstGeom prst="round2SameRect">
                 <a:avLst>
-                  <a:gd fmla="val 50000" name="adj1"/>
-                  <a:gd fmla="val 0" name="adj2"/>
+                  <a:gd name="adj1" fmla="val 50000"/>
+                  <a:gd name="adj2" fmla="val 0"/>
                 </a:avLst>
               </a:prstGeom>
               <a:solidFill>
@@ -1289,12 +1319,12 @@
               </a:ln>
             </p:spPr>
             <p:txBody>
-              <a:bodyPr anchorCtr="0" anchor="ctr" bIns="91425" lIns="91425" spcFirstLastPara="1" rIns="91425" wrap="square" tIns="91425">
+              <a:bodyPr spcFirstLastPara="1" wrap="square" lIns="91425" tIns="91425" rIns="91425" bIns="91425" anchor="ctr" anchorCtr="0">
                 <a:noAutofit/>
               </a:bodyPr>
               <a:lstStyle/>
               <a:p>
-                <a:pPr indent="0" lvl="0" marL="0" rtl="0" algn="l">
+                <a:pPr marL="0" lvl="0" indent="0" algn="l" rtl="0">
                   <a:spcBef>
                     <a:spcPts val="0"/>
                   </a:spcBef>
@@ -1303,9 +1333,6 @@
                   </a:spcAft>
                   <a:buNone/>
                 </a:pPr>
-                <a:r>
-                  <a:t/>
-                </a:r>
                 <a:endParaRPr/>
               </a:p>
             </p:txBody>
@@ -1323,8 +1350,8 @@
               </a:xfrm>
               <a:prstGeom prst="round2SameRect">
                 <a:avLst>
-                  <a:gd fmla="val 50000" name="adj1"/>
-                  <a:gd fmla="val 0" name="adj2"/>
+                  <a:gd name="adj1" fmla="val 50000"/>
+                  <a:gd name="adj2" fmla="val 0"/>
                 </a:avLst>
               </a:prstGeom>
               <a:solidFill>
@@ -1337,12 +1364,12 @@
               </a:ln>
             </p:spPr>
             <p:txBody>
-              <a:bodyPr anchorCtr="0" anchor="ctr" bIns="91425" lIns="91425" spcFirstLastPara="1" rIns="91425" wrap="square" tIns="91425">
+              <a:bodyPr spcFirstLastPara="1" wrap="square" lIns="91425" tIns="91425" rIns="91425" bIns="91425" anchor="ctr" anchorCtr="0">
                 <a:noAutofit/>
               </a:bodyPr>
               <a:lstStyle/>
               <a:p>
-                <a:pPr indent="0" lvl="0" marL="0" rtl="0" algn="l">
+                <a:pPr marL="0" lvl="0" indent="0" algn="l" rtl="0">
                   <a:spcBef>
                     <a:spcPts val="0"/>
                   </a:spcBef>
@@ -1351,9 +1378,6 @@
                   </a:spcAft>
                   <a:buNone/>
                 </a:pPr>
-                <a:r>
-                  <a:t/>
-                </a:r>
                 <a:endParaRPr/>
               </a:p>
             </p:txBody>
@@ -1371,8 +1395,8 @@
               </a:xfrm>
               <a:prstGeom prst="round2SameRect">
                 <a:avLst>
-                  <a:gd fmla="val 50000" name="adj1"/>
-                  <a:gd fmla="val 0" name="adj2"/>
+                  <a:gd name="adj1" fmla="val 50000"/>
+                  <a:gd name="adj2" fmla="val 0"/>
                 </a:avLst>
               </a:prstGeom>
               <a:solidFill>
@@ -1385,12 +1409,12 @@
               </a:ln>
             </p:spPr>
             <p:txBody>
-              <a:bodyPr anchorCtr="0" anchor="ctr" bIns="91425" lIns="91425" spcFirstLastPara="1" rIns="91425" wrap="square" tIns="91425">
+              <a:bodyPr spcFirstLastPara="1" wrap="square" lIns="91425" tIns="91425" rIns="91425" bIns="91425" anchor="ctr" anchorCtr="0">
                 <a:noAutofit/>
               </a:bodyPr>
               <a:lstStyle/>
               <a:p>
-                <a:pPr indent="0" lvl="0" marL="0" rtl="0" algn="l">
+                <a:pPr marL="0" lvl="0" indent="0" algn="l" rtl="0">
                   <a:spcBef>
                     <a:spcPts val="0"/>
                   </a:spcBef>
@@ -1399,9 +1423,6 @@
                   </a:spcAft>
                   <a:buNone/>
                 </a:pPr>
-                <a:r>
-                  <a:t/>
-                </a:r>
                 <a:endParaRPr/>
               </a:p>
             </p:txBody>
@@ -1434,8 +1455,8 @@
               </a:xfrm>
               <a:prstGeom prst="round2SameRect">
                 <a:avLst>
-                  <a:gd fmla="val 50000" name="adj1"/>
-                  <a:gd fmla="val 0" name="adj2"/>
+                  <a:gd name="adj1" fmla="val 50000"/>
+                  <a:gd name="adj2" fmla="val 0"/>
                 </a:avLst>
               </a:prstGeom>
               <a:solidFill>
@@ -1448,12 +1469,12 @@
               </a:ln>
             </p:spPr>
             <p:txBody>
-              <a:bodyPr anchorCtr="0" anchor="ctr" bIns="91425" lIns="91425" spcFirstLastPara="1" rIns="91425" wrap="square" tIns="91425">
+              <a:bodyPr spcFirstLastPara="1" wrap="square" lIns="91425" tIns="91425" rIns="91425" bIns="91425" anchor="ctr" anchorCtr="0">
                 <a:noAutofit/>
               </a:bodyPr>
               <a:lstStyle/>
               <a:p>
-                <a:pPr indent="0" lvl="0" marL="0" rtl="0" algn="l">
+                <a:pPr marL="0" lvl="0" indent="0" algn="l" rtl="0">
                   <a:spcBef>
                     <a:spcPts val="0"/>
                   </a:spcBef>
@@ -1462,9 +1483,6 @@
                   </a:spcAft>
                   <a:buNone/>
                 </a:pPr>
-                <a:r>
-                  <a:t/>
-                </a:r>
                 <a:endParaRPr/>
               </a:p>
             </p:txBody>
@@ -1482,8 +1500,8 @@
               </a:xfrm>
               <a:prstGeom prst="round2SameRect">
                 <a:avLst>
-                  <a:gd fmla="val 50000" name="adj1"/>
-                  <a:gd fmla="val 0" name="adj2"/>
+                  <a:gd name="adj1" fmla="val 50000"/>
+                  <a:gd name="adj2" fmla="val 0"/>
                 </a:avLst>
               </a:prstGeom>
               <a:solidFill>
@@ -1496,12 +1514,12 @@
               </a:ln>
             </p:spPr>
             <p:txBody>
-              <a:bodyPr anchorCtr="0" anchor="ctr" bIns="91425" lIns="91425" spcFirstLastPara="1" rIns="91425" wrap="square" tIns="91425">
+              <a:bodyPr spcFirstLastPara="1" wrap="square" lIns="91425" tIns="91425" rIns="91425" bIns="91425" anchor="ctr" anchorCtr="0">
                 <a:noAutofit/>
               </a:bodyPr>
               <a:lstStyle/>
               <a:p>
-                <a:pPr indent="0" lvl="0" marL="0" rtl="0" algn="l">
+                <a:pPr marL="0" lvl="0" indent="0" algn="l" rtl="0">
                   <a:spcBef>
                     <a:spcPts val="0"/>
                   </a:spcBef>
@@ -1510,9 +1528,6 @@
                   </a:spcAft>
                   <a:buNone/>
                 </a:pPr>
-                <a:r>
-                  <a:t/>
-                </a:r>
                 <a:endParaRPr/>
               </a:p>
             </p:txBody>
@@ -1530,8 +1545,8 @@
               </a:xfrm>
               <a:prstGeom prst="round2SameRect">
                 <a:avLst>
-                  <a:gd fmla="val 50000" name="adj1"/>
-                  <a:gd fmla="val 0" name="adj2"/>
+                  <a:gd name="adj1" fmla="val 50000"/>
+                  <a:gd name="adj2" fmla="val 0"/>
                 </a:avLst>
               </a:prstGeom>
               <a:solidFill>
@@ -1544,12 +1559,12 @@
               </a:ln>
             </p:spPr>
             <p:txBody>
-              <a:bodyPr anchorCtr="0" anchor="ctr" bIns="91425" lIns="91425" spcFirstLastPara="1" rIns="91425" wrap="square" tIns="91425">
+              <a:bodyPr spcFirstLastPara="1" wrap="square" lIns="91425" tIns="91425" rIns="91425" bIns="91425" anchor="ctr" anchorCtr="0">
                 <a:noAutofit/>
               </a:bodyPr>
               <a:lstStyle/>
               <a:p>
-                <a:pPr indent="0" lvl="0" marL="0" rtl="0" algn="l">
+                <a:pPr marL="0" lvl="0" indent="0" algn="l" rtl="0">
                   <a:spcBef>
                     <a:spcPts val="0"/>
                   </a:spcBef>
@@ -1558,9 +1573,6 @@
                   </a:spcAft>
                   <a:buNone/>
                 </a:pPr>
-                <a:r>
-                  <a:t/>
-                </a:r>
                 <a:endParaRPr/>
               </a:p>
             </p:txBody>
@@ -1578,8 +1590,8 @@
               </a:xfrm>
               <a:prstGeom prst="round2SameRect">
                 <a:avLst>
-                  <a:gd fmla="val 50000" name="adj1"/>
-                  <a:gd fmla="val 0" name="adj2"/>
+                  <a:gd name="adj1" fmla="val 50000"/>
+                  <a:gd name="adj2" fmla="val 0"/>
                 </a:avLst>
               </a:prstGeom>
               <a:solidFill>
@@ -1592,12 +1604,12 @@
               </a:ln>
             </p:spPr>
             <p:txBody>
-              <a:bodyPr anchorCtr="0" anchor="ctr" bIns="91425" lIns="91425" spcFirstLastPara="1" rIns="91425" wrap="square" tIns="91425">
+              <a:bodyPr spcFirstLastPara="1" wrap="square" lIns="91425" tIns="91425" rIns="91425" bIns="91425" anchor="ctr" anchorCtr="0">
                 <a:noAutofit/>
               </a:bodyPr>
               <a:lstStyle/>
               <a:p>
-                <a:pPr indent="0" lvl="0" marL="0" rtl="0" algn="l">
+                <a:pPr marL="0" lvl="0" indent="0" algn="l" rtl="0">
                   <a:spcBef>
                     <a:spcPts val="0"/>
                   </a:spcBef>
@@ -1606,9 +1618,6 @@
                   </a:spcAft>
                   <a:buNone/>
                 </a:pPr>
-                <a:r>
-                  <a:t/>
-                </a:r>
                 <a:endParaRPr/>
               </a:p>
             </p:txBody>
@@ -1641,8 +1650,8 @@
               </a:xfrm>
               <a:prstGeom prst="round2SameRect">
                 <a:avLst>
-                  <a:gd fmla="val 50000" name="adj1"/>
-                  <a:gd fmla="val 0" name="adj2"/>
+                  <a:gd name="adj1" fmla="val 50000"/>
+                  <a:gd name="adj2" fmla="val 0"/>
                 </a:avLst>
               </a:prstGeom>
               <a:solidFill>
@@ -1655,12 +1664,12 @@
               </a:ln>
             </p:spPr>
             <p:txBody>
-              <a:bodyPr anchorCtr="0" anchor="ctr" bIns="91425" lIns="91425" spcFirstLastPara="1" rIns="91425" wrap="square" tIns="91425">
+              <a:bodyPr spcFirstLastPara="1" wrap="square" lIns="91425" tIns="91425" rIns="91425" bIns="91425" anchor="ctr" anchorCtr="0">
                 <a:noAutofit/>
               </a:bodyPr>
               <a:lstStyle/>
               <a:p>
-                <a:pPr indent="0" lvl="0" marL="0" rtl="0" algn="l">
+                <a:pPr marL="0" lvl="0" indent="0" algn="l" rtl="0">
                   <a:spcBef>
                     <a:spcPts val="0"/>
                   </a:spcBef>
@@ -1669,9 +1678,6 @@
                   </a:spcAft>
                   <a:buNone/>
                 </a:pPr>
-                <a:r>
-                  <a:t/>
-                </a:r>
                 <a:endParaRPr/>
               </a:p>
             </p:txBody>
@@ -1689,8 +1695,8 @@
               </a:xfrm>
               <a:prstGeom prst="round2SameRect">
                 <a:avLst>
-                  <a:gd fmla="val 50000" name="adj1"/>
-                  <a:gd fmla="val 0" name="adj2"/>
+                  <a:gd name="adj1" fmla="val 50000"/>
+                  <a:gd name="adj2" fmla="val 0"/>
                 </a:avLst>
               </a:prstGeom>
               <a:solidFill>
@@ -1703,12 +1709,12 @@
               </a:ln>
             </p:spPr>
             <p:txBody>
-              <a:bodyPr anchorCtr="0" anchor="ctr" bIns="91425" lIns="91425" spcFirstLastPara="1" rIns="91425" wrap="square" tIns="91425">
+              <a:bodyPr spcFirstLastPara="1" wrap="square" lIns="91425" tIns="91425" rIns="91425" bIns="91425" anchor="ctr" anchorCtr="0">
                 <a:noAutofit/>
               </a:bodyPr>
               <a:lstStyle/>
               <a:p>
-                <a:pPr indent="0" lvl="0" marL="0" rtl="0" algn="l">
+                <a:pPr marL="0" lvl="0" indent="0" algn="l" rtl="0">
                   <a:spcBef>
                     <a:spcPts val="0"/>
                   </a:spcBef>
@@ -1717,9 +1723,6 @@
                   </a:spcAft>
                   <a:buNone/>
                 </a:pPr>
-                <a:r>
-                  <a:t/>
-                </a:r>
                 <a:endParaRPr/>
               </a:p>
             </p:txBody>
@@ -1737,8 +1740,8 @@
               </a:xfrm>
               <a:prstGeom prst="round2SameRect">
                 <a:avLst>
-                  <a:gd fmla="val 50000" name="adj1"/>
-                  <a:gd fmla="val 0" name="adj2"/>
+                  <a:gd name="adj1" fmla="val 50000"/>
+                  <a:gd name="adj2" fmla="val 0"/>
                 </a:avLst>
               </a:prstGeom>
               <a:solidFill>
@@ -1751,12 +1754,12 @@
               </a:ln>
             </p:spPr>
             <p:txBody>
-              <a:bodyPr anchorCtr="0" anchor="ctr" bIns="91425" lIns="91425" spcFirstLastPara="1" rIns="91425" wrap="square" tIns="91425">
+              <a:bodyPr spcFirstLastPara="1" wrap="square" lIns="91425" tIns="91425" rIns="91425" bIns="91425" anchor="ctr" anchorCtr="0">
                 <a:noAutofit/>
               </a:bodyPr>
               <a:lstStyle/>
               <a:p>
-                <a:pPr indent="0" lvl="0" marL="0" rtl="0" algn="l">
+                <a:pPr marL="0" lvl="0" indent="0" algn="l" rtl="0">
                   <a:spcBef>
                     <a:spcPts val="0"/>
                   </a:spcBef>
@@ -1765,9 +1768,6 @@
                   </a:spcAft>
                   <a:buNone/>
                 </a:pPr>
-                <a:r>
-                  <a:t/>
-                </a:r>
                 <a:endParaRPr/>
               </a:p>
             </p:txBody>
@@ -1785,8 +1785,8 @@
               </a:xfrm>
               <a:prstGeom prst="round2SameRect">
                 <a:avLst>
-                  <a:gd fmla="val 50000" name="adj1"/>
-                  <a:gd fmla="val 0" name="adj2"/>
+                  <a:gd name="adj1" fmla="val 50000"/>
+                  <a:gd name="adj2" fmla="val 0"/>
                 </a:avLst>
               </a:prstGeom>
               <a:solidFill>
@@ -1799,12 +1799,12 @@
               </a:ln>
             </p:spPr>
             <p:txBody>
-              <a:bodyPr anchorCtr="0" anchor="ctr" bIns="91425" lIns="91425" spcFirstLastPara="1" rIns="91425" wrap="square" tIns="91425">
+              <a:bodyPr spcFirstLastPara="1" wrap="square" lIns="91425" tIns="91425" rIns="91425" bIns="91425" anchor="ctr" anchorCtr="0">
                 <a:noAutofit/>
               </a:bodyPr>
               <a:lstStyle/>
               <a:p>
-                <a:pPr indent="0" lvl="0" marL="0" rtl="0" algn="l">
+                <a:pPr marL="0" lvl="0" indent="0" algn="l" rtl="0">
                   <a:spcBef>
                     <a:spcPts val="0"/>
                   </a:spcBef>
@@ -1813,9 +1813,6 @@
                   </a:spcAft>
                   <a:buNone/>
                 </a:pPr>
-                <a:r>
-                  <a:t/>
-                </a:r>
                 <a:endParaRPr/>
               </a:p>
             </p:txBody>
@@ -1833,8 +1830,8 @@
               </a:xfrm>
               <a:prstGeom prst="round2SameRect">
                 <a:avLst>
-                  <a:gd fmla="val 50000" name="adj1"/>
-                  <a:gd fmla="val 0" name="adj2"/>
+                  <a:gd name="adj1" fmla="val 50000"/>
+                  <a:gd name="adj2" fmla="val 0"/>
                 </a:avLst>
               </a:prstGeom>
               <a:solidFill>
@@ -1847,12 +1844,12 @@
               </a:ln>
             </p:spPr>
             <p:txBody>
-              <a:bodyPr anchorCtr="0" anchor="ctr" bIns="91425" lIns="91425" spcFirstLastPara="1" rIns="91425" wrap="square" tIns="91425">
+              <a:bodyPr spcFirstLastPara="1" wrap="square" lIns="91425" tIns="91425" rIns="91425" bIns="91425" anchor="ctr" anchorCtr="0">
                 <a:noAutofit/>
               </a:bodyPr>
               <a:lstStyle/>
               <a:p>
-                <a:pPr indent="0" lvl="0" marL="0" rtl="0" algn="l">
+                <a:pPr marL="0" lvl="0" indent="0" algn="l" rtl="0">
                   <a:spcBef>
                     <a:spcPts val="0"/>
                   </a:spcBef>
@@ -1861,9 +1858,6 @@
                   </a:spcAft>
                   <a:buNone/>
                 </a:pPr>
-                <a:r>
-                  <a:t/>
-                </a:r>
                 <a:endParaRPr/>
               </a:p>
             </p:txBody>
@@ -1873,7 +1867,9 @@
       <p:sp>
         <p:nvSpPr>
           <p:cNvPr id="29" name="Google Shape;29;p2"/>
-          <p:cNvSpPr txBox="1"/>
+          <p:cNvSpPr txBox="1">
+            <a:spLocks noGrp="1"/>
+          </p:cNvSpPr>
           <p:nvPr>
             <p:ph type="ctrTitle"/>
           </p:nvPr>
@@ -1888,7 +1884,7 @@
           </a:prstGeom>
         </p:spPr>
         <p:txBody>
-          <a:bodyPr anchorCtr="0" anchor="ctr" bIns="91425" lIns="91425" spcFirstLastPara="1" rIns="91425" wrap="square" tIns="91425">
+          <a:bodyPr spcFirstLastPara="1" wrap="square" lIns="91425" tIns="91425" rIns="91425" bIns="91425" anchor="ctr" anchorCtr="0">
             <a:noAutofit/>
           </a:bodyPr>
           <a:lstStyle>
@@ -2055,15 +2051,19 @@
               </a:defRPr>
             </a:lvl9pPr>
           </a:lstStyle>
-          <a:p/>
+          <a:p>
+            <a:endParaRPr/>
+          </a:p>
         </p:txBody>
       </p:sp>
       <p:sp>
         <p:nvSpPr>
           <p:cNvPr id="30" name="Google Shape;30;p2"/>
-          <p:cNvSpPr txBox="1"/>
+          <p:cNvSpPr txBox="1">
+            <a:spLocks noGrp="1"/>
+          </p:cNvSpPr>
           <p:nvPr>
-            <p:ph idx="1" type="subTitle"/>
+            <p:ph type="subTitle" idx="1"/>
           </p:nvPr>
         </p:nvSpPr>
         <p:spPr>
@@ -2076,7 +2076,7 @@
           </a:prstGeom>
         </p:spPr>
         <p:txBody>
-          <a:bodyPr anchorCtr="0" anchor="t" bIns="91425" lIns="91425" spcFirstLastPara="1" rIns="91425" wrap="square" tIns="91425">
+          <a:bodyPr spcFirstLastPara="1" wrap="square" lIns="91425" tIns="91425" rIns="91425" bIns="91425" anchor="t" anchorCtr="0">
             <a:noAutofit/>
           </a:bodyPr>
           <a:lstStyle>
@@ -2270,15 +2270,19 @@
               </a:defRPr>
             </a:lvl9pPr>
           </a:lstStyle>
-          <a:p/>
+          <a:p>
+            <a:endParaRPr/>
+          </a:p>
         </p:txBody>
       </p:sp>
       <p:sp>
         <p:nvSpPr>
           <p:cNvPr id="31" name="Google Shape;31;p2"/>
-          <p:cNvSpPr txBox="1"/>
+          <p:cNvSpPr txBox="1">
+            <a:spLocks noGrp="1"/>
+          </p:cNvSpPr>
           <p:nvPr>
-            <p:ph idx="12" type="sldNum"/>
+            <p:ph type="sldNum" idx="12"/>
           </p:nvPr>
         </p:nvSpPr>
         <p:spPr>
@@ -2291,7 +2295,7 @@
           </a:prstGeom>
         </p:spPr>
         <p:txBody>
-          <a:bodyPr anchorCtr="0" anchor="ctr" bIns="91425" lIns="91425" spcFirstLastPara="1" rIns="91425" wrap="square" tIns="91425">
+          <a:bodyPr spcFirstLastPara="1" wrap="square" lIns="91425" tIns="91425" rIns="91425" bIns="91425" anchor="ctr" anchorCtr="0">
             <a:noAutofit/>
           </a:bodyPr>
           <a:lstStyle>
@@ -2369,7 +2373,7 @@
             </a:lvl9pPr>
           </a:lstStyle>
           <a:p>
-            <a:pPr indent="0" lvl="0" marL="0" rtl="0" algn="r">
+            <a:pPr marL="0" lvl="0" indent="0" algn="r" rtl="0">
               <a:spcBef>
                 <a:spcPts val="0"/>
               </a:spcBef>
@@ -2380,7 +2384,7 @@
             </a:pPr>
             <a:fld id="{00000000-1234-1234-1234-123412341234}" type="slidenum">
               <a:rPr lang="pt-BR"/>
-              <a:t>‹#›</a:t>
+              <a:t>‹nº›</a:t>
             </a:fld>
             <a:endParaRPr/>
           </a:p>
@@ -2423,18 +2427,19 @@
 </file>
 
 <file path=ppt/slideLayouts/slideLayout10.xml><?xml version="1.0" encoding="utf-8"?>
-<p:sldLayout xmlns:a="http://schemas.openxmlformats.org/drawingml/2006/main" xmlns:r="http://schemas.openxmlformats.org/officeDocument/2006/relationships" xmlns:mc="http://schemas.openxmlformats.org/markup-compatibility/2006" xmlns:mv="urn:schemas-microsoft-com:mac:vml" xmlns:p="http://schemas.openxmlformats.org/presentationml/2006/main" xmlns:c="http://schemas.openxmlformats.org/drawingml/2006/chart" xmlns:dgm="http://schemas.openxmlformats.org/drawingml/2006/diagram" xmlns:o="urn:schemas-microsoft-com:office:office" xmlns:v="urn:schemas-microsoft-com:vml" xmlns:pvml="urn:schemas-microsoft-com:office:powerpoint" xmlns:com="http://schemas.openxmlformats.org/drawingml/2006/compatibility" xmlns:p14="http://schemas.microsoft.com/office/powerpoint/2010/main" xmlns:p15="http://schemas.microsoft.com/office/powerpoint/2012/main" xmlns:ahyp="http://schemas.microsoft.com/office/drawing/2018/hyperlinkcolor" matchingName="Big number">
+<p:sldLayout xmlns:a="http://schemas.openxmlformats.org/drawingml/2006/main" xmlns:r="http://schemas.openxmlformats.org/officeDocument/2006/relationships" xmlns:p="http://schemas.openxmlformats.org/presentationml/2006/main" matchingName="Big number">
   <p:cSld name="BIG_NUMBER">
     <p:bg>
       <p:bgPr>
         <a:solidFill>
           <a:schemeClr val="accent3"/>
         </a:solidFill>
+        <a:effectLst/>
       </p:bgPr>
     </p:bg>
     <p:spTree>
       <p:nvGrpSpPr>
-        <p:cNvPr id="125" name="Shape 125"/>
+        <p:cNvPr id="1" name="Shape 125"/>
         <p:cNvGrpSpPr/>
         <p:nvPr/>
       </p:nvGrpSpPr>
@@ -2487,8 +2492,8 @@
               </a:xfrm>
               <a:prstGeom prst="round2SameRect">
                 <a:avLst>
-                  <a:gd fmla="val 50000" name="adj1"/>
-                  <a:gd fmla="val 0" name="adj2"/>
+                  <a:gd name="adj1" fmla="val 50000"/>
+                  <a:gd name="adj2" fmla="val 0"/>
                 </a:avLst>
               </a:prstGeom>
               <a:solidFill>
@@ -2501,12 +2506,12 @@
               </a:ln>
             </p:spPr>
             <p:txBody>
-              <a:bodyPr anchorCtr="0" anchor="ctr" bIns="91425" lIns="91425" spcFirstLastPara="1" rIns="91425" wrap="square" tIns="91425">
+              <a:bodyPr spcFirstLastPara="1" wrap="square" lIns="91425" tIns="91425" rIns="91425" bIns="91425" anchor="ctr" anchorCtr="0">
                 <a:noAutofit/>
               </a:bodyPr>
               <a:lstStyle/>
               <a:p>
-                <a:pPr indent="0" lvl="0" marL="0" rtl="0" algn="l">
+                <a:pPr marL="0" lvl="0" indent="0" algn="l" rtl="0">
                   <a:spcBef>
                     <a:spcPts val="0"/>
                   </a:spcBef>
@@ -2515,9 +2520,6 @@
                   </a:spcAft>
                   <a:buNone/>
                 </a:pPr>
-                <a:r>
-                  <a:t/>
-                </a:r>
                 <a:endParaRPr/>
               </a:p>
             </p:txBody>
@@ -2535,8 +2537,8 @@
               </a:xfrm>
               <a:prstGeom prst="round2SameRect">
                 <a:avLst>
-                  <a:gd fmla="val 50000" name="adj1"/>
-                  <a:gd fmla="val 0" name="adj2"/>
+                  <a:gd name="adj1" fmla="val 50000"/>
+                  <a:gd name="adj2" fmla="val 0"/>
                 </a:avLst>
               </a:prstGeom>
               <a:solidFill>
@@ -2549,12 +2551,12 @@
               </a:ln>
             </p:spPr>
             <p:txBody>
-              <a:bodyPr anchorCtr="0" anchor="ctr" bIns="91425" lIns="91425" spcFirstLastPara="1" rIns="91425" wrap="square" tIns="91425">
+              <a:bodyPr spcFirstLastPara="1" wrap="square" lIns="91425" tIns="91425" rIns="91425" bIns="91425" anchor="ctr" anchorCtr="0">
                 <a:noAutofit/>
               </a:bodyPr>
               <a:lstStyle/>
               <a:p>
-                <a:pPr indent="0" lvl="0" marL="0" rtl="0" algn="l">
+                <a:pPr marL="0" lvl="0" indent="0" algn="l" rtl="0">
                   <a:spcBef>
                     <a:spcPts val="0"/>
                   </a:spcBef>
@@ -2563,9 +2565,6 @@
                   </a:spcAft>
                   <a:buNone/>
                 </a:pPr>
-                <a:r>
-                  <a:t/>
-                </a:r>
                 <a:endParaRPr/>
               </a:p>
             </p:txBody>
@@ -2583,8 +2582,8 @@
               </a:xfrm>
               <a:prstGeom prst="round2SameRect">
                 <a:avLst>
-                  <a:gd fmla="val 50000" name="adj1"/>
-                  <a:gd fmla="val 0" name="adj2"/>
+                  <a:gd name="adj1" fmla="val 50000"/>
+                  <a:gd name="adj2" fmla="val 0"/>
                 </a:avLst>
               </a:prstGeom>
               <a:solidFill>
@@ -2597,12 +2596,12 @@
               </a:ln>
             </p:spPr>
             <p:txBody>
-              <a:bodyPr anchorCtr="0" anchor="ctr" bIns="91425" lIns="91425" spcFirstLastPara="1" rIns="91425" wrap="square" tIns="91425">
+              <a:bodyPr spcFirstLastPara="1" wrap="square" lIns="91425" tIns="91425" rIns="91425" bIns="91425" anchor="ctr" anchorCtr="0">
                 <a:noAutofit/>
               </a:bodyPr>
               <a:lstStyle/>
               <a:p>
-                <a:pPr indent="0" lvl="0" marL="0" rtl="0" algn="l">
+                <a:pPr marL="0" lvl="0" indent="0" algn="l" rtl="0">
                   <a:spcBef>
                     <a:spcPts val="0"/>
                   </a:spcBef>
@@ -2611,9 +2610,6 @@
                   </a:spcAft>
                   <a:buNone/>
                 </a:pPr>
-                <a:r>
-                  <a:t/>
-                </a:r>
                 <a:endParaRPr/>
               </a:p>
             </p:txBody>
@@ -2631,8 +2627,8 @@
               </a:xfrm>
               <a:prstGeom prst="round2SameRect">
                 <a:avLst>
-                  <a:gd fmla="val 50000" name="adj1"/>
-                  <a:gd fmla="val 0" name="adj2"/>
+                  <a:gd name="adj1" fmla="val 50000"/>
+                  <a:gd name="adj2" fmla="val 0"/>
                 </a:avLst>
               </a:prstGeom>
               <a:solidFill>
@@ -2645,12 +2641,12 @@
               </a:ln>
             </p:spPr>
             <p:txBody>
-              <a:bodyPr anchorCtr="0" anchor="ctr" bIns="91425" lIns="91425" spcFirstLastPara="1" rIns="91425" wrap="square" tIns="91425">
+              <a:bodyPr spcFirstLastPara="1" wrap="square" lIns="91425" tIns="91425" rIns="91425" bIns="91425" anchor="ctr" anchorCtr="0">
                 <a:noAutofit/>
               </a:bodyPr>
               <a:lstStyle/>
               <a:p>
-                <a:pPr indent="0" lvl="0" marL="0" rtl="0" algn="l">
+                <a:pPr marL="0" lvl="0" indent="0" algn="l" rtl="0">
                   <a:spcBef>
                     <a:spcPts val="0"/>
                   </a:spcBef>
@@ -2659,9 +2655,6 @@
                   </a:spcAft>
                   <a:buNone/>
                 </a:pPr>
-                <a:r>
-                  <a:t/>
-                </a:r>
                 <a:endParaRPr/>
               </a:p>
             </p:txBody>
@@ -2694,8 +2687,8 @@
               </a:xfrm>
               <a:prstGeom prst="round2SameRect">
                 <a:avLst>
-                  <a:gd fmla="val 50000" name="adj1"/>
-                  <a:gd fmla="val 0" name="adj2"/>
+                  <a:gd name="adj1" fmla="val 50000"/>
+                  <a:gd name="adj2" fmla="val 0"/>
                 </a:avLst>
               </a:prstGeom>
               <a:solidFill>
@@ -2708,12 +2701,12 @@
               </a:ln>
             </p:spPr>
             <p:txBody>
-              <a:bodyPr anchorCtr="0" anchor="ctr" bIns="91425" lIns="91425" spcFirstLastPara="1" rIns="91425" wrap="square" tIns="91425">
+              <a:bodyPr spcFirstLastPara="1" wrap="square" lIns="91425" tIns="91425" rIns="91425" bIns="91425" anchor="ctr" anchorCtr="0">
                 <a:noAutofit/>
               </a:bodyPr>
               <a:lstStyle/>
               <a:p>
-                <a:pPr indent="0" lvl="0" marL="0" rtl="0" algn="l">
+                <a:pPr marL="0" lvl="0" indent="0" algn="l" rtl="0">
                   <a:spcBef>
                     <a:spcPts val="0"/>
                   </a:spcBef>
@@ -2722,9 +2715,6 @@
                   </a:spcAft>
                   <a:buNone/>
                 </a:pPr>
-                <a:r>
-                  <a:t/>
-                </a:r>
                 <a:endParaRPr/>
               </a:p>
             </p:txBody>
@@ -2742,8 +2732,8 @@
               </a:xfrm>
               <a:prstGeom prst="round2SameRect">
                 <a:avLst>
-                  <a:gd fmla="val 50000" name="adj1"/>
-                  <a:gd fmla="val 0" name="adj2"/>
+                  <a:gd name="adj1" fmla="val 50000"/>
+                  <a:gd name="adj2" fmla="val 0"/>
                 </a:avLst>
               </a:prstGeom>
               <a:solidFill>
@@ -2756,12 +2746,12 @@
               </a:ln>
             </p:spPr>
             <p:txBody>
-              <a:bodyPr anchorCtr="0" anchor="ctr" bIns="91425" lIns="91425" spcFirstLastPara="1" rIns="91425" wrap="square" tIns="91425">
+              <a:bodyPr spcFirstLastPara="1" wrap="square" lIns="91425" tIns="91425" rIns="91425" bIns="91425" anchor="ctr" anchorCtr="0">
                 <a:noAutofit/>
               </a:bodyPr>
               <a:lstStyle/>
               <a:p>
-                <a:pPr indent="0" lvl="0" marL="0" rtl="0" algn="l">
+                <a:pPr marL="0" lvl="0" indent="0" algn="l" rtl="0">
                   <a:spcBef>
                     <a:spcPts val="0"/>
                   </a:spcBef>
@@ -2770,9 +2760,6 @@
                   </a:spcAft>
                   <a:buNone/>
                 </a:pPr>
-                <a:r>
-                  <a:t/>
-                </a:r>
                 <a:endParaRPr/>
               </a:p>
             </p:txBody>
@@ -2790,8 +2777,8 @@
               </a:xfrm>
               <a:prstGeom prst="round2SameRect">
                 <a:avLst>
-                  <a:gd fmla="val 50000" name="adj1"/>
-                  <a:gd fmla="val 0" name="adj2"/>
+                  <a:gd name="adj1" fmla="val 50000"/>
+                  <a:gd name="adj2" fmla="val 0"/>
                 </a:avLst>
               </a:prstGeom>
               <a:solidFill>
@@ -2804,12 +2791,12 @@
               </a:ln>
             </p:spPr>
             <p:txBody>
-              <a:bodyPr anchorCtr="0" anchor="ctr" bIns="91425" lIns="91425" spcFirstLastPara="1" rIns="91425" wrap="square" tIns="91425">
+              <a:bodyPr spcFirstLastPara="1" wrap="square" lIns="91425" tIns="91425" rIns="91425" bIns="91425" anchor="ctr" anchorCtr="0">
                 <a:noAutofit/>
               </a:bodyPr>
               <a:lstStyle/>
               <a:p>
-                <a:pPr indent="0" lvl="0" marL="0" rtl="0" algn="l">
+                <a:pPr marL="0" lvl="0" indent="0" algn="l" rtl="0">
                   <a:spcBef>
                     <a:spcPts val="0"/>
                   </a:spcBef>
@@ -2818,9 +2805,6 @@
                   </a:spcAft>
                   <a:buNone/>
                 </a:pPr>
-                <a:r>
-                  <a:t/>
-                </a:r>
                 <a:endParaRPr/>
               </a:p>
             </p:txBody>
@@ -2838,8 +2822,8 @@
               </a:xfrm>
               <a:prstGeom prst="round2SameRect">
                 <a:avLst>
-                  <a:gd fmla="val 50000" name="adj1"/>
-                  <a:gd fmla="val 0" name="adj2"/>
+                  <a:gd name="adj1" fmla="val 50000"/>
+                  <a:gd name="adj2" fmla="val 0"/>
                 </a:avLst>
               </a:prstGeom>
               <a:solidFill>
@@ -2852,12 +2836,12 @@
               </a:ln>
             </p:spPr>
             <p:txBody>
-              <a:bodyPr anchorCtr="0" anchor="ctr" bIns="91425" lIns="91425" spcFirstLastPara="1" rIns="91425" wrap="square" tIns="91425">
+              <a:bodyPr spcFirstLastPara="1" wrap="square" lIns="91425" tIns="91425" rIns="91425" bIns="91425" anchor="ctr" anchorCtr="0">
                 <a:noAutofit/>
               </a:bodyPr>
               <a:lstStyle/>
               <a:p>
-                <a:pPr indent="0" lvl="0" marL="0" rtl="0" algn="l">
+                <a:pPr marL="0" lvl="0" indent="0" algn="l" rtl="0">
                   <a:spcBef>
                     <a:spcPts val="0"/>
                   </a:spcBef>
@@ -2866,9 +2850,6 @@
                   </a:spcAft>
                   <a:buNone/>
                 </a:pPr>
-                <a:r>
-                  <a:t/>
-                </a:r>
                 <a:endParaRPr/>
               </a:p>
             </p:txBody>
@@ -2886,8 +2867,8 @@
               </a:xfrm>
               <a:prstGeom prst="round2SameRect">
                 <a:avLst>
-                  <a:gd fmla="val 50000" name="adj1"/>
-                  <a:gd fmla="val 0" name="adj2"/>
+                  <a:gd name="adj1" fmla="val 50000"/>
+                  <a:gd name="adj2" fmla="val 0"/>
                 </a:avLst>
               </a:prstGeom>
               <a:solidFill>
@@ -2900,12 +2881,12 @@
               </a:ln>
             </p:spPr>
             <p:txBody>
-              <a:bodyPr anchorCtr="0" anchor="ctr" bIns="91425" lIns="91425" spcFirstLastPara="1" rIns="91425" wrap="square" tIns="91425">
+              <a:bodyPr spcFirstLastPara="1" wrap="square" lIns="91425" tIns="91425" rIns="91425" bIns="91425" anchor="ctr" anchorCtr="0">
                 <a:noAutofit/>
               </a:bodyPr>
               <a:lstStyle/>
               <a:p>
-                <a:pPr indent="0" lvl="0" marL="0" rtl="0" algn="l">
+                <a:pPr marL="0" lvl="0" indent="0" algn="l" rtl="0">
                   <a:spcBef>
                     <a:spcPts val="0"/>
                   </a:spcBef>
@@ -2914,9 +2895,6 @@
                   </a:spcAft>
                   <a:buNone/>
                 </a:pPr>
-                <a:r>
-                  <a:t/>
-                </a:r>
                 <a:endParaRPr/>
               </a:p>
             </p:txBody>
@@ -2949,8 +2927,8 @@
               </a:xfrm>
               <a:prstGeom prst="round2SameRect">
                 <a:avLst>
-                  <a:gd fmla="val 50000" name="adj1"/>
-                  <a:gd fmla="val 0" name="adj2"/>
+                  <a:gd name="adj1" fmla="val 50000"/>
+                  <a:gd name="adj2" fmla="val 0"/>
                 </a:avLst>
               </a:prstGeom>
               <a:solidFill>
@@ -2963,12 +2941,12 @@
               </a:ln>
             </p:spPr>
             <p:txBody>
-              <a:bodyPr anchorCtr="0" anchor="ctr" bIns="91425" lIns="91425" spcFirstLastPara="1" rIns="91425" wrap="square" tIns="91425">
+              <a:bodyPr spcFirstLastPara="1" wrap="square" lIns="91425" tIns="91425" rIns="91425" bIns="91425" anchor="ctr" anchorCtr="0">
                 <a:noAutofit/>
               </a:bodyPr>
               <a:lstStyle/>
               <a:p>
-                <a:pPr indent="0" lvl="0" marL="0" rtl="0" algn="l">
+                <a:pPr marL="0" lvl="0" indent="0" algn="l" rtl="0">
                   <a:spcBef>
                     <a:spcPts val="0"/>
                   </a:spcBef>
@@ -2977,9 +2955,6 @@
                   </a:spcAft>
                   <a:buNone/>
                 </a:pPr>
-                <a:r>
-                  <a:t/>
-                </a:r>
                 <a:endParaRPr/>
               </a:p>
             </p:txBody>
@@ -2997,8 +2972,8 @@
               </a:xfrm>
               <a:prstGeom prst="round2SameRect">
                 <a:avLst>
-                  <a:gd fmla="val 50000" name="adj1"/>
-                  <a:gd fmla="val 0" name="adj2"/>
+                  <a:gd name="adj1" fmla="val 50000"/>
+                  <a:gd name="adj2" fmla="val 0"/>
                 </a:avLst>
               </a:prstGeom>
               <a:solidFill>
@@ -3011,12 +2986,12 @@
               </a:ln>
             </p:spPr>
             <p:txBody>
-              <a:bodyPr anchorCtr="0" anchor="ctr" bIns="91425" lIns="91425" spcFirstLastPara="1" rIns="91425" wrap="square" tIns="91425">
+              <a:bodyPr spcFirstLastPara="1" wrap="square" lIns="91425" tIns="91425" rIns="91425" bIns="91425" anchor="ctr" anchorCtr="0">
                 <a:noAutofit/>
               </a:bodyPr>
               <a:lstStyle/>
               <a:p>
-                <a:pPr indent="0" lvl="0" marL="0" rtl="0" algn="l">
+                <a:pPr marL="0" lvl="0" indent="0" algn="l" rtl="0">
                   <a:spcBef>
                     <a:spcPts val="0"/>
                   </a:spcBef>
@@ -3025,9 +3000,6 @@
                   </a:spcAft>
                   <a:buNone/>
                 </a:pPr>
-                <a:r>
-                  <a:t/>
-                </a:r>
                 <a:endParaRPr/>
               </a:p>
             </p:txBody>
@@ -3045,8 +3017,8 @@
               </a:xfrm>
               <a:prstGeom prst="round2SameRect">
                 <a:avLst>
-                  <a:gd fmla="val 50000" name="adj1"/>
-                  <a:gd fmla="val 0" name="adj2"/>
+                  <a:gd name="adj1" fmla="val 50000"/>
+                  <a:gd name="adj2" fmla="val 0"/>
                 </a:avLst>
               </a:prstGeom>
               <a:solidFill>
@@ -3059,12 +3031,12 @@
               </a:ln>
             </p:spPr>
             <p:txBody>
-              <a:bodyPr anchorCtr="0" anchor="ctr" bIns="91425" lIns="91425" spcFirstLastPara="1" rIns="91425" wrap="square" tIns="91425">
+              <a:bodyPr spcFirstLastPara="1" wrap="square" lIns="91425" tIns="91425" rIns="91425" bIns="91425" anchor="ctr" anchorCtr="0">
                 <a:noAutofit/>
               </a:bodyPr>
               <a:lstStyle/>
               <a:p>
-                <a:pPr indent="0" lvl="0" marL="0" rtl="0" algn="l">
+                <a:pPr marL="0" lvl="0" indent="0" algn="l" rtl="0">
                   <a:spcBef>
                     <a:spcPts val="0"/>
                   </a:spcBef>
@@ -3073,9 +3045,6 @@
                   </a:spcAft>
                   <a:buNone/>
                 </a:pPr>
-                <a:r>
-                  <a:t/>
-                </a:r>
                 <a:endParaRPr/>
               </a:p>
             </p:txBody>
@@ -3093,8 +3062,8 @@
               </a:xfrm>
               <a:prstGeom prst="round2SameRect">
                 <a:avLst>
-                  <a:gd fmla="val 50000" name="adj1"/>
-                  <a:gd fmla="val 0" name="adj2"/>
+                  <a:gd name="adj1" fmla="val 50000"/>
+                  <a:gd name="adj2" fmla="val 0"/>
                 </a:avLst>
               </a:prstGeom>
               <a:solidFill>
@@ -3107,12 +3076,12 @@
               </a:ln>
             </p:spPr>
             <p:txBody>
-              <a:bodyPr anchorCtr="0" anchor="ctr" bIns="91425" lIns="91425" spcFirstLastPara="1" rIns="91425" wrap="square" tIns="91425">
+              <a:bodyPr spcFirstLastPara="1" wrap="square" lIns="91425" tIns="91425" rIns="91425" bIns="91425" anchor="ctr" anchorCtr="0">
                 <a:noAutofit/>
               </a:bodyPr>
               <a:lstStyle/>
               <a:p>
-                <a:pPr indent="0" lvl="0" marL="0" rtl="0" algn="l">
+                <a:pPr marL="0" lvl="0" indent="0" algn="l" rtl="0">
                   <a:spcBef>
                     <a:spcPts val="0"/>
                   </a:spcBef>
@@ -3121,9 +3090,6 @@
                   </a:spcAft>
                   <a:buNone/>
                 </a:pPr>
-                <a:r>
-                  <a:t/>
-                </a:r>
                 <a:endParaRPr/>
               </a:p>
             </p:txBody>
@@ -3156,8 +3122,8 @@
               </a:xfrm>
               <a:prstGeom prst="round2SameRect">
                 <a:avLst>
-                  <a:gd fmla="val 50000" name="adj1"/>
-                  <a:gd fmla="val 0" name="adj2"/>
+                  <a:gd name="adj1" fmla="val 50000"/>
+                  <a:gd name="adj2" fmla="val 0"/>
                 </a:avLst>
               </a:prstGeom>
               <a:solidFill>
@@ -3170,12 +3136,12 @@
               </a:ln>
             </p:spPr>
             <p:txBody>
-              <a:bodyPr anchorCtr="0" anchor="ctr" bIns="91425" lIns="91425" spcFirstLastPara="1" rIns="91425" wrap="square" tIns="91425">
+              <a:bodyPr spcFirstLastPara="1" wrap="square" lIns="91425" tIns="91425" rIns="91425" bIns="91425" anchor="ctr" anchorCtr="0">
                 <a:noAutofit/>
               </a:bodyPr>
               <a:lstStyle/>
               <a:p>
-                <a:pPr indent="0" lvl="0" marL="0" rtl="0" algn="l">
+                <a:pPr marL="0" lvl="0" indent="0" algn="l" rtl="0">
                   <a:spcBef>
                     <a:spcPts val="0"/>
                   </a:spcBef>
@@ -3184,9 +3150,6 @@
                   </a:spcAft>
                   <a:buNone/>
                 </a:pPr>
-                <a:r>
-                  <a:t/>
-                </a:r>
                 <a:endParaRPr/>
               </a:p>
             </p:txBody>
@@ -3204,8 +3167,8 @@
               </a:xfrm>
               <a:prstGeom prst="round2SameRect">
                 <a:avLst>
-                  <a:gd fmla="val 50000" name="adj1"/>
-                  <a:gd fmla="val 0" name="adj2"/>
+                  <a:gd name="adj1" fmla="val 50000"/>
+                  <a:gd name="adj2" fmla="val 0"/>
                 </a:avLst>
               </a:prstGeom>
               <a:solidFill>
@@ -3218,12 +3181,12 @@
               </a:ln>
             </p:spPr>
             <p:txBody>
-              <a:bodyPr anchorCtr="0" anchor="ctr" bIns="91425" lIns="91425" spcFirstLastPara="1" rIns="91425" wrap="square" tIns="91425">
+              <a:bodyPr spcFirstLastPara="1" wrap="square" lIns="91425" tIns="91425" rIns="91425" bIns="91425" anchor="ctr" anchorCtr="0">
                 <a:noAutofit/>
               </a:bodyPr>
               <a:lstStyle/>
               <a:p>
-                <a:pPr indent="0" lvl="0" marL="0" rtl="0" algn="l">
+                <a:pPr marL="0" lvl="0" indent="0" algn="l" rtl="0">
                   <a:spcBef>
                     <a:spcPts val="0"/>
                   </a:spcBef>
@@ -3232,9 +3195,6 @@
                   </a:spcAft>
                   <a:buNone/>
                 </a:pPr>
-                <a:r>
-                  <a:t/>
-                </a:r>
                 <a:endParaRPr/>
               </a:p>
             </p:txBody>
@@ -3252,8 +3212,8 @@
               </a:xfrm>
               <a:prstGeom prst="round2SameRect">
                 <a:avLst>
-                  <a:gd fmla="val 50000" name="adj1"/>
-                  <a:gd fmla="val 0" name="adj2"/>
+                  <a:gd name="adj1" fmla="val 50000"/>
+                  <a:gd name="adj2" fmla="val 0"/>
                 </a:avLst>
               </a:prstGeom>
               <a:solidFill>
@@ -3266,12 +3226,12 @@
               </a:ln>
             </p:spPr>
             <p:txBody>
-              <a:bodyPr anchorCtr="0" anchor="ctr" bIns="91425" lIns="91425" spcFirstLastPara="1" rIns="91425" wrap="square" tIns="91425">
+              <a:bodyPr spcFirstLastPara="1" wrap="square" lIns="91425" tIns="91425" rIns="91425" bIns="91425" anchor="ctr" anchorCtr="0">
                 <a:noAutofit/>
               </a:bodyPr>
               <a:lstStyle/>
               <a:p>
-                <a:pPr indent="0" lvl="0" marL="0" rtl="0" algn="l">
+                <a:pPr marL="0" lvl="0" indent="0" algn="l" rtl="0">
                   <a:spcBef>
                     <a:spcPts val="0"/>
                   </a:spcBef>
@@ -3280,9 +3240,6 @@
                   </a:spcAft>
                   <a:buNone/>
                 </a:pPr>
-                <a:r>
-                  <a:t/>
-                </a:r>
                 <a:endParaRPr/>
               </a:p>
             </p:txBody>
@@ -3315,8 +3272,8 @@
               </a:xfrm>
               <a:prstGeom prst="round2SameRect">
                 <a:avLst>
-                  <a:gd fmla="val 50000" name="adj1"/>
-                  <a:gd fmla="val 0" name="adj2"/>
+                  <a:gd name="adj1" fmla="val 50000"/>
+                  <a:gd name="adj2" fmla="val 0"/>
                 </a:avLst>
               </a:prstGeom>
               <a:solidFill>
@@ -3329,12 +3286,12 @@
               </a:ln>
             </p:spPr>
             <p:txBody>
-              <a:bodyPr anchorCtr="0" anchor="ctr" bIns="91425" lIns="91425" spcFirstLastPara="1" rIns="91425" wrap="square" tIns="91425">
+              <a:bodyPr spcFirstLastPara="1" wrap="square" lIns="91425" tIns="91425" rIns="91425" bIns="91425" anchor="ctr" anchorCtr="0">
                 <a:noAutofit/>
               </a:bodyPr>
               <a:lstStyle/>
               <a:p>
-                <a:pPr indent="0" lvl="0" marL="0" rtl="0" algn="l">
+                <a:pPr marL="0" lvl="0" indent="0" algn="l" rtl="0">
                   <a:spcBef>
                     <a:spcPts val="0"/>
                   </a:spcBef>
@@ -3343,9 +3300,6 @@
                   </a:spcAft>
                   <a:buNone/>
                 </a:pPr>
-                <a:r>
-                  <a:t/>
-                </a:r>
                 <a:endParaRPr/>
               </a:p>
             </p:txBody>
@@ -3363,8 +3317,8 @@
               </a:xfrm>
               <a:prstGeom prst="round2SameRect">
                 <a:avLst>
-                  <a:gd fmla="val 50000" name="adj1"/>
-                  <a:gd fmla="val 0" name="adj2"/>
+                  <a:gd name="adj1" fmla="val 50000"/>
+                  <a:gd name="adj2" fmla="val 0"/>
                 </a:avLst>
               </a:prstGeom>
               <a:solidFill>
@@ -3377,12 +3331,12 @@
               </a:ln>
             </p:spPr>
             <p:txBody>
-              <a:bodyPr anchorCtr="0" anchor="ctr" bIns="91425" lIns="91425" spcFirstLastPara="1" rIns="91425" wrap="square" tIns="91425">
+              <a:bodyPr spcFirstLastPara="1" wrap="square" lIns="91425" tIns="91425" rIns="91425" bIns="91425" anchor="ctr" anchorCtr="0">
                 <a:noAutofit/>
               </a:bodyPr>
               <a:lstStyle/>
               <a:p>
-                <a:pPr indent="0" lvl="0" marL="0" rtl="0" algn="l">
+                <a:pPr marL="0" lvl="0" indent="0" algn="l" rtl="0">
                   <a:spcBef>
                     <a:spcPts val="0"/>
                   </a:spcBef>
@@ -3391,9 +3345,6 @@
                   </a:spcAft>
                   <a:buNone/>
                 </a:pPr>
-                <a:r>
-                  <a:t/>
-                </a:r>
                 <a:endParaRPr/>
               </a:p>
             </p:txBody>
@@ -3411,8 +3362,8 @@
               </a:xfrm>
               <a:prstGeom prst="round2SameRect">
                 <a:avLst>
-                  <a:gd fmla="val 50000" name="adj1"/>
-                  <a:gd fmla="val 0" name="adj2"/>
+                  <a:gd name="adj1" fmla="val 50000"/>
+                  <a:gd name="adj2" fmla="val 0"/>
                 </a:avLst>
               </a:prstGeom>
               <a:solidFill>
@@ -3425,12 +3376,12 @@
               </a:ln>
             </p:spPr>
             <p:txBody>
-              <a:bodyPr anchorCtr="0" anchor="ctr" bIns="91425" lIns="91425" spcFirstLastPara="1" rIns="91425" wrap="square" tIns="91425">
+              <a:bodyPr spcFirstLastPara="1" wrap="square" lIns="91425" tIns="91425" rIns="91425" bIns="91425" anchor="ctr" anchorCtr="0">
                 <a:noAutofit/>
               </a:bodyPr>
               <a:lstStyle/>
               <a:p>
-                <a:pPr indent="0" lvl="0" marL="0" rtl="0" algn="l">
+                <a:pPr marL="0" lvl="0" indent="0" algn="l" rtl="0">
                   <a:spcBef>
                     <a:spcPts val="0"/>
                   </a:spcBef>
@@ -3439,9 +3390,6 @@
                   </a:spcAft>
                   <a:buNone/>
                 </a:pPr>
-                <a:r>
-                  <a:t/>
-                </a:r>
                 <a:endParaRPr/>
               </a:p>
             </p:txBody>
@@ -3459,8 +3407,8 @@
               </a:xfrm>
               <a:prstGeom prst="round2SameRect">
                 <a:avLst>
-                  <a:gd fmla="val 50000" name="adj1"/>
-                  <a:gd fmla="val 0" name="adj2"/>
+                  <a:gd name="adj1" fmla="val 50000"/>
+                  <a:gd name="adj2" fmla="val 0"/>
                 </a:avLst>
               </a:prstGeom>
               <a:solidFill>
@@ -3473,12 +3421,12 @@
               </a:ln>
             </p:spPr>
             <p:txBody>
-              <a:bodyPr anchorCtr="0" anchor="ctr" bIns="91425" lIns="91425" spcFirstLastPara="1" rIns="91425" wrap="square" tIns="91425">
+              <a:bodyPr spcFirstLastPara="1" wrap="square" lIns="91425" tIns="91425" rIns="91425" bIns="91425" anchor="ctr" anchorCtr="0">
                 <a:noAutofit/>
               </a:bodyPr>
               <a:lstStyle/>
               <a:p>
-                <a:pPr indent="0" lvl="0" marL="0" rtl="0" algn="l">
+                <a:pPr marL="0" lvl="0" indent="0" algn="l" rtl="0">
                   <a:spcBef>
                     <a:spcPts val="0"/>
                   </a:spcBef>
@@ -3487,9 +3435,6 @@
                   </a:spcAft>
                   <a:buNone/>
                 </a:pPr>
-                <a:r>
-                  <a:t/>
-                </a:r>
                 <a:endParaRPr/>
               </a:p>
             </p:txBody>
@@ -3507,8 +3452,8 @@
               </a:xfrm>
               <a:prstGeom prst="round2SameRect">
                 <a:avLst>
-                  <a:gd fmla="val 50000" name="adj1"/>
-                  <a:gd fmla="val 0" name="adj2"/>
+                  <a:gd name="adj1" fmla="val 50000"/>
+                  <a:gd name="adj2" fmla="val 0"/>
                 </a:avLst>
               </a:prstGeom>
               <a:solidFill>
@@ -3521,12 +3466,12 @@
               </a:ln>
             </p:spPr>
             <p:txBody>
-              <a:bodyPr anchorCtr="0" anchor="ctr" bIns="91425" lIns="91425" spcFirstLastPara="1" rIns="91425" wrap="square" tIns="91425">
+              <a:bodyPr spcFirstLastPara="1" wrap="square" lIns="91425" tIns="91425" rIns="91425" bIns="91425" anchor="ctr" anchorCtr="0">
                 <a:noAutofit/>
               </a:bodyPr>
               <a:lstStyle/>
               <a:p>
-                <a:pPr indent="0" lvl="0" marL="0" rtl="0" algn="l">
+                <a:pPr marL="0" lvl="0" indent="0" algn="l" rtl="0">
                   <a:spcBef>
                     <a:spcPts val="0"/>
                   </a:spcBef>
@@ -3535,9 +3480,6 @@
                   </a:spcAft>
                   <a:buNone/>
                 </a:pPr>
-                <a:r>
-                  <a:t/>
-                </a:r>
                 <a:endParaRPr/>
               </a:p>
             </p:txBody>
@@ -3570,8 +3512,8 @@
               </a:xfrm>
               <a:prstGeom prst="round2SameRect">
                 <a:avLst>
-                  <a:gd fmla="val 50000" name="adj1"/>
-                  <a:gd fmla="val 0" name="adj2"/>
+                  <a:gd name="adj1" fmla="val 50000"/>
+                  <a:gd name="adj2" fmla="val 0"/>
                 </a:avLst>
               </a:prstGeom>
               <a:solidFill>
@@ -3584,12 +3526,12 @@
               </a:ln>
             </p:spPr>
             <p:txBody>
-              <a:bodyPr anchorCtr="0" anchor="ctr" bIns="91425" lIns="91425" spcFirstLastPara="1" rIns="91425" wrap="square" tIns="91425">
+              <a:bodyPr spcFirstLastPara="1" wrap="square" lIns="91425" tIns="91425" rIns="91425" bIns="91425" anchor="ctr" anchorCtr="0">
                 <a:noAutofit/>
               </a:bodyPr>
               <a:lstStyle/>
               <a:p>
-                <a:pPr indent="0" lvl="0" marL="0" rtl="0" algn="l">
+                <a:pPr marL="0" lvl="0" indent="0" algn="l" rtl="0">
                   <a:spcBef>
                     <a:spcPts val="0"/>
                   </a:spcBef>
@@ -3598,9 +3540,6 @@
                   </a:spcAft>
                   <a:buNone/>
                 </a:pPr>
-                <a:r>
-                  <a:t/>
-                </a:r>
                 <a:endParaRPr/>
               </a:p>
             </p:txBody>
@@ -3618,8 +3557,8 @@
               </a:xfrm>
               <a:prstGeom prst="round2SameRect">
                 <a:avLst>
-                  <a:gd fmla="val 50000" name="adj1"/>
-                  <a:gd fmla="val 0" name="adj2"/>
+                  <a:gd name="adj1" fmla="val 50000"/>
+                  <a:gd name="adj2" fmla="val 0"/>
                 </a:avLst>
               </a:prstGeom>
               <a:solidFill>
@@ -3632,12 +3571,12 @@
               </a:ln>
             </p:spPr>
             <p:txBody>
-              <a:bodyPr anchorCtr="0" anchor="ctr" bIns="91425" lIns="91425" spcFirstLastPara="1" rIns="91425" wrap="square" tIns="91425">
+              <a:bodyPr spcFirstLastPara="1" wrap="square" lIns="91425" tIns="91425" rIns="91425" bIns="91425" anchor="ctr" anchorCtr="0">
                 <a:noAutofit/>
               </a:bodyPr>
               <a:lstStyle/>
               <a:p>
-                <a:pPr indent="0" lvl="0" marL="0" rtl="0" algn="l">
+                <a:pPr marL="0" lvl="0" indent="0" algn="l" rtl="0">
                   <a:spcBef>
                     <a:spcPts val="0"/>
                   </a:spcBef>
@@ -3646,9 +3585,6 @@
                   </a:spcAft>
                   <a:buNone/>
                 </a:pPr>
-                <a:r>
-                  <a:t/>
-                </a:r>
                 <a:endParaRPr/>
               </a:p>
             </p:txBody>
@@ -3666,8 +3602,8 @@
               </a:xfrm>
               <a:prstGeom prst="round2SameRect">
                 <a:avLst>
-                  <a:gd fmla="val 50000" name="adj1"/>
-                  <a:gd fmla="val 0" name="adj2"/>
+                  <a:gd name="adj1" fmla="val 50000"/>
+                  <a:gd name="adj2" fmla="val 0"/>
                 </a:avLst>
               </a:prstGeom>
               <a:solidFill>
@@ -3680,12 +3616,12 @@
               </a:ln>
             </p:spPr>
             <p:txBody>
-              <a:bodyPr anchorCtr="0" anchor="ctr" bIns="91425" lIns="91425" spcFirstLastPara="1" rIns="91425" wrap="square" tIns="91425">
+              <a:bodyPr spcFirstLastPara="1" wrap="square" lIns="91425" tIns="91425" rIns="91425" bIns="91425" anchor="ctr" anchorCtr="0">
                 <a:noAutofit/>
               </a:bodyPr>
               <a:lstStyle/>
               <a:p>
-                <a:pPr indent="0" lvl="0" marL="0" rtl="0" algn="l">
+                <a:pPr marL="0" lvl="0" indent="0" algn="l" rtl="0">
                   <a:spcBef>
                     <a:spcPts val="0"/>
                   </a:spcBef>
@@ -3694,9 +3630,6 @@
                   </a:spcAft>
                   <a:buNone/>
                 </a:pPr>
-                <a:r>
-                  <a:t/>
-                </a:r>
                 <a:endParaRPr/>
               </a:p>
             </p:txBody>
@@ -3714,8 +3647,8 @@
               </a:xfrm>
               <a:prstGeom prst="round2SameRect">
                 <a:avLst>
-                  <a:gd fmla="val 50000" name="adj1"/>
-                  <a:gd fmla="val 0" name="adj2"/>
+                  <a:gd name="adj1" fmla="val 50000"/>
+                  <a:gd name="adj2" fmla="val 0"/>
                 </a:avLst>
               </a:prstGeom>
               <a:solidFill>
@@ -3728,12 +3661,12 @@
               </a:ln>
             </p:spPr>
             <p:txBody>
-              <a:bodyPr anchorCtr="0" anchor="ctr" bIns="91425" lIns="91425" spcFirstLastPara="1" rIns="91425" wrap="square" tIns="91425">
+              <a:bodyPr spcFirstLastPara="1" wrap="square" lIns="91425" tIns="91425" rIns="91425" bIns="91425" anchor="ctr" anchorCtr="0">
                 <a:noAutofit/>
               </a:bodyPr>
               <a:lstStyle/>
               <a:p>
-                <a:pPr indent="0" lvl="0" marL="0" rtl="0" algn="l">
+                <a:pPr marL="0" lvl="0" indent="0" algn="l" rtl="0">
                   <a:spcBef>
                     <a:spcPts val="0"/>
                   </a:spcBef>
@@ -3742,9 +3675,6 @@
                   </a:spcAft>
                   <a:buNone/>
                 </a:pPr>
-                <a:r>
-                  <a:t/>
-                </a:r>
                 <a:endParaRPr/>
               </a:p>
             </p:txBody>
@@ -3777,8 +3707,8 @@
               </a:xfrm>
               <a:prstGeom prst="round2SameRect">
                 <a:avLst>
-                  <a:gd fmla="val 50000" name="adj1"/>
-                  <a:gd fmla="val 0" name="adj2"/>
+                  <a:gd name="adj1" fmla="val 50000"/>
+                  <a:gd name="adj2" fmla="val 0"/>
                 </a:avLst>
               </a:prstGeom>
               <a:solidFill>
@@ -3791,12 +3721,12 @@
               </a:ln>
             </p:spPr>
             <p:txBody>
-              <a:bodyPr anchorCtr="0" anchor="ctr" bIns="91425" lIns="91425" spcFirstLastPara="1" rIns="91425" wrap="square" tIns="91425">
+              <a:bodyPr spcFirstLastPara="1" wrap="square" lIns="91425" tIns="91425" rIns="91425" bIns="91425" anchor="ctr" anchorCtr="0">
                 <a:noAutofit/>
               </a:bodyPr>
               <a:lstStyle/>
               <a:p>
-                <a:pPr indent="0" lvl="0" marL="0" rtl="0" algn="l">
+                <a:pPr marL="0" lvl="0" indent="0" algn="l" rtl="0">
                   <a:spcBef>
                     <a:spcPts val="0"/>
                   </a:spcBef>
@@ -3805,9 +3735,6 @@
                   </a:spcAft>
                   <a:buNone/>
                 </a:pPr>
-                <a:r>
-                  <a:t/>
-                </a:r>
                 <a:endParaRPr/>
               </a:p>
             </p:txBody>
@@ -3825,8 +3752,8 @@
               </a:xfrm>
               <a:prstGeom prst="round2SameRect">
                 <a:avLst>
-                  <a:gd fmla="val 50000" name="adj1"/>
-                  <a:gd fmla="val 0" name="adj2"/>
+                  <a:gd name="adj1" fmla="val 50000"/>
+                  <a:gd name="adj2" fmla="val 0"/>
                 </a:avLst>
               </a:prstGeom>
               <a:solidFill>
@@ -3839,12 +3766,12 @@
               </a:ln>
             </p:spPr>
             <p:txBody>
-              <a:bodyPr anchorCtr="0" anchor="ctr" bIns="91425" lIns="91425" spcFirstLastPara="1" rIns="91425" wrap="square" tIns="91425">
+              <a:bodyPr spcFirstLastPara="1" wrap="square" lIns="91425" tIns="91425" rIns="91425" bIns="91425" anchor="ctr" anchorCtr="0">
                 <a:noAutofit/>
               </a:bodyPr>
               <a:lstStyle/>
               <a:p>
-                <a:pPr indent="0" lvl="0" marL="0" rtl="0" algn="l">
+                <a:pPr marL="0" lvl="0" indent="0" algn="l" rtl="0">
                   <a:spcBef>
                     <a:spcPts val="0"/>
                   </a:spcBef>
@@ -3853,9 +3780,6 @@
                   </a:spcAft>
                   <a:buNone/>
                 </a:pPr>
-                <a:r>
-                  <a:t/>
-                </a:r>
                 <a:endParaRPr/>
               </a:p>
             </p:txBody>
@@ -3873,8 +3797,8 @@
               </a:xfrm>
               <a:prstGeom prst="round2SameRect">
                 <a:avLst>
-                  <a:gd fmla="val 50000" name="adj1"/>
-                  <a:gd fmla="val 0" name="adj2"/>
+                  <a:gd name="adj1" fmla="val 50000"/>
+                  <a:gd name="adj2" fmla="val 0"/>
                 </a:avLst>
               </a:prstGeom>
               <a:solidFill>
@@ -3887,12 +3811,12 @@
               </a:ln>
             </p:spPr>
             <p:txBody>
-              <a:bodyPr anchorCtr="0" anchor="ctr" bIns="91425" lIns="91425" spcFirstLastPara="1" rIns="91425" wrap="square" tIns="91425">
+              <a:bodyPr spcFirstLastPara="1" wrap="square" lIns="91425" tIns="91425" rIns="91425" bIns="91425" anchor="ctr" anchorCtr="0">
                 <a:noAutofit/>
               </a:bodyPr>
               <a:lstStyle/>
               <a:p>
-                <a:pPr indent="0" lvl="0" marL="0" rtl="0" algn="l">
+                <a:pPr marL="0" lvl="0" indent="0" algn="l" rtl="0">
                   <a:spcBef>
                     <a:spcPts val="0"/>
                   </a:spcBef>
@@ -3901,9 +3825,6 @@
                   </a:spcAft>
                   <a:buNone/>
                 </a:pPr>
-                <a:r>
-                  <a:t/>
-                </a:r>
                 <a:endParaRPr/>
               </a:p>
             </p:txBody>
@@ -3936,8 +3857,8 @@
               </a:xfrm>
               <a:prstGeom prst="round2SameRect">
                 <a:avLst>
-                  <a:gd fmla="val 50000" name="adj1"/>
-                  <a:gd fmla="val 0" name="adj2"/>
+                  <a:gd name="adj1" fmla="val 50000"/>
+                  <a:gd name="adj2" fmla="val 0"/>
                 </a:avLst>
               </a:prstGeom>
               <a:solidFill>
@@ -3950,12 +3871,12 @@
               </a:ln>
             </p:spPr>
             <p:txBody>
-              <a:bodyPr anchorCtr="0" anchor="ctr" bIns="91425" lIns="91425" spcFirstLastPara="1" rIns="91425" wrap="square" tIns="91425">
+              <a:bodyPr spcFirstLastPara="1" wrap="square" lIns="91425" tIns="91425" rIns="91425" bIns="91425" anchor="ctr" anchorCtr="0">
                 <a:noAutofit/>
               </a:bodyPr>
               <a:lstStyle/>
               <a:p>
-                <a:pPr indent="0" lvl="0" marL="0" rtl="0" algn="l">
+                <a:pPr marL="0" lvl="0" indent="0" algn="l" rtl="0">
                   <a:spcBef>
                     <a:spcPts val="0"/>
                   </a:spcBef>
@@ -3964,9 +3885,6 @@
                   </a:spcAft>
                   <a:buNone/>
                 </a:pPr>
-                <a:r>
-                  <a:t/>
-                </a:r>
                 <a:endParaRPr/>
               </a:p>
             </p:txBody>
@@ -3984,8 +3902,8 @@
               </a:xfrm>
               <a:prstGeom prst="round2SameRect">
                 <a:avLst>
-                  <a:gd fmla="val 50000" name="adj1"/>
-                  <a:gd fmla="val 0" name="adj2"/>
+                  <a:gd name="adj1" fmla="val 50000"/>
+                  <a:gd name="adj2" fmla="val 0"/>
                 </a:avLst>
               </a:prstGeom>
               <a:solidFill>
@@ -3998,12 +3916,12 @@
               </a:ln>
             </p:spPr>
             <p:txBody>
-              <a:bodyPr anchorCtr="0" anchor="ctr" bIns="91425" lIns="91425" spcFirstLastPara="1" rIns="91425" wrap="square" tIns="91425">
+              <a:bodyPr spcFirstLastPara="1" wrap="square" lIns="91425" tIns="91425" rIns="91425" bIns="91425" anchor="ctr" anchorCtr="0">
                 <a:noAutofit/>
               </a:bodyPr>
               <a:lstStyle/>
               <a:p>
-                <a:pPr indent="0" lvl="0" marL="0" rtl="0" algn="l">
+                <a:pPr marL="0" lvl="0" indent="0" algn="l" rtl="0">
                   <a:spcBef>
                     <a:spcPts val="0"/>
                   </a:spcBef>
@@ -4012,9 +3930,6 @@
                   </a:spcAft>
                   <a:buNone/>
                 </a:pPr>
-                <a:r>
-                  <a:t/>
-                </a:r>
                 <a:endParaRPr/>
               </a:p>
             </p:txBody>
@@ -4032,8 +3947,8 @@
               </a:xfrm>
               <a:prstGeom prst="round2SameRect">
                 <a:avLst>
-                  <a:gd fmla="val 50000" name="adj1"/>
-                  <a:gd fmla="val 0" name="adj2"/>
+                  <a:gd name="adj1" fmla="val 50000"/>
+                  <a:gd name="adj2" fmla="val 0"/>
                 </a:avLst>
               </a:prstGeom>
               <a:solidFill>
@@ -4046,12 +3961,12 @@
               </a:ln>
             </p:spPr>
             <p:txBody>
-              <a:bodyPr anchorCtr="0" anchor="ctr" bIns="91425" lIns="91425" spcFirstLastPara="1" rIns="91425" wrap="square" tIns="91425">
+              <a:bodyPr spcFirstLastPara="1" wrap="square" lIns="91425" tIns="91425" rIns="91425" bIns="91425" anchor="ctr" anchorCtr="0">
                 <a:noAutofit/>
               </a:bodyPr>
               <a:lstStyle/>
               <a:p>
-                <a:pPr indent="0" lvl="0" marL="0" rtl="0" algn="l">
+                <a:pPr marL="0" lvl="0" indent="0" algn="l" rtl="0">
                   <a:spcBef>
                     <a:spcPts val="0"/>
                   </a:spcBef>
@@ -4060,9 +3975,6 @@
                   </a:spcAft>
                   <a:buNone/>
                 </a:pPr>
-                <a:r>
-                  <a:t/>
-                </a:r>
                 <a:endParaRPr/>
               </a:p>
             </p:txBody>
@@ -4080,8 +3992,8 @@
               </a:xfrm>
               <a:prstGeom prst="round2SameRect">
                 <a:avLst>
-                  <a:gd fmla="val 50000" name="adj1"/>
-                  <a:gd fmla="val 0" name="adj2"/>
+                  <a:gd name="adj1" fmla="val 50000"/>
+                  <a:gd name="adj2" fmla="val 0"/>
                 </a:avLst>
               </a:prstGeom>
               <a:solidFill>
@@ -4094,12 +4006,12 @@
               </a:ln>
             </p:spPr>
             <p:txBody>
-              <a:bodyPr anchorCtr="0" anchor="ctr" bIns="91425" lIns="91425" spcFirstLastPara="1" rIns="91425" wrap="square" tIns="91425">
+              <a:bodyPr spcFirstLastPara="1" wrap="square" lIns="91425" tIns="91425" rIns="91425" bIns="91425" anchor="ctr" anchorCtr="0">
                 <a:noAutofit/>
               </a:bodyPr>
               <a:lstStyle/>
               <a:p>
-                <a:pPr indent="0" lvl="0" marL="0" rtl="0" algn="l">
+                <a:pPr marL="0" lvl="0" indent="0" algn="l" rtl="0">
                   <a:spcBef>
                     <a:spcPts val="0"/>
                   </a:spcBef>
@@ -4108,9 +4020,6 @@
                   </a:spcAft>
                   <a:buNone/>
                 </a:pPr>
-                <a:r>
-                  <a:t/>
-                </a:r>
                 <a:endParaRPr/>
               </a:p>
             </p:txBody>
@@ -4128,8 +4037,8 @@
               </a:xfrm>
               <a:prstGeom prst="round2SameRect">
                 <a:avLst>
-                  <a:gd fmla="val 50000" name="adj1"/>
-                  <a:gd fmla="val 0" name="adj2"/>
+                  <a:gd name="adj1" fmla="val 50000"/>
+                  <a:gd name="adj2" fmla="val 0"/>
                 </a:avLst>
               </a:prstGeom>
               <a:solidFill>
@@ -4142,12 +4051,12 @@
               </a:ln>
             </p:spPr>
             <p:txBody>
-              <a:bodyPr anchorCtr="0" anchor="ctr" bIns="91425" lIns="91425" spcFirstLastPara="1" rIns="91425" wrap="square" tIns="91425">
+              <a:bodyPr spcFirstLastPara="1" wrap="square" lIns="91425" tIns="91425" rIns="91425" bIns="91425" anchor="ctr" anchorCtr="0">
                 <a:noAutofit/>
               </a:bodyPr>
               <a:lstStyle/>
               <a:p>
-                <a:pPr indent="0" lvl="0" marL="0" rtl="0" algn="l">
+                <a:pPr marL="0" lvl="0" indent="0" algn="l" rtl="0">
                   <a:spcBef>
                     <a:spcPts val="0"/>
                   </a:spcBef>
@@ -4156,9 +4065,6 @@
                   </a:spcAft>
                   <a:buNone/>
                 </a:pPr>
-                <a:r>
-                  <a:t/>
-                </a:r>
                 <a:endParaRPr/>
               </a:p>
             </p:txBody>
@@ -4191,8 +4097,8 @@
               </a:xfrm>
               <a:prstGeom prst="round2SameRect">
                 <a:avLst>
-                  <a:gd fmla="val 50000" name="adj1"/>
-                  <a:gd fmla="val 0" name="adj2"/>
+                  <a:gd name="adj1" fmla="val 50000"/>
+                  <a:gd name="adj2" fmla="val 0"/>
                 </a:avLst>
               </a:prstGeom>
               <a:solidFill>
@@ -4205,12 +4111,12 @@
               </a:ln>
             </p:spPr>
             <p:txBody>
-              <a:bodyPr anchorCtr="0" anchor="ctr" bIns="91425" lIns="91425" spcFirstLastPara="1" rIns="91425" wrap="square" tIns="91425">
+              <a:bodyPr spcFirstLastPara="1" wrap="square" lIns="91425" tIns="91425" rIns="91425" bIns="91425" anchor="ctr" anchorCtr="0">
                 <a:noAutofit/>
               </a:bodyPr>
               <a:lstStyle/>
               <a:p>
-                <a:pPr indent="0" lvl="0" marL="0" rtl="0" algn="l">
+                <a:pPr marL="0" lvl="0" indent="0" algn="l" rtl="0">
                   <a:spcBef>
                     <a:spcPts val="0"/>
                   </a:spcBef>
@@ -4219,9 +4125,6 @@
                   </a:spcAft>
                   <a:buNone/>
                 </a:pPr>
-                <a:r>
-                  <a:t/>
-                </a:r>
                 <a:endParaRPr/>
               </a:p>
             </p:txBody>
@@ -4239,8 +4142,8 @@
               </a:xfrm>
               <a:prstGeom prst="round2SameRect">
                 <a:avLst>
-                  <a:gd fmla="val 50000" name="adj1"/>
-                  <a:gd fmla="val 0" name="adj2"/>
+                  <a:gd name="adj1" fmla="val 50000"/>
+                  <a:gd name="adj2" fmla="val 0"/>
                 </a:avLst>
               </a:prstGeom>
               <a:solidFill>
@@ -4253,12 +4156,12 @@
               </a:ln>
             </p:spPr>
             <p:txBody>
-              <a:bodyPr anchorCtr="0" anchor="ctr" bIns="91425" lIns="91425" spcFirstLastPara="1" rIns="91425" wrap="square" tIns="91425">
+              <a:bodyPr spcFirstLastPara="1" wrap="square" lIns="91425" tIns="91425" rIns="91425" bIns="91425" anchor="ctr" anchorCtr="0">
                 <a:noAutofit/>
               </a:bodyPr>
               <a:lstStyle/>
               <a:p>
-                <a:pPr indent="0" lvl="0" marL="0" rtl="0" algn="l">
+                <a:pPr marL="0" lvl="0" indent="0" algn="l" rtl="0">
                   <a:spcBef>
                     <a:spcPts val="0"/>
                   </a:spcBef>
@@ -4267,9 +4170,6 @@
                   </a:spcAft>
                   <a:buNone/>
                 </a:pPr>
-                <a:r>
-                  <a:t/>
-                </a:r>
                 <a:endParaRPr/>
               </a:p>
             </p:txBody>
@@ -4287,8 +4187,8 @@
               </a:xfrm>
               <a:prstGeom prst="round2SameRect">
                 <a:avLst>
-                  <a:gd fmla="val 50000" name="adj1"/>
-                  <a:gd fmla="val 0" name="adj2"/>
+                  <a:gd name="adj1" fmla="val 50000"/>
+                  <a:gd name="adj2" fmla="val 0"/>
                 </a:avLst>
               </a:prstGeom>
               <a:solidFill>
@@ -4301,12 +4201,12 @@
               </a:ln>
             </p:spPr>
             <p:txBody>
-              <a:bodyPr anchorCtr="0" anchor="ctr" bIns="91425" lIns="91425" spcFirstLastPara="1" rIns="91425" wrap="square" tIns="91425">
+              <a:bodyPr spcFirstLastPara="1" wrap="square" lIns="91425" tIns="91425" rIns="91425" bIns="91425" anchor="ctr" anchorCtr="0">
                 <a:noAutofit/>
               </a:bodyPr>
               <a:lstStyle/>
               <a:p>
-                <a:pPr indent="0" lvl="0" marL="0" rtl="0" algn="l">
+                <a:pPr marL="0" lvl="0" indent="0" algn="l" rtl="0">
                   <a:spcBef>
                     <a:spcPts val="0"/>
                   </a:spcBef>
@@ -4315,9 +4215,6 @@
                   </a:spcAft>
                   <a:buNone/>
                 </a:pPr>
-                <a:r>
-                  <a:t/>
-                </a:r>
                 <a:endParaRPr/>
               </a:p>
             </p:txBody>
@@ -4335,8 +4232,8 @@
               </a:xfrm>
               <a:prstGeom prst="round2SameRect">
                 <a:avLst>
-                  <a:gd fmla="val 50000" name="adj1"/>
-                  <a:gd fmla="val 0" name="adj2"/>
+                  <a:gd name="adj1" fmla="val 50000"/>
+                  <a:gd name="adj2" fmla="val 0"/>
                 </a:avLst>
               </a:prstGeom>
               <a:solidFill>
@@ -4349,12 +4246,12 @@
               </a:ln>
             </p:spPr>
             <p:txBody>
-              <a:bodyPr anchorCtr="0" anchor="ctr" bIns="91425" lIns="91425" spcFirstLastPara="1" rIns="91425" wrap="square" tIns="91425">
+              <a:bodyPr spcFirstLastPara="1" wrap="square" lIns="91425" tIns="91425" rIns="91425" bIns="91425" anchor="ctr" anchorCtr="0">
                 <a:noAutofit/>
               </a:bodyPr>
               <a:lstStyle/>
               <a:p>
-                <a:pPr indent="0" lvl="0" marL="0" rtl="0" algn="l">
+                <a:pPr marL="0" lvl="0" indent="0" algn="l" rtl="0">
                   <a:spcBef>
                     <a:spcPts val="0"/>
                   </a:spcBef>
@@ -4363,9 +4260,6 @@
                   </a:spcAft>
                   <a:buNone/>
                 </a:pPr>
-                <a:r>
-                  <a:t/>
-                </a:r>
                 <a:endParaRPr/>
               </a:p>
             </p:txBody>
@@ -4398,8 +4292,8 @@
               </a:xfrm>
               <a:prstGeom prst="round2SameRect">
                 <a:avLst>
-                  <a:gd fmla="val 50000" name="adj1"/>
-                  <a:gd fmla="val 0" name="adj2"/>
+                  <a:gd name="adj1" fmla="val 50000"/>
+                  <a:gd name="adj2" fmla="val 0"/>
                 </a:avLst>
               </a:prstGeom>
               <a:solidFill>
@@ -4412,12 +4306,12 @@
               </a:ln>
             </p:spPr>
             <p:txBody>
-              <a:bodyPr anchorCtr="0" anchor="ctr" bIns="91425" lIns="91425" spcFirstLastPara="1" rIns="91425" wrap="square" tIns="91425">
+              <a:bodyPr spcFirstLastPara="1" wrap="square" lIns="91425" tIns="91425" rIns="91425" bIns="91425" anchor="ctr" anchorCtr="0">
                 <a:noAutofit/>
               </a:bodyPr>
               <a:lstStyle/>
               <a:p>
-                <a:pPr indent="0" lvl="0" marL="0" rtl="0" algn="l">
+                <a:pPr marL="0" lvl="0" indent="0" algn="l" rtl="0">
                   <a:spcBef>
                     <a:spcPts val="0"/>
                   </a:spcBef>
@@ -4426,9 +4320,6 @@
                   </a:spcAft>
                   <a:buNone/>
                 </a:pPr>
-                <a:r>
-                  <a:t/>
-                </a:r>
                 <a:endParaRPr/>
               </a:p>
             </p:txBody>
@@ -4446,8 +4337,8 @@
               </a:xfrm>
               <a:prstGeom prst="round2SameRect">
                 <a:avLst>
-                  <a:gd fmla="val 50000" name="adj1"/>
-                  <a:gd fmla="val 0" name="adj2"/>
+                  <a:gd name="adj1" fmla="val 50000"/>
+                  <a:gd name="adj2" fmla="val 0"/>
                 </a:avLst>
               </a:prstGeom>
               <a:solidFill>
@@ -4460,12 +4351,12 @@
               </a:ln>
             </p:spPr>
             <p:txBody>
-              <a:bodyPr anchorCtr="0" anchor="ctr" bIns="91425" lIns="91425" spcFirstLastPara="1" rIns="91425" wrap="square" tIns="91425">
+              <a:bodyPr spcFirstLastPara="1" wrap="square" lIns="91425" tIns="91425" rIns="91425" bIns="91425" anchor="ctr" anchorCtr="0">
                 <a:noAutofit/>
               </a:bodyPr>
               <a:lstStyle/>
               <a:p>
-                <a:pPr indent="0" lvl="0" marL="0" rtl="0" algn="l">
+                <a:pPr marL="0" lvl="0" indent="0" algn="l" rtl="0">
                   <a:spcBef>
                     <a:spcPts val="0"/>
                   </a:spcBef>
@@ -4474,9 +4365,6 @@
                   </a:spcAft>
                   <a:buNone/>
                 </a:pPr>
-                <a:r>
-                  <a:t/>
-                </a:r>
                 <a:endParaRPr/>
               </a:p>
             </p:txBody>
@@ -4494,8 +4382,8 @@
               </a:xfrm>
               <a:prstGeom prst="round2SameRect">
                 <a:avLst>
-                  <a:gd fmla="val 50000" name="adj1"/>
-                  <a:gd fmla="val 0" name="adj2"/>
+                  <a:gd name="adj1" fmla="val 50000"/>
+                  <a:gd name="adj2" fmla="val 0"/>
                 </a:avLst>
               </a:prstGeom>
               <a:solidFill>
@@ -4508,12 +4396,12 @@
               </a:ln>
             </p:spPr>
             <p:txBody>
-              <a:bodyPr anchorCtr="0" anchor="ctr" bIns="91425" lIns="91425" spcFirstLastPara="1" rIns="91425" wrap="square" tIns="91425">
+              <a:bodyPr spcFirstLastPara="1" wrap="square" lIns="91425" tIns="91425" rIns="91425" bIns="91425" anchor="ctr" anchorCtr="0">
                 <a:noAutofit/>
               </a:bodyPr>
               <a:lstStyle/>
               <a:p>
-                <a:pPr indent="0" lvl="0" marL="0" rtl="0" algn="l">
+                <a:pPr marL="0" lvl="0" indent="0" algn="l" rtl="0">
                   <a:spcBef>
                     <a:spcPts val="0"/>
                   </a:spcBef>
@@ -4522,9 +4410,6 @@
                   </a:spcAft>
                   <a:buNone/>
                 </a:pPr>
-                <a:r>
-                  <a:t/>
-                </a:r>
                 <a:endParaRPr/>
               </a:p>
             </p:txBody>
@@ -4542,8 +4427,8 @@
               </a:xfrm>
               <a:prstGeom prst="round2SameRect">
                 <a:avLst>
-                  <a:gd fmla="val 50000" name="adj1"/>
-                  <a:gd fmla="val 0" name="adj2"/>
+                  <a:gd name="adj1" fmla="val 50000"/>
+                  <a:gd name="adj2" fmla="val 0"/>
                 </a:avLst>
               </a:prstGeom>
               <a:solidFill>
@@ -4556,12 +4441,12 @@
               </a:ln>
             </p:spPr>
             <p:txBody>
-              <a:bodyPr anchorCtr="0" anchor="ctr" bIns="91425" lIns="91425" spcFirstLastPara="1" rIns="91425" wrap="square" tIns="91425">
+              <a:bodyPr spcFirstLastPara="1" wrap="square" lIns="91425" tIns="91425" rIns="91425" bIns="91425" anchor="ctr" anchorCtr="0">
                 <a:noAutofit/>
               </a:bodyPr>
               <a:lstStyle/>
               <a:p>
-                <a:pPr indent="0" lvl="0" marL="0" rtl="0" algn="l">
+                <a:pPr marL="0" lvl="0" indent="0" algn="l" rtl="0">
                   <a:spcBef>
                     <a:spcPts val="0"/>
                   </a:spcBef>
@@ -4570,9 +4455,6 @@
                   </a:spcAft>
                   <a:buNone/>
                 </a:pPr>
-                <a:r>
-                  <a:t/>
-                </a:r>
                 <a:endParaRPr/>
               </a:p>
             </p:txBody>
@@ -4605,8 +4487,8 @@
               </a:xfrm>
               <a:prstGeom prst="round2SameRect">
                 <a:avLst>
-                  <a:gd fmla="val 50000" name="adj1"/>
-                  <a:gd fmla="val 0" name="adj2"/>
+                  <a:gd name="adj1" fmla="val 50000"/>
+                  <a:gd name="adj2" fmla="val 0"/>
                 </a:avLst>
               </a:prstGeom>
               <a:solidFill>
@@ -4619,12 +4501,12 @@
               </a:ln>
             </p:spPr>
             <p:txBody>
-              <a:bodyPr anchorCtr="0" anchor="ctr" bIns="91425" lIns="91425" spcFirstLastPara="1" rIns="91425" wrap="square" tIns="91425">
+              <a:bodyPr spcFirstLastPara="1" wrap="square" lIns="91425" tIns="91425" rIns="91425" bIns="91425" anchor="ctr" anchorCtr="0">
                 <a:noAutofit/>
               </a:bodyPr>
               <a:lstStyle/>
               <a:p>
-                <a:pPr indent="0" lvl="0" marL="0" rtl="0" algn="l">
+                <a:pPr marL="0" lvl="0" indent="0" algn="l" rtl="0">
                   <a:spcBef>
                     <a:spcPts val="0"/>
                   </a:spcBef>
@@ -4633,9 +4515,6 @@
                   </a:spcAft>
                   <a:buNone/>
                 </a:pPr>
-                <a:r>
-                  <a:t/>
-                </a:r>
                 <a:endParaRPr/>
               </a:p>
             </p:txBody>
@@ -4653,8 +4532,8 @@
               </a:xfrm>
               <a:prstGeom prst="round2SameRect">
                 <a:avLst>
-                  <a:gd fmla="val 50000" name="adj1"/>
-                  <a:gd fmla="val 0" name="adj2"/>
+                  <a:gd name="adj1" fmla="val 50000"/>
+                  <a:gd name="adj2" fmla="val 0"/>
                 </a:avLst>
               </a:prstGeom>
               <a:solidFill>
@@ -4667,12 +4546,12 @@
               </a:ln>
             </p:spPr>
             <p:txBody>
-              <a:bodyPr anchorCtr="0" anchor="ctr" bIns="91425" lIns="91425" spcFirstLastPara="1" rIns="91425" wrap="square" tIns="91425">
+              <a:bodyPr spcFirstLastPara="1" wrap="square" lIns="91425" tIns="91425" rIns="91425" bIns="91425" anchor="ctr" anchorCtr="0">
                 <a:noAutofit/>
               </a:bodyPr>
               <a:lstStyle/>
               <a:p>
-                <a:pPr indent="0" lvl="0" marL="0" rtl="0" algn="l">
+                <a:pPr marL="0" lvl="0" indent="0" algn="l" rtl="0">
                   <a:spcBef>
                     <a:spcPts val="0"/>
                   </a:spcBef>
@@ -4681,9 +4560,6 @@
                   </a:spcAft>
                   <a:buNone/>
                 </a:pPr>
-                <a:r>
-                  <a:t/>
-                </a:r>
                 <a:endParaRPr/>
               </a:p>
             </p:txBody>
@@ -4701,8 +4577,8 @@
               </a:xfrm>
               <a:prstGeom prst="round2SameRect">
                 <a:avLst>
-                  <a:gd fmla="val 50000" name="adj1"/>
-                  <a:gd fmla="val 0" name="adj2"/>
+                  <a:gd name="adj1" fmla="val 50000"/>
+                  <a:gd name="adj2" fmla="val 0"/>
                 </a:avLst>
               </a:prstGeom>
               <a:solidFill>
@@ -4715,12 +4591,12 @@
               </a:ln>
             </p:spPr>
             <p:txBody>
-              <a:bodyPr anchorCtr="0" anchor="ctr" bIns="91425" lIns="91425" spcFirstLastPara="1" rIns="91425" wrap="square" tIns="91425">
+              <a:bodyPr spcFirstLastPara="1" wrap="square" lIns="91425" tIns="91425" rIns="91425" bIns="91425" anchor="ctr" anchorCtr="0">
                 <a:noAutofit/>
               </a:bodyPr>
               <a:lstStyle/>
               <a:p>
-                <a:pPr indent="0" lvl="0" marL="0" rtl="0" algn="l">
+                <a:pPr marL="0" lvl="0" indent="0" algn="l" rtl="0">
                   <a:spcBef>
                     <a:spcPts val="0"/>
                   </a:spcBef>
@@ -4729,9 +4605,6 @@
                   </a:spcAft>
                   <a:buNone/>
                 </a:pPr>
-                <a:r>
-                  <a:t/>
-                </a:r>
                 <a:endParaRPr/>
               </a:p>
             </p:txBody>
@@ -4764,8 +4637,8 @@
               </a:xfrm>
               <a:prstGeom prst="round2SameRect">
                 <a:avLst>
-                  <a:gd fmla="val 50000" name="adj1"/>
-                  <a:gd fmla="val 0" name="adj2"/>
+                  <a:gd name="adj1" fmla="val 50000"/>
+                  <a:gd name="adj2" fmla="val 0"/>
                 </a:avLst>
               </a:prstGeom>
               <a:solidFill>
@@ -4778,12 +4651,12 @@
               </a:ln>
             </p:spPr>
             <p:txBody>
-              <a:bodyPr anchorCtr="0" anchor="ctr" bIns="91425" lIns="91425" spcFirstLastPara="1" rIns="91425" wrap="square" tIns="91425">
+              <a:bodyPr spcFirstLastPara="1" wrap="square" lIns="91425" tIns="91425" rIns="91425" bIns="91425" anchor="ctr" anchorCtr="0">
                 <a:noAutofit/>
               </a:bodyPr>
               <a:lstStyle/>
               <a:p>
-                <a:pPr indent="0" lvl="0" marL="0" rtl="0" algn="l">
+                <a:pPr marL="0" lvl="0" indent="0" algn="l" rtl="0">
                   <a:spcBef>
                     <a:spcPts val="0"/>
                   </a:spcBef>
@@ -4792,9 +4665,6 @@
                   </a:spcAft>
                   <a:buNone/>
                 </a:pPr>
-                <a:r>
-                  <a:t/>
-                </a:r>
                 <a:endParaRPr/>
               </a:p>
             </p:txBody>
@@ -4812,8 +4682,8 @@
               </a:xfrm>
               <a:prstGeom prst="round2SameRect">
                 <a:avLst>
-                  <a:gd fmla="val 50000" name="adj1"/>
-                  <a:gd fmla="val 0" name="adj2"/>
+                  <a:gd name="adj1" fmla="val 50000"/>
+                  <a:gd name="adj2" fmla="val 0"/>
                 </a:avLst>
               </a:prstGeom>
               <a:solidFill>
@@ -4826,12 +4696,12 @@
               </a:ln>
             </p:spPr>
             <p:txBody>
-              <a:bodyPr anchorCtr="0" anchor="ctr" bIns="91425" lIns="91425" spcFirstLastPara="1" rIns="91425" wrap="square" tIns="91425">
+              <a:bodyPr spcFirstLastPara="1" wrap="square" lIns="91425" tIns="91425" rIns="91425" bIns="91425" anchor="ctr" anchorCtr="0">
                 <a:noAutofit/>
               </a:bodyPr>
               <a:lstStyle/>
               <a:p>
-                <a:pPr indent="0" lvl="0" marL="0" rtl="0" algn="l">
+                <a:pPr marL="0" lvl="0" indent="0" algn="l" rtl="0">
                   <a:spcBef>
                     <a:spcPts val="0"/>
                   </a:spcBef>
@@ -4840,9 +4710,6 @@
                   </a:spcAft>
                   <a:buNone/>
                 </a:pPr>
-                <a:r>
-                  <a:t/>
-                </a:r>
                 <a:endParaRPr/>
               </a:p>
             </p:txBody>
@@ -4860,8 +4727,8 @@
               </a:xfrm>
               <a:prstGeom prst="round2SameRect">
                 <a:avLst>
-                  <a:gd fmla="val 50000" name="adj1"/>
-                  <a:gd fmla="val 0" name="adj2"/>
+                  <a:gd name="adj1" fmla="val 50000"/>
+                  <a:gd name="adj2" fmla="val 0"/>
                 </a:avLst>
               </a:prstGeom>
               <a:solidFill>
@@ -4874,12 +4741,12 @@
               </a:ln>
             </p:spPr>
             <p:txBody>
-              <a:bodyPr anchorCtr="0" anchor="ctr" bIns="91425" lIns="91425" spcFirstLastPara="1" rIns="91425" wrap="square" tIns="91425">
+              <a:bodyPr spcFirstLastPara="1" wrap="square" lIns="91425" tIns="91425" rIns="91425" bIns="91425" anchor="ctr" anchorCtr="0">
                 <a:noAutofit/>
               </a:bodyPr>
               <a:lstStyle/>
               <a:p>
-                <a:pPr indent="0" lvl="0" marL="0" rtl="0" algn="l">
+                <a:pPr marL="0" lvl="0" indent="0" algn="l" rtl="0">
                   <a:spcBef>
                     <a:spcPts val="0"/>
                   </a:spcBef>
@@ -4888,9 +4755,6 @@
                   </a:spcAft>
                   <a:buNone/>
                 </a:pPr>
-                <a:r>
-                  <a:t/>
-                </a:r>
                 <a:endParaRPr/>
               </a:p>
             </p:txBody>
@@ -4908,8 +4772,8 @@
               </a:xfrm>
               <a:prstGeom prst="round2SameRect">
                 <a:avLst>
-                  <a:gd fmla="val 50000" name="adj1"/>
-                  <a:gd fmla="val 0" name="adj2"/>
+                  <a:gd name="adj1" fmla="val 50000"/>
+                  <a:gd name="adj2" fmla="val 0"/>
                 </a:avLst>
               </a:prstGeom>
               <a:solidFill>
@@ -4922,12 +4786,12 @@
               </a:ln>
             </p:spPr>
             <p:txBody>
-              <a:bodyPr anchorCtr="0" anchor="ctr" bIns="91425" lIns="91425" spcFirstLastPara="1" rIns="91425" wrap="square" tIns="91425">
+              <a:bodyPr spcFirstLastPara="1" wrap="square" lIns="91425" tIns="91425" rIns="91425" bIns="91425" anchor="ctr" anchorCtr="0">
                 <a:noAutofit/>
               </a:bodyPr>
               <a:lstStyle/>
               <a:p>
-                <a:pPr indent="0" lvl="0" marL="0" rtl="0" algn="l">
+                <a:pPr marL="0" lvl="0" indent="0" algn="l" rtl="0">
                   <a:spcBef>
                     <a:spcPts val="0"/>
                   </a:spcBef>
@@ -4936,9 +4800,6 @@
                   </a:spcAft>
                   <a:buNone/>
                 </a:pPr>
-                <a:r>
-                  <a:t/>
-                </a:r>
                 <a:endParaRPr/>
               </a:p>
             </p:txBody>
@@ -4971,8 +4832,8 @@
               </a:xfrm>
               <a:prstGeom prst="round2SameRect">
                 <a:avLst>
-                  <a:gd fmla="val 50000" name="adj1"/>
-                  <a:gd fmla="val 0" name="adj2"/>
+                  <a:gd name="adj1" fmla="val 50000"/>
+                  <a:gd name="adj2" fmla="val 0"/>
                 </a:avLst>
               </a:prstGeom>
               <a:solidFill>
@@ -4985,12 +4846,12 @@
               </a:ln>
             </p:spPr>
             <p:txBody>
-              <a:bodyPr anchorCtr="0" anchor="ctr" bIns="91425" lIns="91425" spcFirstLastPara="1" rIns="91425" wrap="square" tIns="91425">
+              <a:bodyPr spcFirstLastPara="1" wrap="square" lIns="91425" tIns="91425" rIns="91425" bIns="91425" anchor="ctr" anchorCtr="0">
                 <a:noAutofit/>
               </a:bodyPr>
               <a:lstStyle/>
               <a:p>
-                <a:pPr indent="0" lvl="0" marL="0" rtl="0" algn="l">
+                <a:pPr marL="0" lvl="0" indent="0" algn="l" rtl="0">
                   <a:spcBef>
                     <a:spcPts val="0"/>
                   </a:spcBef>
@@ -4999,9 +4860,6 @@
                   </a:spcAft>
                   <a:buNone/>
                 </a:pPr>
-                <a:r>
-                  <a:t/>
-                </a:r>
                 <a:endParaRPr/>
               </a:p>
             </p:txBody>
@@ -5019,8 +4877,8 @@
               </a:xfrm>
               <a:prstGeom prst="round2SameRect">
                 <a:avLst>
-                  <a:gd fmla="val 50000" name="adj1"/>
-                  <a:gd fmla="val 0" name="adj2"/>
+                  <a:gd name="adj1" fmla="val 50000"/>
+                  <a:gd name="adj2" fmla="val 0"/>
                 </a:avLst>
               </a:prstGeom>
               <a:solidFill>
@@ -5033,12 +4891,12 @@
               </a:ln>
             </p:spPr>
             <p:txBody>
-              <a:bodyPr anchorCtr="0" anchor="ctr" bIns="91425" lIns="91425" spcFirstLastPara="1" rIns="91425" wrap="square" tIns="91425">
+              <a:bodyPr spcFirstLastPara="1" wrap="square" lIns="91425" tIns="91425" rIns="91425" bIns="91425" anchor="ctr" anchorCtr="0">
                 <a:noAutofit/>
               </a:bodyPr>
               <a:lstStyle/>
               <a:p>
-                <a:pPr indent="0" lvl="0" marL="0" rtl="0" algn="l">
+                <a:pPr marL="0" lvl="0" indent="0" algn="l" rtl="0">
                   <a:spcBef>
                     <a:spcPts val="0"/>
                   </a:spcBef>
@@ -5047,9 +4905,6 @@
                   </a:spcAft>
                   <a:buNone/>
                 </a:pPr>
-                <a:r>
-                  <a:t/>
-                </a:r>
                 <a:endParaRPr/>
               </a:p>
             </p:txBody>
@@ -5067,8 +4922,8 @@
               </a:xfrm>
               <a:prstGeom prst="round2SameRect">
                 <a:avLst>
-                  <a:gd fmla="val 50000" name="adj1"/>
-                  <a:gd fmla="val 0" name="adj2"/>
+                  <a:gd name="adj1" fmla="val 50000"/>
+                  <a:gd name="adj2" fmla="val 0"/>
                 </a:avLst>
               </a:prstGeom>
               <a:solidFill>
@@ -5081,12 +4936,12 @@
               </a:ln>
             </p:spPr>
             <p:txBody>
-              <a:bodyPr anchorCtr="0" anchor="ctr" bIns="91425" lIns="91425" spcFirstLastPara="1" rIns="91425" wrap="square" tIns="91425">
+              <a:bodyPr spcFirstLastPara="1" wrap="square" lIns="91425" tIns="91425" rIns="91425" bIns="91425" anchor="ctr" anchorCtr="0">
                 <a:noAutofit/>
               </a:bodyPr>
               <a:lstStyle/>
               <a:p>
-                <a:pPr indent="0" lvl="0" marL="0" rtl="0" algn="l">
+                <a:pPr marL="0" lvl="0" indent="0" algn="l" rtl="0">
                   <a:spcBef>
                     <a:spcPts val="0"/>
                   </a:spcBef>
@@ -5095,9 +4950,6 @@
                   </a:spcAft>
                   <a:buNone/>
                 </a:pPr>
-                <a:r>
-                  <a:t/>
-                </a:r>
                 <a:endParaRPr/>
               </a:p>
             </p:txBody>
@@ -5115,8 +4967,8 @@
               </a:xfrm>
               <a:prstGeom prst="round2SameRect">
                 <a:avLst>
-                  <a:gd fmla="val 50000" name="adj1"/>
-                  <a:gd fmla="val 0" name="adj2"/>
+                  <a:gd name="adj1" fmla="val 50000"/>
+                  <a:gd name="adj2" fmla="val 0"/>
                 </a:avLst>
               </a:prstGeom>
               <a:solidFill>
@@ -5129,12 +4981,12 @@
               </a:ln>
             </p:spPr>
             <p:txBody>
-              <a:bodyPr anchorCtr="0" anchor="ctr" bIns="91425" lIns="91425" spcFirstLastPara="1" rIns="91425" wrap="square" tIns="91425">
+              <a:bodyPr spcFirstLastPara="1" wrap="square" lIns="91425" tIns="91425" rIns="91425" bIns="91425" anchor="ctr" anchorCtr="0">
                 <a:noAutofit/>
               </a:bodyPr>
               <a:lstStyle/>
               <a:p>
-                <a:pPr indent="0" lvl="0" marL="0" rtl="0" algn="l">
+                <a:pPr marL="0" lvl="0" indent="0" algn="l" rtl="0">
                   <a:spcBef>
                     <a:spcPts val="0"/>
                   </a:spcBef>
@@ -5143,9 +4995,6 @@
                   </a:spcAft>
                   <a:buNone/>
                 </a:pPr>
-                <a:r>
-                  <a:t/>
-                </a:r>
                 <a:endParaRPr/>
               </a:p>
             </p:txBody>
@@ -5178,8 +5027,8 @@
               </a:xfrm>
               <a:prstGeom prst="round2SameRect">
                 <a:avLst>
-                  <a:gd fmla="val 50000" name="adj1"/>
-                  <a:gd fmla="val 0" name="adj2"/>
+                  <a:gd name="adj1" fmla="val 50000"/>
+                  <a:gd name="adj2" fmla="val 0"/>
                 </a:avLst>
               </a:prstGeom>
               <a:solidFill>
@@ -5192,12 +5041,12 @@
               </a:ln>
             </p:spPr>
             <p:txBody>
-              <a:bodyPr anchorCtr="0" anchor="ctr" bIns="91425" lIns="91425" spcFirstLastPara="1" rIns="91425" wrap="square" tIns="91425">
+              <a:bodyPr spcFirstLastPara="1" wrap="square" lIns="91425" tIns="91425" rIns="91425" bIns="91425" anchor="ctr" anchorCtr="0">
                 <a:noAutofit/>
               </a:bodyPr>
               <a:lstStyle/>
               <a:p>
-                <a:pPr indent="0" lvl="0" marL="0" rtl="0" algn="l">
+                <a:pPr marL="0" lvl="0" indent="0" algn="l" rtl="0">
                   <a:spcBef>
                     <a:spcPts val="0"/>
                   </a:spcBef>
@@ -5206,9 +5055,6 @@
                   </a:spcAft>
                   <a:buNone/>
                 </a:pPr>
-                <a:r>
-                  <a:t/>
-                </a:r>
                 <a:endParaRPr/>
               </a:p>
             </p:txBody>
@@ -5226,8 +5072,8 @@
               </a:xfrm>
               <a:prstGeom prst="round2SameRect">
                 <a:avLst>
-                  <a:gd fmla="val 50000" name="adj1"/>
-                  <a:gd fmla="val 0" name="adj2"/>
+                  <a:gd name="adj1" fmla="val 50000"/>
+                  <a:gd name="adj2" fmla="val 0"/>
                 </a:avLst>
               </a:prstGeom>
               <a:solidFill>
@@ -5240,12 +5086,12 @@
               </a:ln>
             </p:spPr>
             <p:txBody>
-              <a:bodyPr anchorCtr="0" anchor="ctr" bIns="91425" lIns="91425" spcFirstLastPara="1" rIns="91425" wrap="square" tIns="91425">
+              <a:bodyPr spcFirstLastPara="1" wrap="square" lIns="91425" tIns="91425" rIns="91425" bIns="91425" anchor="ctr" anchorCtr="0">
                 <a:noAutofit/>
               </a:bodyPr>
               <a:lstStyle/>
               <a:p>
-                <a:pPr indent="0" lvl="0" marL="0" rtl="0" algn="l">
+                <a:pPr marL="0" lvl="0" indent="0" algn="l" rtl="0">
                   <a:spcBef>
                     <a:spcPts val="0"/>
                   </a:spcBef>
@@ -5254,9 +5100,6 @@
                   </a:spcAft>
                   <a:buNone/>
                 </a:pPr>
-                <a:r>
-                  <a:t/>
-                </a:r>
                 <a:endParaRPr/>
               </a:p>
             </p:txBody>
@@ -5274,8 +5117,8 @@
               </a:xfrm>
               <a:prstGeom prst="round2SameRect">
                 <a:avLst>
-                  <a:gd fmla="val 50000" name="adj1"/>
-                  <a:gd fmla="val 0" name="adj2"/>
+                  <a:gd name="adj1" fmla="val 50000"/>
+                  <a:gd name="adj2" fmla="val 0"/>
                 </a:avLst>
               </a:prstGeom>
               <a:solidFill>
@@ -5288,12 +5131,12 @@
               </a:ln>
             </p:spPr>
             <p:txBody>
-              <a:bodyPr anchorCtr="0" anchor="ctr" bIns="91425" lIns="91425" spcFirstLastPara="1" rIns="91425" wrap="square" tIns="91425">
+              <a:bodyPr spcFirstLastPara="1" wrap="square" lIns="91425" tIns="91425" rIns="91425" bIns="91425" anchor="ctr" anchorCtr="0">
                 <a:noAutofit/>
               </a:bodyPr>
               <a:lstStyle/>
               <a:p>
-                <a:pPr indent="0" lvl="0" marL="0" rtl="0" algn="l">
+                <a:pPr marL="0" lvl="0" indent="0" algn="l" rtl="0">
                   <a:spcBef>
                     <a:spcPts val="0"/>
                   </a:spcBef>
@@ -5302,9 +5145,6 @@
                   </a:spcAft>
                   <a:buNone/>
                 </a:pPr>
-                <a:r>
-                  <a:t/>
-                </a:r>
                 <a:endParaRPr/>
               </a:p>
             </p:txBody>
@@ -5322,8 +5162,8 @@
               </a:xfrm>
               <a:prstGeom prst="round2SameRect">
                 <a:avLst>
-                  <a:gd fmla="val 50000" name="adj1"/>
-                  <a:gd fmla="val 0" name="adj2"/>
+                  <a:gd name="adj1" fmla="val 50000"/>
+                  <a:gd name="adj2" fmla="val 0"/>
                 </a:avLst>
               </a:prstGeom>
               <a:solidFill>
@@ -5336,12 +5176,12 @@
               </a:ln>
             </p:spPr>
             <p:txBody>
-              <a:bodyPr anchorCtr="0" anchor="ctr" bIns="91425" lIns="91425" spcFirstLastPara="1" rIns="91425" wrap="square" tIns="91425">
+              <a:bodyPr spcFirstLastPara="1" wrap="square" lIns="91425" tIns="91425" rIns="91425" bIns="91425" anchor="ctr" anchorCtr="0">
                 <a:noAutofit/>
               </a:bodyPr>
               <a:lstStyle/>
               <a:p>
-                <a:pPr indent="0" lvl="0" marL="0" rtl="0" algn="l">
+                <a:pPr marL="0" lvl="0" indent="0" algn="l" rtl="0">
                   <a:spcBef>
                     <a:spcPts val="0"/>
                   </a:spcBef>
@@ -5350,9 +5190,6 @@
                   </a:spcAft>
                   <a:buNone/>
                 </a:pPr>
-                <a:r>
-                  <a:t/>
-                </a:r>
                 <a:endParaRPr/>
               </a:p>
             </p:txBody>
@@ -5370,8 +5207,8 @@
               </a:xfrm>
               <a:prstGeom prst="round2SameRect">
                 <a:avLst>
-                  <a:gd fmla="val 50000" name="adj1"/>
-                  <a:gd fmla="val 0" name="adj2"/>
+                  <a:gd name="adj1" fmla="val 50000"/>
+                  <a:gd name="adj2" fmla="val 0"/>
                 </a:avLst>
               </a:prstGeom>
               <a:solidFill>
@@ -5384,12 +5221,12 @@
               </a:ln>
             </p:spPr>
             <p:txBody>
-              <a:bodyPr anchorCtr="0" anchor="ctr" bIns="91425" lIns="91425" spcFirstLastPara="1" rIns="91425" wrap="square" tIns="91425">
+              <a:bodyPr spcFirstLastPara="1" wrap="square" lIns="91425" tIns="91425" rIns="91425" bIns="91425" anchor="ctr" anchorCtr="0">
                 <a:noAutofit/>
               </a:bodyPr>
               <a:lstStyle/>
               <a:p>
-                <a:pPr indent="0" lvl="0" marL="0" rtl="0" algn="l">
+                <a:pPr marL="0" lvl="0" indent="0" algn="l" rtl="0">
                   <a:spcBef>
                     <a:spcPts val="0"/>
                   </a:spcBef>
@@ -5398,9 +5235,6 @@
                   </a:spcAft>
                   <a:buNone/>
                 </a:pPr>
-                <a:r>
-                  <a:t/>
-                </a:r>
                 <a:endParaRPr/>
               </a:p>
             </p:txBody>
@@ -5433,8 +5267,8 @@
               </a:xfrm>
               <a:prstGeom prst="round2SameRect">
                 <a:avLst>
-                  <a:gd fmla="val 50000" name="adj1"/>
-                  <a:gd fmla="val 0" name="adj2"/>
+                  <a:gd name="adj1" fmla="val 50000"/>
+                  <a:gd name="adj2" fmla="val 0"/>
                 </a:avLst>
               </a:prstGeom>
               <a:solidFill>
@@ -5447,12 +5281,12 @@
               </a:ln>
             </p:spPr>
             <p:txBody>
-              <a:bodyPr anchorCtr="0" anchor="ctr" bIns="91425" lIns="91425" spcFirstLastPara="1" rIns="91425" wrap="square" tIns="91425">
+              <a:bodyPr spcFirstLastPara="1" wrap="square" lIns="91425" tIns="91425" rIns="91425" bIns="91425" anchor="ctr" anchorCtr="0">
                 <a:noAutofit/>
               </a:bodyPr>
               <a:lstStyle/>
               <a:p>
-                <a:pPr indent="0" lvl="0" marL="0" rtl="0" algn="l">
+                <a:pPr marL="0" lvl="0" indent="0" algn="l" rtl="0">
                   <a:spcBef>
                     <a:spcPts val="0"/>
                   </a:spcBef>
@@ -5461,9 +5295,6 @@
                   </a:spcAft>
                   <a:buNone/>
                 </a:pPr>
-                <a:r>
-                  <a:t/>
-                </a:r>
                 <a:endParaRPr/>
               </a:p>
             </p:txBody>
@@ -5481,8 +5312,8 @@
               </a:xfrm>
               <a:prstGeom prst="round2SameRect">
                 <a:avLst>
-                  <a:gd fmla="val 50000" name="adj1"/>
-                  <a:gd fmla="val 0" name="adj2"/>
+                  <a:gd name="adj1" fmla="val 50000"/>
+                  <a:gd name="adj2" fmla="val 0"/>
                 </a:avLst>
               </a:prstGeom>
               <a:solidFill>
@@ -5495,12 +5326,12 @@
               </a:ln>
             </p:spPr>
             <p:txBody>
-              <a:bodyPr anchorCtr="0" anchor="ctr" bIns="91425" lIns="91425" spcFirstLastPara="1" rIns="91425" wrap="square" tIns="91425">
+              <a:bodyPr spcFirstLastPara="1" wrap="square" lIns="91425" tIns="91425" rIns="91425" bIns="91425" anchor="ctr" anchorCtr="0">
                 <a:noAutofit/>
               </a:bodyPr>
               <a:lstStyle/>
               <a:p>
-                <a:pPr indent="0" lvl="0" marL="0" rtl="0" algn="l">
+                <a:pPr marL="0" lvl="0" indent="0" algn="l" rtl="0">
                   <a:spcBef>
                     <a:spcPts val="0"/>
                   </a:spcBef>
@@ -5509,9 +5340,6 @@
                   </a:spcAft>
                   <a:buNone/>
                 </a:pPr>
-                <a:r>
-                  <a:t/>
-                </a:r>
                 <a:endParaRPr/>
               </a:p>
             </p:txBody>
@@ -5529,8 +5357,8 @@
               </a:xfrm>
               <a:prstGeom prst="round2SameRect">
                 <a:avLst>
-                  <a:gd fmla="val 50000" name="adj1"/>
-                  <a:gd fmla="val 0" name="adj2"/>
+                  <a:gd name="adj1" fmla="val 50000"/>
+                  <a:gd name="adj2" fmla="val 0"/>
                 </a:avLst>
               </a:prstGeom>
               <a:solidFill>
@@ -5543,12 +5371,12 @@
               </a:ln>
             </p:spPr>
             <p:txBody>
-              <a:bodyPr anchorCtr="0" anchor="ctr" bIns="91425" lIns="91425" spcFirstLastPara="1" rIns="91425" wrap="square" tIns="91425">
+              <a:bodyPr spcFirstLastPara="1" wrap="square" lIns="91425" tIns="91425" rIns="91425" bIns="91425" anchor="ctr" anchorCtr="0">
                 <a:noAutofit/>
               </a:bodyPr>
               <a:lstStyle/>
               <a:p>
-                <a:pPr indent="0" lvl="0" marL="0" rtl="0" algn="l">
+                <a:pPr marL="0" lvl="0" indent="0" algn="l" rtl="0">
                   <a:spcBef>
                     <a:spcPts val="0"/>
                   </a:spcBef>
@@ -5557,9 +5385,6 @@
                   </a:spcAft>
                   <a:buNone/>
                 </a:pPr>
-                <a:r>
-                  <a:t/>
-                </a:r>
                 <a:endParaRPr/>
               </a:p>
             </p:txBody>
@@ -5577,8 +5402,8 @@
               </a:xfrm>
               <a:prstGeom prst="round2SameRect">
                 <a:avLst>
-                  <a:gd fmla="val 50000" name="adj1"/>
-                  <a:gd fmla="val 0" name="adj2"/>
+                  <a:gd name="adj1" fmla="val 50000"/>
+                  <a:gd name="adj2" fmla="val 0"/>
                 </a:avLst>
               </a:prstGeom>
               <a:solidFill>
@@ -5591,12 +5416,12 @@
               </a:ln>
             </p:spPr>
             <p:txBody>
-              <a:bodyPr anchorCtr="0" anchor="ctr" bIns="91425" lIns="91425" spcFirstLastPara="1" rIns="91425" wrap="square" tIns="91425">
+              <a:bodyPr spcFirstLastPara="1" wrap="square" lIns="91425" tIns="91425" rIns="91425" bIns="91425" anchor="ctr" anchorCtr="0">
                 <a:noAutofit/>
               </a:bodyPr>
               <a:lstStyle/>
               <a:p>
-                <a:pPr indent="0" lvl="0" marL="0" rtl="0" algn="l">
+                <a:pPr marL="0" lvl="0" indent="0" algn="l" rtl="0">
                   <a:spcBef>
                     <a:spcPts val="0"/>
                   </a:spcBef>
@@ -5605,9 +5430,6 @@
                   </a:spcAft>
                   <a:buNone/>
                 </a:pPr>
-                <a:r>
-                  <a:t/>
-                </a:r>
                 <a:endParaRPr/>
               </a:p>
             </p:txBody>
@@ -5640,8 +5462,8 @@
               </a:xfrm>
               <a:prstGeom prst="round2SameRect">
                 <a:avLst>
-                  <a:gd fmla="val 50000" name="adj1"/>
-                  <a:gd fmla="val 0" name="adj2"/>
+                  <a:gd name="adj1" fmla="val 50000"/>
+                  <a:gd name="adj2" fmla="val 0"/>
                 </a:avLst>
               </a:prstGeom>
               <a:solidFill>
@@ -5654,12 +5476,12 @@
               </a:ln>
             </p:spPr>
             <p:txBody>
-              <a:bodyPr anchorCtr="0" anchor="ctr" bIns="91425" lIns="91425" spcFirstLastPara="1" rIns="91425" wrap="square" tIns="91425">
+              <a:bodyPr spcFirstLastPara="1" wrap="square" lIns="91425" tIns="91425" rIns="91425" bIns="91425" anchor="ctr" anchorCtr="0">
                 <a:noAutofit/>
               </a:bodyPr>
               <a:lstStyle/>
               <a:p>
-                <a:pPr indent="0" lvl="0" marL="0" rtl="0" algn="l">
+                <a:pPr marL="0" lvl="0" indent="0" algn="l" rtl="0">
                   <a:spcBef>
                     <a:spcPts val="0"/>
                   </a:spcBef>
@@ -5668,9 +5490,6 @@
                   </a:spcAft>
                   <a:buNone/>
                 </a:pPr>
-                <a:r>
-                  <a:t/>
-                </a:r>
                 <a:endParaRPr/>
               </a:p>
             </p:txBody>
@@ -5688,8 +5507,8 @@
               </a:xfrm>
               <a:prstGeom prst="round2SameRect">
                 <a:avLst>
-                  <a:gd fmla="val 50000" name="adj1"/>
-                  <a:gd fmla="val 0" name="adj2"/>
+                  <a:gd name="adj1" fmla="val 50000"/>
+                  <a:gd name="adj2" fmla="val 0"/>
                 </a:avLst>
               </a:prstGeom>
               <a:solidFill>
@@ -5702,12 +5521,12 @@
               </a:ln>
             </p:spPr>
             <p:txBody>
-              <a:bodyPr anchorCtr="0" anchor="ctr" bIns="91425" lIns="91425" spcFirstLastPara="1" rIns="91425" wrap="square" tIns="91425">
+              <a:bodyPr spcFirstLastPara="1" wrap="square" lIns="91425" tIns="91425" rIns="91425" bIns="91425" anchor="ctr" anchorCtr="0">
                 <a:noAutofit/>
               </a:bodyPr>
               <a:lstStyle/>
               <a:p>
-                <a:pPr indent="0" lvl="0" marL="0" rtl="0" algn="l">
+                <a:pPr marL="0" lvl="0" indent="0" algn="l" rtl="0">
                   <a:spcBef>
                     <a:spcPts val="0"/>
                   </a:spcBef>
@@ -5716,9 +5535,6 @@
                   </a:spcAft>
                   <a:buNone/>
                 </a:pPr>
-                <a:r>
-                  <a:t/>
-                </a:r>
                 <a:endParaRPr/>
               </a:p>
             </p:txBody>
@@ -5736,8 +5552,8 @@
               </a:xfrm>
               <a:prstGeom prst="round2SameRect">
                 <a:avLst>
-                  <a:gd fmla="val 50000" name="adj1"/>
-                  <a:gd fmla="val 0" name="adj2"/>
+                  <a:gd name="adj1" fmla="val 50000"/>
+                  <a:gd name="adj2" fmla="val 0"/>
                 </a:avLst>
               </a:prstGeom>
               <a:solidFill>
@@ -5750,12 +5566,12 @@
               </a:ln>
             </p:spPr>
             <p:txBody>
-              <a:bodyPr anchorCtr="0" anchor="ctr" bIns="91425" lIns="91425" spcFirstLastPara="1" rIns="91425" wrap="square" tIns="91425">
+              <a:bodyPr spcFirstLastPara="1" wrap="square" lIns="91425" tIns="91425" rIns="91425" bIns="91425" anchor="ctr" anchorCtr="0">
                 <a:noAutofit/>
               </a:bodyPr>
               <a:lstStyle/>
               <a:p>
-                <a:pPr indent="0" lvl="0" marL="0" rtl="0" algn="l">
+                <a:pPr marL="0" lvl="0" indent="0" algn="l" rtl="0">
                   <a:spcBef>
                     <a:spcPts val="0"/>
                   </a:spcBef>
@@ -5764,9 +5580,6 @@
                   </a:spcAft>
                   <a:buNone/>
                 </a:pPr>
-                <a:r>
-                  <a:t/>
-                </a:r>
                 <a:endParaRPr/>
               </a:p>
             </p:txBody>
@@ -5799,8 +5612,8 @@
               </a:xfrm>
               <a:prstGeom prst="round2SameRect">
                 <a:avLst>
-                  <a:gd fmla="val 50000" name="adj1"/>
-                  <a:gd fmla="val 0" name="adj2"/>
+                  <a:gd name="adj1" fmla="val 50000"/>
+                  <a:gd name="adj2" fmla="val 0"/>
                 </a:avLst>
               </a:prstGeom>
               <a:solidFill>
@@ -5813,12 +5626,12 @@
               </a:ln>
             </p:spPr>
             <p:txBody>
-              <a:bodyPr anchorCtr="0" anchor="ctr" bIns="91425" lIns="91425" spcFirstLastPara="1" rIns="91425" wrap="square" tIns="91425">
+              <a:bodyPr spcFirstLastPara="1" wrap="square" lIns="91425" tIns="91425" rIns="91425" bIns="91425" anchor="ctr" anchorCtr="0">
                 <a:noAutofit/>
               </a:bodyPr>
               <a:lstStyle/>
               <a:p>
-                <a:pPr indent="0" lvl="0" marL="0" rtl="0" algn="l">
+                <a:pPr marL="0" lvl="0" indent="0" algn="l" rtl="0">
                   <a:spcBef>
                     <a:spcPts val="0"/>
                   </a:spcBef>
@@ -5827,9 +5640,6 @@
                   </a:spcAft>
                   <a:buNone/>
                 </a:pPr>
-                <a:r>
-                  <a:t/>
-                </a:r>
                 <a:endParaRPr/>
               </a:p>
             </p:txBody>
@@ -5847,8 +5657,8 @@
               </a:xfrm>
               <a:prstGeom prst="round2SameRect">
                 <a:avLst>
-                  <a:gd fmla="val 50000" name="adj1"/>
-                  <a:gd fmla="val 0" name="adj2"/>
+                  <a:gd name="adj1" fmla="val 50000"/>
+                  <a:gd name="adj2" fmla="val 0"/>
                 </a:avLst>
               </a:prstGeom>
               <a:solidFill>
@@ -5861,12 +5671,12 @@
               </a:ln>
             </p:spPr>
             <p:txBody>
-              <a:bodyPr anchorCtr="0" anchor="ctr" bIns="91425" lIns="91425" spcFirstLastPara="1" rIns="91425" wrap="square" tIns="91425">
+              <a:bodyPr spcFirstLastPara="1" wrap="square" lIns="91425" tIns="91425" rIns="91425" bIns="91425" anchor="ctr" anchorCtr="0">
                 <a:noAutofit/>
               </a:bodyPr>
               <a:lstStyle/>
               <a:p>
-                <a:pPr indent="0" lvl="0" marL="0" rtl="0" algn="l">
+                <a:pPr marL="0" lvl="0" indent="0" algn="l" rtl="0">
                   <a:spcBef>
                     <a:spcPts val="0"/>
                   </a:spcBef>
@@ -5875,9 +5685,6 @@
                   </a:spcAft>
                   <a:buNone/>
                 </a:pPr>
-                <a:r>
-                  <a:t/>
-                </a:r>
                 <a:endParaRPr/>
               </a:p>
             </p:txBody>
@@ -5895,8 +5702,8 @@
               </a:xfrm>
               <a:prstGeom prst="round2SameRect">
                 <a:avLst>
-                  <a:gd fmla="val 50000" name="adj1"/>
-                  <a:gd fmla="val 0" name="adj2"/>
+                  <a:gd name="adj1" fmla="val 50000"/>
+                  <a:gd name="adj2" fmla="val 0"/>
                 </a:avLst>
               </a:prstGeom>
               <a:solidFill>
@@ -5909,12 +5716,12 @@
               </a:ln>
             </p:spPr>
             <p:txBody>
-              <a:bodyPr anchorCtr="0" anchor="ctr" bIns="91425" lIns="91425" spcFirstLastPara="1" rIns="91425" wrap="square" tIns="91425">
+              <a:bodyPr spcFirstLastPara="1" wrap="square" lIns="91425" tIns="91425" rIns="91425" bIns="91425" anchor="ctr" anchorCtr="0">
                 <a:noAutofit/>
               </a:bodyPr>
               <a:lstStyle/>
               <a:p>
-                <a:pPr indent="0" lvl="0" marL="0" rtl="0" algn="l">
+                <a:pPr marL="0" lvl="0" indent="0" algn="l" rtl="0">
                   <a:spcBef>
                     <a:spcPts val="0"/>
                   </a:spcBef>
@@ -5923,9 +5730,6 @@
                   </a:spcAft>
                   <a:buNone/>
                 </a:pPr>
-                <a:r>
-                  <a:t/>
-                </a:r>
                 <a:endParaRPr/>
               </a:p>
             </p:txBody>
@@ -5943,8 +5747,8 @@
               </a:xfrm>
               <a:prstGeom prst="round2SameRect">
                 <a:avLst>
-                  <a:gd fmla="val 50000" name="adj1"/>
-                  <a:gd fmla="val 0" name="adj2"/>
+                  <a:gd name="adj1" fmla="val 50000"/>
+                  <a:gd name="adj2" fmla="val 0"/>
                 </a:avLst>
               </a:prstGeom>
               <a:solidFill>
@@ -5957,12 +5761,12 @@
               </a:ln>
             </p:spPr>
             <p:txBody>
-              <a:bodyPr anchorCtr="0" anchor="ctr" bIns="91425" lIns="91425" spcFirstLastPara="1" rIns="91425" wrap="square" tIns="91425">
+              <a:bodyPr spcFirstLastPara="1" wrap="square" lIns="91425" tIns="91425" rIns="91425" bIns="91425" anchor="ctr" anchorCtr="0">
                 <a:noAutofit/>
               </a:bodyPr>
               <a:lstStyle/>
               <a:p>
-                <a:pPr indent="0" lvl="0" marL="0" rtl="0" algn="l">
+                <a:pPr marL="0" lvl="0" indent="0" algn="l" rtl="0">
                   <a:spcBef>
                     <a:spcPts val="0"/>
                   </a:spcBef>
@@ -5971,9 +5775,6 @@
                   </a:spcAft>
                   <a:buNone/>
                 </a:pPr>
-                <a:r>
-                  <a:t/>
-                </a:r>
                 <a:endParaRPr/>
               </a:p>
             </p:txBody>
@@ -6006,8 +5807,8 @@
               </a:xfrm>
               <a:prstGeom prst="round2SameRect">
                 <a:avLst>
-                  <a:gd fmla="val 50000" name="adj1"/>
-                  <a:gd fmla="val 0" name="adj2"/>
+                  <a:gd name="adj1" fmla="val 50000"/>
+                  <a:gd name="adj2" fmla="val 0"/>
                 </a:avLst>
               </a:prstGeom>
               <a:solidFill>
@@ -6020,12 +5821,12 @@
               </a:ln>
             </p:spPr>
             <p:txBody>
-              <a:bodyPr anchorCtr="0" anchor="ctr" bIns="91425" lIns="91425" spcFirstLastPara="1" rIns="91425" wrap="square" tIns="91425">
+              <a:bodyPr spcFirstLastPara="1" wrap="square" lIns="91425" tIns="91425" rIns="91425" bIns="91425" anchor="ctr" anchorCtr="0">
                 <a:noAutofit/>
               </a:bodyPr>
               <a:lstStyle/>
               <a:p>
-                <a:pPr indent="0" lvl="0" marL="0" rtl="0" algn="l">
+                <a:pPr marL="0" lvl="0" indent="0" algn="l" rtl="0">
                   <a:spcBef>
                     <a:spcPts val="0"/>
                   </a:spcBef>
@@ -6034,9 +5835,6 @@
                   </a:spcAft>
                   <a:buNone/>
                 </a:pPr>
-                <a:r>
-                  <a:t/>
-                </a:r>
                 <a:endParaRPr/>
               </a:p>
             </p:txBody>
@@ -6054,8 +5852,8 @@
               </a:xfrm>
               <a:prstGeom prst="round2SameRect">
                 <a:avLst>
-                  <a:gd fmla="val 50000" name="adj1"/>
-                  <a:gd fmla="val 0" name="adj2"/>
+                  <a:gd name="adj1" fmla="val 50000"/>
+                  <a:gd name="adj2" fmla="val 0"/>
                 </a:avLst>
               </a:prstGeom>
               <a:solidFill>
@@ -6068,12 +5866,12 @@
               </a:ln>
             </p:spPr>
             <p:txBody>
-              <a:bodyPr anchorCtr="0" anchor="ctr" bIns="91425" lIns="91425" spcFirstLastPara="1" rIns="91425" wrap="square" tIns="91425">
+              <a:bodyPr spcFirstLastPara="1" wrap="square" lIns="91425" tIns="91425" rIns="91425" bIns="91425" anchor="ctr" anchorCtr="0">
                 <a:noAutofit/>
               </a:bodyPr>
               <a:lstStyle/>
               <a:p>
-                <a:pPr indent="0" lvl="0" marL="0" rtl="0" algn="l">
+                <a:pPr marL="0" lvl="0" indent="0" algn="l" rtl="0">
                   <a:spcBef>
                     <a:spcPts val="0"/>
                   </a:spcBef>
@@ -6082,9 +5880,6 @@
                   </a:spcAft>
                   <a:buNone/>
                 </a:pPr>
-                <a:r>
-                  <a:t/>
-                </a:r>
                 <a:endParaRPr/>
               </a:p>
             </p:txBody>
@@ -6102,8 +5897,8 @@
               </a:xfrm>
               <a:prstGeom prst="round2SameRect">
                 <a:avLst>
-                  <a:gd fmla="val 50000" name="adj1"/>
-                  <a:gd fmla="val 0" name="adj2"/>
+                  <a:gd name="adj1" fmla="val 50000"/>
+                  <a:gd name="adj2" fmla="val 0"/>
                 </a:avLst>
               </a:prstGeom>
               <a:solidFill>
@@ -6116,12 +5911,12 @@
               </a:ln>
             </p:spPr>
             <p:txBody>
-              <a:bodyPr anchorCtr="0" anchor="ctr" bIns="91425" lIns="91425" spcFirstLastPara="1" rIns="91425" wrap="square" tIns="91425">
+              <a:bodyPr spcFirstLastPara="1" wrap="square" lIns="91425" tIns="91425" rIns="91425" bIns="91425" anchor="ctr" anchorCtr="0">
                 <a:noAutofit/>
               </a:bodyPr>
               <a:lstStyle/>
               <a:p>
-                <a:pPr indent="0" lvl="0" marL="0" rtl="0" algn="l">
+                <a:pPr marL="0" lvl="0" indent="0" algn="l" rtl="0">
                   <a:spcBef>
                     <a:spcPts val="0"/>
                   </a:spcBef>
@@ -6130,9 +5925,6 @@
                   </a:spcAft>
                   <a:buNone/>
                 </a:pPr>
-                <a:r>
-                  <a:t/>
-                </a:r>
                 <a:endParaRPr/>
               </a:p>
             </p:txBody>
@@ -6150,8 +5942,8 @@
               </a:xfrm>
               <a:prstGeom prst="round2SameRect">
                 <a:avLst>
-                  <a:gd fmla="val 50000" name="adj1"/>
-                  <a:gd fmla="val 0" name="adj2"/>
+                  <a:gd name="adj1" fmla="val 50000"/>
+                  <a:gd name="adj2" fmla="val 0"/>
                 </a:avLst>
               </a:prstGeom>
               <a:solidFill>
@@ -6164,12 +5956,12 @@
               </a:ln>
             </p:spPr>
             <p:txBody>
-              <a:bodyPr anchorCtr="0" anchor="ctr" bIns="91425" lIns="91425" spcFirstLastPara="1" rIns="91425" wrap="square" tIns="91425">
+              <a:bodyPr spcFirstLastPara="1" wrap="square" lIns="91425" tIns="91425" rIns="91425" bIns="91425" anchor="ctr" anchorCtr="0">
                 <a:noAutofit/>
               </a:bodyPr>
               <a:lstStyle/>
               <a:p>
-                <a:pPr indent="0" lvl="0" marL="0" rtl="0" algn="l">
+                <a:pPr marL="0" lvl="0" indent="0" algn="l" rtl="0">
                   <a:spcBef>
                     <a:spcPts val="0"/>
                   </a:spcBef>
@@ -6178,9 +5970,6 @@
                   </a:spcAft>
                   <a:buNone/>
                 </a:pPr>
-                <a:r>
-                  <a:t/>
-                </a:r>
                 <a:endParaRPr/>
               </a:p>
             </p:txBody>
@@ -6198,8 +5987,8 @@
               </a:xfrm>
               <a:prstGeom prst="round2SameRect">
                 <a:avLst>
-                  <a:gd fmla="val 50000" name="adj1"/>
-                  <a:gd fmla="val 0" name="adj2"/>
+                  <a:gd name="adj1" fmla="val 50000"/>
+                  <a:gd name="adj2" fmla="val 0"/>
                 </a:avLst>
               </a:prstGeom>
               <a:solidFill>
@@ -6212,12 +6001,12 @@
               </a:ln>
             </p:spPr>
             <p:txBody>
-              <a:bodyPr anchorCtr="0" anchor="ctr" bIns="91425" lIns="91425" spcFirstLastPara="1" rIns="91425" wrap="square" tIns="91425">
+              <a:bodyPr spcFirstLastPara="1" wrap="square" lIns="91425" tIns="91425" rIns="91425" bIns="91425" anchor="ctr" anchorCtr="0">
                 <a:noAutofit/>
               </a:bodyPr>
               <a:lstStyle/>
               <a:p>
-                <a:pPr indent="0" lvl="0" marL="0" rtl="0" algn="l">
+                <a:pPr marL="0" lvl="0" indent="0" algn="l" rtl="0">
                   <a:spcBef>
                     <a:spcPts val="0"/>
                   </a:spcBef>
@@ -6226,9 +6015,6 @@
                   </a:spcAft>
                   <a:buNone/>
                 </a:pPr>
-                <a:r>
-                  <a:t/>
-                </a:r>
                 <a:endParaRPr/>
               </a:p>
             </p:txBody>
@@ -6261,8 +6047,8 @@
               </a:xfrm>
               <a:prstGeom prst="round2SameRect">
                 <a:avLst>
-                  <a:gd fmla="val 50000" name="adj1"/>
-                  <a:gd fmla="val 0" name="adj2"/>
+                  <a:gd name="adj1" fmla="val 50000"/>
+                  <a:gd name="adj2" fmla="val 0"/>
                 </a:avLst>
               </a:prstGeom>
               <a:solidFill>
@@ -6275,12 +6061,12 @@
               </a:ln>
             </p:spPr>
             <p:txBody>
-              <a:bodyPr anchorCtr="0" anchor="ctr" bIns="91425" lIns="91425" spcFirstLastPara="1" rIns="91425" wrap="square" tIns="91425">
+              <a:bodyPr spcFirstLastPara="1" wrap="square" lIns="91425" tIns="91425" rIns="91425" bIns="91425" anchor="ctr" anchorCtr="0">
                 <a:noAutofit/>
               </a:bodyPr>
               <a:lstStyle/>
               <a:p>
-                <a:pPr indent="0" lvl="0" marL="0" rtl="0" algn="l">
+                <a:pPr marL="0" lvl="0" indent="0" algn="l" rtl="0">
                   <a:spcBef>
                     <a:spcPts val="0"/>
                   </a:spcBef>
@@ -6289,9 +6075,6 @@
                   </a:spcAft>
                   <a:buNone/>
                 </a:pPr>
-                <a:r>
-                  <a:t/>
-                </a:r>
                 <a:endParaRPr/>
               </a:p>
             </p:txBody>
@@ -6309,8 +6092,8 @@
               </a:xfrm>
               <a:prstGeom prst="round2SameRect">
                 <a:avLst>
-                  <a:gd fmla="val 50000" name="adj1"/>
-                  <a:gd fmla="val 0" name="adj2"/>
+                  <a:gd name="adj1" fmla="val 50000"/>
+                  <a:gd name="adj2" fmla="val 0"/>
                 </a:avLst>
               </a:prstGeom>
               <a:solidFill>
@@ -6323,12 +6106,12 @@
               </a:ln>
             </p:spPr>
             <p:txBody>
-              <a:bodyPr anchorCtr="0" anchor="ctr" bIns="91425" lIns="91425" spcFirstLastPara="1" rIns="91425" wrap="square" tIns="91425">
+              <a:bodyPr spcFirstLastPara="1" wrap="square" lIns="91425" tIns="91425" rIns="91425" bIns="91425" anchor="ctr" anchorCtr="0">
                 <a:noAutofit/>
               </a:bodyPr>
               <a:lstStyle/>
               <a:p>
-                <a:pPr indent="0" lvl="0" marL="0" rtl="0" algn="l">
+                <a:pPr marL="0" lvl="0" indent="0" algn="l" rtl="0">
                   <a:spcBef>
                     <a:spcPts val="0"/>
                   </a:spcBef>
@@ -6337,9 +6120,6 @@
                   </a:spcAft>
                   <a:buNone/>
                 </a:pPr>
-                <a:r>
-                  <a:t/>
-                </a:r>
                 <a:endParaRPr/>
               </a:p>
             </p:txBody>
@@ -6357,8 +6137,8 @@
               </a:xfrm>
               <a:prstGeom prst="round2SameRect">
                 <a:avLst>
-                  <a:gd fmla="val 50000" name="adj1"/>
-                  <a:gd fmla="val 0" name="adj2"/>
+                  <a:gd name="adj1" fmla="val 50000"/>
+                  <a:gd name="adj2" fmla="val 0"/>
                 </a:avLst>
               </a:prstGeom>
               <a:solidFill>
@@ -6371,12 +6151,12 @@
               </a:ln>
             </p:spPr>
             <p:txBody>
-              <a:bodyPr anchorCtr="0" anchor="ctr" bIns="91425" lIns="91425" spcFirstLastPara="1" rIns="91425" wrap="square" tIns="91425">
+              <a:bodyPr spcFirstLastPara="1" wrap="square" lIns="91425" tIns="91425" rIns="91425" bIns="91425" anchor="ctr" anchorCtr="0">
                 <a:noAutofit/>
               </a:bodyPr>
               <a:lstStyle/>
               <a:p>
-                <a:pPr indent="0" lvl="0" marL="0" rtl="0" algn="l">
+                <a:pPr marL="0" lvl="0" indent="0" algn="l" rtl="0">
                   <a:spcBef>
                     <a:spcPts val="0"/>
                   </a:spcBef>
@@ -6385,9 +6165,6 @@
                   </a:spcAft>
                   <a:buNone/>
                 </a:pPr>
-                <a:r>
-                  <a:t/>
-                </a:r>
                 <a:endParaRPr/>
               </a:p>
             </p:txBody>
@@ -6405,8 +6182,8 @@
               </a:xfrm>
               <a:prstGeom prst="round2SameRect">
                 <a:avLst>
-                  <a:gd fmla="val 50000" name="adj1"/>
-                  <a:gd fmla="val 0" name="adj2"/>
+                  <a:gd name="adj1" fmla="val 50000"/>
+                  <a:gd name="adj2" fmla="val 0"/>
                 </a:avLst>
               </a:prstGeom>
               <a:solidFill>
@@ -6419,12 +6196,12 @@
               </a:ln>
             </p:spPr>
             <p:txBody>
-              <a:bodyPr anchorCtr="0" anchor="ctr" bIns="91425" lIns="91425" spcFirstLastPara="1" rIns="91425" wrap="square" tIns="91425">
+              <a:bodyPr spcFirstLastPara="1" wrap="square" lIns="91425" tIns="91425" rIns="91425" bIns="91425" anchor="ctr" anchorCtr="0">
                 <a:noAutofit/>
               </a:bodyPr>
               <a:lstStyle/>
               <a:p>
-                <a:pPr indent="0" lvl="0" marL="0" rtl="0" algn="l">
+                <a:pPr marL="0" lvl="0" indent="0" algn="l" rtl="0">
                   <a:spcBef>
                     <a:spcPts val="0"/>
                   </a:spcBef>
@@ -6433,9 +6210,6 @@
                   </a:spcAft>
                   <a:buNone/>
                 </a:pPr>
-                <a:r>
-                  <a:t/>
-                </a:r>
                 <a:endParaRPr/>
               </a:p>
             </p:txBody>
@@ -6468,8 +6242,8 @@
               </a:xfrm>
               <a:prstGeom prst="round2SameRect">
                 <a:avLst>
-                  <a:gd fmla="val 50000" name="adj1"/>
-                  <a:gd fmla="val 0" name="adj2"/>
+                  <a:gd name="adj1" fmla="val 50000"/>
+                  <a:gd name="adj2" fmla="val 0"/>
                 </a:avLst>
               </a:prstGeom>
               <a:solidFill>
@@ -6482,12 +6256,12 @@
               </a:ln>
             </p:spPr>
             <p:txBody>
-              <a:bodyPr anchorCtr="0" anchor="ctr" bIns="91425" lIns="91425" spcFirstLastPara="1" rIns="91425" wrap="square" tIns="91425">
+              <a:bodyPr spcFirstLastPara="1" wrap="square" lIns="91425" tIns="91425" rIns="91425" bIns="91425" anchor="ctr" anchorCtr="0">
                 <a:noAutofit/>
               </a:bodyPr>
               <a:lstStyle/>
               <a:p>
-                <a:pPr indent="0" lvl="0" marL="0" rtl="0" algn="l">
+                <a:pPr marL="0" lvl="0" indent="0" algn="l" rtl="0">
                   <a:spcBef>
                     <a:spcPts val="0"/>
                   </a:spcBef>
@@ -6496,9 +6270,6 @@
                   </a:spcAft>
                   <a:buNone/>
                 </a:pPr>
-                <a:r>
-                  <a:t/>
-                </a:r>
                 <a:endParaRPr/>
               </a:p>
             </p:txBody>
@@ -6516,8 +6287,8 @@
               </a:xfrm>
               <a:prstGeom prst="round2SameRect">
                 <a:avLst>
-                  <a:gd fmla="val 50000" name="adj1"/>
-                  <a:gd fmla="val 0" name="adj2"/>
+                  <a:gd name="adj1" fmla="val 50000"/>
+                  <a:gd name="adj2" fmla="val 0"/>
                 </a:avLst>
               </a:prstGeom>
               <a:solidFill>
@@ -6530,12 +6301,12 @@
               </a:ln>
             </p:spPr>
             <p:txBody>
-              <a:bodyPr anchorCtr="0" anchor="ctr" bIns="91425" lIns="91425" spcFirstLastPara="1" rIns="91425" wrap="square" tIns="91425">
+              <a:bodyPr spcFirstLastPara="1" wrap="square" lIns="91425" tIns="91425" rIns="91425" bIns="91425" anchor="ctr" anchorCtr="0">
                 <a:noAutofit/>
               </a:bodyPr>
               <a:lstStyle/>
               <a:p>
-                <a:pPr indent="0" lvl="0" marL="0" rtl="0" algn="l">
+                <a:pPr marL="0" lvl="0" indent="0" algn="l" rtl="0">
                   <a:spcBef>
                     <a:spcPts val="0"/>
                   </a:spcBef>
@@ -6544,9 +6315,6 @@
                   </a:spcAft>
                   <a:buNone/>
                 </a:pPr>
-                <a:r>
-                  <a:t/>
-                </a:r>
                 <a:endParaRPr/>
               </a:p>
             </p:txBody>
@@ -6564,8 +6332,8 @@
               </a:xfrm>
               <a:prstGeom prst="round2SameRect">
                 <a:avLst>
-                  <a:gd fmla="val 50000" name="adj1"/>
-                  <a:gd fmla="val 0" name="adj2"/>
+                  <a:gd name="adj1" fmla="val 50000"/>
+                  <a:gd name="adj2" fmla="val 0"/>
                 </a:avLst>
               </a:prstGeom>
               <a:solidFill>
@@ -6578,12 +6346,12 @@
               </a:ln>
             </p:spPr>
             <p:txBody>
-              <a:bodyPr anchorCtr="0" anchor="ctr" bIns="91425" lIns="91425" spcFirstLastPara="1" rIns="91425" wrap="square" tIns="91425">
+              <a:bodyPr spcFirstLastPara="1" wrap="square" lIns="91425" tIns="91425" rIns="91425" bIns="91425" anchor="ctr" anchorCtr="0">
                 <a:noAutofit/>
               </a:bodyPr>
               <a:lstStyle/>
               <a:p>
-                <a:pPr indent="0" lvl="0" marL="0" rtl="0" algn="l">
+                <a:pPr marL="0" lvl="0" indent="0" algn="l" rtl="0">
                   <a:spcBef>
                     <a:spcPts val="0"/>
                   </a:spcBef>
@@ -6592,9 +6360,6 @@
                   </a:spcAft>
                   <a:buNone/>
                 </a:pPr>
-                <a:r>
-                  <a:t/>
-                </a:r>
                 <a:endParaRPr/>
               </a:p>
             </p:txBody>
@@ -6627,8 +6392,8 @@
               </a:xfrm>
               <a:prstGeom prst="round2SameRect">
                 <a:avLst>
-                  <a:gd fmla="val 50000" name="adj1"/>
-                  <a:gd fmla="val 0" name="adj2"/>
+                  <a:gd name="adj1" fmla="val 50000"/>
+                  <a:gd name="adj2" fmla="val 0"/>
                 </a:avLst>
               </a:prstGeom>
               <a:solidFill>
@@ -6641,12 +6406,12 @@
               </a:ln>
             </p:spPr>
             <p:txBody>
-              <a:bodyPr anchorCtr="0" anchor="ctr" bIns="91425" lIns="91425" spcFirstLastPara="1" rIns="91425" wrap="square" tIns="91425">
+              <a:bodyPr spcFirstLastPara="1" wrap="square" lIns="91425" tIns="91425" rIns="91425" bIns="91425" anchor="ctr" anchorCtr="0">
                 <a:noAutofit/>
               </a:bodyPr>
               <a:lstStyle/>
               <a:p>
-                <a:pPr indent="0" lvl="0" marL="0" rtl="0" algn="l">
+                <a:pPr marL="0" lvl="0" indent="0" algn="l" rtl="0">
                   <a:spcBef>
                     <a:spcPts val="0"/>
                   </a:spcBef>
@@ -6655,9 +6420,6 @@
                   </a:spcAft>
                   <a:buNone/>
                 </a:pPr>
-                <a:r>
-                  <a:t/>
-                </a:r>
                 <a:endParaRPr/>
               </a:p>
             </p:txBody>
@@ -6675,8 +6437,8 @@
               </a:xfrm>
               <a:prstGeom prst="round2SameRect">
                 <a:avLst>
-                  <a:gd fmla="val 50000" name="adj1"/>
-                  <a:gd fmla="val 0" name="adj2"/>
+                  <a:gd name="adj1" fmla="val 50000"/>
+                  <a:gd name="adj2" fmla="val 0"/>
                 </a:avLst>
               </a:prstGeom>
               <a:solidFill>
@@ -6689,12 +6451,12 @@
               </a:ln>
             </p:spPr>
             <p:txBody>
-              <a:bodyPr anchorCtr="0" anchor="ctr" bIns="91425" lIns="91425" spcFirstLastPara="1" rIns="91425" wrap="square" tIns="91425">
+              <a:bodyPr spcFirstLastPara="1" wrap="square" lIns="91425" tIns="91425" rIns="91425" bIns="91425" anchor="ctr" anchorCtr="0">
                 <a:noAutofit/>
               </a:bodyPr>
               <a:lstStyle/>
               <a:p>
-                <a:pPr indent="0" lvl="0" marL="0" rtl="0" algn="l">
+                <a:pPr marL="0" lvl="0" indent="0" algn="l" rtl="0">
                   <a:spcBef>
                     <a:spcPts val="0"/>
                   </a:spcBef>
@@ -6703,9 +6465,6 @@
                   </a:spcAft>
                   <a:buNone/>
                 </a:pPr>
-                <a:r>
-                  <a:t/>
-                </a:r>
                 <a:endParaRPr/>
               </a:p>
             </p:txBody>
@@ -6723,8 +6482,8 @@
               </a:xfrm>
               <a:prstGeom prst="round2SameRect">
                 <a:avLst>
-                  <a:gd fmla="val 50000" name="adj1"/>
-                  <a:gd fmla="val 0" name="adj2"/>
+                  <a:gd name="adj1" fmla="val 50000"/>
+                  <a:gd name="adj2" fmla="val 0"/>
                 </a:avLst>
               </a:prstGeom>
               <a:solidFill>
@@ -6737,12 +6496,12 @@
               </a:ln>
             </p:spPr>
             <p:txBody>
-              <a:bodyPr anchorCtr="0" anchor="ctr" bIns="91425" lIns="91425" spcFirstLastPara="1" rIns="91425" wrap="square" tIns="91425">
+              <a:bodyPr spcFirstLastPara="1" wrap="square" lIns="91425" tIns="91425" rIns="91425" bIns="91425" anchor="ctr" anchorCtr="0">
                 <a:noAutofit/>
               </a:bodyPr>
               <a:lstStyle/>
               <a:p>
-                <a:pPr indent="0" lvl="0" marL="0" rtl="0" algn="l">
+                <a:pPr marL="0" lvl="0" indent="0" algn="l" rtl="0">
                   <a:spcBef>
                     <a:spcPts val="0"/>
                   </a:spcBef>
@@ -6751,9 +6510,6 @@
                   </a:spcAft>
                   <a:buNone/>
                 </a:pPr>
-                <a:r>
-                  <a:t/>
-                </a:r>
                 <a:endParaRPr/>
               </a:p>
             </p:txBody>
@@ -6771,8 +6527,8 @@
               </a:xfrm>
               <a:prstGeom prst="round2SameRect">
                 <a:avLst>
-                  <a:gd fmla="val 50000" name="adj1"/>
-                  <a:gd fmla="val 0" name="adj2"/>
+                  <a:gd name="adj1" fmla="val 50000"/>
+                  <a:gd name="adj2" fmla="val 0"/>
                 </a:avLst>
               </a:prstGeom>
               <a:solidFill>
@@ -6785,12 +6541,12 @@
               </a:ln>
             </p:spPr>
             <p:txBody>
-              <a:bodyPr anchorCtr="0" anchor="ctr" bIns="91425" lIns="91425" spcFirstLastPara="1" rIns="91425" wrap="square" tIns="91425">
+              <a:bodyPr spcFirstLastPara="1" wrap="square" lIns="91425" tIns="91425" rIns="91425" bIns="91425" anchor="ctr" anchorCtr="0">
                 <a:noAutofit/>
               </a:bodyPr>
               <a:lstStyle/>
               <a:p>
-                <a:pPr indent="0" lvl="0" marL="0" rtl="0" algn="l">
+                <a:pPr marL="0" lvl="0" indent="0" algn="l" rtl="0">
                   <a:spcBef>
                     <a:spcPts val="0"/>
                   </a:spcBef>
@@ -6799,9 +6555,6 @@
                   </a:spcAft>
                   <a:buNone/>
                 </a:pPr>
-                <a:r>
-                  <a:t/>
-                </a:r>
                 <a:endParaRPr/>
               </a:p>
             </p:txBody>
@@ -6819,8 +6572,8 @@
               </a:xfrm>
               <a:prstGeom prst="round2SameRect">
                 <a:avLst>
-                  <a:gd fmla="val 50000" name="adj1"/>
-                  <a:gd fmla="val 0" name="adj2"/>
+                  <a:gd name="adj1" fmla="val 50000"/>
+                  <a:gd name="adj2" fmla="val 0"/>
                 </a:avLst>
               </a:prstGeom>
               <a:solidFill>
@@ -6833,12 +6586,12 @@
               </a:ln>
             </p:spPr>
             <p:txBody>
-              <a:bodyPr anchorCtr="0" anchor="ctr" bIns="91425" lIns="91425" spcFirstLastPara="1" rIns="91425" wrap="square" tIns="91425">
+              <a:bodyPr spcFirstLastPara="1" wrap="square" lIns="91425" tIns="91425" rIns="91425" bIns="91425" anchor="ctr" anchorCtr="0">
                 <a:noAutofit/>
               </a:bodyPr>
               <a:lstStyle/>
               <a:p>
-                <a:pPr indent="0" lvl="0" marL="0" rtl="0" algn="l">
+                <a:pPr marL="0" lvl="0" indent="0" algn="l" rtl="0">
                   <a:spcBef>
                     <a:spcPts val="0"/>
                   </a:spcBef>
@@ -6847,9 +6600,6 @@
                   </a:spcAft>
                   <a:buNone/>
                 </a:pPr>
-                <a:r>
-                  <a:t/>
-                </a:r>
                 <a:endParaRPr/>
               </a:p>
             </p:txBody>
@@ -6882,8 +6632,8 @@
               </a:xfrm>
               <a:prstGeom prst="round2SameRect">
                 <a:avLst>
-                  <a:gd fmla="val 50000" name="adj1"/>
-                  <a:gd fmla="val 0" name="adj2"/>
+                  <a:gd name="adj1" fmla="val 50000"/>
+                  <a:gd name="adj2" fmla="val 0"/>
                 </a:avLst>
               </a:prstGeom>
               <a:solidFill>
@@ -6896,12 +6646,12 @@
               </a:ln>
             </p:spPr>
             <p:txBody>
-              <a:bodyPr anchorCtr="0" anchor="ctr" bIns="91425" lIns="91425" spcFirstLastPara="1" rIns="91425" wrap="square" tIns="91425">
+              <a:bodyPr spcFirstLastPara="1" wrap="square" lIns="91425" tIns="91425" rIns="91425" bIns="91425" anchor="ctr" anchorCtr="0">
                 <a:noAutofit/>
               </a:bodyPr>
               <a:lstStyle/>
               <a:p>
-                <a:pPr indent="0" lvl="0" marL="0" rtl="0" algn="l">
+                <a:pPr marL="0" lvl="0" indent="0" algn="l" rtl="0">
                   <a:spcBef>
                     <a:spcPts val="0"/>
                   </a:spcBef>
@@ -6910,9 +6660,6 @@
                   </a:spcAft>
                   <a:buNone/>
                 </a:pPr>
-                <a:r>
-                  <a:t/>
-                </a:r>
                 <a:endParaRPr/>
               </a:p>
             </p:txBody>
@@ -6930,8 +6677,8 @@
               </a:xfrm>
               <a:prstGeom prst="round2SameRect">
                 <a:avLst>
-                  <a:gd fmla="val 50000" name="adj1"/>
-                  <a:gd fmla="val 0" name="adj2"/>
+                  <a:gd name="adj1" fmla="val 50000"/>
+                  <a:gd name="adj2" fmla="val 0"/>
                 </a:avLst>
               </a:prstGeom>
               <a:solidFill>
@@ -6944,12 +6691,12 @@
               </a:ln>
             </p:spPr>
             <p:txBody>
-              <a:bodyPr anchorCtr="0" anchor="ctr" bIns="91425" lIns="91425" spcFirstLastPara="1" rIns="91425" wrap="square" tIns="91425">
+              <a:bodyPr spcFirstLastPara="1" wrap="square" lIns="91425" tIns="91425" rIns="91425" bIns="91425" anchor="ctr" anchorCtr="0">
                 <a:noAutofit/>
               </a:bodyPr>
               <a:lstStyle/>
               <a:p>
-                <a:pPr indent="0" lvl="0" marL="0" rtl="0" algn="l">
+                <a:pPr marL="0" lvl="0" indent="0" algn="l" rtl="0">
                   <a:spcBef>
                     <a:spcPts val="0"/>
                   </a:spcBef>
@@ -6958,9 +6705,6 @@
                   </a:spcAft>
                   <a:buNone/>
                 </a:pPr>
-                <a:r>
-                  <a:t/>
-                </a:r>
                 <a:endParaRPr/>
               </a:p>
             </p:txBody>
@@ -6978,8 +6722,8 @@
               </a:xfrm>
               <a:prstGeom prst="round2SameRect">
                 <a:avLst>
-                  <a:gd fmla="val 50000" name="adj1"/>
-                  <a:gd fmla="val 0" name="adj2"/>
+                  <a:gd name="adj1" fmla="val 50000"/>
+                  <a:gd name="adj2" fmla="val 0"/>
                 </a:avLst>
               </a:prstGeom>
               <a:solidFill>
@@ -6992,12 +6736,12 @@
               </a:ln>
             </p:spPr>
             <p:txBody>
-              <a:bodyPr anchorCtr="0" anchor="ctr" bIns="91425" lIns="91425" spcFirstLastPara="1" rIns="91425" wrap="square" tIns="91425">
+              <a:bodyPr spcFirstLastPara="1" wrap="square" lIns="91425" tIns="91425" rIns="91425" bIns="91425" anchor="ctr" anchorCtr="0">
                 <a:noAutofit/>
               </a:bodyPr>
               <a:lstStyle/>
               <a:p>
-                <a:pPr indent="0" lvl="0" marL="0" rtl="0" algn="l">
+                <a:pPr marL="0" lvl="0" indent="0" algn="l" rtl="0">
                   <a:spcBef>
                     <a:spcPts val="0"/>
                   </a:spcBef>
@@ -7006,9 +6750,6 @@
                   </a:spcAft>
                   <a:buNone/>
                 </a:pPr>
-                <a:r>
-                  <a:t/>
-                </a:r>
                 <a:endParaRPr/>
               </a:p>
             </p:txBody>
@@ -7026,8 +6767,8 @@
               </a:xfrm>
               <a:prstGeom prst="round2SameRect">
                 <a:avLst>
-                  <a:gd fmla="val 50000" name="adj1"/>
-                  <a:gd fmla="val 0" name="adj2"/>
+                  <a:gd name="adj1" fmla="val 50000"/>
+                  <a:gd name="adj2" fmla="val 0"/>
                 </a:avLst>
               </a:prstGeom>
               <a:solidFill>
@@ -7040,12 +6781,12 @@
               </a:ln>
             </p:spPr>
             <p:txBody>
-              <a:bodyPr anchorCtr="0" anchor="ctr" bIns="91425" lIns="91425" spcFirstLastPara="1" rIns="91425" wrap="square" tIns="91425">
+              <a:bodyPr spcFirstLastPara="1" wrap="square" lIns="91425" tIns="91425" rIns="91425" bIns="91425" anchor="ctr" anchorCtr="0">
                 <a:noAutofit/>
               </a:bodyPr>
               <a:lstStyle/>
               <a:p>
-                <a:pPr indent="0" lvl="0" marL="0" rtl="0" algn="l">
+                <a:pPr marL="0" lvl="0" indent="0" algn="l" rtl="0">
                   <a:spcBef>
                     <a:spcPts val="0"/>
                   </a:spcBef>
@@ -7054,9 +6795,6 @@
                   </a:spcAft>
                   <a:buNone/>
                 </a:pPr>
-                <a:r>
-                  <a:t/>
-                </a:r>
                 <a:endParaRPr/>
               </a:p>
             </p:txBody>
@@ -7089,8 +6827,8 @@
               </a:xfrm>
               <a:prstGeom prst="round2SameRect">
                 <a:avLst>
-                  <a:gd fmla="val 50000" name="adj1"/>
-                  <a:gd fmla="val 0" name="adj2"/>
+                  <a:gd name="adj1" fmla="val 50000"/>
+                  <a:gd name="adj2" fmla="val 0"/>
                 </a:avLst>
               </a:prstGeom>
               <a:solidFill>
@@ -7103,12 +6841,12 @@
               </a:ln>
             </p:spPr>
             <p:txBody>
-              <a:bodyPr anchorCtr="0" anchor="ctr" bIns="91425" lIns="91425" spcFirstLastPara="1" rIns="91425" wrap="square" tIns="91425">
+              <a:bodyPr spcFirstLastPara="1" wrap="square" lIns="91425" tIns="91425" rIns="91425" bIns="91425" anchor="ctr" anchorCtr="0">
                 <a:noAutofit/>
               </a:bodyPr>
               <a:lstStyle/>
               <a:p>
-                <a:pPr indent="0" lvl="0" marL="0" rtl="0" algn="l">
+                <a:pPr marL="0" lvl="0" indent="0" algn="l" rtl="0">
                   <a:spcBef>
                     <a:spcPts val="0"/>
                   </a:spcBef>
@@ -7117,9 +6855,6 @@
                   </a:spcAft>
                   <a:buNone/>
                 </a:pPr>
-                <a:r>
-                  <a:t/>
-                </a:r>
                 <a:endParaRPr/>
               </a:p>
             </p:txBody>
@@ -7137,8 +6872,8 @@
               </a:xfrm>
               <a:prstGeom prst="round2SameRect">
                 <a:avLst>
-                  <a:gd fmla="val 50000" name="adj1"/>
-                  <a:gd fmla="val 0" name="adj2"/>
+                  <a:gd name="adj1" fmla="val 50000"/>
+                  <a:gd name="adj2" fmla="val 0"/>
                 </a:avLst>
               </a:prstGeom>
               <a:solidFill>
@@ -7151,12 +6886,12 @@
               </a:ln>
             </p:spPr>
             <p:txBody>
-              <a:bodyPr anchorCtr="0" anchor="ctr" bIns="91425" lIns="91425" spcFirstLastPara="1" rIns="91425" wrap="square" tIns="91425">
+              <a:bodyPr spcFirstLastPara="1" wrap="square" lIns="91425" tIns="91425" rIns="91425" bIns="91425" anchor="ctr" anchorCtr="0">
                 <a:noAutofit/>
               </a:bodyPr>
               <a:lstStyle/>
               <a:p>
-                <a:pPr indent="0" lvl="0" marL="0" rtl="0" algn="l">
+                <a:pPr marL="0" lvl="0" indent="0" algn="l" rtl="0">
                   <a:spcBef>
                     <a:spcPts val="0"/>
                   </a:spcBef>
@@ -7165,9 +6900,6 @@
                   </a:spcAft>
                   <a:buNone/>
                 </a:pPr>
-                <a:r>
-                  <a:t/>
-                </a:r>
                 <a:endParaRPr/>
               </a:p>
             </p:txBody>
@@ -7185,8 +6917,8 @@
               </a:xfrm>
               <a:prstGeom prst="round2SameRect">
                 <a:avLst>
-                  <a:gd fmla="val 50000" name="adj1"/>
-                  <a:gd fmla="val 0" name="adj2"/>
+                  <a:gd name="adj1" fmla="val 50000"/>
+                  <a:gd name="adj2" fmla="val 0"/>
                 </a:avLst>
               </a:prstGeom>
               <a:solidFill>
@@ -7199,12 +6931,12 @@
               </a:ln>
             </p:spPr>
             <p:txBody>
-              <a:bodyPr anchorCtr="0" anchor="ctr" bIns="91425" lIns="91425" spcFirstLastPara="1" rIns="91425" wrap="square" tIns="91425">
+              <a:bodyPr spcFirstLastPara="1" wrap="square" lIns="91425" tIns="91425" rIns="91425" bIns="91425" anchor="ctr" anchorCtr="0">
                 <a:noAutofit/>
               </a:bodyPr>
               <a:lstStyle/>
               <a:p>
-                <a:pPr indent="0" lvl="0" marL="0" rtl="0" algn="l">
+                <a:pPr marL="0" lvl="0" indent="0" algn="l" rtl="0">
                   <a:spcBef>
                     <a:spcPts val="0"/>
                   </a:spcBef>
@@ -7213,9 +6945,6 @@
                   </a:spcAft>
                   <a:buNone/>
                 </a:pPr>
-                <a:r>
-                  <a:t/>
-                </a:r>
                 <a:endParaRPr/>
               </a:p>
             </p:txBody>
@@ -7233,8 +6962,8 @@
               </a:xfrm>
               <a:prstGeom prst="round2SameRect">
                 <a:avLst>
-                  <a:gd fmla="val 50000" name="adj1"/>
-                  <a:gd fmla="val 0" name="adj2"/>
+                  <a:gd name="adj1" fmla="val 50000"/>
+                  <a:gd name="adj2" fmla="val 0"/>
                 </a:avLst>
               </a:prstGeom>
               <a:solidFill>
@@ -7247,12 +6976,12 @@
               </a:ln>
             </p:spPr>
             <p:txBody>
-              <a:bodyPr anchorCtr="0" anchor="ctr" bIns="91425" lIns="91425" spcFirstLastPara="1" rIns="91425" wrap="square" tIns="91425">
+              <a:bodyPr spcFirstLastPara="1" wrap="square" lIns="91425" tIns="91425" rIns="91425" bIns="91425" anchor="ctr" anchorCtr="0">
                 <a:noAutofit/>
               </a:bodyPr>
               <a:lstStyle/>
               <a:p>
-                <a:pPr indent="0" lvl="0" marL="0" rtl="0" algn="l">
+                <a:pPr marL="0" lvl="0" indent="0" algn="l" rtl="0">
                   <a:spcBef>
                     <a:spcPts val="0"/>
                   </a:spcBef>
@@ -7261,9 +6990,6 @@
                   </a:spcAft>
                   <a:buNone/>
                 </a:pPr>
-                <a:r>
-                  <a:t/>
-                </a:r>
                 <a:endParaRPr/>
               </a:p>
             </p:txBody>
@@ -7296,8 +7022,8 @@
               </a:xfrm>
               <a:prstGeom prst="round2SameRect">
                 <a:avLst>
-                  <a:gd fmla="val 50000" name="adj1"/>
-                  <a:gd fmla="val 0" name="adj2"/>
+                  <a:gd name="adj1" fmla="val 50000"/>
+                  <a:gd name="adj2" fmla="val 0"/>
                 </a:avLst>
               </a:prstGeom>
               <a:solidFill>
@@ -7310,12 +7036,12 @@
               </a:ln>
             </p:spPr>
             <p:txBody>
-              <a:bodyPr anchorCtr="0" anchor="ctr" bIns="91425" lIns="91425" spcFirstLastPara="1" rIns="91425" wrap="square" tIns="91425">
+              <a:bodyPr spcFirstLastPara="1" wrap="square" lIns="91425" tIns="91425" rIns="91425" bIns="91425" anchor="ctr" anchorCtr="0">
                 <a:noAutofit/>
               </a:bodyPr>
               <a:lstStyle/>
               <a:p>
-                <a:pPr indent="0" lvl="0" marL="0" rtl="0" algn="l">
+                <a:pPr marL="0" lvl="0" indent="0" algn="l" rtl="0">
                   <a:spcBef>
                     <a:spcPts val="0"/>
                   </a:spcBef>
@@ -7324,9 +7050,6 @@
                   </a:spcAft>
                   <a:buNone/>
                 </a:pPr>
-                <a:r>
-                  <a:t/>
-                </a:r>
                 <a:endParaRPr/>
               </a:p>
             </p:txBody>
@@ -7344,8 +7067,8 @@
               </a:xfrm>
               <a:prstGeom prst="round2SameRect">
                 <a:avLst>
-                  <a:gd fmla="val 50000" name="adj1"/>
-                  <a:gd fmla="val 0" name="adj2"/>
+                  <a:gd name="adj1" fmla="val 50000"/>
+                  <a:gd name="adj2" fmla="val 0"/>
                 </a:avLst>
               </a:prstGeom>
               <a:solidFill>
@@ -7358,12 +7081,12 @@
               </a:ln>
             </p:spPr>
             <p:txBody>
-              <a:bodyPr anchorCtr="0" anchor="ctr" bIns="91425" lIns="91425" spcFirstLastPara="1" rIns="91425" wrap="square" tIns="91425">
+              <a:bodyPr spcFirstLastPara="1" wrap="square" lIns="91425" tIns="91425" rIns="91425" bIns="91425" anchor="ctr" anchorCtr="0">
                 <a:noAutofit/>
               </a:bodyPr>
               <a:lstStyle/>
               <a:p>
-                <a:pPr indent="0" lvl="0" marL="0" rtl="0" algn="l">
+                <a:pPr marL="0" lvl="0" indent="0" algn="l" rtl="0">
                   <a:spcBef>
                     <a:spcPts val="0"/>
                   </a:spcBef>
@@ -7372,9 +7095,6 @@
                   </a:spcAft>
                   <a:buNone/>
                 </a:pPr>
-                <a:r>
-                  <a:t/>
-                </a:r>
                 <a:endParaRPr/>
               </a:p>
             </p:txBody>
@@ -7392,8 +7112,8 @@
               </a:xfrm>
               <a:prstGeom prst="round2SameRect">
                 <a:avLst>
-                  <a:gd fmla="val 50000" name="adj1"/>
-                  <a:gd fmla="val 0" name="adj2"/>
+                  <a:gd name="adj1" fmla="val 50000"/>
+                  <a:gd name="adj2" fmla="val 0"/>
                 </a:avLst>
               </a:prstGeom>
               <a:solidFill>
@@ -7406,12 +7126,12 @@
               </a:ln>
             </p:spPr>
             <p:txBody>
-              <a:bodyPr anchorCtr="0" anchor="ctr" bIns="91425" lIns="91425" spcFirstLastPara="1" rIns="91425" wrap="square" tIns="91425">
+              <a:bodyPr spcFirstLastPara="1" wrap="square" lIns="91425" tIns="91425" rIns="91425" bIns="91425" anchor="ctr" anchorCtr="0">
                 <a:noAutofit/>
               </a:bodyPr>
               <a:lstStyle/>
               <a:p>
-                <a:pPr indent="0" lvl="0" marL="0" rtl="0" algn="l">
+                <a:pPr marL="0" lvl="0" indent="0" algn="l" rtl="0">
                   <a:spcBef>
                     <a:spcPts val="0"/>
                   </a:spcBef>
@@ -7420,9 +7140,6 @@
                   </a:spcAft>
                   <a:buNone/>
                 </a:pPr>
-                <a:r>
-                  <a:t/>
-                </a:r>
                 <a:endParaRPr/>
               </a:p>
             </p:txBody>
@@ -7455,8 +7172,8 @@
               </a:xfrm>
               <a:prstGeom prst="round2SameRect">
                 <a:avLst>
-                  <a:gd fmla="val 50000" name="adj1"/>
-                  <a:gd fmla="val 0" name="adj2"/>
+                  <a:gd name="adj1" fmla="val 50000"/>
+                  <a:gd name="adj2" fmla="val 0"/>
                 </a:avLst>
               </a:prstGeom>
               <a:solidFill>
@@ -7469,12 +7186,12 @@
               </a:ln>
             </p:spPr>
             <p:txBody>
-              <a:bodyPr anchorCtr="0" anchor="ctr" bIns="91425" lIns="91425" spcFirstLastPara="1" rIns="91425" wrap="square" tIns="91425">
+              <a:bodyPr spcFirstLastPara="1" wrap="square" lIns="91425" tIns="91425" rIns="91425" bIns="91425" anchor="ctr" anchorCtr="0">
                 <a:noAutofit/>
               </a:bodyPr>
               <a:lstStyle/>
               <a:p>
-                <a:pPr indent="0" lvl="0" marL="0" rtl="0" algn="l">
+                <a:pPr marL="0" lvl="0" indent="0" algn="l" rtl="0">
                   <a:spcBef>
                     <a:spcPts val="0"/>
                   </a:spcBef>
@@ -7483,9 +7200,6 @@
                   </a:spcAft>
                   <a:buNone/>
                 </a:pPr>
-                <a:r>
-                  <a:t/>
-                </a:r>
                 <a:endParaRPr/>
               </a:p>
             </p:txBody>
@@ -7503,8 +7217,8 @@
               </a:xfrm>
               <a:prstGeom prst="round2SameRect">
                 <a:avLst>
-                  <a:gd fmla="val 50000" name="adj1"/>
-                  <a:gd fmla="val 0" name="adj2"/>
+                  <a:gd name="adj1" fmla="val 50000"/>
+                  <a:gd name="adj2" fmla="val 0"/>
                 </a:avLst>
               </a:prstGeom>
               <a:solidFill>
@@ -7517,12 +7231,12 @@
               </a:ln>
             </p:spPr>
             <p:txBody>
-              <a:bodyPr anchorCtr="0" anchor="ctr" bIns="91425" lIns="91425" spcFirstLastPara="1" rIns="91425" wrap="square" tIns="91425">
+              <a:bodyPr spcFirstLastPara="1" wrap="square" lIns="91425" tIns="91425" rIns="91425" bIns="91425" anchor="ctr" anchorCtr="0">
                 <a:noAutofit/>
               </a:bodyPr>
               <a:lstStyle/>
               <a:p>
-                <a:pPr indent="0" lvl="0" marL="0" rtl="0" algn="l">
+                <a:pPr marL="0" lvl="0" indent="0" algn="l" rtl="0">
                   <a:spcBef>
                     <a:spcPts val="0"/>
                   </a:spcBef>
@@ -7531,9 +7245,6 @@
                   </a:spcAft>
                   <a:buNone/>
                 </a:pPr>
-                <a:r>
-                  <a:t/>
-                </a:r>
                 <a:endParaRPr/>
               </a:p>
             </p:txBody>
@@ -7551,8 +7262,8 @@
               </a:xfrm>
               <a:prstGeom prst="round2SameRect">
                 <a:avLst>
-                  <a:gd fmla="val 50000" name="adj1"/>
-                  <a:gd fmla="val 0" name="adj2"/>
+                  <a:gd name="adj1" fmla="val 50000"/>
+                  <a:gd name="adj2" fmla="val 0"/>
                 </a:avLst>
               </a:prstGeom>
               <a:solidFill>
@@ -7565,12 +7276,12 @@
               </a:ln>
             </p:spPr>
             <p:txBody>
-              <a:bodyPr anchorCtr="0" anchor="ctr" bIns="91425" lIns="91425" spcFirstLastPara="1" rIns="91425" wrap="square" tIns="91425">
+              <a:bodyPr spcFirstLastPara="1" wrap="square" lIns="91425" tIns="91425" rIns="91425" bIns="91425" anchor="ctr" anchorCtr="0">
                 <a:noAutofit/>
               </a:bodyPr>
               <a:lstStyle/>
               <a:p>
-                <a:pPr indent="0" lvl="0" marL="0" rtl="0" algn="l">
+                <a:pPr marL="0" lvl="0" indent="0" algn="l" rtl="0">
                   <a:spcBef>
                     <a:spcPts val="0"/>
                   </a:spcBef>
@@ -7579,9 +7290,6 @@
                   </a:spcAft>
                   <a:buNone/>
                 </a:pPr>
-                <a:r>
-                  <a:t/>
-                </a:r>
                 <a:endParaRPr/>
               </a:p>
             </p:txBody>
@@ -7599,8 +7307,8 @@
               </a:xfrm>
               <a:prstGeom prst="round2SameRect">
                 <a:avLst>
-                  <a:gd fmla="val 50000" name="adj1"/>
-                  <a:gd fmla="val 0" name="adj2"/>
+                  <a:gd name="adj1" fmla="val 50000"/>
+                  <a:gd name="adj2" fmla="val 0"/>
                 </a:avLst>
               </a:prstGeom>
               <a:solidFill>
@@ -7613,12 +7321,12 @@
               </a:ln>
             </p:spPr>
             <p:txBody>
-              <a:bodyPr anchorCtr="0" anchor="ctr" bIns="91425" lIns="91425" spcFirstLastPara="1" rIns="91425" wrap="square" tIns="91425">
+              <a:bodyPr spcFirstLastPara="1" wrap="square" lIns="91425" tIns="91425" rIns="91425" bIns="91425" anchor="ctr" anchorCtr="0">
                 <a:noAutofit/>
               </a:bodyPr>
               <a:lstStyle/>
               <a:p>
-                <a:pPr indent="0" lvl="0" marL="0" rtl="0" algn="l">
+                <a:pPr marL="0" lvl="0" indent="0" algn="l" rtl="0">
                   <a:spcBef>
                     <a:spcPts val="0"/>
                   </a:spcBef>
@@ -7627,9 +7335,6 @@
                   </a:spcAft>
                   <a:buNone/>
                 </a:pPr>
-                <a:r>
-                  <a:t/>
-                </a:r>
                 <a:endParaRPr/>
               </a:p>
             </p:txBody>
@@ -7639,9 +7344,11 @@
       <p:sp>
         <p:nvSpPr>
           <p:cNvPr id="252" name="Google Shape;252;p11"/>
-          <p:cNvSpPr txBox="1"/>
+          <p:cNvSpPr txBox="1">
+            <a:spLocks noGrp="1"/>
+          </p:cNvSpPr>
           <p:nvPr>
-            <p:ph hasCustomPrompt="1" type="title"/>
+            <p:ph type="title" hasCustomPrompt="1"/>
           </p:nvPr>
         </p:nvSpPr>
         <p:spPr>
@@ -7654,7 +7361,7 @@
           </a:prstGeom>
         </p:spPr>
         <p:txBody>
-          <a:bodyPr anchorCtr="0" anchor="ctr" bIns="91425" lIns="91425" spcFirstLastPara="1" rIns="91425" wrap="square" tIns="91425">
+          <a:bodyPr spcFirstLastPara="1" wrap="square" lIns="91425" tIns="91425" rIns="91425" bIns="91425" anchor="ctr" anchorCtr="0">
             <a:noAutofit/>
           </a:bodyPr>
           <a:lstStyle>
@@ -7831,9 +7538,11 @@
       <p:sp>
         <p:nvSpPr>
           <p:cNvPr id="253" name="Google Shape;253;p11"/>
-          <p:cNvSpPr txBox="1"/>
+          <p:cNvSpPr txBox="1">
+            <a:spLocks noGrp="1"/>
+          </p:cNvSpPr>
           <p:nvPr>
-            <p:ph idx="1" type="body"/>
+            <p:ph type="body" idx="1"/>
           </p:nvPr>
         </p:nvSpPr>
         <p:spPr>
@@ -7846,11 +7555,11 @@
           </a:prstGeom>
         </p:spPr>
         <p:txBody>
-          <a:bodyPr anchorCtr="0" anchor="t" bIns="91425" lIns="91425" spcFirstLastPara="1" rIns="91425" wrap="square" tIns="91425">
+          <a:bodyPr spcFirstLastPara="1" wrap="square" lIns="91425" tIns="91425" rIns="91425" bIns="91425" anchor="t" anchorCtr="0">
             <a:noAutofit/>
           </a:bodyPr>
           <a:lstStyle>
-            <a:lvl1pPr indent="-311150" lvl="0" marL="457200" algn="ctr">
+            <a:lvl1pPr marL="457200" lvl="0" indent="-311150" algn="ctr">
               <a:spcBef>
                 <a:spcPts val="0"/>
               </a:spcBef>
@@ -7868,7 +7577,7 @@
                 </a:solidFill>
               </a:defRPr>
             </a:lvl1pPr>
-            <a:lvl2pPr indent="-298450" lvl="1" marL="914400" algn="ctr">
+            <a:lvl2pPr marL="914400" lvl="1" indent="-298450" algn="ctr">
               <a:spcBef>
                 <a:spcPts val="1600"/>
               </a:spcBef>
@@ -7886,7 +7595,7 @@
                 </a:solidFill>
               </a:defRPr>
             </a:lvl2pPr>
-            <a:lvl3pPr indent="-298450" lvl="2" marL="1371600" algn="ctr">
+            <a:lvl3pPr marL="1371600" lvl="2" indent="-298450" algn="ctr">
               <a:spcBef>
                 <a:spcPts val="1600"/>
               </a:spcBef>
@@ -7904,7 +7613,7 @@
                 </a:solidFill>
               </a:defRPr>
             </a:lvl3pPr>
-            <a:lvl4pPr indent="-298450" lvl="3" marL="1828800" algn="ctr">
+            <a:lvl4pPr marL="1828800" lvl="3" indent="-298450" algn="ctr">
               <a:spcBef>
                 <a:spcPts val="1600"/>
               </a:spcBef>
@@ -7922,7 +7631,7 @@
                 </a:solidFill>
               </a:defRPr>
             </a:lvl4pPr>
-            <a:lvl5pPr indent="-298450" lvl="4" marL="2286000" algn="ctr">
+            <a:lvl5pPr marL="2286000" lvl="4" indent="-298450" algn="ctr">
               <a:spcBef>
                 <a:spcPts val="1600"/>
               </a:spcBef>
@@ -7940,7 +7649,7 @@
                 </a:solidFill>
               </a:defRPr>
             </a:lvl5pPr>
-            <a:lvl6pPr indent="-298450" lvl="5" marL="2743200" algn="ctr">
+            <a:lvl6pPr marL="2743200" lvl="5" indent="-298450" algn="ctr">
               <a:spcBef>
                 <a:spcPts val="1600"/>
               </a:spcBef>
@@ -7958,7 +7667,7 @@
                 </a:solidFill>
               </a:defRPr>
             </a:lvl6pPr>
-            <a:lvl7pPr indent="-298450" lvl="6" marL="3200400" algn="ctr">
+            <a:lvl7pPr marL="3200400" lvl="6" indent="-298450" algn="ctr">
               <a:spcBef>
                 <a:spcPts val="1600"/>
               </a:spcBef>
@@ -7976,7 +7685,7 @@
                 </a:solidFill>
               </a:defRPr>
             </a:lvl7pPr>
-            <a:lvl8pPr indent="-298450" lvl="7" marL="3657600" algn="ctr">
+            <a:lvl8pPr marL="3657600" lvl="7" indent="-298450" algn="ctr">
               <a:spcBef>
                 <a:spcPts val="1600"/>
               </a:spcBef>
@@ -7994,7 +7703,7 @@
                 </a:solidFill>
               </a:defRPr>
             </a:lvl8pPr>
-            <a:lvl9pPr indent="-298450" lvl="8" marL="4114800" algn="ctr">
+            <a:lvl9pPr marL="4114800" lvl="8" indent="-298450" algn="ctr">
               <a:spcBef>
                 <a:spcPts val="1600"/>
               </a:spcBef>
@@ -8013,15 +7722,19 @@
               </a:defRPr>
             </a:lvl9pPr>
           </a:lstStyle>
-          <a:p/>
+          <a:p>
+            <a:endParaRPr/>
+          </a:p>
         </p:txBody>
       </p:sp>
       <p:sp>
         <p:nvSpPr>
           <p:cNvPr id="254" name="Google Shape;254;p11"/>
-          <p:cNvSpPr txBox="1"/>
+          <p:cNvSpPr txBox="1">
+            <a:spLocks noGrp="1"/>
+          </p:cNvSpPr>
           <p:nvPr>
-            <p:ph idx="12" type="sldNum"/>
+            <p:ph type="sldNum" idx="12"/>
           </p:nvPr>
         </p:nvSpPr>
         <p:spPr>
@@ -8034,7 +7747,7 @@
           </a:prstGeom>
         </p:spPr>
         <p:txBody>
-          <a:bodyPr anchorCtr="0" anchor="ctr" bIns="91425" lIns="91425" spcFirstLastPara="1" rIns="91425" wrap="square" tIns="91425">
+          <a:bodyPr spcFirstLastPara="1" wrap="square" lIns="91425" tIns="91425" rIns="91425" bIns="91425" anchor="ctr" anchorCtr="0">
             <a:noAutofit/>
           </a:bodyPr>
           <a:lstStyle>
@@ -8112,7 +7825,7 @@
             </a:lvl9pPr>
           </a:lstStyle>
           <a:p>
-            <a:pPr indent="0" lvl="0" marL="0" rtl="0" algn="r">
+            <a:pPr marL="0" lvl="0" indent="0" algn="r" rtl="0">
               <a:spcBef>
                 <a:spcPts val="0"/>
               </a:spcBef>
@@ -8123,7 +7836,7 @@
             </a:pPr>
             <a:fld id="{00000000-1234-1234-1234-123412341234}" type="slidenum">
               <a:rPr lang="pt-BR"/>
-              <a:t>‹#›</a:t>
+              <a:t>‹nº›</a:t>
             </a:fld>
             <a:endParaRPr/>
           </a:p>
@@ -8138,11 +7851,11 @@
 </file>
 
 <file path=ppt/slideLayouts/slideLayout11.xml><?xml version="1.0" encoding="utf-8"?>
-<p:sldLayout xmlns:a="http://schemas.openxmlformats.org/drawingml/2006/main" xmlns:r="http://schemas.openxmlformats.org/officeDocument/2006/relationships" xmlns:mc="http://schemas.openxmlformats.org/markup-compatibility/2006" xmlns:mv="urn:schemas-microsoft-com:mac:vml" xmlns:p="http://schemas.openxmlformats.org/presentationml/2006/main" xmlns:c="http://schemas.openxmlformats.org/drawingml/2006/chart" xmlns:dgm="http://schemas.openxmlformats.org/drawingml/2006/diagram" xmlns:o="urn:schemas-microsoft-com:office:office" xmlns:v="urn:schemas-microsoft-com:vml" xmlns:pvml="urn:schemas-microsoft-com:office:powerpoint" xmlns:com="http://schemas.openxmlformats.org/drawingml/2006/compatibility" xmlns:p14="http://schemas.microsoft.com/office/powerpoint/2010/main" xmlns:p15="http://schemas.microsoft.com/office/powerpoint/2012/main" xmlns:ahyp="http://schemas.microsoft.com/office/drawing/2018/hyperlinkcolor" matchingName="Blank" type="blank">
+<p:sldLayout xmlns:a="http://schemas.openxmlformats.org/drawingml/2006/main" xmlns:r="http://schemas.openxmlformats.org/officeDocument/2006/relationships" xmlns:p="http://schemas.openxmlformats.org/presentationml/2006/main" matchingName="Blank" type="blank">
   <p:cSld name="BLANK">
     <p:spTree>
       <p:nvGrpSpPr>
-        <p:cNvPr id="255" name="Shape 255"/>
+        <p:cNvPr id="1" name="Shape 255"/>
         <p:cNvGrpSpPr/>
         <p:nvPr/>
       </p:nvGrpSpPr>
@@ -8157,9 +7870,11 @@
       <p:sp>
         <p:nvSpPr>
           <p:cNvPr id="256" name="Google Shape;256;p12"/>
-          <p:cNvSpPr txBox="1"/>
+          <p:cNvSpPr txBox="1">
+            <a:spLocks noGrp="1"/>
+          </p:cNvSpPr>
           <p:nvPr>
-            <p:ph idx="12" type="sldNum"/>
+            <p:ph type="sldNum" idx="12"/>
           </p:nvPr>
         </p:nvSpPr>
         <p:spPr>
@@ -8172,7 +7887,7 @@
           </a:prstGeom>
         </p:spPr>
         <p:txBody>
-          <a:bodyPr anchorCtr="0" anchor="ctr" bIns="91425" lIns="91425" spcFirstLastPara="1" rIns="91425" wrap="square" tIns="91425">
+          <a:bodyPr spcFirstLastPara="1" wrap="square" lIns="91425" tIns="91425" rIns="91425" bIns="91425" anchor="ctr" anchorCtr="0">
             <a:noAutofit/>
           </a:bodyPr>
           <a:lstStyle>
@@ -8214,7 +7929,7 @@
             </a:lvl9pPr>
           </a:lstStyle>
           <a:p>
-            <a:pPr indent="0" lvl="0" marL="0" rtl="0" algn="r">
+            <a:pPr marL="0" lvl="0" indent="0" algn="r" rtl="0">
               <a:spcBef>
                 <a:spcPts val="0"/>
               </a:spcBef>
@@ -8225,7 +7940,7 @@
             </a:pPr>
             <a:fld id="{00000000-1234-1234-1234-123412341234}" type="slidenum">
               <a:rPr lang="pt-BR"/>
-              <a:t>‹#›</a:t>
+              <a:t>‹nº›</a:t>
             </a:fld>
             <a:endParaRPr/>
           </a:p>
@@ -8240,18 +7955,19 @@
 </file>
 
 <file path=ppt/slideLayouts/slideLayout2.xml><?xml version="1.0" encoding="utf-8"?>
-<p:sldLayout xmlns:a="http://schemas.openxmlformats.org/drawingml/2006/main" xmlns:r="http://schemas.openxmlformats.org/officeDocument/2006/relationships" xmlns:mc="http://schemas.openxmlformats.org/markup-compatibility/2006" xmlns:mv="urn:schemas-microsoft-com:mac:vml" xmlns:p="http://schemas.openxmlformats.org/presentationml/2006/main" xmlns:c="http://schemas.openxmlformats.org/drawingml/2006/chart" xmlns:dgm="http://schemas.openxmlformats.org/drawingml/2006/diagram" xmlns:o="urn:schemas-microsoft-com:office:office" xmlns:v="urn:schemas-microsoft-com:vml" xmlns:pvml="urn:schemas-microsoft-com:office:powerpoint" xmlns:com="http://schemas.openxmlformats.org/drawingml/2006/compatibility" xmlns:p14="http://schemas.microsoft.com/office/powerpoint/2010/main" xmlns:p15="http://schemas.microsoft.com/office/powerpoint/2012/main" xmlns:ahyp="http://schemas.microsoft.com/office/drawing/2018/hyperlinkcolor" matchingName="Section header" type="secHead">
+<p:sldLayout xmlns:a="http://schemas.openxmlformats.org/drawingml/2006/main" xmlns:r="http://schemas.openxmlformats.org/officeDocument/2006/relationships" xmlns:p="http://schemas.openxmlformats.org/presentationml/2006/main" matchingName="Section header" type="secHead">
   <p:cSld name="SECTION_HEADER">
     <p:bg>
       <p:bgPr>
         <a:solidFill>
           <a:schemeClr val="dk1"/>
         </a:solidFill>
+        <a:effectLst/>
       </p:bgPr>
     </p:bg>
     <p:spTree>
       <p:nvGrpSpPr>
-        <p:cNvPr id="33" name="Shape 33"/>
+        <p:cNvPr id="1" name="Shape 33"/>
         <p:cNvGrpSpPr/>
         <p:nvPr/>
       </p:nvGrpSpPr>
@@ -8304,8 +8020,8 @@
               </a:xfrm>
               <a:prstGeom prst="round2SameRect">
                 <a:avLst>
-                  <a:gd fmla="val 50000" name="adj1"/>
-                  <a:gd fmla="val 0" name="adj2"/>
+                  <a:gd name="adj1" fmla="val 50000"/>
+                  <a:gd name="adj2" fmla="val 0"/>
                 </a:avLst>
               </a:prstGeom>
               <a:solidFill>
@@ -8318,12 +8034,12 @@
               </a:ln>
             </p:spPr>
             <p:txBody>
-              <a:bodyPr anchorCtr="0" anchor="ctr" bIns="91425" lIns="91425" spcFirstLastPara="1" rIns="91425" wrap="square" tIns="91425">
+              <a:bodyPr spcFirstLastPara="1" wrap="square" lIns="91425" tIns="91425" rIns="91425" bIns="91425" anchor="ctr" anchorCtr="0">
                 <a:noAutofit/>
               </a:bodyPr>
               <a:lstStyle/>
               <a:p>
-                <a:pPr indent="0" lvl="0" marL="0" rtl="0" algn="l">
+                <a:pPr marL="0" lvl="0" indent="0" algn="l" rtl="0">
                   <a:spcBef>
                     <a:spcPts val="0"/>
                   </a:spcBef>
@@ -8332,9 +8048,6 @@
                   </a:spcAft>
                   <a:buNone/>
                 </a:pPr>
-                <a:r>
-                  <a:t/>
-                </a:r>
                 <a:endParaRPr/>
               </a:p>
             </p:txBody>
@@ -8352,8 +8065,8 @@
               </a:xfrm>
               <a:prstGeom prst="round2SameRect">
                 <a:avLst>
-                  <a:gd fmla="val 50000" name="adj1"/>
-                  <a:gd fmla="val 0" name="adj2"/>
+                  <a:gd name="adj1" fmla="val 50000"/>
+                  <a:gd name="adj2" fmla="val 0"/>
                 </a:avLst>
               </a:prstGeom>
               <a:solidFill>
@@ -8366,12 +8079,12 @@
               </a:ln>
             </p:spPr>
             <p:txBody>
-              <a:bodyPr anchorCtr="0" anchor="ctr" bIns="91425" lIns="91425" spcFirstLastPara="1" rIns="91425" wrap="square" tIns="91425">
+              <a:bodyPr spcFirstLastPara="1" wrap="square" lIns="91425" tIns="91425" rIns="91425" bIns="91425" anchor="ctr" anchorCtr="0">
                 <a:noAutofit/>
               </a:bodyPr>
               <a:lstStyle/>
               <a:p>
-                <a:pPr indent="0" lvl="0" marL="0" rtl="0" algn="l">
+                <a:pPr marL="0" lvl="0" indent="0" algn="l" rtl="0">
                   <a:spcBef>
                     <a:spcPts val="0"/>
                   </a:spcBef>
@@ -8380,9 +8093,6 @@
                   </a:spcAft>
                   <a:buNone/>
                 </a:pPr>
-                <a:r>
-                  <a:t/>
-                </a:r>
                 <a:endParaRPr/>
               </a:p>
             </p:txBody>
@@ -8415,8 +8125,8 @@
               </a:xfrm>
               <a:prstGeom prst="round2SameRect">
                 <a:avLst>
-                  <a:gd fmla="val 50000" name="adj1"/>
-                  <a:gd fmla="val 0" name="adj2"/>
+                  <a:gd name="adj1" fmla="val 50000"/>
+                  <a:gd name="adj2" fmla="val 0"/>
                 </a:avLst>
               </a:prstGeom>
               <a:solidFill>
@@ -8429,12 +8139,12 @@
               </a:ln>
             </p:spPr>
             <p:txBody>
-              <a:bodyPr anchorCtr="0" anchor="ctr" bIns="91425" lIns="91425" spcFirstLastPara="1" rIns="91425" wrap="square" tIns="91425">
+              <a:bodyPr spcFirstLastPara="1" wrap="square" lIns="91425" tIns="91425" rIns="91425" bIns="91425" anchor="ctr" anchorCtr="0">
                 <a:noAutofit/>
               </a:bodyPr>
               <a:lstStyle/>
               <a:p>
-                <a:pPr indent="0" lvl="0" marL="0" rtl="0" algn="l">
+                <a:pPr marL="0" lvl="0" indent="0" algn="l" rtl="0">
                   <a:spcBef>
                     <a:spcPts val="0"/>
                   </a:spcBef>
@@ -8443,9 +8153,6 @@
                   </a:spcAft>
                   <a:buNone/>
                 </a:pPr>
-                <a:r>
-                  <a:t/>
-                </a:r>
                 <a:endParaRPr/>
               </a:p>
             </p:txBody>
@@ -8463,8 +8170,8 @@
               </a:xfrm>
               <a:prstGeom prst="round2SameRect">
                 <a:avLst>
-                  <a:gd fmla="val 50000" name="adj1"/>
-                  <a:gd fmla="val 0" name="adj2"/>
+                  <a:gd name="adj1" fmla="val 50000"/>
+                  <a:gd name="adj2" fmla="val 0"/>
                 </a:avLst>
               </a:prstGeom>
               <a:solidFill>
@@ -8477,12 +8184,12 @@
               </a:ln>
             </p:spPr>
             <p:txBody>
-              <a:bodyPr anchorCtr="0" anchor="ctr" bIns="91425" lIns="91425" spcFirstLastPara="1" rIns="91425" wrap="square" tIns="91425">
+              <a:bodyPr spcFirstLastPara="1" wrap="square" lIns="91425" tIns="91425" rIns="91425" bIns="91425" anchor="ctr" anchorCtr="0">
                 <a:noAutofit/>
               </a:bodyPr>
               <a:lstStyle/>
               <a:p>
-                <a:pPr indent="0" lvl="0" marL="0" rtl="0" algn="l">
+                <a:pPr marL="0" lvl="0" indent="0" algn="l" rtl="0">
                   <a:spcBef>
                     <a:spcPts val="0"/>
                   </a:spcBef>
@@ -8491,9 +8198,6 @@
                   </a:spcAft>
                   <a:buNone/>
                 </a:pPr>
-                <a:r>
-                  <a:t/>
-                </a:r>
                 <a:endParaRPr/>
               </a:p>
             </p:txBody>
@@ -8511,8 +8215,8 @@
               </a:xfrm>
               <a:prstGeom prst="round2SameRect">
                 <a:avLst>
-                  <a:gd fmla="val 50000" name="adj1"/>
-                  <a:gd fmla="val 0" name="adj2"/>
+                  <a:gd name="adj1" fmla="val 50000"/>
+                  <a:gd name="adj2" fmla="val 0"/>
                 </a:avLst>
               </a:prstGeom>
               <a:solidFill>
@@ -8525,12 +8229,12 @@
               </a:ln>
             </p:spPr>
             <p:txBody>
-              <a:bodyPr anchorCtr="0" anchor="ctr" bIns="91425" lIns="91425" spcFirstLastPara="1" rIns="91425" wrap="square" tIns="91425">
+              <a:bodyPr spcFirstLastPara="1" wrap="square" lIns="91425" tIns="91425" rIns="91425" bIns="91425" anchor="ctr" anchorCtr="0">
                 <a:noAutofit/>
               </a:bodyPr>
               <a:lstStyle/>
               <a:p>
-                <a:pPr indent="0" lvl="0" marL="0" rtl="0" algn="l">
+                <a:pPr marL="0" lvl="0" indent="0" algn="l" rtl="0">
                   <a:spcBef>
                     <a:spcPts val="0"/>
                   </a:spcBef>
@@ -8539,9 +8243,6 @@
                   </a:spcAft>
                   <a:buNone/>
                 </a:pPr>
-                <a:r>
-                  <a:t/>
-                </a:r>
                 <a:endParaRPr/>
               </a:p>
             </p:txBody>
@@ -8574,8 +8275,8 @@
               </a:xfrm>
               <a:prstGeom prst="round2SameRect">
                 <a:avLst>
-                  <a:gd fmla="val 50000" name="adj1"/>
-                  <a:gd fmla="val 0" name="adj2"/>
+                  <a:gd name="adj1" fmla="val 50000"/>
+                  <a:gd name="adj2" fmla="val 0"/>
                 </a:avLst>
               </a:prstGeom>
               <a:solidFill>
@@ -8588,12 +8289,12 @@
               </a:ln>
             </p:spPr>
             <p:txBody>
-              <a:bodyPr anchorCtr="0" anchor="ctr" bIns="91425" lIns="91425" spcFirstLastPara="1" rIns="91425" wrap="square" tIns="91425">
+              <a:bodyPr spcFirstLastPara="1" wrap="square" lIns="91425" tIns="91425" rIns="91425" bIns="91425" anchor="ctr" anchorCtr="0">
                 <a:noAutofit/>
               </a:bodyPr>
               <a:lstStyle/>
               <a:p>
-                <a:pPr indent="0" lvl="0" marL="0" rtl="0" algn="l">
+                <a:pPr marL="0" lvl="0" indent="0" algn="l" rtl="0">
                   <a:spcBef>
                     <a:spcPts val="0"/>
                   </a:spcBef>
@@ -8602,9 +8303,6 @@
                   </a:spcAft>
                   <a:buNone/>
                 </a:pPr>
-                <a:r>
-                  <a:t/>
-                </a:r>
                 <a:endParaRPr/>
               </a:p>
             </p:txBody>
@@ -8622,8 +8320,8 @@
               </a:xfrm>
               <a:prstGeom prst="round2SameRect">
                 <a:avLst>
-                  <a:gd fmla="val 50000" name="adj1"/>
-                  <a:gd fmla="val 0" name="adj2"/>
+                  <a:gd name="adj1" fmla="val 50000"/>
+                  <a:gd name="adj2" fmla="val 0"/>
                 </a:avLst>
               </a:prstGeom>
               <a:solidFill>
@@ -8636,12 +8334,12 @@
               </a:ln>
             </p:spPr>
             <p:txBody>
-              <a:bodyPr anchorCtr="0" anchor="ctr" bIns="91425" lIns="91425" spcFirstLastPara="1" rIns="91425" wrap="square" tIns="91425">
+              <a:bodyPr spcFirstLastPara="1" wrap="square" lIns="91425" tIns="91425" rIns="91425" bIns="91425" anchor="ctr" anchorCtr="0">
                 <a:noAutofit/>
               </a:bodyPr>
               <a:lstStyle/>
               <a:p>
-                <a:pPr indent="0" lvl="0" marL="0" rtl="0" algn="l">
+                <a:pPr marL="0" lvl="0" indent="0" algn="l" rtl="0">
                   <a:spcBef>
                     <a:spcPts val="0"/>
                   </a:spcBef>
@@ -8650,9 +8348,6 @@
                   </a:spcAft>
                   <a:buNone/>
                 </a:pPr>
-                <a:r>
-                  <a:t/>
-                </a:r>
                 <a:endParaRPr/>
               </a:p>
             </p:txBody>
@@ -8670,8 +8365,8 @@
               </a:xfrm>
               <a:prstGeom prst="round2SameRect">
                 <a:avLst>
-                  <a:gd fmla="val 50000" name="adj1"/>
-                  <a:gd fmla="val 0" name="adj2"/>
+                  <a:gd name="adj1" fmla="val 50000"/>
+                  <a:gd name="adj2" fmla="val 0"/>
                 </a:avLst>
               </a:prstGeom>
               <a:solidFill>
@@ -8684,12 +8379,12 @@
               </a:ln>
             </p:spPr>
             <p:txBody>
-              <a:bodyPr anchorCtr="0" anchor="ctr" bIns="91425" lIns="91425" spcFirstLastPara="1" rIns="91425" wrap="square" tIns="91425">
+              <a:bodyPr spcFirstLastPara="1" wrap="square" lIns="91425" tIns="91425" rIns="91425" bIns="91425" anchor="ctr" anchorCtr="0">
                 <a:noAutofit/>
               </a:bodyPr>
               <a:lstStyle/>
               <a:p>
-                <a:pPr indent="0" lvl="0" marL="0" rtl="0" algn="l">
+                <a:pPr marL="0" lvl="0" indent="0" algn="l" rtl="0">
                   <a:spcBef>
                     <a:spcPts val="0"/>
                   </a:spcBef>
@@ -8698,9 +8393,6 @@
                   </a:spcAft>
                   <a:buNone/>
                 </a:pPr>
-                <a:r>
-                  <a:t/>
-                </a:r>
                 <a:endParaRPr/>
               </a:p>
             </p:txBody>
@@ -8718,8 +8410,8 @@
               </a:xfrm>
               <a:prstGeom prst="round2SameRect">
                 <a:avLst>
-                  <a:gd fmla="val 50000" name="adj1"/>
-                  <a:gd fmla="val 0" name="adj2"/>
+                  <a:gd name="adj1" fmla="val 50000"/>
+                  <a:gd name="adj2" fmla="val 0"/>
                 </a:avLst>
               </a:prstGeom>
               <a:solidFill>
@@ -8732,12 +8424,12 @@
               </a:ln>
             </p:spPr>
             <p:txBody>
-              <a:bodyPr anchorCtr="0" anchor="ctr" bIns="91425" lIns="91425" spcFirstLastPara="1" rIns="91425" wrap="square" tIns="91425">
+              <a:bodyPr spcFirstLastPara="1" wrap="square" lIns="91425" tIns="91425" rIns="91425" bIns="91425" anchor="ctr" anchorCtr="0">
                 <a:noAutofit/>
               </a:bodyPr>
               <a:lstStyle/>
               <a:p>
-                <a:pPr indent="0" lvl="0" marL="0" rtl="0" algn="l">
+                <a:pPr marL="0" lvl="0" indent="0" algn="l" rtl="0">
                   <a:spcBef>
                     <a:spcPts val="0"/>
                   </a:spcBef>
@@ -8746,9 +8438,6 @@
                   </a:spcAft>
                   <a:buNone/>
                 </a:pPr>
-                <a:r>
-                  <a:t/>
-                </a:r>
                 <a:endParaRPr/>
               </a:p>
             </p:txBody>
@@ -8796,8 +8485,8 @@
               </a:xfrm>
               <a:prstGeom prst="round2SameRect">
                 <a:avLst>
-                  <a:gd fmla="val 50000" name="adj1"/>
-                  <a:gd fmla="val 0" name="adj2"/>
+                  <a:gd name="adj1" fmla="val 50000"/>
+                  <a:gd name="adj2" fmla="val 0"/>
                 </a:avLst>
               </a:prstGeom>
               <a:solidFill>
@@ -8810,12 +8499,12 @@
               </a:ln>
             </p:spPr>
             <p:txBody>
-              <a:bodyPr anchorCtr="0" anchor="ctr" bIns="91425" lIns="91425" spcFirstLastPara="1" rIns="91425" wrap="square" tIns="91425">
+              <a:bodyPr spcFirstLastPara="1" wrap="square" lIns="91425" tIns="91425" rIns="91425" bIns="91425" anchor="ctr" anchorCtr="0">
                 <a:noAutofit/>
               </a:bodyPr>
               <a:lstStyle/>
               <a:p>
-                <a:pPr indent="0" lvl="0" marL="0" rtl="0" algn="l">
+                <a:pPr marL="0" lvl="0" indent="0" algn="l" rtl="0">
                   <a:spcBef>
                     <a:spcPts val="0"/>
                   </a:spcBef>
@@ -8824,9 +8513,6 @@
                   </a:spcAft>
                   <a:buNone/>
                 </a:pPr>
-                <a:r>
-                  <a:t/>
-                </a:r>
                 <a:endParaRPr/>
               </a:p>
             </p:txBody>
@@ -8844,8 +8530,8 @@
               </a:xfrm>
               <a:prstGeom prst="round2SameRect">
                 <a:avLst>
-                  <a:gd fmla="val 50000" name="adj1"/>
-                  <a:gd fmla="val 0" name="adj2"/>
+                  <a:gd name="adj1" fmla="val 50000"/>
+                  <a:gd name="adj2" fmla="val 0"/>
                 </a:avLst>
               </a:prstGeom>
               <a:solidFill>
@@ -8858,12 +8544,12 @@
               </a:ln>
             </p:spPr>
             <p:txBody>
-              <a:bodyPr anchorCtr="0" anchor="ctr" bIns="91425" lIns="91425" spcFirstLastPara="1" rIns="91425" wrap="square" tIns="91425">
+              <a:bodyPr spcFirstLastPara="1" wrap="square" lIns="91425" tIns="91425" rIns="91425" bIns="91425" anchor="ctr" anchorCtr="0">
                 <a:noAutofit/>
               </a:bodyPr>
               <a:lstStyle/>
               <a:p>
-                <a:pPr indent="0" lvl="0" marL="0" rtl="0" algn="l">
+                <a:pPr marL="0" lvl="0" indent="0" algn="l" rtl="0">
                   <a:spcBef>
                     <a:spcPts val="0"/>
                   </a:spcBef>
@@ -8872,9 +8558,6 @@
                   </a:spcAft>
                   <a:buNone/>
                 </a:pPr>
-                <a:r>
-                  <a:t/>
-                </a:r>
                 <a:endParaRPr/>
               </a:p>
             </p:txBody>
@@ -8907,8 +8590,8 @@
               </a:xfrm>
               <a:prstGeom prst="round2SameRect">
                 <a:avLst>
-                  <a:gd fmla="val 50000" name="adj1"/>
-                  <a:gd fmla="val 0" name="adj2"/>
+                  <a:gd name="adj1" fmla="val 50000"/>
+                  <a:gd name="adj2" fmla="val 0"/>
                 </a:avLst>
               </a:prstGeom>
               <a:solidFill>
@@ -8921,12 +8604,12 @@
               </a:ln>
             </p:spPr>
             <p:txBody>
-              <a:bodyPr anchorCtr="0" anchor="ctr" bIns="91425" lIns="91425" spcFirstLastPara="1" rIns="91425" wrap="square" tIns="91425">
+              <a:bodyPr spcFirstLastPara="1" wrap="square" lIns="91425" tIns="91425" rIns="91425" bIns="91425" anchor="ctr" anchorCtr="0">
                 <a:noAutofit/>
               </a:bodyPr>
               <a:lstStyle/>
               <a:p>
-                <a:pPr indent="0" lvl="0" marL="0" rtl="0" algn="l">
+                <a:pPr marL="0" lvl="0" indent="0" algn="l" rtl="0">
                   <a:spcBef>
                     <a:spcPts val="0"/>
                   </a:spcBef>
@@ -8935,9 +8618,6 @@
                   </a:spcAft>
                   <a:buNone/>
                 </a:pPr>
-                <a:r>
-                  <a:t/>
-                </a:r>
                 <a:endParaRPr/>
               </a:p>
             </p:txBody>
@@ -8955,8 +8635,8 @@
               </a:xfrm>
               <a:prstGeom prst="round2SameRect">
                 <a:avLst>
-                  <a:gd fmla="val 50000" name="adj1"/>
-                  <a:gd fmla="val 0" name="adj2"/>
+                  <a:gd name="adj1" fmla="val 50000"/>
+                  <a:gd name="adj2" fmla="val 0"/>
                 </a:avLst>
               </a:prstGeom>
               <a:solidFill>
@@ -8969,12 +8649,12 @@
               </a:ln>
             </p:spPr>
             <p:txBody>
-              <a:bodyPr anchorCtr="0" anchor="ctr" bIns="91425" lIns="91425" spcFirstLastPara="1" rIns="91425" wrap="square" tIns="91425">
+              <a:bodyPr spcFirstLastPara="1" wrap="square" lIns="91425" tIns="91425" rIns="91425" bIns="91425" anchor="ctr" anchorCtr="0">
                 <a:noAutofit/>
               </a:bodyPr>
               <a:lstStyle/>
               <a:p>
-                <a:pPr indent="0" lvl="0" marL="0" rtl="0" algn="l">
+                <a:pPr marL="0" lvl="0" indent="0" algn="l" rtl="0">
                   <a:spcBef>
                     <a:spcPts val="0"/>
                   </a:spcBef>
@@ -8983,9 +8663,6 @@
                   </a:spcAft>
                   <a:buNone/>
                 </a:pPr>
-                <a:r>
-                  <a:t/>
-                </a:r>
                 <a:endParaRPr/>
               </a:p>
             </p:txBody>
@@ -9003,8 +8680,8 @@
               </a:xfrm>
               <a:prstGeom prst="round2SameRect">
                 <a:avLst>
-                  <a:gd fmla="val 50000" name="adj1"/>
-                  <a:gd fmla="val 0" name="adj2"/>
+                  <a:gd name="adj1" fmla="val 50000"/>
+                  <a:gd name="adj2" fmla="val 0"/>
                 </a:avLst>
               </a:prstGeom>
               <a:solidFill>
@@ -9017,12 +8694,12 @@
               </a:ln>
             </p:spPr>
             <p:txBody>
-              <a:bodyPr anchorCtr="0" anchor="ctr" bIns="91425" lIns="91425" spcFirstLastPara="1" rIns="91425" wrap="square" tIns="91425">
+              <a:bodyPr spcFirstLastPara="1" wrap="square" lIns="91425" tIns="91425" rIns="91425" bIns="91425" anchor="ctr" anchorCtr="0">
                 <a:noAutofit/>
               </a:bodyPr>
               <a:lstStyle/>
               <a:p>
-                <a:pPr indent="0" lvl="0" marL="0" rtl="0" algn="l">
+                <a:pPr marL="0" lvl="0" indent="0" algn="l" rtl="0">
                   <a:spcBef>
                     <a:spcPts val="0"/>
                   </a:spcBef>
@@ -9031,9 +8708,6 @@
                   </a:spcAft>
                   <a:buNone/>
                 </a:pPr>
-                <a:r>
-                  <a:t/>
-                </a:r>
                 <a:endParaRPr/>
               </a:p>
             </p:txBody>
@@ -9066,8 +8740,8 @@
               </a:xfrm>
               <a:prstGeom prst="round2SameRect">
                 <a:avLst>
-                  <a:gd fmla="val 50000" name="adj1"/>
-                  <a:gd fmla="val 0" name="adj2"/>
+                  <a:gd name="adj1" fmla="val 50000"/>
+                  <a:gd name="adj2" fmla="val 0"/>
                 </a:avLst>
               </a:prstGeom>
               <a:solidFill>
@@ -9080,12 +8754,12 @@
               </a:ln>
             </p:spPr>
             <p:txBody>
-              <a:bodyPr anchorCtr="0" anchor="ctr" bIns="91425" lIns="91425" spcFirstLastPara="1" rIns="91425" wrap="square" tIns="91425">
+              <a:bodyPr spcFirstLastPara="1" wrap="square" lIns="91425" tIns="91425" rIns="91425" bIns="91425" anchor="ctr" anchorCtr="0">
                 <a:noAutofit/>
               </a:bodyPr>
               <a:lstStyle/>
               <a:p>
-                <a:pPr indent="0" lvl="0" marL="0" rtl="0" algn="l">
+                <a:pPr marL="0" lvl="0" indent="0" algn="l" rtl="0">
                   <a:spcBef>
                     <a:spcPts val="0"/>
                   </a:spcBef>
@@ -9094,9 +8768,6 @@
                   </a:spcAft>
                   <a:buNone/>
                 </a:pPr>
-                <a:r>
-                  <a:t/>
-                </a:r>
                 <a:endParaRPr/>
               </a:p>
             </p:txBody>
@@ -9114,8 +8785,8 @@
               </a:xfrm>
               <a:prstGeom prst="round2SameRect">
                 <a:avLst>
-                  <a:gd fmla="val 50000" name="adj1"/>
-                  <a:gd fmla="val 0" name="adj2"/>
+                  <a:gd name="adj1" fmla="val 50000"/>
+                  <a:gd name="adj2" fmla="val 0"/>
                 </a:avLst>
               </a:prstGeom>
               <a:solidFill>
@@ -9128,12 +8799,12 @@
               </a:ln>
             </p:spPr>
             <p:txBody>
-              <a:bodyPr anchorCtr="0" anchor="ctr" bIns="91425" lIns="91425" spcFirstLastPara="1" rIns="91425" wrap="square" tIns="91425">
+              <a:bodyPr spcFirstLastPara="1" wrap="square" lIns="91425" tIns="91425" rIns="91425" bIns="91425" anchor="ctr" anchorCtr="0">
                 <a:noAutofit/>
               </a:bodyPr>
               <a:lstStyle/>
               <a:p>
-                <a:pPr indent="0" lvl="0" marL="0" rtl="0" algn="l">
+                <a:pPr marL="0" lvl="0" indent="0" algn="l" rtl="0">
                   <a:spcBef>
                     <a:spcPts val="0"/>
                   </a:spcBef>
@@ -9142,9 +8813,6 @@
                   </a:spcAft>
                   <a:buNone/>
                 </a:pPr>
-                <a:r>
-                  <a:t/>
-                </a:r>
                 <a:endParaRPr/>
               </a:p>
             </p:txBody>
@@ -9162,8 +8830,8 @@
               </a:xfrm>
               <a:prstGeom prst="round2SameRect">
                 <a:avLst>
-                  <a:gd fmla="val 50000" name="adj1"/>
-                  <a:gd fmla="val 0" name="adj2"/>
+                  <a:gd name="adj1" fmla="val 50000"/>
+                  <a:gd name="adj2" fmla="val 0"/>
                 </a:avLst>
               </a:prstGeom>
               <a:solidFill>
@@ -9176,12 +8844,12 @@
               </a:ln>
             </p:spPr>
             <p:txBody>
-              <a:bodyPr anchorCtr="0" anchor="ctr" bIns="91425" lIns="91425" spcFirstLastPara="1" rIns="91425" wrap="square" tIns="91425">
+              <a:bodyPr spcFirstLastPara="1" wrap="square" lIns="91425" tIns="91425" rIns="91425" bIns="91425" anchor="ctr" anchorCtr="0">
                 <a:noAutofit/>
               </a:bodyPr>
               <a:lstStyle/>
               <a:p>
-                <a:pPr indent="0" lvl="0" marL="0" rtl="0" algn="l">
+                <a:pPr marL="0" lvl="0" indent="0" algn="l" rtl="0">
                   <a:spcBef>
                     <a:spcPts val="0"/>
                   </a:spcBef>
@@ -9190,9 +8858,6 @@
                   </a:spcAft>
                   <a:buNone/>
                 </a:pPr>
-                <a:r>
-                  <a:t/>
-                </a:r>
                 <a:endParaRPr/>
               </a:p>
             </p:txBody>
@@ -9210,8 +8875,8 @@
               </a:xfrm>
               <a:prstGeom prst="round2SameRect">
                 <a:avLst>
-                  <a:gd fmla="val 50000" name="adj1"/>
-                  <a:gd fmla="val 0" name="adj2"/>
+                  <a:gd name="adj1" fmla="val 50000"/>
+                  <a:gd name="adj2" fmla="val 0"/>
                 </a:avLst>
               </a:prstGeom>
               <a:solidFill>
@@ -9224,12 +8889,12 @@
               </a:ln>
             </p:spPr>
             <p:txBody>
-              <a:bodyPr anchorCtr="0" anchor="ctr" bIns="91425" lIns="91425" spcFirstLastPara="1" rIns="91425" wrap="square" tIns="91425">
+              <a:bodyPr spcFirstLastPara="1" wrap="square" lIns="91425" tIns="91425" rIns="91425" bIns="91425" anchor="ctr" anchorCtr="0">
                 <a:noAutofit/>
               </a:bodyPr>
               <a:lstStyle/>
               <a:p>
-                <a:pPr indent="0" lvl="0" marL="0" rtl="0" algn="l">
+                <a:pPr marL="0" lvl="0" indent="0" algn="l" rtl="0">
                   <a:spcBef>
                     <a:spcPts val="0"/>
                   </a:spcBef>
@@ -9238,9 +8903,6 @@
                   </a:spcAft>
                   <a:buNone/>
                 </a:pPr>
-                <a:r>
-                  <a:t/>
-                </a:r>
                 <a:endParaRPr/>
               </a:p>
             </p:txBody>
@@ -9273,8 +8935,8 @@
               </a:xfrm>
               <a:prstGeom prst="round2SameRect">
                 <a:avLst>
-                  <a:gd fmla="val 50000" name="adj1"/>
-                  <a:gd fmla="val 0" name="adj2"/>
+                  <a:gd name="adj1" fmla="val 50000"/>
+                  <a:gd name="adj2" fmla="val 0"/>
                 </a:avLst>
               </a:prstGeom>
               <a:solidFill>
@@ -9287,12 +8949,12 @@
               </a:ln>
             </p:spPr>
             <p:txBody>
-              <a:bodyPr anchorCtr="0" anchor="ctr" bIns="91425" lIns="91425" spcFirstLastPara="1" rIns="91425" wrap="square" tIns="91425">
+              <a:bodyPr spcFirstLastPara="1" wrap="square" lIns="91425" tIns="91425" rIns="91425" bIns="91425" anchor="ctr" anchorCtr="0">
                 <a:noAutofit/>
               </a:bodyPr>
               <a:lstStyle/>
               <a:p>
-                <a:pPr indent="0" lvl="0" marL="0" rtl="0" algn="l">
+                <a:pPr marL="0" lvl="0" indent="0" algn="l" rtl="0">
                   <a:spcBef>
                     <a:spcPts val="0"/>
                   </a:spcBef>
@@ -9301,9 +8963,6 @@
                   </a:spcAft>
                   <a:buNone/>
                 </a:pPr>
-                <a:r>
-                  <a:t/>
-                </a:r>
                 <a:endParaRPr/>
               </a:p>
             </p:txBody>
@@ -9321,8 +8980,8 @@
               </a:xfrm>
               <a:prstGeom prst="round2SameRect">
                 <a:avLst>
-                  <a:gd fmla="val 50000" name="adj1"/>
-                  <a:gd fmla="val 0" name="adj2"/>
+                  <a:gd name="adj1" fmla="val 50000"/>
+                  <a:gd name="adj2" fmla="val 0"/>
                 </a:avLst>
               </a:prstGeom>
               <a:solidFill>
@@ -9335,12 +8994,12 @@
               </a:ln>
             </p:spPr>
             <p:txBody>
-              <a:bodyPr anchorCtr="0" anchor="ctr" bIns="91425" lIns="91425" spcFirstLastPara="1" rIns="91425" wrap="square" tIns="91425">
+              <a:bodyPr spcFirstLastPara="1" wrap="square" lIns="91425" tIns="91425" rIns="91425" bIns="91425" anchor="ctr" anchorCtr="0">
                 <a:noAutofit/>
               </a:bodyPr>
               <a:lstStyle/>
               <a:p>
-                <a:pPr indent="0" lvl="0" marL="0" rtl="0" algn="l">
+                <a:pPr marL="0" lvl="0" indent="0" algn="l" rtl="0">
                   <a:spcBef>
                     <a:spcPts val="0"/>
                   </a:spcBef>
@@ -9349,9 +9008,6 @@
                   </a:spcAft>
                   <a:buNone/>
                 </a:pPr>
-                <a:r>
-                  <a:t/>
-                </a:r>
                 <a:endParaRPr/>
               </a:p>
             </p:txBody>
@@ -9369,8 +9025,8 @@
               </a:xfrm>
               <a:prstGeom prst="round2SameRect">
                 <a:avLst>
-                  <a:gd fmla="val 50000" name="adj1"/>
-                  <a:gd fmla="val 0" name="adj2"/>
+                  <a:gd name="adj1" fmla="val 50000"/>
+                  <a:gd name="adj2" fmla="val 0"/>
                 </a:avLst>
               </a:prstGeom>
               <a:solidFill>
@@ -9383,12 +9039,12 @@
               </a:ln>
             </p:spPr>
             <p:txBody>
-              <a:bodyPr anchorCtr="0" anchor="ctr" bIns="91425" lIns="91425" spcFirstLastPara="1" rIns="91425" wrap="square" tIns="91425">
+              <a:bodyPr spcFirstLastPara="1" wrap="square" lIns="91425" tIns="91425" rIns="91425" bIns="91425" anchor="ctr" anchorCtr="0">
                 <a:noAutofit/>
               </a:bodyPr>
               <a:lstStyle/>
               <a:p>
-                <a:pPr indent="0" lvl="0" marL="0" rtl="0" algn="l">
+                <a:pPr marL="0" lvl="0" indent="0" algn="l" rtl="0">
                   <a:spcBef>
                     <a:spcPts val="0"/>
                   </a:spcBef>
@@ -9397,9 +9053,6 @@
                   </a:spcAft>
                   <a:buNone/>
                 </a:pPr>
-                <a:r>
-                  <a:t/>
-                </a:r>
                 <a:endParaRPr/>
               </a:p>
             </p:txBody>
@@ -9417,8 +9070,8 @@
               </a:xfrm>
               <a:prstGeom prst="round2SameRect">
                 <a:avLst>
-                  <a:gd fmla="val 50000" name="adj1"/>
-                  <a:gd fmla="val 0" name="adj2"/>
+                  <a:gd name="adj1" fmla="val 50000"/>
+                  <a:gd name="adj2" fmla="val 0"/>
                 </a:avLst>
               </a:prstGeom>
               <a:solidFill>
@@ -9431,12 +9084,12 @@
               </a:ln>
             </p:spPr>
             <p:txBody>
-              <a:bodyPr anchorCtr="0" anchor="ctr" bIns="91425" lIns="91425" spcFirstLastPara="1" rIns="91425" wrap="square" tIns="91425">
+              <a:bodyPr spcFirstLastPara="1" wrap="square" lIns="91425" tIns="91425" rIns="91425" bIns="91425" anchor="ctr" anchorCtr="0">
                 <a:noAutofit/>
               </a:bodyPr>
               <a:lstStyle/>
               <a:p>
-                <a:pPr indent="0" lvl="0" marL="0" rtl="0" algn="l">
+                <a:pPr marL="0" lvl="0" indent="0" algn="l" rtl="0">
                   <a:spcBef>
                     <a:spcPts val="0"/>
                   </a:spcBef>
@@ -9445,9 +9098,6 @@
                   </a:spcAft>
                   <a:buNone/>
                 </a:pPr>
-                <a:r>
-                  <a:t/>
-                </a:r>
                 <a:endParaRPr/>
               </a:p>
             </p:txBody>
@@ -9465,8 +9115,8 @@
               </a:xfrm>
               <a:prstGeom prst="round2SameRect">
                 <a:avLst>
-                  <a:gd fmla="val 50000" name="adj1"/>
-                  <a:gd fmla="val 0" name="adj2"/>
+                  <a:gd name="adj1" fmla="val 50000"/>
+                  <a:gd name="adj2" fmla="val 0"/>
                 </a:avLst>
               </a:prstGeom>
               <a:solidFill>
@@ -9479,12 +9129,12 @@
               </a:ln>
             </p:spPr>
             <p:txBody>
-              <a:bodyPr anchorCtr="0" anchor="ctr" bIns="91425" lIns="91425" spcFirstLastPara="1" rIns="91425" wrap="square" tIns="91425">
+              <a:bodyPr spcFirstLastPara="1" wrap="square" lIns="91425" tIns="91425" rIns="91425" bIns="91425" anchor="ctr" anchorCtr="0">
                 <a:noAutofit/>
               </a:bodyPr>
               <a:lstStyle/>
               <a:p>
-                <a:pPr indent="0" lvl="0" marL="0" rtl="0" algn="l">
+                <a:pPr marL="0" lvl="0" indent="0" algn="l" rtl="0">
                   <a:spcBef>
                     <a:spcPts val="0"/>
                   </a:spcBef>
@@ -9493,9 +9143,6 @@
                   </a:spcAft>
                   <a:buNone/>
                 </a:pPr>
-                <a:r>
-                  <a:t/>
-                </a:r>
                 <a:endParaRPr/>
               </a:p>
             </p:txBody>
@@ -9505,7 +9152,9 @@
       <p:sp>
         <p:nvSpPr>
           <p:cNvPr id="66" name="Google Shape;66;p3"/>
-          <p:cNvSpPr txBox="1"/>
+          <p:cNvSpPr txBox="1">
+            <a:spLocks noGrp="1"/>
+          </p:cNvSpPr>
           <p:nvPr>
             <p:ph type="title"/>
           </p:nvPr>
@@ -9520,7 +9169,7 @@
           </a:prstGeom>
         </p:spPr>
         <p:txBody>
-          <a:bodyPr anchorCtr="0" anchor="ctr" bIns="91425" lIns="91425" spcFirstLastPara="1" rIns="91425" wrap="square" tIns="91425">
+          <a:bodyPr spcFirstLastPara="1" wrap="square" lIns="91425" tIns="91425" rIns="91425" bIns="91425" anchor="ctr" anchorCtr="0">
             <a:noAutofit/>
           </a:bodyPr>
           <a:lstStyle>
@@ -9687,15 +9336,19 @@
               </a:defRPr>
             </a:lvl9pPr>
           </a:lstStyle>
-          <a:p/>
+          <a:p>
+            <a:endParaRPr/>
+          </a:p>
         </p:txBody>
       </p:sp>
       <p:sp>
         <p:nvSpPr>
           <p:cNvPr id="67" name="Google Shape;67;p3"/>
-          <p:cNvSpPr txBox="1"/>
+          <p:cNvSpPr txBox="1">
+            <a:spLocks noGrp="1"/>
+          </p:cNvSpPr>
           <p:nvPr>
-            <p:ph idx="12" type="sldNum"/>
+            <p:ph type="sldNum" idx="12"/>
           </p:nvPr>
         </p:nvSpPr>
         <p:spPr>
@@ -9708,7 +9361,7 @@
           </a:prstGeom>
         </p:spPr>
         <p:txBody>
-          <a:bodyPr anchorCtr="0" anchor="ctr" bIns="91425" lIns="91425" spcFirstLastPara="1" rIns="91425" wrap="square" tIns="91425">
+          <a:bodyPr spcFirstLastPara="1" wrap="square" lIns="91425" tIns="91425" rIns="91425" bIns="91425" anchor="ctr" anchorCtr="0">
             <a:noAutofit/>
           </a:bodyPr>
           <a:lstStyle>
@@ -9786,7 +9439,7 @@
             </a:lvl9pPr>
           </a:lstStyle>
           <a:p>
-            <a:pPr indent="0" lvl="0" marL="0" rtl="0" algn="r">
+            <a:pPr marL="0" lvl="0" indent="0" algn="r" rtl="0">
               <a:spcBef>
                 <a:spcPts val="0"/>
               </a:spcBef>
@@ -9797,7 +9450,7 @@
             </a:pPr>
             <a:fld id="{00000000-1234-1234-1234-123412341234}" type="slidenum">
               <a:rPr lang="pt-BR"/>
-              <a:t>‹#›</a:t>
+              <a:t>‹nº›</a:t>
             </a:fld>
             <a:endParaRPr/>
           </a:p>
@@ -9812,11 +9465,11 @@
 </file>
 
 <file path=ppt/slideLayouts/slideLayout3.xml><?xml version="1.0" encoding="utf-8"?>
-<p:sldLayout xmlns:a="http://schemas.openxmlformats.org/drawingml/2006/main" xmlns:r="http://schemas.openxmlformats.org/officeDocument/2006/relationships" xmlns:mc="http://schemas.openxmlformats.org/markup-compatibility/2006" xmlns:mv="urn:schemas-microsoft-com:mac:vml" xmlns:p="http://schemas.openxmlformats.org/presentationml/2006/main" xmlns:c="http://schemas.openxmlformats.org/drawingml/2006/chart" xmlns:dgm="http://schemas.openxmlformats.org/drawingml/2006/diagram" xmlns:o="urn:schemas-microsoft-com:office:office" xmlns:v="urn:schemas-microsoft-com:vml" xmlns:pvml="urn:schemas-microsoft-com:office:powerpoint" xmlns:com="http://schemas.openxmlformats.org/drawingml/2006/compatibility" xmlns:p14="http://schemas.microsoft.com/office/powerpoint/2010/main" xmlns:p15="http://schemas.microsoft.com/office/powerpoint/2012/main" xmlns:ahyp="http://schemas.microsoft.com/office/drawing/2018/hyperlinkcolor" matchingName="Title and body" type="tx">
+<p:sldLayout xmlns:a="http://schemas.openxmlformats.org/drawingml/2006/main" xmlns:r="http://schemas.openxmlformats.org/officeDocument/2006/relationships" xmlns:p="http://schemas.openxmlformats.org/presentationml/2006/main" matchingName="Title and body" type="tx">
   <p:cSld name="TITLE_AND_BODY">
     <p:spTree>
       <p:nvGrpSpPr>
-        <p:cNvPr id="68" name="Shape 68"/>
+        <p:cNvPr id="1" name="Shape 68"/>
         <p:cNvGrpSpPr/>
         <p:nvPr/>
       </p:nvGrpSpPr>
@@ -9855,8 +9508,8 @@
             </a:xfrm>
             <a:prstGeom prst="pie">
               <a:avLst>
-                <a:gd fmla="val 10792838" name="adj1"/>
-                <a:gd fmla="val 16200000" name="adj2"/>
+                <a:gd name="adj1" fmla="val 10792838"/>
+                <a:gd name="adj2" fmla="val 16200000"/>
               </a:avLst>
             </a:prstGeom>
             <a:solidFill>
@@ -9869,12 +9522,12 @@
             </a:ln>
           </p:spPr>
           <p:txBody>
-            <a:bodyPr anchorCtr="0" anchor="ctr" bIns="91425" lIns="91425" spcFirstLastPara="1" rIns="91425" wrap="square" tIns="91425">
+            <a:bodyPr spcFirstLastPara="1" wrap="square" lIns="91425" tIns="91425" rIns="91425" bIns="91425" anchor="ctr" anchorCtr="0">
               <a:noAutofit/>
             </a:bodyPr>
             <a:lstStyle/>
             <a:p>
-              <a:pPr indent="0" lvl="0" marL="0" rtl="0" algn="l">
+              <a:pPr marL="0" lvl="0" indent="0" algn="l" rtl="0">
                 <a:spcBef>
                   <a:spcPts val="0"/>
                 </a:spcBef>
@@ -9883,9 +9536,6 @@
                 </a:spcAft>
                 <a:buNone/>
               </a:pPr>
-              <a:r>
-                <a:t/>
-              </a:r>
               <a:endParaRPr/>
             </a:p>
           </p:txBody>
@@ -9903,8 +9553,8 @@
             </a:xfrm>
             <a:prstGeom prst="pie">
               <a:avLst>
-                <a:gd fmla="val 10792838" name="adj1"/>
-                <a:gd fmla="val 16200000" name="adj2"/>
+                <a:gd name="adj1" fmla="val 10792838"/>
+                <a:gd name="adj2" fmla="val 16200000"/>
               </a:avLst>
             </a:prstGeom>
             <a:solidFill>
@@ -9917,12 +9567,12 @@
             </a:ln>
           </p:spPr>
           <p:txBody>
-            <a:bodyPr anchorCtr="0" anchor="ctr" bIns="91425" lIns="91425" spcFirstLastPara="1" rIns="91425" wrap="square" tIns="91425">
+            <a:bodyPr spcFirstLastPara="1" wrap="square" lIns="91425" tIns="91425" rIns="91425" bIns="91425" anchor="ctr" anchorCtr="0">
               <a:noAutofit/>
             </a:bodyPr>
             <a:lstStyle/>
             <a:p>
-              <a:pPr indent="0" lvl="0" marL="0" rtl="0" algn="l">
+              <a:pPr marL="0" lvl="0" indent="0" algn="l" rtl="0">
                 <a:spcBef>
                   <a:spcPts val="0"/>
                 </a:spcBef>
@@ -9931,9 +9581,6 @@
                 </a:spcAft>
                 <a:buNone/>
               </a:pPr>
-              <a:r>
-                <a:t/>
-              </a:r>
               <a:endParaRPr/>
             </a:p>
           </p:txBody>
@@ -9942,7 +9589,9 @@
       <p:sp>
         <p:nvSpPr>
           <p:cNvPr id="72" name="Google Shape;72;p4"/>
-          <p:cNvSpPr txBox="1"/>
+          <p:cNvSpPr txBox="1">
+            <a:spLocks noGrp="1"/>
+          </p:cNvSpPr>
           <p:nvPr>
             <p:ph type="title"/>
           </p:nvPr>
@@ -9957,7 +9606,7 @@
           </a:prstGeom>
         </p:spPr>
         <p:txBody>
-          <a:bodyPr anchorCtr="0" anchor="t" bIns="91425" lIns="91425" spcFirstLastPara="1" rIns="91425" wrap="square" tIns="91425">
+          <a:bodyPr spcFirstLastPara="1" wrap="square" lIns="91425" tIns="91425" rIns="91425" bIns="91425" anchor="t" anchorCtr="0">
             <a:noAutofit/>
           </a:bodyPr>
           <a:lstStyle>
@@ -10061,15 +9710,19 @@
               <a:defRPr/>
             </a:lvl9pPr>
           </a:lstStyle>
-          <a:p/>
+          <a:p>
+            <a:endParaRPr/>
+          </a:p>
         </p:txBody>
       </p:sp>
       <p:sp>
         <p:nvSpPr>
           <p:cNvPr id="73" name="Google Shape;73;p4"/>
-          <p:cNvSpPr txBox="1"/>
+          <p:cNvSpPr txBox="1">
+            <a:spLocks noGrp="1"/>
+          </p:cNvSpPr>
           <p:nvPr>
-            <p:ph idx="1" type="body"/>
+            <p:ph type="body" idx="1"/>
           </p:nvPr>
         </p:nvSpPr>
         <p:spPr>
@@ -10082,11 +9735,11 @@
           </a:prstGeom>
         </p:spPr>
         <p:txBody>
-          <a:bodyPr anchorCtr="0" anchor="t" bIns="91425" lIns="91425" spcFirstLastPara="1" rIns="91425" wrap="square" tIns="91425">
+          <a:bodyPr spcFirstLastPara="1" wrap="square" lIns="91425" tIns="91425" rIns="91425" bIns="91425" anchor="t" anchorCtr="0">
             <a:noAutofit/>
           </a:bodyPr>
           <a:lstStyle>
-            <a:lvl1pPr indent="-311150" lvl="0" marL="457200">
+            <a:lvl1pPr marL="457200" lvl="0" indent="-311150">
               <a:spcBef>
                 <a:spcPts val="0"/>
               </a:spcBef>
@@ -10097,7 +9750,7 @@
               <a:buChar char="●"/>
               <a:defRPr/>
             </a:lvl1pPr>
-            <a:lvl2pPr indent="-298450" lvl="1" marL="914400">
+            <a:lvl2pPr marL="914400" lvl="1" indent="-298450">
               <a:spcBef>
                 <a:spcPts val="1600"/>
               </a:spcBef>
@@ -10108,7 +9761,7 @@
               <a:buChar char="○"/>
               <a:defRPr/>
             </a:lvl2pPr>
-            <a:lvl3pPr indent="-298450" lvl="2" marL="1371600">
+            <a:lvl3pPr marL="1371600" lvl="2" indent="-298450">
               <a:spcBef>
                 <a:spcPts val="1600"/>
               </a:spcBef>
@@ -10119,7 +9772,7 @@
               <a:buChar char="■"/>
               <a:defRPr/>
             </a:lvl3pPr>
-            <a:lvl4pPr indent="-298450" lvl="3" marL="1828800">
+            <a:lvl4pPr marL="1828800" lvl="3" indent="-298450">
               <a:spcBef>
                 <a:spcPts val="1600"/>
               </a:spcBef>
@@ -10130,7 +9783,7 @@
               <a:buChar char="●"/>
               <a:defRPr/>
             </a:lvl4pPr>
-            <a:lvl5pPr indent="-298450" lvl="4" marL="2286000">
+            <a:lvl5pPr marL="2286000" lvl="4" indent="-298450">
               <a:spcBef>
                 <a:spcPts val="1600"/>
               </a:spcBef>
@@ -10141,7 +9794,7 @@
               <a:buChar char="○"/>
               <a:defRPr/>
             </a:lvl5pPr>
-            <a:lvl6pPr indent="-298450" lvl="5" marL="2743200">
+            <a:lvl6pPr marL="2743200" lvl="5" indent="-298450">
               <a:spcBef>
                 <a:spcPts val="1600"/>
               </a:spcBef>
@@ -10152,7 +9805,7 @@
               <a:buChar char="■"/>
               <a:defRPr/>
             </a:lvl6pPr>
-            <a:lvl7pPr indent="-298450" lvl="6" marL="3200400">
+            <a:lvl7pPr marL="3200400" lvl="6" indent="-298450">
               <a:spcBef>
                 <a:spcPts val="1600"/>
               </a:spcBef>
@@ -10163,7 +9816,7 @@
               <a:buChar char="●"/>
               <a:defRPr/>
             </a:lvl7pPr>
-            <a:lvl8pPr indent="-298450" lvl="7" marL="3657600">
+            <a:lvl8pPr marL="3657600" lvl="7" indent="-298450">
               <a:spcBef>
                 <a:spcPts val="1600"/>
               </a:spcBef>
@@ -10174,7 +9827,7 @@
               <a:buChar char="○"/>
               <a:defRPr/>
             </a:lvl8pPr>
-            <a:lvl9pPr indent="-298450" lvl="8" marL="4114800">
+            <a:lvl9pPr marL="4114800" lvl="8" indent="-298450">
               <a:spcBef>
                 <a:spcPts val="1600"/>
               </a:spcBef>
@@ -10186,15 +9839,19 @@
               <a:defRPr/>
             </a:lvl9pPr>
           </a:lstStyle>
-          <a:p/>
+          <a:p>
+            <a:endParaRPr/>
+          </a:p>
         </p:txBody>
       </p:sp>
       <p:sp>
         <p:nvSpPr>
           <p:cNvPr id="74" name="Google Shape;74;p4"/>
-          <p:cNvSpPr txBox="1"/>
+          <p:cNvSpPr txBox="1">
+            <a:spLocks noGrp="1"/>
+          </p:cNvSpPr>
           <p:nvPr>
-            <p:ph idx="12" type="sldNum"/>
+            <p:ph type="sldNum" idx="12"/>
           </p:nvPr>
         </p:nvSpPr>
         <p:spPr>
@@ -10207,7 +9864,7 @@
           </a:prstGeom>
         </p:spPr>
         <p:txBody>
-          <a:bodyPr anchorCtr="0" anchor="ctr" bIns="91425" lIns="91425" spcFirstLastPara="1" rIns="91425" wrap="square" tIns="91425">
+          <a:bodyPr spcFirstLastPara="1" wrap="square" lIns="91425" tIns="91425" rIns="91425" bIns="91425" anchor="ctr" anchorCtr="0">
             <a:noAutofit/>
           </a:bodyPr>
           <a:lstStyle>
@@ -10249,7 +9906,7 @@
             </a:lvl9pPr>
           </a:lstStyle>
           <a:p>
-            <a:pPr indent="0" lvl="0" marL="0" rtl="0" algn="r">
+            <a:pPr marL="0" lvl="0" indent="0" algn="r" rtl="0">
               <a:spcBef>
                 <a:spcPts val="0"/>
               </a:spcBef>
@@ -10260,7 +9917,7 @@
             </a:pPr>
             <a:fld id="{00000000-1234-1234-1234-123412341234}" type="slidenum">
               <a:rPr lang="pt-BR"/>
-              <a:t>‹#›</a:t>
+              <a:t>‹nº›</a:t>
             </a:fld>
             <a:endParaRPr/>
           </a:p>
@@ -10275,11 +9932,11 @@
 </file>
 
 <file path=ppt/slideLayouts/slideLayout4.xml><?xml version="1.0" encoding="utf-8"?>
-<p:sldLayout xmlns:a="http://schemas.openxmlformats.org/drawingml/2006/main" xmlns:r="http://schemas.openxmlformats.org/officeDocument/2006/relationships" xmlns:mc="http://schemas.openxmlformats.org/markup-compatibility/2006" xmlns:mv="urn:schemas-microsoft-com:mac:vml" xmlns:p="http://schemas.openxmlformats.org/presentationml/2006/main" xmlns:c="http://schemas.openxmlformats.org/drawingml/2006/chart" xmlns:dgm="http://schemas.openxmlformats.org/drawingml/2006/diagram" xmlns:o="urn:schemas-microsoft-com:office:office" xmlns:v="urn:schemas-microsoft-com:vml" xmlns:pvml="urn:schemas-microsoft-com:office:powerpoint" xmlns:com="http://schemas.openxmlformats.org/drawingml/2006/compatibility" xmlns:p14="http://schemas.microsoft.com/office/powerpoint/2010/main" xmlns:p15="http://schemas.microsoft.com/office/powerpoint/2012/main" xmlns:ahyp="http://schemas.microsoft.com/office/drawing/2018/hyperlinkcolor" matchingName="Title and two columns" type="twoColTx">
+<p:sldLayout xmlns:a="http://schemas.openxmlformats.org/drawingml/2006/main" xmlns:r="http://schemas.openxmlformats.org/officeDocument/2006/relationships" xmlns:p="http://schemas.openxmlformats.org/presentationml/2006/main" matchingName="Title and two columns" type="twoColTx">
   <p:cSld name="TITLE_AND_TWO_COLUMNS">
     <p:spTree>
       <p:nvGrpSpPr>
-        <p:cNvPr id="75" name="Shape 75"/>
+        <p:cNvPr id="1" name="Shape 75"/>
         <p:cNvGrpSpPr/>
         <p:nvPr/>
       </p:nvGrpSpPr>
@@ -10318,8 +9975,8 @@
             </a:xfrm>
             <a:prstGeom prst="pie">
               <a:avLst>
-                <a:gd fmla="val 10792838" name="adj1"/>
-                <a:gd fmla="val 16200000" name="adj2"/>
+                <a:gd name="adj1" fmla="val 10792838"/>
+                <a:gd name="adj2" fmla="val 16200000"/>
               </a:avLst>
             </a:prstGeom>
             <a:solidFill>
@@ -10332,12 +9989,12 @@
             </a:ln>
           </p:spPr>
           <p:txBody>
-            <a:bodyPr anchorCtr="0" anchor="ctr" bIns="91425" lIns="91425" spcFirstLastPara="1" rIns="91425" wrap="square" tIns="91425">
+            <a:bodyPr spcFirstLastPara="1" wrap="square" lIns="91425" tIns="91425" rIns="91425" bIns="91425" anchor="ctr" anchorCtr="0">
               <a:noAutofit/>
             </a:bodyPr>
             <a:lstStyle/>
             <a:p>
-              <a:pPr indent="0" lvl="0" marL="0" rtl="0" algn="l">
+              <a:pPr marL="0" lvl="0" indent="0" algn="l" rtl="0">
                 <a:spcBef>
                   <a:spcPts val="0"/>
                 </a:spcBef>
@@ -10346,9 +10003,6 @@
                 </a:spcAft>
                 <a:buNone/>
               </a:pPr>
-              <a:r>
-                <a:t/>
-              </a:r>
               <a:endParaRPr/>
             </a:p>
           </p:txBody>
@@ -10366,8 +10020,8 @@
             </a:xfrm>
             <a:prstGeom prst="pie">
               <a:avLst>
-                <a:gd fmla="val 10792838" name="adj1"/>
-                <a:gd fmla="val 16200000" name="adj2"/>
+                <a:gd name="adj1" fmla="val 10792838"/>
+                <a:gd name="adj2" fmla="val 16200000"/>
               </a:avLst>
             </a:prstGeom>
             <a:solidFill>
@@ -10380,12 +10034,12 @@
             </a:ln>
           </p:spPr>
           <p:txBody>
-            <a:bodyPr anchorCtr="0" anchor="ctr" bIns="91425" lIns="91425" spcFirstLastPara="1" rIns="91425" wrap="square" tIns="91425">
+            <a:bodyPr spcFirstLastPara="1" wrap="square" lIns="91425" tIns="91425" rIns="91425" bIns="91425" anchor="ctr" anchorCtr="0">
               <a:noAutofit/>
             </a:bodyPr>
             <a:lstStyle/>
             <a:p>
-              <a:pPr indent="0" lvl="0" marL="0" rtl="0" algn="l">
+              <a:pPr marL="0" lvl="0" indent="0" algn="l" rtl="0">
                 <a:spcBef>
                   <a:spcPts val="0"/>
                 </a:spcBef>
@@ -10394,9 +10048,6 @@
                 </a:spcAft>
                 <a:buNone/>
               </a:pPr>
-              <a:r>
-                <a:t/>
-              </a:r>
               <a:endParaRPr/>
             </a:p>
           </p:txBody>
@@ -10405,7 +10056,9 @@
       <p:sp>
         <p:nvSpPr>
           <p:cNvPr id="79" name="Google Shape;79;p5"/>
-          <p:cNvSpPr txBox="1"/>
+          <p:cNvSpPr txBox="1">
+            <a:spLocks noGrp="1"/>
+          </p:cNvSpPr>
           <p:nvPr>
             <p:ph type="title"/>
           </p:nvPr>
@@ -10420,7 +10073,7 @@
           </a:prstGeom>
         </p:spPr>
         <p:txBody>
-          <a:bodyPr anchorCtr="0" anchor="t" bIns="91425" lIns="91425" spcFirstLastPara="1" rIns="91425" wrap="square" tIns="91425">
+          <a:bodyPr spcFirstLastPara="1" wrap="square" lIns="91425" tIns="91425" rIns="91425" bIns="91425" anchor="t" anchorCtr="0">
             <a:noAutofit/>
           </a:bodyPr>
           <a:lstStyle>
@@ -10524,15 +10177,19 @@
               <a:defRPr/>
             </a:lvl9pPr>
           </a:lstStyle>
-          <a:p/>
+          <a:p>
+            <a:endParaRPr/>
+          </a:p>
         </p:txBody>
       </p:sp>
       <p:sp>
         <p:nvSpPr>
           <p:cNvPr id="80" name="Google Shape;80;p5"/>
-          <p:cNvSpPr txBox="1"/>
+          <p:cNvSpPr txBox="1">
+            <a:spLocks noGrp="1"/>
+          </p:cNvSpPr>
           <p:nvPr>
-            <p:ph idx="1" type="body"/>
+            <p:ph type="body" idx="1"/>
           </p:nvPr>
         </p:nvSpPr>
         <p:spPr>
@@ -10545,11 +10202,11 @@
           </a:prstGeom>
         </p:spPr>
         <p:txBody>
-          <a:bodyPr anchorCtr="0" anchor="t" bIns="91425" lIns="91425" spcFirstLastPara="1" rIns="91425" wrap="square" tIns="91425">
+          <a:bodyPr spcFirstLastPara="1" wrap="square" lIns="91425" tIns="91425" rIns="91425" bIns="91425" anchor="t" anchorCtr="0">
             <a:noAutofit/>
           </a:bodyPr>
           <a:lstStyle>
-            <a:lvl1pPr indent="-311150" lvl="0" marL="457200">
+            <a:lvl1pPr marL="457200" lvl="0" indent="-311150">
               <a:spcBef>
                 <a:spcPts val="0"/>
               </a:spcBef>
@@ -10560,7 +10217,7 @@
               <a:buChar char="●"/>
               <a:defRPr/>
             </a:lvl1pPr>
-            <a:lvl2pPr indent="-298450" lvl="1" marL="914400">
+            <a:lvl2pPr marL="914400" lvl="1" indent="-298450">
               <a:spcBef>
                 <a:spcPts val="1600"/>
               </a:spcBef>
@@ -10571,7 +10228,7 @@
               <a:buChar char="○"/>
               <a:defRPr/>
             </a:lvl2pPr>
-            <a:lvl3pPr indent="-298450" lvl="2" marL="1371600">
+            <a:lvl3pPr marL="1371600" lvl="2" indent="-298450">
               <a:spcBef>
                 <a:spcPts val="1600"/>
               </a:spcBef>
@@ -10582,7 +10239,7 @@
               <a:buChar char="■"/>
               <a:defRPr/>
             </a:lvl3pPr>
-            <a:lvl4pPr indent="-298450" lvl="3" marL="1828800">
+            <a:lvl4pPr marL="1828800" lvl="3" indent="-298450">
               <a:spcBef>
                 <a:spcPts val="1600"/>
               </a:spcBef>
@@ -10593,7 +10250,7 @@
               <a:buChar char="●"/>
               <a:defRPr/>
             </a:lvl4pPr>
-            <a:lvl5pPr indent="-298450" lvl="4" marL="2286000">
+            <a:lvl5pPr marL="2286000" lvl="4" indent="-298450">
               <a:spcBef>
                 <a:spcPts val="1600"/>
               </a:spcBef>
@@ -10604,7 +10261,7 @@
               <a:buChar char="○"/>
               <a:defRPr/>
             </a:lvl5pPr>
-            <a:lvl6pPr indent="-298450" lvl="5" marL="2743200">
+            <a:lvl6pPr marL="2743200" lvl="5" indent="-298450">
               <a:spcBef>
                 <a:spcPts val="1600"/>
               </a:spcBef>
@@ -10615,7 +10272,7 @@
               <a:buChar char="■"/>
               <a:defRPr/>
             </a:lvl6pPr>
-            <a:lvl7pPr indent="-298450" lvl="6" marL="3200400">
+            <a:lvl7pPr marL="3200400" lvl="6" indent="-298450">
               <a:spcBef>
                 <a:spcPts val="1600"/>
               </a:spcBef>
@@ -10626,7 +10283,7 @@
               <a:buChar char="●"/>
               <a:defRPr/>
             </a:lvl7pPr>
-            <a:lvl8pPr indent="-298450" lvl="7" marL="3657600">
+            <a:lvl8pPr marL="3657600" lvl="7" indent="-298450">
               <a:spcBef>
                 <a:spcPts val="1600"/>
               </a:spcBef>
@@ -10637,7 +10294,7 @@
               <a:buChar char="○"/>
               <a:defRPr/>
             </a:lvl8pPr>
-            <a:lvl9pPr indent="-298450" lvl="8" marL="4114800">
+            <a:lvl9pPr marL="4114800" lvl="8" indent="-298450">
               <a:spcBef>
                 <a:spcPts val="1600"/>
               </a:spcBef>
@@ -10649,15 +10306,19 @@
               <a:defRPr/>
             </a:lvl9pPr>
           </a:lstStyle>
-          <a:p/>
+          <a:p>
+            <a:endParaRPr/>
+          </a:p>
         </p:txBody>
       </p:sp>
       <p:sp>
         <p:nvSpPr>
           <p:cNvPr id="81" name="Google Shape;81;p5"/>
-          <p:cNvSpPr txBox="1"/>
+          <p:cNvSpPr txBox="1">
+            <a:spLocks noGrp="1"/>
+          </p:cNvSpPr>
           <p:nvPr>
-            <p:ph idx="2" type="body"/>
+            <p:ph type="body" idx="2"/>
           </p:nvPr>
         </p:nvSpPr>
         <p:spPr>
@@ -10670,11 +10331,11 @@
           </a:prstGeom>
         </p:spPr>
         <p:txBody>
-          <a:bodyPr anchorCtr="0" anchor="t" bIns="91425" lIns="91425" spcFirstLastPara="1" rIns="91425" wrap="square" tIns="91425">
+          <a:bodyPr spcFirstLastPara="1" wrap="square" lIns="91425" tIns="91425" rIns="91425" bIns="91425" anchor="t" anchorCtr="0">
             <a:noAutofit/>
           </a:bodyPr>
           <a:lstStyle>
-            <a:lvl1pPr indent="-311150" lvl="0" marL="457200">
+            <a:lvl1pPr marL="457200" lvl="0" indent="-311150">
               <a:spcBef>
                 <a:spcPts val="0"/>
               </a:spcBef>
@@ -10685,7 +10346,7 @@
               <a:buChar char="●"/>
               <a:defRPr/>
             </a:lvl1pPr>
-            <a:lvl2pPr indent="-298450" lvl="1" marL="914400">
+            <a:lvl2pPr marL="914400" lvl="1" indent="-298450">
               <a:spcBef>
                 <a:spcPts val="1600"/>
               </a:spcBef>
@@ -10696,7 +10357,7 @@
               <a:buChar char="○"/>
               <a:defRPr/>
             </a:lvl2pPr>
-            <a:lvl3pPr indent="-298450" lvl="2" marL="1371600">
+            <a:lvl3pPr marL="1371600" lvl="2" indent="-298450">
               <a:spcBef>
                 <a:spcPts val="1600"/>
               </a:spcBef>
@@ -10707,7 +10368,7 @@
               <a:buChar char="■"/>
               <a:defRPr/>
             </a:lvl3pPr>
-            <a:lvl4pPr indent="-298450" lvl="3" marL="1828800">
+            <a:lvl4pPr marL="1828800" lvl="3" indent="-298450">
               <a:spcBef>
                 <a:spcPts val="1600"/>
               </a:spcBef>
@@ -10718,7 +10379,7 @@
               <a:buChar char="●"/>
               <a:defRPr/>
             </a:lvl4pPr>
-            <a:lvl5pPr indent="-298450" lvl="4" marL="2286000">
+            <a:lvl5pPr marL="2286000" lvl="4" indent="-298450">
               <a:spcBef>
                 <a:spcPts val="1600"/>
               </a:spcBef>
@@ -10729,7 +10390,7 @@
               <a:buChar char="○"/>
               <a:defRPr/>
             </a:lvl5pPr>
-            <a:lvl6pPr indent="-298450" lvl="5" marL="2743200">
+            <a:lvl6pPr marL="2743200" lvl="5" indent="-298450">
               <a:spcBef>
                 <a:spcPts val="1600"/>
               </a:spcBef>
@@ -10740,7 +10401,7 @@
               <a:buChar char="■"/>
               <a:defRPr/>
             </a:lvl6pPr>
-            <a:lvl7pPr indent="-298450" lvl="6" marL="3200400">
+            <a:lvl7pPr marL="3200400" lvl="6" indent="-298450">
               <a:spcBef>
                 <a:spcPts val="1600"/>
               </a:spcBef>
@@ -10751,7 +10412,7 @@
               <a:buChar char="●"/>
               <a:defRPr/>
             </a:lvl7pPr>
-            <a:lvl8pPr indent="-298450" lvl="7" marL="3657600">
+            <a:lvl8pPr marL="3657600" lvl="7" indent="-298450">
               <a:spcBef>
                 <a:spcPts val="1600"/>
               </a:spcBef>
@@ -10762,7 +10423,7 @@
               <a:buChar char="○"/>
               <a:defRPr/>
             </a:lvl8pPr>
-            <a:lvl9pPr indent="-298450" lvl="8" marL="4114800">
+            <a:lvl9pPr marL="4114800" lvl="8" indent="-298450">
               <a:spcBef>
                 <a:spcPts val="1600"/>
               </a:spcBef>
@@ -10774,15 +10435,19 @@
               <a:defRPr/>
             </a:lvl9pPr>
           </a:lstStyle>
-          <a:p/>
+          <a:p>
+            <a:endParaRPr/>
+          </a:p>
         </p:txBody>
       </p:sp>
       <p:sp>
         <p:nvSpPr>
           <p:cNvPr id="82" name="Google Shape;82;p5"/>
-          <p:cNvSpPr txBox="1"/>
+          <p:cNvSpPr txBox="1">
+            <a:spLocks noGrp="1"/>
+          </p:cNvSpPr>
           <p:nvPr>
-            <p:ph idx="12" type="sldNum"/>
+            <p:ph type="sldNum" idx="12"/>
           </p:nvPr>
         </p:nvSpPr>
         <p:spPr>
@@ -10795,7 +10460,7 @@
           </a:prstGeom>
         </p:spPr>
         <p:txBody>
-          <a:bodyPr anchorCtr="0" anchor="ctr" bIns="91425" lIns="91425" spcFirstLastPara="1" rIns="91425" wrap="square" tIns="91425">
+          <a:bodyPr spcFirstLastPara="1" wrap="square" lIns="91425" tIns="91425" rIns="91425" bIns="91425" anchor="ctr" anchorCtr="0">
             <a:noAutofit/>
           </a:bodyPr>
           <a:lstStyle>
@@ -10837,7 +10502,7 @@
             </a:lvl9pPr>
           </a:lstStyle>
           <a:p>
-            <a:pPr indent="0" lvl="0" marL="0" rtl="0" algn="r">
+            <a:pPr marL="0" lvl="0" indent="0" algn="r" rtl="0">
               <a:spcBef>
                 <a:spcPts val="0"/>
               </a:spcBef>
@@ -10848,7 +10513,7 @@
             </a:pPr>
             <a:fld id="{00000000-1234-1234-1234-123412341234}" type="slidenum">
               <a:rPr lang="pt-BR"/>
-              <a:t>‹#›</a:t>
+              <a:t>‹nº›</a:t>
             </a:fld>
             <a:endParaRPr/>
           </a:p>
@@ -10863,11 +10528,11 @@
 </file>
 
 <file path=ppt/slideLayouts/slideLayout5.xml><?xml version="1.0" encoding="utf-8"?>
-<p:sldLayout xmlns:a="http://schemas.openxmlformats.org/drawingml/2006/main" xmlns:r="http://schemas.openxmlformats.org/officeDocument/2006/relationships" xmlns:mc="http://schemas.openxmlformats.org/markup-compatibility/2006" xmlns:mv="urn:schemas-microsoft-com:mac:vml" xmlns:p="http://schemas.openxmlformats.org/presentationml/2006/main" xmlns:c="http://schemas.openxmlformats.org/drawingml/2006/chart" xmlns:dgm="http://schemas.openxmlformats.org/drawingml/2006/diagram" xmlns:o="urn:schemas-microsoft-com:office:office" xmlns:v="urn:schemas-microsoft-com:vml" xmlns:pvml="urn:schemas-microsoft-com:office:powerpoint" xmlns:com="http://schemas.openxmlformats.org/drawingml/2006/compatibility" xmlns:p14="http://schemas.microsoft.com/office/powerpoint/2010/main" xmlns:p15="http://schemas.microsoft.com/office/powerpoint/2012/main" xmlns:ahyp="http://schemas.microsoft.com/office/drawing/2018/hyperlinkcolor" matchingName="Title only" type="titleOnly">
+<p:sldLayout xmlns:a="http://schemas.openxmlformats.org/drawingml/2006/main" xmlns:r="http://schemas.openxmlformats.org/officeDocument/2006/relationships" xmlns:p="http://schemas.openxmlformats.org/presentationml/2006/main" matchingName="Title only" type="titleOnly">
   <p:cSld name="TITLE_ONLY">
     <p:spTree>
       <p:nvGrpSpPr>
-        <p:cNvPr id="83" name="Shape 83"/>
+        <p:cNvPr id="1" name="Shape 83"/>
         <p:cNvGrpSpPr/>
         <p:nvPr/>
       </p:nvGrpSpPr>
@@ -10906,8 +10571,8 @@
             </a:xfrm>
             <a:prstGeom prst="pie">
               <a:avLst>
-                <a:gd fmla="val 10792838" name="adj1"/>
-                <a:gd fmla="val 16200000" name="adj2"/>
+                <a:gd name="adj1" fmla="val 10792838"/>
+                <a:gd name="adj2" fmla="val 16200000"/>
               </a:avLst>
             </a:prstGeom>
             <a:solidFill>
@@ -10920,12 +10585,12 @@
             </a:ln>
           </p:spPr>
           <p:txBody>
-            <a:bodyPr anchorCtr="0" anchor="ctr" bIns="91425" lIns="91425" spcFirstLastPara="1" rIns="91425" wrap="square" tIns="91425">
+            <a:bodyPr spcFirstLastPara="1" wrap="square" lIns="91425" tIns="91425" rIns="91425" bIns="91425" anchor="ctr" anchorCtr="0">
               <a:noAutofit/>
             </a:bodyPr>
             <a:lstStyle/>
             <a:p>
-              <a:pPr indent="0" lvl="0" marL="0" rtl="0" algn="l">
+              <a:pPr marL="0" lvl="0" indent="0" algn="l" rtl="0">
                 <a:spcBef>
                   <a:spcPts val="0"/>
                 </a:spcBef>
@@ -10934,9 +10599,6 @@
                 </a:spcAft>
                 <a:buNone/>
               </a:pPr>
-              <a:r>
-                <a:t/>
-              </a:r>
               <a:endParaRPr/>
             </a:p>
           </p:txBody>
@@ -10954,8 +10616,8 @@
             </a:xfrm>
             <a:prstGeom prst="pie">
               <a:avLst>
-                <a:gd fmla="val 10792838" name="adj1"/>
-                <a:gd fmla="val 16200000" name="adj2"/>
+                <a:gd name="adj1" fmla="val 10792838"/>
+                <a:gd name="adj2" fmla="val 16200000"/>
               </a:avLst>
             </a:prstGeom>
             <a:solidFill>
@@ -10968,12 +10630,12 @@
             </a:ln>
           </p:spPr>
           <p:txBody>
-            <a:bodyPr anchorCtr="0" anchor="ctr" bIns="91425" lIns="91425" spcFirstLastPara="1" rIns="91425" wrap="square" tIns="91425">
+            <a:bodyPr spcFirstLastPara="1" wrap="square" lIns="91425" tIns="91425" rIns="91425" bIns="91425" anchor="ctr" anchorCtr="0">
               <a:noAutofit/>
             </a:bodyPr>
             <a:lstStyle/>
             <a:p>
-              <a:pPr indent="0" lvl="0" marL="0" rtl="0" algn="l">
+              <a:pPr marL="0" lvl="0" indent="0" algn="l" rtl="0">
                 <a:spcBef>
                   <a:spcPts val="0"/>
                 </a:spcBef>
@@ -10982,9 +10644,6 @@
                 </a:spcAft>
                 <a:buNone/>
               </a:pPr>
-              <a:r>
-                <a:t/>
-              </a:r>
               <a:endParaRPr/>
             </a:p>
           </p:txBody>
@@ -10993,7 +10652,9 @@
       <p:sp>
         <p:nvSpPr>
           <p:cNvPr id="87" name="Google Shape;87;p6"/>
-          <p:cNvSpPr txBox="1"/>
+          <p:cNvSpPr txBox="1">
+            <a:spLocks noGrp="1"/>
+          </p:cNvSpPr>
           <p:nvPr>
             <p:ph type="title"/>
           </p:nvPr>
@@ -11008,7 +10669,7 @@
           </a:prstGeom>
         </p:spPr>
         <p:txBody>
-          <a:bodyPr anchorCtr="0" anchor="t" bIns="91425" lIns="91425" spcFirstLastPara="1" rIns="91425" wrap="square" tIns="91425">
+          <a:bodyPr spcFirstLastPara="1" wrap="square" lIns="91425" tIns="91425" rIns="91425" bIns="91425" anchor="t" anchorCtr="0">
             <a:noAutofit/>
           </a:bodyPr>
           <a:lstStyle>
@@ -11112,15 +10773,19 @@
               <a:defRPr/>
             </a:lvl9pPr>
           </a:lstStyle>
-          <a:p/>
+          <a:p>
+            <a:endParaRPr/>
+          </a:p>
         </p:txBody>
       </p:sp>
       <p:sp>
         <p:nvSpPr>
           <p:cNvPr id="88" name="Google Shape;88;p6"/>
-          <p:cNvSpPr txBox="1"/>
+          <p:cNvSpPr txBox="1">
+            <a:spLocks noGrp="1"/>
+          </p:cNvSpPr>
           <p:nvPr>
-            <p:ph idx="12" type="sldNum"/>
+            <p:ph type="sldNum" idx="12"/>
           </p:nvPr>
         </p:nvSpPr>
         <p:spPr>
@@ -11133,7 +10798,7 @@
           </a:prstGeom>
         </p:spPr>
         <p:txBody>
-          <a:bodyPr anchorCtr="0" anchor="ctr" bIns="91425" lIns="91425" spcFirstLastPara="1" rIns="91425" wrap="square" tIns="91425">
+          <a:bodyPr spcFirstLastPara="1" wrap="square" lIns="91425" tIns="91425" rIns="91425" bIns="91425" anchor="ctr" anchorCtr="0">
             <a:noAutofit/>
           </a:bodyPr>
           <a:lstStyle>
@@ -11175,7 +10840,7 @@
             </a:lvl9pPr>
           </a:lstStyle>
           <a:p>
-            <a:pPr indent="0" lvl="0" marL="0" rtl="0" algn="r">
+            <a:pPr marL="0" lvl="0" indent="0" algn="r" rtl="0">
               <a:spcBef>
                 <a:spcPts val="0"/>
               </a:spcBef>
@@ -11186,7 +10851,7 @@
             </a:pPr>
             <a:fld id="{00000000-1234-1234-1234-123412341234}" type="slidenum">
               <a:rPr lang="pt-BR"/>
-              <a:t>‹#›</a:t>
+              <a:t>‹nº›</a:t>
             </a:fld>
             <a:endParaRPr/>
           </a:p>
@@ -11201,11 +10866,11 @@
 </file>
 
 <file path=ppt/slideLayouts/slideLayout6.xml><?xml version="1.0" encoding="utf-8"?>
-<p:sldLayout xmlns:a="http://schemas.openxmlformats.org/drawingml/2006/main" xmlns:r="http://schemas.openxmlformats.org/officeDocument/2006/relationships" xmlns:mc="http://schemas.openxmlformats.org/markup-compatibility/2006" xmlns:mv="urn:schemas-microsoft-com:mac:vml" xmlns:p="http://schemas.openxmlformats.org/presentationml/2006/main" xmlns:c="http://schemas.openxmlformats.org/drawingml/2006/chart" xmlns:dgm="http://schemas.openxmlformats.org/drawingml/2006/diagram" xmlns:o="urn:schemas-microsoft-com:office:office" xmlns:v="urn:schemas-microsoft-com:vml" xmlns:pvml="urn:schemas-microsoft-com:office:powerpoint" xmlns:com="http://schemas.openxmlformats.org/drawingml/2006/compatibility" xmlns:p14="http://schemas.microsoft.com/office/powerpoint/2010/main" xmlns:p15="http://schemas.microsoft.com/office/powerpoint/2012/main" xmlns:ahyp="http://schemas.microsoft.com/office/drawing/2018/hyperlinkcolor" matchingName="One column text">
+<p:sldLayout xmlns:a="http://schemas.openxmlformats.org/drawingml/2006/main" xmlns:r="http://schemas.openxmlformats.org/officeDocument/2006/relationships" xmlns:p="http://schemas.openxmlformats.org/presentationml/2006/main" matchingName="One column text">
   <p:cSld name="ONE_COLUMN_TEXT">
     <p:spTree>
       <p:nvGrpSpPr>
-        <p:cNvPr id="89" name="Shape 89"/>
+        <p:cNvPr id="1" name="Shape 89"/>
         <p:cNvGrpSpPr/>
         <p:nvPr/>
       </p:nvGrpSpPr>
@@ -11244,8 +10909,8 @@
             </a:xfrm>
             <a:prstGeom prst="pie">
               <a:avLst>
-                <a:gd fmla="val 10792838" name="adj1"/>
-                <a:gd fmla="val 16200000" name="adj2"/>
+                <a:gd name="adj1" fmla="val 10792838"/>
+                <a:gd name="adj2" fmla="val 16200000"/>
               </a:avLst>
             </a:prstGeom>
             <a:solidFill>
@@ -11258,12 +10923,12 @@
             </a:ln>
           </p:spPr>
           <p:txBody>
-            <a:bodyPr anchorCtr="0" anchor="ctr" bIns="91425" lIns="91425" spcFirstLastPara="1" rIns="91425" wrap="square" tIns="91425">
+            <a:bodyPr spcFirstLastPara="1" wrap="square" lIns="91425" tIns="91425" rIns="91425" bIns="91425" anchor="ctr" anchorCtr="0">
               <a:noAutofit/>
             </a:bodyPr>
             <a:lstStyle/>
             <a:p>
-              <a:pPr indent="0" lvl="0" marL="0" rtl="0" algn="l">
+              <a:pPr marL="0" lvl="0" indent="0" algn="l" rtl="0">
                 <a:spcBef>
                   <a:spcPts val="0"/>
                 </a:spcBef>
@@ -11272,9 +10937,6 @@
                 </a:spcAft>
                 <a:buNone/>
               </a:pPr>
-              <a:r>
-                <a:t/>
-              </a:r>
               <a:endParaRPr/>
             </a:p>
           </p:txBody>
@@ -11292,8 +10954,8 @@
             </a:xfrm>
             <a:prstGeom prst="pie">
               <a:avLst>
-                <a:gd fmla="val 10792838" name="adj1"/>
-                <a:gd fmla="val 16200000" name="adj2"/>
+                <a:gd name="adj1" fmla="val 10792838"/>
+                <a:gd name="adj2" fmla="val 16200000"/>
               </a:avLst>
             </a:prstGeom>
             <a:solidFill>
@@ -11306,12 +10968,12 @@
             </a:ln>
           </p:spPr>
           <p:txBody>
-            <a:bodyPr anchorCtr="0" anchor="ctr" bIns="91425" lIns="91425" spcFirstLastPara="1" rIns="91425" wrap="square" tIns="91425">
+            <a:bodyPr spcFirstLastPara="1" wrap="square" lIns="91425" tIns="91425" rIns="91425" bIns="91425" anchor="ctr" anchorCtr="0">
               <a:noAutofit/>
             </a:bodyPr>
             <a:lstStyle/>
             <a:p>
-              <a:pPr indent="0" lvl="0" marL="0" rtl="0" algn="l">
+              <a:pPr marL="0" lvl="0" indent="0" algn="l" rtl="0">
                 <a:spcBef>
                   <a:spcPts val="0"/>
                 </a:spcBef>
@@ -11320,9 +10982,6 @@
                 </a:spcAft>
                 <a:buNone/>
               </a:pPr>
-              <a:r>
-                <a:t/>
-              </a:r>
               <a:endParaRPr/>
             </a:p>
           </p:txBody>
@@ -11331,7 +10990,9 @@
       <p:sp>
         <p:nvSpPr>
           <p:cNvPr id="93" name="Google Shape;93;p7"/>
-          <p:cNvSpPr txBox="1"/>
+          <p:cNvSpPr txBox="1">
+            <a:spLocks noGrp="1"/>
+          </p:cNvSpPr>
           <p:nvPr>
             <p:ph type="title"/>
           </p:nvPr>
@@ -11346,7 +11007,7 @@
           </a:prstGeom>
         </p:spPr>
         <p:txBody>
-          <a:bodyPr anchorCtr="0" anchor="t" bIns="91425" lIns="91425" spcFirstLastPara="1" rIns="91425" wrap="square" tIns="91425">
+          <a:bodyPr spcFirstLastPara="1" wrap="square" lIns="91425" tIns="91425" rIns="91425" bIns="91425" anchor="t" anchorCtr="0">
             <a:noAutofit/>
           </a:bodyPr>
           <a:lstStyle>
@@ -11450,15 +11111,19 @@
               <a:defRPr/>
             </a:lvl9pPr>
           </a:lstStyle>
-          <a:p/>
+          <a:p>
+            <a:endParaRPr/>
+          </a:p>
         </p:txBody>
       </p:sp>
       <p:sp>
         <p:nvSpPr>
           <p:cNvPr id="94" name="Google Shape;94;p7"/>
-          <p:cNvSpPr txBox="1"/>
+          <p:cNvSpPr txBox="1">
+            <a:spLocks noGrp="1"/>
+          </p:cNvSpPr>
           <p:nvPr>
-            <p:ph idx="1" type="body"/>
+            <p:ph type="body" idx="1"/>
           </p:nvPr>
         </p:nvSpPr>
         <p:spPr>
@@ -11471,11 +11136,11 @@
           </a:prstGeom>
         </p:spPr>
         <p:txBody>
-          <a:bodyPr anchorCtr="0" anchor="t" bIns="91425" lIns="91425" spcFirstLastPara="1" rIns="91425" wrap="square" tIns="91425">
+          <a:bodyPr spcFirstLastPara="1" wrap="square" lIns="91425" tIns="91425" rIns="91425" bIns="91425" anchor="t" anchorCtr="0">
             <a:noAutofit/>
           </a:bodyPr>
           <a:lstStyle>
-            <a:lvl1pPr indent="-311150" lvl="0" marL="457200">
+            <a:lvl1pPr marL="457200" lvl="0" indent="-311150">
               <a:spcBef>
                 <a:spcPts val="0"/>
               </a:spcBef>
@@ -11486,7 +11151,7 @@
               <a:buChar char="●"/>
               <a:defRPr/>
             </a:lvl1pPr>
-            <a:lvl2pPr indent="-298450" lvl="1" marL="914400">
+            <a:lvl2pPr marL="914400" lvl="1" indent="-298450">
               <a:spcBef>
                 <a:spcPts val="1600"/>
               </a:spcBef>
@@ -11497,7 +11162,7 @@
               <a:buChar char="○"/>
               <a:defRPr/>
             </a:lvl2pPr>
-            <a:lvl3pPr indent="-298450" lvl="2" marL="1371600">
+            <a:lvl3pPr marL="1371600" lvl="2" indent="-298450">
               <a:spcBef>
                 <a:spcPts val="1600"/>
               </a:spcBef>
@@ -11508,7 +11173,7 @@
               <a:buChar char="■"/>
               <a:defRPr/>
             </a:lvl3pPr>
-            <a:lvl4pPr indent="-298450" lvl="3" marL="1828800">
+            <a:lvl4pPr marL="1828800" lvl="3" indent="-298450">
               <a:spcBef>
                 <a:spcPts val="1600"/>
               </a:spcBef>
@@ -11519,7 +11184,7 @@
               <a:buChar char="●"/>
               <a:defRPr/>
             </a:lvl4pPr>
-            <a:lvl5pPr indent="-298450" lvl="4" marL="2286000">
+            <a:lvl5pPr marL="2286000" lvl="4" indent="-298450">
               <a:spcBef>
                 <a:spcPts val="1600"/>
               </a:spcBef>
@@ -11530,7 +11195,7 @@
               <a:buChar char="○"/>
               <a:defRPr/>
             </a:lvl5pPr>
-            <a:lvl6pPr indent="-298450" lvl="5" marL="2743200">
+            <a:lvl6pPr marL="2743200" lvl="5" indent="-298450">
               <a:spcBef>
                 <a:spcPts val="1600"/>
               </a:spcBef>
@@ -11541,7 +11206,7 @@
               <a:buChar char="■"/>
               <a:defRPr/>
             </a:lvl6pPr>
-            <a:lvl7pPr indent="-298450" lvl="6" marL="3200400">
+            <a:lvl7pPr marL="3200400" lvl="6" indent="-298450">
               <a:spcBef>
                 <a:spcPts val="1600"/>
               </a:spcBef>
@@ -11552,7 +11217,7 @@
               <a:buChar char="●"/>
               <a:defRPr/>
             </a:lvl7pPr>
-            <a:lvl8pPr indent="-298450" lvl="7" marL="3657600">
+            <a:lvl8pPr marL="3657600" lvl="7" indent="-298450">
               <a:spcBef>
                 <a:spcPts val="1600"/>
               </a:spcBef>
@@ -11563,7 +11228,7 @@
               <a:buChar char="○"/>
               <a:defRPr/>
             </a:lvl8pPr>
-            <a:lvl9pPr indent="-298450" lvl="8" marL="4114800">
+            <a:lvl9pPr marL="4114800" lvl="8" indent="-298450">
               <a:spcBef>
                 <a:spcPts val="1600"/>
               </a:spcBef>
@@ -11575,15 +11240,19 @@
               <a:defRPr/>
             </a:lvl9pPr>
           </a:lstStyle>
-          <a:p/>
+          <a:p>
+            <a:endParaRPr/>
+          </a:p>
         </p:txBody>
       </p:sp>
       <p:sp>
         <p:nvSpPr>
           <p:cNvPr id="95" name="Google Shape;95;p7"/>
-          <p:cNvSpPr txBox="1"/>
+          <p:cNvSpPr txBox="1">
+            <a:spLocks noGrp="1"/>
+          </p:cNvSpPr>
           <p:nvPr>
-            <p:ph idx="12" type="sldNum"/>
+            <p:ph type="sldNum" idx="12"/>
           </p:nvPr>
         </p:nvSpPr>
         <p:spPr>
@@ -11596,7 +11265,7 @@
           </a:prstGeom>
         </p:spPr>
         <p:txBody>
-          <a:bodyPr anchorCtr="0" anchor="ctr" bIns="91425" lIns="91425" spcFirstLastPara="1" rIns="91425" wrap="square" tIns="91425">
+          <a:bodyPr spcFirstLastPara="1" wrap="square" lIns="91425" tIns="91425" rIns="91425" bIns="91425" anchor="ctr" anchorCtr="0">
             <a:noAutofit/>
           </a:bodyPr>
           <a:lstStyle>
@@ -11638,7 +11307,7 @@
             </a:lvl9pPr>
           </a:lstStyle>
           <a:p>
-            <a:pPr indent="0" lvl="0" marL="0" rtl="0" algn="r">
+            <a:pPr marL="0" lvl="0" indent="0" algn="r" rtl="0">
               <a:spcBef>
                 <a:spcPts val="0"/>
               </a:spcBef>
@@ -11649,7 +11318,7 @@
             </a:pPr>
             <a:fld id="{00000000-1234-1234-1234-123412341234}" type="slidenum">
               <a:rPr lang="pt-BR"/>
-              <a:t>‹#›</a:t>
+              <a:t>‹nº›</a:t>
             </a:fld>
             <a:endParaRPr/>
           </a:p>
@@ -11664,18 +11333,19 @@
 </file>
 
 <file path=ppt/slideLayouts/slideLayout7.xml><?xml version="1.0" encoding="utf-8"?>
-<p:sldLayout xmlns:a="http://schemas.openxmlformats.org/drawingml/2006/main" xmlns:r="http://schemas.openxmlformats.org/officeDocument/2006/relationships" xmlns:mc="http://schemas.openxmlformats.org/markup-compatibility/2006" xmlns:mv="urn:schemas-microsoft-com:mac:vml" xmlns:p="http://schemas.openxmlformats.org/presentationml/2006/main" xmlns:c="http://schemas.openxmlformats.org/drawingml/2006/chart" xmlns:dgm="http://schemas.openxmlformats.org/drawingml/2006/diagram" xmlns:o="urn:schemas-microsoft-com:office:office" xmlns:v="urn:schemas-microsoft-com:vml" xmlns:pvml="urn:schemas-microsoft-com:office:powerpoint" xmlns:com="http://schemas.openxmlformats.org/drawingml/2006/compatibility" xmlns:p14="http://schemas.microsoft.com/office/powerpoint/2010/main" xmlns:p15="http://schemas.microsoft.com/office/powerpoint/2012/main" xmlns:ahyp="http://schemas.microsoft.com/office/drawing/2018/hyperlinkcolor" matchingName="Main point">
+<p:sldLayout xmlns:a="http://schemas.openxmlformats.org/drawingml/2006/main" xmlns:r="http://schemas.openxmlformats.org/officeDocument/2006/relationships" xmlns:p="http://schemas.openxmlformats.org/presentationml/2006/main" matchingName="Main point">
   <p:cSld name="MAIN_POINT">
     <p:bg>
       <p:bgPr>
         <a:solidFill>
           <a:schemeClr val="dk1"/>
         </a:solidFill>
+        <a:effectLst/>
       </p:bgPr>
     </p:bg>
     <p:spTree>
       <p:nvGrpSpPr>
-        <p:cNvPr id="96" name="Shape 96"/>
+        <p:cNvPr id="1" name="Shape 96"/>
         <p:cNvGrpSpPr/>
         <p:nvPr/>
       </p:nvGrpSpPr>
@@ -11739,12 +11409,12 @@
               </a:ln>
             </p:spPr>
             <p:txBody>
-              <a:bodyPr anchorCtr="0" anchor="ctr" bIns="91425" lIns="91425" spcFirstLastPara="1" rIns="91425" wrap="square" tIns="91425">
+              <a:bodyPr spcFirstLastPara="1" wrap="square" lIns="91425" tIns="91425" rIns="91425" bIns="91425" anchor="ctr" anchorCtr="0">
                 <a:noAutofit/>
               </a:bodyPr>
               <a:lstStyle/>
               <a:p>
-                <a:pPr indent="0" lvl="0" marL="0" rtl="0" algn="l">
+                <a:pPr marL="0" lvl="0" indent="0" algn="l" rtl="0">
                   <a:spcBef>
                     <a:spcPts val="0"/>
                   </a:spcBef>
@@ -11753,9 +11423,6 @@
                   </a:spcAft>
                   <a:buNone/>
                 </a:pPr>
-                <a:r>
-                  <a:t/>
-                </a:r>
                 <a:endParaRPr/>
               </a:p>
             </p:txBody>
@@ -11773,8 +11440,8 @@
               </a:xfrm>
               <a:prstGeom prst="pie">
                 <a:avLst>
-                  <a:gd fmla="val 19376841" name="adj1"/>
-                  <a:gd fmla="val 12313574" name="adj2"/>
+                  <a:gd name="adj1" fmla="val 19376841"/>
+                  <a:gd name="adj2" fmla="val 12313574"/>
                 </a:avLst>
               </a:prstGeom>
               <a:solidFill>
@@ -11787,12 +11454,12 @@
               </a:ln>
             </p:spPr>
             <p:txBody>
-              <a:bodyPr anchorCtr="0" anchor="ctr" bIns="91425" lIns="91425" spcFirstLastPara="1" rIns="91425" wrap="square" tIns="91425">
+              <a:bodyPr spcFirstLastPara="1" wrap="square" lIns="91425" tIns="91425" rIns="91425" bIns="91425" anchor="ctr" anchorCtr="0">
                 <a:noAutofit/>
               </a:bodyPr>
               <a:lstStyle/>
               <a:p>
-                <a:pPr indent="0" lvl="0" marL="0" rtl="0" algn="l">
+                <a:pPr marL="0" lvl="0" indent="0" algn="l" rtl="0">
                   <a:spcBef>
                     <a:spcPts val="0"/>
                   </a:spcBef>
@@ -11801,9 +11468,6 @@
                   </a:spcAft>
                   <a:buNone/>
                 </a:pPr>
-                <a:r>
-                  <a:t/>
-                </a:r>
                 <a:endParaRPr/>
               </a:p>
             </p:txBody>
@@ -11832,12 +11496,12 @@
               </a:ln>
             </p:spPr>
             <p:txBody>
-              <a:bodyPr anchorCtr="0" anchor="ctr" bIns="91425" lIns="91425" spcFirstLastPara="1" rIns="91425" wrap="square" tIns="91425">
+              <a:bodyPr spcFirstLastPara="1" wrap="square" lIns="91425" tIns="91425" rIns="91425" bIns="91425" anchor="ctr" anchorCtr="0">
                 <a:noAutofit/>
               </a:bodyPr>
               <a:lstStyle/>
               <a:p>
-                <a:pPr indent="0" lvl="0" marL="0" rtl="0" algn="l">
+                <a:pPr marL="0" lvl="0" indent="0" algn="l" rtl="0">
                   <a:spcBef>
                     <a:spcPts val="0"/>
                   </a:spcBef>
@@ -11846,9 +11510,6 @@
                   </a:spcAft>
                   <a:buNone/>
                 </a:pPr>
-                <a:r>
-                  <a:t/>
-                </a:r>
                 <a:endParaRPr/>
               </a:p>
             </p:txBody>
@@ -11892,12 +11553,12 @@
               </a:ln>
             </p:spPr>
             <p:txBody>
-              <a:bodyPr anchorCtr="0" anchor="ctr" bIns="91425" lIns="91425" spcFirstLastPara="1" rIns="91425" wrap="square" tIns="91425">
+              <a:bodyPr spcFirstLastPara="1" wrap="square" lIns="91425" tIns="91425" rIns="91425" bIns="91425" anchor="ctr" anchorCtr="0">
                 <a:noAutofit/>
               </a:bodyPr>
               <a:lstStyle/>
               <a:p>
-                <a:pPr indent="0" lvl="0" marL="0" rtl="0" algn="l">
+                <a:pPr marL="0" lvl="0" indent="0" algn="l" rtl="0">
                   <a:spcBef>
                     <a:spcPts val="0"/>
                   </a:spcBef>
@@ -11906,9 +11567,6 @@
                   </a:spcAft>
                   <a:buNone/>
                 </a:pPr>
-                <a:r>
-                  <a:t/>
-                </a:r>
                 <a:endParaRPr/>
               </a:p>
             </p:txBody>
@@ -11937,12 +11595,12 @@
               </a:ln>
             </p:spPr>
             <p:txBody>
-              <a:bodyPr anchorCtr="0" anchor="ctr" bIns="91425" lIns="91425" spcFirstLastPara="1" rIns="91425" wrap="square" tIns="91425">
+              <a:bodyPr spcFirstLastPara="1" wrap="square" lIns="91425" tIns="91425" rIns="91425" bIns="91425" anchor="ctr" anchorCtr="0">
                 <a:noAutofit/>
               </a:bodyPr>
               <a:lstStyle/>
               <a:p>
-                <a:pPr indent="0" lvl="0" marL="0" rtl="0" algn="l">
+                <a:pPr marL="0" lvl="0" indent="0" algn="l" rtl="0">
                   <a:spcBef>
                     <a:spcPts val="0"/>
                   </a:spcBef>
@@ -11951,9 +11609,6 @@
                   </a:spcAft>
                   <a:buNone/>
                 </a:pPr>
-                <a:r>
-                  <a:t/>
-                </a:r>
                 <a:endParaRPr/>
               </a:p>
             </p:txBody>
@@ -11971,8 +11626,8 @@
               </a:xfrm>
               <a:prstGeom prst="pie">
                 <a:avLst>
-                  <a:gd fmla="val 5699893" name="adj1"/>
-                  <a:gd fmla="val 12313574" name="adj2"/>
+                  <a:gd name="adj1" fmla="val 5699893"/>
+                  <a:gd name="adj2" fmla="val 12313574"/>
                 </a:avLst>
               </a:prstGeom>
               <a:solidFill>
@@ -11985,12 +11640,12 @@
               </a:ln>
             </p:spPr>
             <p:txBody>
-              <a:bodyPr anchorCtr="0" anchor="ctr" bIns="91425" lIns="91425" spcFirstLastPara="1" rIns="91425" wrap="square" tIns="91425">
+              <a:bodyPr spcFirstLastPara="1" wrap="square" lIns="91425" tIns="91425" rIns="91425" bIns="91425" anchor="ctr" anchorCtr="0">
                 <a:noAutofit/>
               </a:bodyPr>
               <a:lstStyle/>
               <a:p>
-                <a:pPr indent="0" lvl="0" marL="0" rtl="0" algn="l">
+                <a:pPr marL="0" lvl="0" indent="0" algn="l" rtl="0">
                   <a:spcBef>
                     <a:spcPts val="0"/>
                   </a:spcBef>
@@ -11999,9 +11654,6 @@
                   </a:spcAft>
                   <a:buNone/>
                 </a:pPr>
-                <a:r>
-                  <a:t/>
-                </a:r>
                 <a:endParaRPr/>
               </a:p>
             </p:txBody>
@@ -12045,12 +11697,12 @@
               </a:ln>
             </p:spPr>
             <p:txBody>
-              <a:bodyPr anchorCtr="0" anchor="ctr" bIns="91425" lIns="91425" spcFirstLastPara="1" rIns="91425" wrap="square" tIns="91425">
+              <a:bodyPr spcFirstLastPara="1" wrap="square" lIns="91425" tIns="91425" rIns="91425" bIns="91425" anchor="ctr" anchorCtr="0">
                 <a:noAutofit/>
               </a:bodyPr>
               <a:lstStyle/>
               <a:p>
-                <a:pPr indent="0" lvl="0" marL="0" rtl="0" algn="l">
+                <a:pPr marL="0" lvl="0" indent="0" algn="l" rtl="0">
                   <a:spcBef>
                     <a:spcPts val="0"/>
                   </a:spcBef>
@@ -12059,9 +11711,6 @@
                   </a:spcAft>
                   <a:buNone/>
                 </a:pPr>
-                <a:r>
-                  <a:t/>
-                </a:r>
                 <a:endParaRPr/>
               </a:p>
             </p:txBody>
@@ -12079,8 +11728,8 @@
               </a:xfrm>
               <a:prstGeom prst="pie">
                 <a:avLst>
-                  <a:gd fmla="val 5699893" name="adj1"/>
-                  <a:gd fmla="val 12313574" name="adj2"/>
+                  <a:gd name="adj1" fmla="val 5699893"/>
+                  <a:gd name="adj2" fmla="val 12313574"/>
                 </a:avLst>
               </a:prstGeom>
               <a:solidFill>
@@ -12093,12 +11742,12 @@
               </a:ln>
             </p:spPr>
             <p:txBody>
-              <a:bodyPr anchorCtr="0" anchor="ctr" bIns="91425" lIns="91425" spcFirstLastPara="1" rIns="91425" wrap="square" tIns="91425">
+              <a:bodyPr spcFirstLastPara="1" wrap="square" lIns="91425" tIns="91425" rIns="91425" bIns="91425" anchor="ctr" anchorCtr="0">
                 <a:noAutofit/>
               </a:bodyPr>
               <a:lstStyle/>
               <a:p>
-                <a:pPr indent="0" lvl="0" marL="0" rtl="0" algn="l">
+                <a:pPr marL="0" lvl="0" indent="0" algn="l" rtl="0">
                   <a:spcBef>
                     <a:spcPts val="0"/>
                   </a:spcBef>
@@ -12107,9 +11756,6 @@
                   </a:spcAft>
                   <a:buNone/>
                 </a:pPr>
-                <a:r>
-                  <a:t/>
-                </a:r>
                 <a:endParaRPr/>
               </a:p>
             </p:txBody>
@@ -12119,7 +11765,9 @@
       <p:sp>
         <p:nvSpPr>
           <p:cNvPr id="109" name="Google Shape;109;p8"/>
-          <p:cNvSpPr txBox="1"/>
+          <p:cNvSpPr txBox="1">
+            <a:spLocks noGrp="1"/>
+          </p:cNvSpPr>
           <p:nvPr>
             <p:ph type="title"/>
           </p:nvPr>
@@ -12134,7 +11782,7 @@
           </a:prstGeom>
         </p:spPr>
         <p:txBody>
-          <a:bodyPr anchorCtr="0" anchor="ctr" bIns="91425" lIns="91425" spcFirstLastPara="1" rIns="91425" wrap="square" tIns="91425">
+          <a:bodyPr spcFirstLastPara="1" wrap="square" lIns="91425" tIns="91425" rIns="91425" bIns="91425" anchor="ctr" anchorCtr="0">
             <a:noAutofit/>
           </a:bodyPr>
           <a:lstStyle>
@@ -12301,15 +11949,19 @@
               </a:defRPr>
             </a:lvl9pPr>
           </a:lstStyle>
-          <a:p/>
+          <a:p>
+            <a:endParaRPr/>
+          </a:p>
         </p:txBody>
       </p:sp>
       <p:sp>
         <p:nvSpPr>
           <p:cNvPr id="110" name="Google Shape;110;p8"/>
-          <p:cNvSpPr txBox="1"/>
+          <p:cNvSpPr txBox="1">
+            <a:spLocks noGrp="1"/>
+          </p:cNvSpPr>
           <p:nvPr>
-            <p:ph idx="12" type="sldNum"/>
+            <p:ph type="sldNum" idx="12"/>
           </p:nvPr>
         </p:nvSpPr>
         <p:spPr>
@@ -12322,7 +11974,7 @@
           </a:prstGeom>
         </p:spPr>
         <p:txBody>
-          <a:bodyPr anchorCtr="0" anchor="ctr" bIns="91425" lIns="91425" spcFirstLastPara="1" rIns="91425" wrap="square" tIns="91425">
+          <a:bodyPr spcFirstLastPara="1" wrap="square" lIns="91425" tIns="91425" rIns="91425" bIns="91425" anchor="ctr" anchorCtr="0">
             <a:noAutofit/>
           </a:bodyPr>
           <a:lstStyle>
@@ -12400,7 +12052,7 @@
             </a:lvl9pPr>
           </a:lstStyle>
           <a:p>
-            <a:pPr indent="0" lvl="0" marL="0" rtl="0" algn="r">
+            <a:pPr marL="0" lvl="0" indent="0" algn="r" rtl="0">
               <a:spcBef>
                 <a:spcPts val="0"/>
               </a:spcBef>
@@ -12411,7 +12063,7 @@
             </a:pPr>
             <a:fld id="{00000000-1234-1234-1234-123412341234}" type="slidenum">
               <a:rPr lang="pt-BR"/>
-              <a:t>‹#›</a:t>
+              <a:t>‹nº›</a:t>
             </a:fld>
             <a:endParaRPr/>
           </a:p>
@@ -12426,11 +12078,11 @@
 </file>
 
 <file path=ppt/slideLayouts/slideLayout8.xml><?xml version="1.0" encoding="utf-8"?>
-<p:sldLayout xmlns:a="http://schemas.openxmlformats.org/drawingml/2006/main" xmlns:r="http://schemas.openxmlformats.org/officeDocument/2006/relationships" xmlns:mc="http://schemas.openxmlformats.org/markup-compatibility/2006" xmlns:mv="urn:schemas-microsoft-com:mac:vml" xmlns:p="http://schemas.openxmlformats.org/presentationml/2006/main" xmlns:c="http://schemas.openxmlformats.org/drawingml/2006/chart" xmlns:dgm="http://schemas.openxmlformats.org/drawingml/2006/diagram" xmlns:o="urn:schemas-microsoft-com:office:office" xmlns:v="urn:schemas-microsoft-com:vml" xmlns:pvml="urn:schemas-microsoft-com:office:powerpoint" xmlns:com="http://schemas.openxmlformats.org/drawingml/2006/compatibility" xmlns:p14="http://schemas.microsoft.com/office/powerpoint/2010/main" xmlns:p15="http://schemas.microsoft.com/office/powerpoint/2012/main" xmlns:ahyp="http://schemas.microsoft.com/office/drawing/2018/hyperlinkcolor" matchingName="Section title and description">
+<p:sldLayout xmlns:a="http://schemas.openxmlformats.org/drawingml/2006/main" xmlns:r="http://schemas.openxmlformats.org/officeDocument/2006/relationships" xmlns:p="http://schemas.openxmlformats.org/presentationml/2006/main" matchingName="Section title and description">
   <p:cSld name="SECTION_TITLE_AND_DESCRIPTION">
     <p:spTree>
       <p:nvGrpSpPr>
-        <p:cNvPr id="111" name="Shape 111"/>
+        <p:cNvPr id="1" name="Shape 111"/>
         <p:cNvGrpSpPr/>
         <p:nvPr/>
       </p:nvGrpSpPr>
@@ -12469,8 +12121,8 @@
             </a:xfrm>
             <a:prstGeom prst="pie">
               <a:avLst>
-                <a:gd fmla="val 10792838" name="adj1"/>
-                <a:gd fmla="val 16200000" name="adj2"/>
+                <a:gd name="adj1" fmla="val 10792838"/>
+                <a:gd name="adj2" fmla="val 16200000"/>
               </a:avLst>
             </a:prstGeom>
             <a:solidFill>
@@ -12483,12 +12135,12 @@
             </a:ln>
           </p:spPr>
           <p:txBody>
-            <a:bodyPr anchorCtr="0" anchor="ctr" bIns="91425" lIns="91425" spcFirstLastPara="1" rIns="91425" wrap="square" tIns="91425">
+            <a:bodyPr spcFirstLastPara="1" wrap="square" lIns="91425" tIns="91425" rIns="91425" bIns="91425" anchor="ctr" anchorCtr="0">
               <a:noAutofit/>
             </a:bodyPr>
             <a:lstStyle/>
             <a:p>
-              <a:pPr indent="0" lvl="0" marL="0" rtl="0" algn="l">
+              <a:pPr marL="0" lvl="0" indent="0" algn="l" rtl="0">
                 <a:spcBef>
                   <a:spcPts val="0"/>
                 </a:spcBef>
@@ -12497,9 +12149,6 @@
                 </a:spcAft>
                 <a:buNone/>
               </a:pPr>
-              <a:r>
-                <a:t/>
-              </a:r>
               <a:endParaRPr/>
             </a:p>
           </p:txBody>
@@ -12517,8 +12166,8 @@
             </a:xfrm>
             <a:prstGeom prst="pie">
               <a:avLst>
-                <a:gd fmla="val 10792838" name="adj1"/>
-                <a:gd fmla="val 16200000" name="adj2"/>
+                <a:gd name="adj1" fmla="val 10792838"/>
+                <a:gd name="adj2" fmla="val 16200000"/>
               </a:avLst>
             </a:prstGeom>
             <a:solidFill>
@@ -12531,12 +12180,12 @@
             </a:ln>
           </p:spPr>
           <p:txBody>
-            <a:bodyPr anchorCtr="0" anchor="ctr" bIns="91425" lIns="91425" spcFirstLastPara="1" rIns="91425" wrap="square" tIns="91425">
+            <a:bodyPr spcFirstLastPara="1" wrap="square" lIns="91425" tIns="91425" rIns="91425" bIns="91425" anchor="ctr" anchorCtr="0">
               <a:noAutofit/>
             </a:bodyPr>
             <a:lstStyle/>
             <a:p>
-              <a:pPr indent="0" lvl="0" marL="0" rtl="0" algn="l">
+              <a:pPr marL="0" lvl="0" indent="0" algn="l" rtl="0">
                 <a:spcBef>
                   <a:spcPts val="0"/>
                 </a:spcBef>
@@ -12545,9 +12194,6 @@
                 </a:spcAft>
                 <a:buNone/>
               </a:pPr>
-              <a:r>
-                <a:t/>
-              </a:r>
               <a:endParaRPr/>
             </a:p>
           </p:txBody>
@@ -12556,7 +12202,9 @@
       <p:sp>
         <p:nvSpPr>
           <p:cNvPr id="115" name="Google Shape;115;p9"/>
-          <p:cNvSpPr txBox="1"/>
+          <p:cNvSpPr txBox="1">
+            <a:spLocks noGrp="1"/>
+          </p:cNvSpPr>
           <p:nvPr>
             <p:ph type="title"/>
           </p:nvPr>
@@ -12569,18 +12217,18 @@
           <a:prstGeom prst="rect">
             <a:avLst/>
           </a:prstGeom>
-          <a:ln cap="flat" cmpd="sng" w="9525">
+          <a:ln w="9525" cap="flat" cmpd="sng">
             <a:solidFill>
               <a:schemeClr val="lt1"/>
             </a:solidFill>
             <a:prstDash val="solid"/>
             <a:round/>
-            <a:headEnd len="sm" w="sm" type="none"/>
-            <a:tailEnd len="sm" w="sm" type="none"/>
+            <a:headEnd type="none" w="sm" len="sm"/>
+            <a:tailEnd type="none" w="sm" len="sm"/>
           </a:ln>
         </p:spPr>
         <p:txBody>
-          <a:bodyPr anchorCtr="0" anchor="t" bIns="91425" lIns="91425" spcFirstLastPara="1" rIns="91425" wrap="square" tIns="91425">
+          <a:bodyPr spcFirstLastPara="1" wrap="square" lIns="91425" tIns="91425" rIns="91425" bIns="91425" anchor="t" anchorCtr="0">
             <a:noAutofit/>
           </a:bodyPr>
           <a:lstStyle>
@@ -12684,15 +12332,19 @@
               <a:defRPr/>
             </a:lvl9pPr>
           </a:lstStyle>
-          <a:p/>
+          <a:p>
+            <a:endParaRPr/>
+          </a:p>
         </p:txBody>
       </p:sp>
       <p:sp>
         <p:nvSpPr>
           <p:cNvPr id="116" name="Google Shape;116;p9"/>
-          <p:cNvSpPr txBox="1"/>
+          <p:cNvSpPr txBox="1">
+            <a:spLocks noGrp="1"/>
+          </p:cNvSpPr>
           <p:nvPr>
-            <p:ph idx="1" type="subTitle"/>
+            <p:ph type="subTitle" idx="1"/>
           </p:nvPr>
         </p:nvSpPr>
         <p:spPr>
@@ -12703,18 +12355,18 @@
           <a:prstGeom prst="rect">
             <a:avLst/>
           </a:prstGeom>
-          <a:ln cap="flat" cmpd="sng" w="9525">
+          <a:ln w="9525" cap="flat" cmpd="sng">
             <a:solidFill>
               <a:schemeClr val="lt1"/>
             </a:solidFill>
             <a:prstDash val="solid"/>
             <a:round/>
-            <a:headEnd len="sm" w="sm" type="none"/>
-            <a:tailEnd len="sm" w="sm" type="none"/>
+            <a:headEnd type="none" w="sm" len="sm"/>
+            <a:tailEnd type="none" w="sm" len="sm"/>
           </a:ln>
         </p:spPr>
         <p:txBody>
-          <a:bodyPr anchorCtr="0" anchor="t" bIns="91425" lIns="91425" spcFirstLastPara="1" rIns="91425" wrap="square" tIns="91425">
+          <a:bodyPr spcFirstLastPara="1" wrap="square" lIns="91425" tIns="91425" rIns="91425" bIns="91425" anchor="t" anchorCtr="0">
             <a:noAutofit/>
           </a:bodyPr>
           <a:lstStyle>
@@ -12845,15 +12497,19 @@
               <a:defRPr sz="1600"/>
             </a:lvl9pPr>
           </a:lstStyle>
-          <a:p/>
+          <a:p>
+            <a:endParaRPr/>
+          </a:p>
         </p:txBody>
       </p:sp>
       <p:sp>
         <p:nvSpPr>
           <p:cNvPr id="117" name="Google Shape;117;p9"/>
-          <p:cNvSpPr txBox="1"/>
+          <p:cNvSpPr txBox="1">
+            <a:spLocks noGrp="1"/>
+          </p:cNvSpPr>
           <p:nvPr>
-            <p:ph idx="2" type="body"/>
+            <p:ph type="body" idx="2"/>
           </p:nvPr>
         </p:nvSpPr>
         <p:spPr>
@@ -12864,22 +12520,22 @@
           <a:prstGeom prst="rect">
             <a:avLst/>
           </a:prstGeom>
-          <a:ln cap="flat" cmpd="sng" w="9525">
+          <a:ln w="9525" cap="flat" cmpd="sng">
             <a:solidFill>
               <a:schemeClr val="lt1"/>
             </a:solidFill>
             <a:prstDash val="solid"/>
             <a:round/>
-            <a:headEnd len="sm" w="sm" type="none"/>
-            <a:tailEnd len="sm" w="sm" type="none"/>
+            <a:headEnd type="none" w="sm" len="sm"/>
+            <a:tailEnd type="none" w="sm" len="sm"/>
           </a:ln>
         </p:spPr>
         <p:txBody>
-          <a:bodyPr anchorCtr="0" anchor="t" bIns="91425" lIns="91425" spcFirstLastPara="1" rIns="91425" wrap="square" tIns="91425">
+          <a:bodyPr spcFirstLastPara="1" wrap="square" lIns="91425" tIns="91425" rIns="91425" bIns="91425" anchor="t" anchorCtr="0">
             <a:noAutofit/>
           </a:bodyPr>
           <a:lstStyle>
-            <a:lvl1pPr indent="-311150" lvl="0" marL="457200">
+            <a:lvl1pPr marL="457200" lvl="0" indent="-311150">
               <a:spcBef>
                 <a:spcPts val="0"/>
               </a:spcBef>
@@ -12890,7 +12546,7 @@
               <a:buChar char="●"/>
               <a:defRPr/>
             </a:lvl1pPr>
-            <a:lvl2pPr indent="-298450" lvl="1" marL="914400">
+            <a:lvl2pPr marL="914400" lvl="1" indent="-298450">
               <a:spcBef>
                 <a:spcPts val="1600"/>
               </a:spcBef>
@@ -12901,7 +12557,7 @@
               <a:buChar char="○"/>
               <a:defRPr/>
             </a:lvl2pPr>
-            <a:lvl3pPr indent="-298450" lvl="2" marL="1371600">
+            <a:lvl3pPr marL="1371600" lvl="2" indent="-298450">
               <a:spcBef>
                 <a:spcPts val="1600"/>
               </a:spcBef>
@@ -12912,7 +12568,7 @@
               <a:buChar char="■"/>
               <a:defRPr/>
             </a:lvl3pPr>
-            <a:lvl4pPr indent="-298450" lvl="3" marL="1828800">
+            <a:lvl4pPr marL="1828800" lvl="3" indent="-298450">
               <a:spcBef>
                 <a:spcPts val="1600"/>
               </a:spcBef>
@@ -12923,7 +12579,7 @@
               <a:buChar char="●"/>
               <a:defRPr/>
             </a:lvl4pPr>
-            <a:lvl5pPr indent="-298450" lvl="4" marL="2286000">
+            <a:lvl5pPr marL="2286000" lvl="4" indent="-298450">
               <a:spcBef>
                 <a:spcPts val="1600"/>
               </a:spcBef>
@@ -12934,7 +12590,7 @@
               <a:buChar char="○"/>
               <a:defRPr/>
             </a:lvl5pPr>
-            <a:lvl6pPr indent="-298450" lvl="5" marL="2743200">
+            <a:lvl6pPr marL="2743200" lvl="5" indent="-298450">
               <a:spcBef>
                 <a:spcPts val="1600"/>
               </a:spcBef>
@@ -12945,7 +12601,7 @@
               <a:buChar char="■"/>
               <a:defRPr/>
             </a:lvl6pPr>
-            <a:lvl7pPr indent="-298450" lvl="6" marL="3200400">
+            <a:lvl7pPr marL="3200400" lvl="6" indent="-298450">
               <a:spcBef>
                 <a:spcPts val="1600"/>
               </a:spcBef>
@@ -12956,7 +12612,7 @@
               <a:buChar char="●"/>
               <a:defRPr/>
             </a:lvl7pPr>
-            <a:lvl8pPr indent="-298450" lvl="7" marL="3657600">
+            <a:lvl8pPr marL="3657600" lvl="7" indent="-298450">
               <a:spcBef>
                 <a:spcPts val="1600"/>
               </a:spcBef>
@@ -12967,7 +12623,7 @@
               <a:buChar char="○"/>
               <a:defRPr/>
             </a:lvl8pPr>
-            <a:lvl9pPr indent="-298450" lvl="8" marL="4114800">
+            <a:lvl9pPr marL="4114800" lvl="8" indent="-298450">
               <a:spcBef>
                 <a:spcPts val="1600"/>
               </a:spcBef>
@@ -12979,15 +12635,19 @@
               <a:defRPr/>
             </a:lvl9pPr>
           </a:lstStyle>
-          <a:p/>
+          <a:p>
+            <a:endParaRPr/>
+          </a:p>
         </p:txBody>
       </p:sp>
       <p:sp>
         <p:nvSpPr>
           <p:cNvPr id="118" name="Google Shape;118;p9"/>
-          <p:cNvSpPr txBox="1"/>
+          <p:cNvSpPr txBox="1">
+            <a:spLocks noGrp="1"/>
+          </p:cNvSpPr>
           <p:nvPr>
-            <p:ph idx="12" type="sldNum"/>
+            <p:ph type="sldNum" idx="12"/>
           </p:nvPr>
         </p:nvSpPr>
         <p:spPr>
@@ -13000,7 +12660,7 @@
           </a:prstGeom>
         </p:spPr>
         <p:txBody>
-          <a:bodyPr anchorCtr="0" anchor="ctr" bIns="91425" lIns="91425" spcFirstLastPara="1" rIns="91425" wrap="square" tIns="91425">
+          <a:bodyPr spcFirstLastPara="1" wrap="square" lIns="91425" tIns="91425" rIns="91425" bIns="91425" anchor="ctr" anchorCtr="0">
             <a:noAutofit/>
           </a:bodyPr>
           <a:lstStyle>
@@ -13042,7 +12702,7 @@
             </a:lvl9pPr>
           </a:lstStyle>
           <a:p>
-            <a:pPr indent="0" lvl="0" marL="0" rtl="0" algn="r">
+            <a:pPr marL="0" lvl="0" indent="0" algn="r" rtl="0">
               <a:spcBef>
                 <a:spcPts val="0"/>
               </a:spcBef>
@@ -13053,7 +12713,7 @@
             </a:pPr>
             <a:fld id="{00000000-1234-1234-1234-123412341234}" type="slidenum">
               <a:rPr lang="pt-BR"/>
-              <a:t>‹#›</a:t>
+              <a:t>‹nº›</a:t>
             </a:fld>
             <a:endParaRPr/>
           </a:p>
@@ -13068,11 +12728,11 @@
 </file>
 
 <file path=ppt/slideLayouts/slideLayout9.xml><?xml version="1.0" encoding="utf-8"?>
-<p:sldLayout xmlns:a="http://schemas.openxmlformats.org/drawingml/2006/main" xmlns:r="http://schemas.openxmlformats.org/officeDocument/2006/relationships" xmlns:mc="http://schemas.openxmlformats.org/markup-compatibility/2006" xmlns:mv="urn:schemas-microsoft-com:mac:vml" xmlns:p="http://schemas.openxmlformats.org/presentationml/2006/main" xmlns:c="http://schemas.openxmlformats.org/drawingml/2006/chart" xmlns:dgm="http://schemas.openxmlformats.org/drawingml/2006/diagram" xmlns:o="urn:schemas-microsoft-com:office:office" xmlns:v="urn:schemas-microsoft-com:vml" xmlns:pvml="urn:schemas-microsoft-com:office:powerpoint" xmlns:com="http://schemas.openxmlformats.org/drawingml/2006/compatibility" xmlns:p14="http://schemas.microsoft.com/office/powerpoint/2010/main" xmlns:p15="http://schemas.microsoft.com/office/powerpoint/2012/main" xmlns:ahyp="http://schemas.microsoft.com/office/drawing/2018/hyperlinkcolor" matchingName="Caption">
+<p:sldLayout xmlns:a="http://schemas.openxmlformats.org/drawingml/2006/main" xmlns:r="http://schemas.openxmlformats.org/officeDocument/2006/relationships" xmlns:p="http://schemas.openxmlformats.org/presentationml/2006/main" matchingName="Caption">
   <p:cSld name="CAPTION_ONLY">
     <p:spTree>
       <p:nvGrpSpPr>
-        <p:cNvPr id="119" name="Shape 119"/>
+        <p:cNvPr id="1" name="Shape 119"/>
         <p:cNvGrpSpPr/>
         <p:nvPr/>
       </p:nvGrpSpPr>
@@ -13111,8 +12771,8 @@
             </a:xfrm>
             <a:prstGeom prst="pie">
               <a:avLst>
-                <a:gd fmla="val 10792838" name="adj1"/>
-                <a:gd fmla="val 16200000" name="adj2"/>
+                <a:gd name="adj1" fmla="val 10792838"/>
+                <a:gd name="adj2" fmla="val 16200000"/>
               </a:avLst>
             </a:prstGeom>
             <a:solidFill>
@@ -13125,12 +12785,12 @@
             </a:ln>
           </p:spPr>
           <p:txBody>
-            <a:bodyPr anchorCtr="0" anchor="ctr" bIns="91425" lIns="91425" spcFirstLastPara="1" rIns="91425" wrap="square" tIns="91425">
+            <a:bodyPr spcFirstLastPara="1" wrap="square" lIns="91425" tIns="91425" rIns="91425" bIns="91425" anchor="ctr" anchorCtr="0">
               <a:noAutofit/>
             </a:bodyPr>
             <a:lstStyle/>
             <a:p>
-              <a:pPr indent="0" lvl="0" marL="0" rtl="0" algn="l">
+              <a:pPr marL="0" lvl="0" indent="0" algn="l" rtl="0">
                 <a:spcBef>
                   <a:spcPts val="0"/>
                 </a:spcBef>
@@ -13139,9 +12799,6 @@
                 </a:spcAft>
                 <a:buNone/>
               </a:pPr>
-              <a:r>
-                <a:t/>
-              </a:r>
               <a:endParaRPr/>
             </a:p>
           </p:txBody>
@@ -13159,8 +12816,8 @@
             </a:xfrm>
             <a:prstGeom prst="pie">
               <a:avLst>
-                <a:gd fmla="val 10792838" name="adj1"/>
-                <a:gd fmla="val 16200000" name="adj2"/>
+                <a:gd name="adj1" fmla="val 10792838"/>
+                <a:gd name="adj2" fmla="val 16200000"/>
               </a:avLst>
             </a:prstGeom>
             <a:solidFill>
@@ -13173,12 +12830,12 @@
             </a:ln>
           </p:spPr>
           <p:txBody>
-            <a:bodyPr anchorCtr="0" anchor="ctr" bIns="91425" lIns="91425" spcFirstLastPara="1" rIns="91425" wrap="square" tIns="91425">
+            <a:bodyPr spcFirstLastPara="1" wrap="square" lIns="91425" tIns="91425" rIns="91425" bIns="91425" anchor="ctr" anchorCtr="0">
               <a:noAutofit/>
             </a:bodyPr>
             <a:lstStyle/>
             <a:p>
-              <a:pPr indent="0" lvl="0" marL="0" rtl="0" algn="l">
+              <a:pPr marL="0" lvl="0" indent="0" algn="l" rtl="0">
                 <a:spcBef>
                   <a:spcPts val="0"/>
                 </a:spcBef>
@@ -13187,9 +12844,6 @@
                 </a:spcAft>
                 <a:buNone/>
               </a:pPr>
-              <a:r>
-                <a:t/>
-              </a:r>
               <a:endParaRPr/>
             </a:p>
           </p:txBody>
@@ -13198,9 +12852,11 @@
       <p:sp>
         <p:nvSpPr>
           <p:cNvPr id="123" name="Google Shape;123;p10"/>
-          <p:cNvSpPr txBox="1"/>
+          <p:cNvSpPr txBox="1">
+            <a:spLocks noGrp="1"/>
+          </p:cNvSpPr>
           <p:nvPr>
-            <p:ph idx="1" type="body"/>
+            <p:ph type="body" idx="1"/>
           </p:nvPr>
         </p:nvSpPr>
         <p:spPr>
@@ -13213,11 +12869,11 @@
           </a:prstGeom>
         </p:spPr>
         <p:txBody>
-          <a:bodyPr anchorCtr="0" anchor="t" bIns="91425" lIns="91425" spcFirstLastPara="1" rIns="91425" wrap="square" tIns="91425">
+          <a:bodyPr spcFirstLastPara="1" wrap="square" lIns="91425" tIns="91425" rIns="91425" bIns="91425" anchor="t" anchorCtr="0">
             <a:noAutofit/>
           </a:bodyPr>
           <a:lstStyle>
-            <a:lvl1pPr indent="-228600" lvl="0" marL="457200">
+            <a:lvl1pPr marL="457200" lvl="0" indent="-228600">
               <a:lnSpc>
                 <a:spcPct val="100000"/>
               </a:lnSpc>
@@ -13232,15 +12888,19 @@
               <a:defRPr/>
             </a:lvl1pPr>
           </a:lstStyle>
-          <a:p/>
+          <a:p>
+            <a:endParaRPr/>
+          </a:p>
         </p:txBody>
       </p:sp>
       <p:sp>
         <p:nvSpPr>
           <p:cNvPr id="124" name="Google Shape;124;p10"/>
-          <p:cNvSpPr txBox="1"/>
+          <p:cNvSpPr txBox="1">
+            <a:spLocks noGrp="1"/>
+          </p:cNvSpPr>
           <p:nvPr>
-            <p:ph idx="12" type="sldNum"/>
+            <p:ph type="sldNum" idx="12"/>
           </p:nvPr>
         </p:nvSpPr>
         <p:spPr>
@@ -13253,7 +12913,7 @@
           </a:prstGeom>
         </p:spPr>
         <p:txBody>
-          <a:bodyPr anchorCtr="0" anchor="ctr" bIns="91425" lIns="91425" spcFirstLastPara="1" rIns="91425" wrap="square" tIns="91425">
+          <a:bodyPr spcFirstLastPara="1" wrap="square" lIns="91425" tIns="91425" rIns="91425" bIns="91425" anchor="ctr" anchorCtr="0">
             <a:noAutofit/>
           </a:bodyPr>
           <a:lstStyle>
@@ -13295,7 +12955,7 @@
             </a:lvl9pPr>
           </a:lstStyle>
           <a:p>
-            <a:pPr indent="0" lvl="0" marL="0" rtl="0" algn="r">
+            <a:pPr marL="0" lvl="0" indent="0" algn="r" rtl="0">
               <a:spcBef>
                 <a:spcPts val="0"/>
               </a:spcBef>
@@ -13306,7 +12966,7 @@
             </a:pPr>
             <a:fld id="{00000000-1234-1234-1234-123412341234}" type="slidenum">
               <a:rPr lang="pt-BR"/>
-              <a:t>‹#›</a:t>
+              <a:t>‹nº›</a:t>
             </a:fld>
             <a:endParaRPr/>
           </a:p>
@@ -13321,18 +12981,19 @@
 </file>
 
 <file path=ppt/slideMasters/slideMaster1.xml><?xml version="1.0" encoding="utf-8"?>
-<p:sldMaster xmlns:a="http://schemas.openxmlformats.org/drawingml/2006/main" xmlns:r="http://schemas.openxmlformats.org/officeDocument/2006/relationships" xmlns:mc="http://schemas.openxmlformats.org/markup-compatibility/2006" xmlns:mv="urn:schemas-microsoft-com:mac:vml" xmlns:p="http://schemas.openxmlformats.org/presentationml/2006/main" xmlns:c="http://schemas.openxmlformats.org/drawingml/2006/chart" xmlns:dgm="http://schemas.openxmlformats.org/drawingml/2006/diagram" xmlns:o="urn:schemas-microsoft-com:office:office" xmlns:v="urn:schemas-microsoft-com:vml" xmlns:pvml="urn:schemas-microsoft-com:office:powerpoint" xmlns:com="http://schemas.openxmlformats.org/drawingml/2006/compatibility" xmlns:p14="http://schemas.microsoft.com/office/powerpoint/2010/main" xmlns:p15="http://schemas.microsoft.com/office/powerpoint/2012/main" xmlns:ahyp="http://schemas.microsoft.com/office/drawing/2018/hyperlinkcolor">
+<p:sldMaster xmlns:a="http://schemas.openxmlformats.org/drawingml/2006/main" xmlns:r="http://schemas.openxmlformats.org/officeDocument/2006/relationships" xmlns:p="http://schemas.openxmlformats.org/presentationml/2006/main">
   <p:cSld name="momentum">
     <p:bg>
       <p:bgPr>
         <a:solidFill>
           <a:schemeClr val="lt1"/>
         </a:solidFill>
+        <a:effectLst/>
       </p:bgPr>
     </p:bg>
     <p:spTree>
       <p:nvGrpSpPr>
-        <p:cNvPr id="5" name="Shape 5"/>
+        <p:cNvPr id="1" name="Shape 5"/>
         <p:cNvGrpSpPr/>
         <p:nvPr/>
       </p:nvGrpSpPr>
@@ -13347,7 +13008,9 @@
       <p:sp>
         <p:nvSpPr>
           <p:cNvPr id="6" name="Google Shape;6;p1"/>
-          <p:cNvSpPr txBox="1"/>
+          <p:cNvSpPr txBox="1">
+            <a:spLocks noGrp="1"/>
+          </p:cNvSpPr>
           <p:nvPr>
             <p:ph type="title"/>
           </p:nvPr>
@@ -13366,7 +13029,7 @@
           </a:ln>
         </p:spPr>
         <p:txBody>
-          <a:bodyPr anchorCtr="0" anchor="t" bIns="91425" lIns="91425" spcFirstLastPara="1" rIns="91425" wrap="square" tIns="91425">
+          <a:bodyPr spcFirstLastPara="1" wrap="square" lIns="91425" tIns="91425" rIns="91425" bIns="91425" anchor="t" anchorCtr="0">
             <a:noAutofit/>
           </a:bodyPr>
           <a:lstStyle>
@@ -13383,7 +13046,7 @@
               <a:buSzPts val="2800"/>
               <a:buFont typeface="Maven Pro"/>
               <a:buNone/>
-              <a:defRPr b="1" sz="2800">
+              <a:defRPr sz="2800" b="1">
                 <a:solidFill>
                   <a:schemeClr val="dk2"/>
                 </a:solidFill>
@@ -13406,7 +13069,7 @@
               <a:buSzPts val="2800"/>
               <a:buFont typeface="Maven Pro"/>
               <a:buNone/>
-              <a:defRPr b="1" sz="2800">
+              <a:defRPr sz="2800" b="1">
                 <a:solidFill>
                   <a:schemeClr val="dk2"/>
                 </a:solidFill>
@@ -13429,7 +13092,7 @@
               <a:buSzPts val="2800"/>
               <a:buFont typeface="Maven Pro"/>
               <a:buNone/>
-              <a:defRPr b="1" sz="2800">
+              <a:defRPr sz="2800" b="1">
                 <a:solidFill>
                   <a:schemeClr val="dk2"/>
                 </a:solidFill>
@@ -13452,7 +13115,7 @@
               <a:buSzPts val="2800"/>
               <a:buFont typeface="Maven Pro"/>
               <a:buNone/>
-              <a:defRPr b="1" sz="2800">
+              <a:defRPr sz="2800" b="1">
                 <a:solidFill>
                   <a:schemeClr val="dk2"/>
                 </a:solidFill>
@@ -13475,7 +13138,7 @@
               <a:buSzPts val="2800"/>
               <a:buFont typeface="Maven Pro"/>
               <a:buNone/>
-              <a:defRPr b="1" sz="2800">
+              <a:defRPr sz="2800" b="1">
                 <a:solidFill>
                   <a:schemeClr val="dk2"/>
                 </a:solidFill>
@@ -13498,7 +13161,7 @@
               <a:buSzPts val="2800"/>
               <a:buFont typeface="Maven Pro"/>
               <a:buNone/>
-              <a:defRPr b="1" sz="2800">
+              <a:defRPr sz="2800" b="1">
                 <a:solidFill>
                   <a:schemeClr val="dk2"/>
                 </a:solidFill>
@@ -13521,7 +13184,7 @@
               <a:buSzPts val="2800"/>
               <a:buFont typeface="Maven Pro"/>
               <a:buNone/>
-              <a:defRPr b="1" sz="2800">
+              <a:defRPr sz="2800" b="1">
                 <a:solidFill>
                   <a:schemeClr val="dk2"/>
                 </a:solidFill>
@@ -13544,7 +13207,7 @@
               <a:buSzPts val="2800"/>
               <a:buFont typeface="Maven Pro"/>
               <a:buNone/>
-              <a:defRPr b="1" sz="2800">
+              <a:defRPr sz="2800" b="1">
                 <a:solidFill>
                   <a:schemeClr val="dk2"/>
                 </a:solidFill>
@@ -13567,7 +13230,7 @@
               <a:buSzPts val="2800"/>
               <a:buFont typeface="Maven Pro"/>
               <a:buNone/>
-              <a:defRPr b="1" sz="2800">
+              <a:defRPr sz="2800" b="1">
                 <a:solidFill>
                   <a:schemeClr val="dk2"/>
                 </a:solidFill>
@@ -13578,15 +13241,19 @@
               </a:defRPr>
             </a:lvl9pPr>
           </a:lstStyle>
-          <a:p/>
+          <a:p>
+            <a:endParaRPr/>
+          </a:p>
         </p:txBody>
       </p:sp>
       <p:sp>
         <p:nvSpPr>
           <p:cNvPr id="7" name="Google Shape;7;p1"/>
-          <p:cNvSpPr txBox="1"/>
+          <p:cNvSpPr txBox="1">
+            <a:spLocks noGrp="1"/>
+          </p:cNvSpPr>
           <p:nvPr>
-            <p:ph idx="1" type="body"/>
+            <p:ph type="body" idx="1"/>
           </p:nvPr>
         </p:nvSpPr>
         <p:spPr>
@@ -13603,11 +13270,11 @@
           </a:ln>
         </p:spPr>
         <p:txBody>
-          <a:bodyPr anchorCtr="0" anchor="t" bIns="91425" lIns="91425" spcFirstLastPara="1" rIns="91425" wrap="square" tIns="91425">
+          <a:bodyPr spcFirstLastPara="1" wrap="square" lIns="91425" tIns="91425" rIns="91425" bIns="91425" anchor="t" anchorCtr="0">
             <a:noAutofit/>
           </a:bodyPr>
           <a:lstStyle>
-            <a:lvl1pPr indent="-311150" lvl="0" marL="457200">
+            <a:lvl1pPr marL="457200" lvl="0" indent="-311150">
               <a:lnSpc>
                 <a:spcPct val="115000"/>
               </a:lnSpc>
@@ -13633,7 +13300,7 @@
                 <a:sym typeface="Nunito"/>
               </a:defRPr>
             </a:lvl1pPr>
-            <a:lvl2pPr indent="-298450" lvl="1" marL="914400">
+            <a:lvl2pPr marL="914400" lvl="1" indent="-298450">
               <a:lnSpc>
                 <a:spcPct val="115000"/>
               </a:lnSpc>
@@ -13659,7 +13326,7 @@
                 <a:sym typeface="Nunito"/>
               </a:defRPr>
             </a:lvl2pPr>
-            <a:lvl3pPr indent="-298450" lvl="2" marL="1371600">
+            <a:lvl3pPr marL="1371600" lvl="2" indent="-298450">
               <a:lnSpc>
                 <a:spcPct val="115000"/>
               </a:lnSpc>
@@ -13685,7 +13352,7 @@
                 <a:sym typeface="Nunito"/>
               </a:defRPr>
             </a:lvl3pPr>
-            <a:lvl4pPr indent="-298450" lvl="3" marL="1828800">
+            <a:lvl4pPr marL="1828800" lvl="3" indent="-298450">
               <a:lnSpc>
                 <a:spcPct val="115000"/>
               </a:lnSpc>
@@ -13711,7 +13378,7 @@
                 <a:sym typeface="Nunito"/>
               </a:defRPr>
             </a:lvl4pPr>
-            <a:lvl5pPr indent="-298450" lvl="4" marL="2286000">
+            <a:lvl5pPr marL="2286000" lvl="4" indent="-298450">
               <a:lnSpc>
                 <a:spcPct val="115000"/>
               </a:lnSpc>
@@ -13737,7 +13404,7 @@
                 <a:sym typeface="Nunito"/>
               </a:defRPr>
             </a:lvl5pPr>
-            <a:lvl6pPr indent="-298450" lvl="5" marL="2743200">
+            <a:lvl6pPr marL="2743200" lvl="5" indent="-298450">
               <a:lnSpc>
                 <a:spcPct val="115000"/>
               </a:lnSpc>
@@ -13763,7 +13430,7 @@
                 <a:sym typeface="Nunito"/>
               </a:defRPr>
             </a:lvl6pPr>
-            <a:lvl7pPr indent="-298450" lvl="6" marL="3200400">
+            <a:lvl7pPr marL="3200400" lvl="6" indent="-298450">
               <a:lnSpc>
                 <a:spcPct val="115000"/>
               </a:lnSpc>
@@ -13789,7 +13456,7 @@
                 <a:sym typeface="Nunito"/>
               </a:defRPr>
             </a:lvl7pPr>
-            <a:lvl8pPr indent="-298450" lvl="7" marL="3657600">
+            <a:lvl8pPr marL="3657600" lvl="7" indent="-298450">
               <a:lnSpc>
                 <a:spcPct val="115000"/>
               </a:lnSpc>
@@ -13815,7 +13482,7 @@
                 <a:sym typeface="Nunito"/>
               </a:defRPr>
             </a:lvl8pPr>
-            <a:lvl9pPr indent="-298450" lvl="8" marL="4114800">
+            <a:lvl9pPr marL="4114800" lvl="8" indent="-298450">
               <a:lnSpc>
                 <a:spcPct val="115000"/>
               </a:lnSpc>
@@ -13842,15 +13509,19 @@
               </a:defRPr>
             </a:lvl9pPr>
           </a:lstStyle>
-          <a:p/>
+          <a:p>
+            <a:endParaRPr/>
+          </a:p>
         </p:txBody>
       </p:sp>
       <p:sp>
         <p:nvSpPr>
           <p:cNvPr id="8" name="Google Shape;8;p1"/>
-          <p:cNvSpPr txBox="1"/>
+          <p:cNvSpPr txBox="1">
+            <a:spLocks noGrp="1"/>
+          </p:cNvSpPr>
           <p:nvPr>
-            <p:ph idx="12" type="sldNum"/>
+            <p:ph type="sldNum" idx="12"/>
           </p:nvPr>
         </p:nvSpPr>
         <p:spPr>
@@ -13867,7 +13538,7 @@
           </a:ln>
         </p:spPr>
         <p:txBody>
-          <a:bodyPr anchorCtr="0" anchor="ctr" bIns="91425" lIns="91425" spcFirstLastPara="1" rIns="91425" wrap="square" tIns="91425">
+          <a:bodyPr spcFirstLastPara="1" wrap="square" lIns="91425" tIns="91425" rIns="91425" bIns="91425" anchor="ctr" anchorCtr="0">
             <a:noAutofit/>
           </a:bodyPr>
           <a:lstStyle>
@@ -13981,7 +13652,7 @@
             </a:lvl9pPr>
           </a:lstStyle>
           <a:p>
-            <a:pPr indent="0" lvl="0" marL="0" rtl="0" algn="r">
+            <a:pPr marL="0" lvl="0" indent="0" algn="r" rtl="0">
               <a:spcBef>
                 <a:spcPts val="0"/>
               </a:spcBef>
@@ -13992,7 +13663,7 @@
             </a:pPr>
             <a:fld id="{00000000-1234-1234-1234-123412341234}" type="slidenum">
               <a:rPr lang="pt-BR"/>
-              <a:t>‹#›</a:t>
+              <a:t>‹nº›</a:t>
             </a:fld>
             <a:endParaRPr/>
           </a:p>
@@ -14000,7 +13671,7 @@
       </p:sp>
     </p:spTree>
   </p:cSld>
-  <p:clrMap accent1="accent1" accent2="accent2" accent3="accent3" accent4="accent4" accent5="accent5" accent6="accent6" bg1="lt1" bg2="dk2" tx1="dk1" tx2="lt2" folHlink="folHlink" hlink="hlink"/>
+  <p:clrMap bg1="lt1" tx1="dk1" bg2="dk2" tx2="lt2" accent1="accent1" accent2="accent2" accent3="accent3" accent4="accent4" accent5="accent5" accent6="accent6" hlink="hlink" folHlink="folHlink"/>
   <p:sldLayoutIdLst>
     <p:sldLayoutId id="2147483648" r:id="rId1"/>
     <p:sldLayoutId id="2147483649" r:id="rId2"/>
@@ -14014,10 +13685,10 @@
     <p:sldLayoutId id="2147483657" r:id="rId10"/>
     <p:sldLayoutId id="2147483658" r:id="rId11"/>
   </p:sldLayoutIdLst>
-  <p:hf dt="0" ftr="0" hdr="0" sldNum="0"/>
+  <p:hf sldNum="0" hdr="0" ftr="0" dt="0"/>
   <p:txStyles>
     <p:titleStyle>
-      <a:defPPr lvl="0" marR="0" rtl="0" algn="l">
+      <a:defPPr marR="0" lvl="0" algn="l" rtl="0">
         <a:lnSpc>
           <a:spcPct val="100000"/>
         </a:lnSpc>
@@ -14028,7 +13699,7 @@
           <a:spcPts val="0"/>
         </a:spcAft>
       </a:defPPr>
-      <a:lvl1pPr lvl="0" marR="0" rtl="0" algn="l">
+      <a:lvl1pPr marR="0" lvl="0" algn="l" rtl="0">
         <a:lnSpc>
           <a:spcPct val="100000"/>
         </a:lnSpc>
@@ -14042,7 +13713,7 @@
           <a:srgbClr val="000000"/>
         </a:buClr>
         <a:buFont typeface="Arial"/>
-        <a:defRPr b="0" i="0" sz="1400" u="none" cap="none" strike="noStrike">
+        <a:defRPr sz="1400" b="0" i="0" u="none" strike="noStrike" cap="none">
           <a:solidFill>
             <a:srgbClr val="000000"/>
           </a:solidFill>
@@ -14052,7 +13723,7 @@
           <a:sym typeface="Arial"/>
         </a:defRPr>
       </a:lvl1pPr>
-      <a:lvl2pPr lvl="1" marR="0" rtl="0" algn="l">
+      <a:lvl2pPr marR="0" lvl="1" algn="l" rtl="0">
         <a:lnSpc>
           <a:spcPct val="100000"/>
         </a:lnSpc>
@@ -14066,7 +13737,7 @@
           <a:srgbClr val="000000"/>
         </a:buClr>
         <a:buFont typeface="Arial"/>
-        <a:defRPr b="0" i="0" sz="1400" u="none" cap="none" strike="noStrike">
+        <a:defRPr sz="1400" b="0" i="0" u="none" strike="noStrike" cap="none">
           <a:solidFill>
             <a:srgbClr val="000000"/>
           </a:solidFill>
@@ -14076,7 +13747,7 @@
           <a:sym typeface="Arial"/>
         </a:defRPr>
       </a:lvl2pPr>
-      <a:lvl3pPr lvl="2" marR="0" rtl="0" algn="l">
+      <a:lvl3pPr marR="0" lvl="2" algn="l" rtl="0">
         <a:lnSpc>
           <a:spcPct val="100000"/>
         </a:lnSpc>
@@ -14090,7 +13761,7 @@
           <a:srgbClr val="000000"/>
         </a:buClr>
         <a:buFont typeface="Arial"/>
-        <a:defRPr b="0" i="0" sz="1400" u="none" cap="none" strike="noStrike">
+        <a:defRPr sz="1400" b="0" i="0" u="none" strike="noStrike" cap="none">
           <a:solidFill>
             <a:srgbClr val="000000"/>
           </a:solidFill>
@@ -14100,7 +13771,7 @@
           <a:sym typeface="Arial"/>
         </a:defRPr>
       </a:lvl3pPr>
-      <a:lvl4pPr lvl="3" marR="0" rtl="0" algn="l">
+      <a:lvl4pPr marR="0" lvl="3" algn="l" rtl="0">
         <a:lnSpc>
           <a:spcPct val="100000"/>
         </a:lnSpc>
@@ -14114,7 +13785,7 @@
           <a:srgbClr val="000000"/>
         </a:buClr>
         <a:buFont typeface="Arial"/>
-        <a:defRPr b="0" i="0" sz="1400" u="none" cap="none" strike="noStrike">
+        <a:defRPr sz="1400" b="0" i="0" u="none" strike="noStrike" cap="none">
           <a:solidFill>
             <a:srgbClr val="000000"/>
           </a:solidFill>
@@ -14124,7 +13795,7 @@
           <a:sym typeface="Arial"/>
         </a:defRPr>
       </a:lvl4pPr>
-      <a:lvl5pPr lvl="4" marR="0" rtl="0" algn="l">
+      <a:lvl5pPr marR="0" lvl="4" algn="l" rtl="0">
         <a:lnSpc>
           <a:spcPct val="100000"/>
         </a:lnSpc>
@@ -14138,7 +13809,7 @@
           <a:srgbClr val="000000"/>
         </a:buClr>
         <a:buFont typeface="Arial"/>
-        <a:defRPr b="0" i="0" sz="1400" u="none" cap="none" strike="noStrike">
+        <a:defRPr sz="1400" b="0" i="0" u="none" strike="noStrike" cap="none">
           <a:solidFill>
             <a:srgbClr val="000000"/>
           </a:solidFill>
@@ -14148,7 +13819,7 @@
           <a:sym typeface="Arial"/>
         </a:defRPr>
       </a:lvl5pPr>
-      <a:lvl6pPr lvl="5" marR="0" rtl="0" algn="l">
+      <a:lvl6pPr marR="0" lvl="5" algn="l" rtl="0">
         <a:lnSpc>
           <a:spcPct val="100000"/>
         </a:lnSpc>
@@ -14162,7 +13833,7 @@
           <a:srgbClr val="000000"/>
         </a:buClr>
         <a:buFont typeface="Arial"/>
-        <a:defRPr b="0" i="0" sz="1400" u="none" cap="none" strike="noStrike">
+        <a:defRPr sz="1400" b="0" i="0" u="none" strike="noStrike" cap="none">
           <a:solidFill>
             <a:srgbClr val="000000"/>
           </a:solidFill>
@@ -14172,7 +13843,7 @@
           <a:sym typeface="Arial"/>
         </a:defRPr>
       </a:lvl6pPr>
-      <a:lvl7pPr lvl="6" marR="0" rtl="0" algn="l">
+      <a:lvl7pPr marR="0" lvl="6" algn="l" rtl="0">
         <a:lnSpc>
           <a:spcPct val="100000"/>
         </a:lnSpc>
@@ -14186,7 +13857,7 @@
           <a:srgbClr val="000000"/>
         </a:buClr>
         <a:buFont typeface="Arial"/>
-        <a:defRPr b="0" i="0" sz="1400" u="none" cap="none" strike="noStrike">
+        <a:defRPr sz="1400" b="0" i="0" u="none" strike="noStrike" cap="none">
           <a:solidFill>
             <a:srgbClr val="000000"/>
           </a:solidFill>
@@ -14196,7 +13867,7 @@
           <a:sym typeface="Arial"/>
         </a:defRPr>
       </a:lvl7pPr>
-      <a:lvl8pPr lvl="7" marR="0" rtl="0" algn="l">
+      <a:lvl8pPr marR="0" lvl="7" algn="l" rtl="0">
         <a:lnSpc>
           <a:spcPct val="100000"/>
         </a:lnSpc>
@@ -14210,7 +13881,7 @@
           <a:srgbClr val="000000"/>
         </a:buClr>
         <a:buFont typeface="Arial"/>
-        <a:defRPr b="0" i="0" sz="1400" u="none" cap="none" strike="noStrike">
+        <a:defRPr sz="1400" b="0" i="0" u="none" strike="noStrike" cap="none">
           <a:solidFill>
             <a:srgbClr val="000000"/>
           </a:solidFill>
@@ -14220,7 +13891,7 @@
           <a:sym typeface="Arial"/>
         </a:defRPr>
       </a:lvl8pPr>
-      <a:lvl9pPr lvl="8" marR="0" rtl="0" algn="l">
+      <a:lvl9pPr marR="0" lvl="8" algn="l" rtl="0">
         <a:lnSpc>
           <a:spcPct val="100000"/>
         </a:lnSpc>
@@ -14234,7 +13905,7 @@
           <a:srgbClr val="000000"/>
         </a:buClr>
         <a:buFont typeface="Arial"/>
-        <a:defRPr b="0" i="0" sz="1400" u="none" cap="none" strike="noStrike">
+        <a:defRPr sz="1400" b="0" i="0" u="none" strike="noStrike" cap="none">
           <a:solidFill>
             <a:srgbClr val="000000"/>
           </a:solidFill>
@@ -14246,7 +13917,7 @@
       </a:lvl9pPr>
     </p:titleStyle>
     <p:bodyStyle>
-      <a:defPPr lvl="0" marR="0" rtl="0" algn="l">
+      <a:defPPr marR="0" lvl="0" algn="l" rtl="0">
         <a:lnSpc>
           <a:spcPct val="100000"/>
         </a:lnSpc>
@@ -14257,7 +13928,7 @@
           <a:spcPts val="0"/>
         </a:spcAft>
       </a:defPPr>
-      <a:lvl1pPr lvl="0" marR="0" rtl="0" algn="l">
+      <a:lvl1pPr marR="0" lvl="0" algn="l" rtl="0">
         <a:lnSpc>
           <a:spcPct val="100000"/>
         </a:lnSpc>
@@ -14271,7 +13942,7 @@
           <a:srgbClr val="000000"/>
         </a:buClr>
         <a:buFont typeface="Arial"/>
-        <a:defRPr b="0" i="0" sz="1400" u="none" cap="none" strike="noStrike">
+        <a:defRPr sz="1400" b="0" i="0" u="none" strike="noStrike" cap="none">
           <a:solidFill>
             <a:srgbClr val="000000"/>
           </a:solidFill>
@@ -14281,7 +13952,7 @@
           <a:sym typeface="Arial"/>
         </a:defRPr>
       </a:lvl1pPr>
-      <a:lvl2pPr lvl="1" marR="0" rtl="0" algn="l">
+      <a:lvl2pPr marR="0" lvl="1" algn="l" rtl="0">
         <a:lnSpc>
           <a:spcPct val="100000"/>
         </a:lnSpc>
@@ -14295,7 +13966,7 @@
           <a:srgbClr val="000000"/>
         </a:buClr>
         <a:buFont typeface="Arial"/>
-        <a:defRPr b="0" i="0" sz="1400" u="none" cap="none" strike="noStrike">
+        <a:defRPr sz="1400" b="0" i="0" u="none" strike="noStrike" cap="none">
           <a:solidFill>
             <a:srgbClr val="000000"/>
           </a:solidFill>
@@ -14305,7 +13976,7 @@
           <a:sym typeface="Arial"/>
         </a:defRPr>
       </a:lvl2pPr>
-      <a:lvl3pPr lvl="2" marR="0" rtl="0" algn="l">
+      <a:lvl3pPr marR="0" lvl="2" algn="l" rtl="0">
         <a:lnSpc>
           <a:spcPct val="100000"/>
         </a:lnSpc>
@@ -14319,7 +13990,7 @@
           <a:srgbClr val="000000"/>
         </a:buClr>
         <a:buFont typeface="Arial"/>
-        <a:defRPr b="0" i="0" sz="1400" u="none" cap="none" strike="noStrike">
+        <a:defRPr sz="1400" b="0" i="0" u="none" strike="noStrike" cap="none">
           <a:solidFill>
             <a:srgbClr val="000000"/>
           </a:solidFill>
@@ -14329,7 +14000,7 @@
           <a:sym typeface="Arial"/>
         </a:defRPr>
       </a:lvl3pPr>
-      <a:lvl4pPr lvl="3" marR="0" rtl="0" algn="l">
+      <a:lvl4pPr marR="0" lvl="3" algn="l" rtl="0">
         <a:lnSpc>
           <a:spcPct val="100000"/>
         </a:lnSpc>
@@ -14343,7 +14014,7 @@
           <a:srgbClr val="000000"/>
         </a:buClr>
         <a:buFont typeface="Arial"/>
-        <a:defRPr b="0" i="0" sz="1400" u="none" cap="none" strike="noStrike">
+        <a:defRPr sz="1400" b="0" i="0" u="none" strike="noStrike" cap="none">
           <a:solidFill>
             <a:srgbClr val="000000"/>
           </a:solidFill>
@@ -14353,7 +14024,7 @@
           <a:sym typeface="Arial"/>
         </a:defRPr>
       </a:lvl4pPr>
-      <a:lvl5pPr lvl="4" marR="0" rtl="0" algn="l">
+      <a:lvl5pPr marR="0" lvl="4" algn="l" rtl="0">
         <a:lnSpc>
           <a:spcPct val="100000"/>
         </a:lnSpc>
@@ -14367,7 +14038,7 @@
           <a:srgbClr val="000000"/>
         </a:buClr>
         <a:buFont typeface="Arial"/>
-        <a:defRPr b="0" i="0" sz="1400" u="none" cap="none" strike="noStrike">
+        <a:defRPr sz="1400" b="0" i="0" u="none" strike="noStrike" cap="none">
           <a:solidFill>
             <a:srgbClr val="000000"/>
           </a:solidFill>
@@ -14377,7 +14048,7 @@
           <a:sym typeface="Arial"/>
         </a:defRPr>
       </a:lvl5pPr>
-      <a:lvl6pPr lvl="5" marR="0" rtl="0" algn="l">
+      <a:lvl6pPr marR="0" lvl="5" algn="l" rtl="0">
         <a:lnSpc>
           <a:spcPct val="100000"/>
         </a:lnSpc>
@@ -14391,7 +14062,7 @@
           <a:srgbClr val="000000"/>
         </a:buClr>
         <a:buFont typeface="Arial"/>
-        <a:defRPr b="0" i="0" sz="1400" u="none" cap="none" strike="noStrike">
+        <a:defRPr sz="1400" b="0" i="0" u="none" strike="noStrike" cap="none">
           <a:solidFill>
             <a:srgbClr val="000000"/>
           </a:solidFill>
@@ -14401,7 +14072,7 @@
           <a:sym typeface="Arial"/>
         </a:defRPr>
       </a:lvl6pPr>
-      <a:lvl7pPr lvl="6" marR="0" rtl="0" algn="l">
+      <a:lvl7pPr marR="0" lvl="6" algn="l" rtl="0">
         <a:lnSpc>
           <a:spcPct val="100000"/>
         </a:lnSpc>
@@ -14415,7 +14086,7 @@
           <a:srgbClr val="000000"/>
         </a:buClr>
         <a:buFont typeface="Arial"/>
-        <a:defRPr b="0" i="0" sz="1400" u="none" cap="none" strike="noStrike">
+        <a:defRPr sz="1400" b="0" i="0" u="none" strike="noStrike" cap="none">
           <a:solidFill>
             <a:srgbClr val="000000"/>
           </a:solidFill>
@@ -14425,7 +14096,7 @@
           <a:sym typeface="Arial"/>
         </a:defRPr>
       </a:lvl7pPr>
-      <a:lvl8pPr lvl="7" marR="0" rtl="0" algn="l">
+      <a:lvl8pPr marR="0" lvl="7" algn="l" rtl="0">
         <a:lnSpc>
           <a:spcPct val="100000"/>
         </a:lnSpc>
@@ -14439,7 +14110,7 @@
           <a:srgbClr val="000000"/>
         </a:buClr>
         <a:buFont typeface="Arial"/>
-        <a:defRPr b="0" i="0" sz="1400" u="none" cap="none" strike="noStrike">
+        <a:defRPr sz="1400" b="0" i="0" u="none" strike="noStrike" cap="none">
           <a:solidFill>
             <a:srgbClr val="000000"/>
           </a:solidFill>
@@ -14449,7 +14120,7 @@
           <a:sym typeface="Arial"/>
         </a:defRPr>
       </a:lvl8pPr>
-      <a:lvl9pPr lvl="8" marR="0" rtl="0" algn="l">
+      <a:lvl9pPr marR="0" lvl="8" algn="l" rtl="0">
         <a:lnSpc>
           <a:spcPct val="100000"/>
         </a:lnSpc>
@@ -14463,7 +14134,7 @@
           <a:srgbClr val="000000"/>
         </a:buClr>
         <a:buFont typeface="Arial"/>
-        <a:defRPr b="0" i="0" sz="1400" u="none" cap="none" strike="noStrike">
+        <a:defRPr sz="1400" b="0" i="0" u="none" strike="noStrike" cap="none">
           <a:solidFill>
             <a:srgbClr val="000000"/>
           </a:solidFill>
@@ -14475,7 +14146,7 @@
       </a:lvl9pPr>
     </p:bodyStyle>
     <p:otherStyle>
-      <a:defPPr lvl="0" marR="0" rtl="0" algn="l">
+      <a:defPPr marR="0" lvl="0" algn="l" rtl="0">
         <a:lnSpc>
           <a:spcPct val="100000"/>
         </a:lnSpc>
@@ -14486,7 +14157,7 @@
           <a:spcPts val="0"/>
         </a:spcAft>
       </a:defPPr>
-      <a:lvl1pPr lvl="0" marR="0" rtl="0" algn="l">
+      <a:lvl1pPr marR="0" lvl="0" algn="l" rtl="0">
         <a:lnSpc>
           <a:spcPct val="100000"/>
         </a:lnSpc>
@@ -14500,7 +14171,7 @@
           <a:srgbClr val="000000"/>
         </a:buClr>
         <a:buFont typeface="Arial"/>
-        <a:defRPr b="0" i="0" sz="1400" u="none" cap="none" strike="noStrike">
+        <a:defRPr sz="1400" b="0" i="0" u="none" strike="noStrike" cap="none">
           <a:solidFill>
             <a:srgbClr val="000000"/>
           </a:solidFill>
@@ -14510,7 +14181,7 @@
           <a:sym typeface="Arial"/>
         </a:defRPr>
       </a:lvl1pPr>
-      <a:lvl2pPr lvl="1" marR="0" rtl="0" algn="l">
+      <a:lvl2pPr marR="0" lvl="1" algn="l" rtl="0">
         <a:lnSpc>
           <a:spcPct val="100000"/>
         </a:lnSpc>
@@ -14524,7 +14195,7 @@
           <a:srgbClr val="000000"/>
         </a:buClr>
         <a:buFont typeface="Arial"/>
-        <a:defRPr b="0" i="0" sz="1400" u="none" cap="none" strike="noStrike">
+        <a:defRPr sz="1400" b="0" i="0" u="none" strike="noStrike" cap="none">
           <a:solidFill>
             <a:srgbClr val="000000"/>
           </a:solidFill>
@@ -14534,7 +14205,7 @@
           <a:sym typeface="Arial"/>
         </a:defRPr>
       </a:lvl2pPr>
-      <a:lvl3pPr lvl="2" marR="0" rtl="0" algn="l">
+      <a:lvl3pPr marR="0" lvl="2" algn="l" rtl="0">
         <a:lnSpc>
           <a:spcPct val="100000"/>
         </a:lnSpc>
@@ -14548,7 +14219,7 @@
           <a:srgbClr val="000000"/>
         </a:buClr>
         <a:buFont typeface="Arial"/>
-        <a:defRPr b="0" i="0" sz="1400" u="none" cap="none" strike="noStrike">
+        <a:defRPr sz="1400" b="0" i="0" u="none" strike="noStrike" cap="none">
           <a:solidFill>
             <a:srgbClr val="000000"/>
           </a:solidFill>
@@ -14558,7 +14229,7 @@
           <a:sym typeface="Arial"/>
         </a:defRPr>
       </a:lvl3pPr>
-      <a:lvl4pPr lvl="3" marR="0" rtl="0" algn="l">
+      <a:lvl4pPr marR="0" lvl="3" algn="l" rtl="0">
         <a:lnSpc>
           <a:spcPct val="100000"/>
         </a:lnSpc>
@@ -14572,7 +14243,7 @@
           <a:srgbClr val="000000"/>
         </a:buClr>
         <a:buFont typeface="Arial"/>
-        <a:defRPr b="0" i="0" sz="1400" u="none" cap="none" strike="noStrike">
+        <a:defRPr sz="1400" b="0" i="0" u="none" strike="noStrike" cap="none">
           <a:solidFill>
             <a:srgbClr val="000000"/>
           </a:solidFill>
@@ -14582,7 +14253,7 @@
           <a:sym typeface="Arial"/>
         </a:defRPr>
       </a:lvl4pPr>
-      <a:lvl5pPr lvl="4" marR="0" rtl="0" algn="l">
+      <a:lvl5pPr marR="0" lvl="4" algn="l" rtl="0">
         <a:lnSpc>
           <a:spcPct val="100000"/>
         </a:lnSpc>
@@ -14596,7 +14267,7 @@
           <a:srgbClr val="000000"/>
         </a:buClr>
         <a:buFont typeface="Arial"/>
-        <a:defRPr b="0" i="0" sz="1400" u="none" cap="none" strike="noStrike">
+        <a:defRPr sz="1400" b="0" i="0" u="none" strike="noStrike" cap="none">
           <a:solidFill>
             <a:srgbClr val="000000"/>
           </a:solidFill>
@@ -14606,7 +14277,7 @@
           <a:sym typeface="Arial"/>
         </a:defRPr>
       </a:lvl5pPr>
-      <a:lvl6pPr lvl="5" marR="0" rtl="0" algn="l">
+      <a:lvl6pPr marR="0" lvl="5" algn="l" rtl="0">
         <a:lnSpc>
           <a:spcPct val="100000"/>
         </a:lnSpc>
@@ -14620,7 +14291,7 @@
           <a:srgbClr val="000000"/>
         </a:buClr>
         <a:buFont typeface="Arial"/>
-        <a:defRPr b="0" i="0" sz="1400" u="none" cap="none" strike="noStrike">
+        <a:defRPr sz="1400" b="0" i="0" u="none" strike="noStrike" cap="none">
           <a:solidFill>
             <a:srgbClr val="000000"/>
           </a:solidFill>
@@ -14630,7 +14301,7 @@
           <a:sym typeface="Arial"/>
         </a:defRPr>
       </a:lvl6pPr>
-      <a:lvl7pPr lvl="6" marR="0" rtl="0" algn="l">
+      <a:lvl7pPr marR="0" lvl="6" algn="l" rtl="0">
         <a:lnSpc>
           <a:spcPct val="100000"/>
         </a:lnSpc>
@@ -14644,7 +14315,7 @@
           <a:srgbClr val="000000"/>
         </a:buClr>
         <a:buFont typeface="Arial"/>
-        <a:defRPr b="0" i="0" sz="1400" u="none" cap="none" strike="noStrike">
+        <a:defRPr sz="1400" b="0" i="0" u="none" strike="noStrike" cap="none">
           <a:solidFill>
             <a:srgbClr val="000000"/>
           </a:solidFill>
@@ -14654,7 +14325,7 @@
           <a:sym typeface="Arial"/>
         </a:defRPr>
       </a:lvl7pPr>
-      <a:lvl8pPr lvl="7" marR="0" rtl="0" algn="l">
+      <a:lvl8pPr marR="0" lvl="7" algn="l" rtl="0">
         <a:lnSpc>
           <a:spcPct val="100000"/>
         </a:lnSpc>
@@ -14668,7 +14339,7 @@
           <a:srgbClr val="000000"/>
         </a:buClr>
         <a:buFont typeface="Arial"/>
-        <a:defRPr b="0" i="0" sz="1400" u="none" cap="none" strike="noStrike">
+        <a:defRPr sz="1400" b="0" i="0" u="none" strike="noStrike" cap="none">
           <a:solidFill>
             <a:srgbClr val="000000"/>
           </a:solidFill>
@@ -14678,7 +14349,7 @@
           <a:sym typeface="Arial"/>
         </a:defRPr>
       </a:lvl8pPr>
-      <a:lvl9pPr lvl="8" marR="0" rtl="0" algn="l">
+      <a:lvl9pPr marR="0" lvl="8" algn="l" rtl="0">
         <a:lnSpc>
           <a:spcPct val="100000"/>
         </a:lnSpc>
@@ -14692,7 +14363,7 @@
           <a:srgbClr val="000000"/>
         </a:buClr>
         <a:buFont typeface="Arial"/>
-        <a:defRPr b="0" i="0" sz="1400" u="none" cap="none" strike="noStrike">
+        <a:defRPr sz="1400" b="0" i="0" u="none" strike="noStrike" cap="none">
           <a:solidFill>
             <a:srgbClr val="000000"/>
           </a:solidFill>
@@ -14708,18 +14379,19 @@
 </file>
 
 <file path=ppt/slides/slide1.xml><?xml version="1.0" encoding="utf-8"?>
-<p:sld xmlns:a="http://schemas.openxmlformats.org/drawingml/2006/main" xmlns:r="http://schemas.openxmlformats.org/officeDocument/2006/relationships" xmlns:mc="http://schemas.openxmlformats.org/markup-compatibility/2006" xmlns:mv="urn:schemas-microsoft-com:mac:vml" xmlns:p="http://schemas.openxmlformats.org/presentationml/2006/main" xmlns:c="http://schemas.openxmlformats.org/drawingml/2006/chart" xmlns:dgm="http://schemas.openxmlformats.org/drawingml/2006/diagram" xmlns:o="urn:schemas-microsoft-com:office:office" xmlns:v="urn:schemas-microsoft-com:vml" xmlns:pvml="urn:schemas-microsoft-com:office:powerpoint" xmlns:com="http://schemas.openxmlformats.org/drawingml/2006/compatibility" xmlns:p14="http://schemas.microsoft.com/office/powerpoint/2010/main" xmlns:p15="http://schemas.microsoft.com/office/powerpoint/2012/main" xmlns:ahyp="http://schemas.microsoft.com/office/drawing/2018/hyperlinkcolor">
+<p:sld xmlns:a="http://schemas.openxmlformats.org/drawingml/2006/main" xmlns:r="http://schemas.openxmlformats.org/officeDocument/2006/relationships" xmlns:p="http://schemas.openxmlformats.org/presentationml/2006/main">
   <p:cSld>
     <p:bg>
       <p:bgPr>
         <a:solidFill>
           <a:srgbClr val="0B5394"/>
         </a:solidFill>
+        <a:effectLst/>
       </p:bgPr>
     </p:bg>
     <p:spTree>
       <p:nvGrpSpPr>
-        <p:cNvPr id="260" name="Shape 260"/>
+        <p:cNvPr id="1" name="Shape 260"/>
         <p:cNvGrpSpPr/>
         <p:nvPr/>
       </p:nvGrpSpPr>
@@ -14734,7 +14406,9 @@
       <p:sp>
         <p:nvSpPr>
           <p:cNvPr id="261" name="Google Shape;261;p13"/>
-          <p:cNvSpPr txBox="1"/>
+          <p:cNvSpPr txBox="1">
+            <a:spLocks noGrp="1"/>
+          </p:cNvSpPr>
           <p:nvPr>
             <p:ph type="ctrTitle"/>
           </p:nvPr>
@@ -14749,12 +14423,12 @@
           </a:prstGeom>
         </p:spPr>
         <p:txBody>
-          <a:bodyPr anchorCtr="0" anchor="ctr" bIns="91425" lIns="91425" spcFirstLastPara="1" rIns="91425" wrap="square" tIns="91425">
+          <a:bodyPr spcFirstLastPara="1" wrap="square" lIns="91425" tIns="91425" rIns="91425" bIns="91425" anchor="ctr" anchorCtr="0">
             <a:noAutofit/>
           </a:bodyPr>
           <a:lstStyle/>
           <a:p>
-            <a:pPr indent="0" lvl="0" marL="0" rtl="0" algn="l">
+            <a:pPr marL="0" lvl="0" indent="0" algn="l" rtl="0">
               <a:spcBef>
                 <a:spcPts val="0"/>
               </a:spcBef>
@@ -14770,7 +14444,7 @@
             <a:endParaRPr/>
           </a:p>
           <a:p>
-            <a:pPr indent="0" lvl="0" marL="0" rtl="0" algn="l">
+            <a:pPr marL="0" lvl="0" indent="0" algn="l" rtl="0">
               <a:spcBef>
                 <a:spcPts val="0"/>
               </a:spcBef>
@@ -14790,9 +14464,11 @@
       <p:sp>
         <p:nvSpPr>
           <p:cNvPr id="262" name="Google Shape;262;p13"/>
-          <p:cNvSpPr txBox="1"/>
+          <p:cNvSpPr txBox="1">
+            <a:spLocks noGrp="1"/>
+          </p:cNvSpPr>
           <p:nvPr>
-            <p:ph idx="1" type="subTitle"/>
+            <p:ph type="subTitle" idx="1"/>
           </p:nvPr>
         </p:nvSpPr>
         <p:spPr>
@@ -14805,12 +14481,12 @@
           </a:prstGeom>
         </p:spPr>
         <p:txBody>
-          <a:bodyPr anchorCtr="0" anchor="t" bIns="91425" lIns="91425" spcFirstLastPara="1" rIns="91425" wrap="square" tIns="91425">
+          <a:bodyPr spcFirstLastPara="1" wrap="square" lIns="91425" tIns="91425" rIns="91425" bIns="91425" anchor="t" anchorCtr="0">
             <a:noAutofit/>
           </a:bodyPr>
           <a:lstStyle/>
           <a:p>
-            <a:pPr indent="0" lvl="0" marL="0" rtl="0" algn="r">
+            <a:pPr marL="0" lvl="0" indent="0" algn="r" rtl="0">
               <a:spcBef>
                 <a:spcPts val="0"/>
               </a:spcBef>
@@ -14826,7 +14502,7 @@
             <a:endParaRPr/>
           </a:p>
           <a:p>
-            <a:pPr indent="0" lvl="0" marL="0" rtl="0" algn="r">
+            <a:pPr marL="0" lvl="0" indent="0" algn="r" rtl="0">
               <a:spcBef>
                 <a:spcPts val="0"/>
               </a:spcBef>
@@ -14836,10 +14512,10 @@
               <a:buNone/>
             </a:pPr>
             <a:r>
-              <a:rPr i="1" lang="pt-BR" sz="1100"/>
+              <a:rPr lang="pt-BR" sz="1100" i="1"/>
               <a:t>doutoranda em geografia</a:t>
             </a:r>
-            <a:endParaRPr i="1" sz="1100"/>
+            <a:endParaRPr sz="1100" i="1"/>
           </a:p>
         </p:txBody>
       </p:sp>
@@ -14852,11 +14528,11 @@
 </file>
 
 <file path=ppt/slides/slide2.xml><?xml version="1.0" encoding="utf-8"?>
-<p:sld xmlns:a="http://schemas.openxmlformats.org/drawingml/2006/main" xmlns:r="http://schemas.openxmlformats.org/officeDocument/2006/relationships" xmlns:mc="http://schemas.openxmlformats.org/markup-compatibility/2006" xmlns:mv="urn:schemas-microsoft-com:mac:vml" xmlns:p="http://schemas.openxmlformats.org/presentationml/2006/main" xmlns:c="http://schemas.openxmlformats.org/drawingml/2006/chart" xmlns:dgm="http://schemas.openxmlformats.org/drawingml/2006/diagram" xmlns:o="urn:schemas-microsoft-com:office:office" xmlns:v="urn:schemas-microsoft-com:vml" xmlns:pvml="urn:schemas-microsoft-com:office:powerpoint" xmlns:com="http://schemas.openxmlformats.org/drawingml/2006/compatibility" xmlns:p14="http://schemas.microsoft.com/office/powerpoint/2010/main" xmlns:p15="http://schemas.microsoft.com/office/powerpoint/2012/main" xmlns:ahyp="http://schemas.microsoft.com/office/drawing/2018/hyperlinkcolor">
+<p:sld xmlns:a="http://schemas.openxmlformats.org/drawingml/2006/main" xmlns:r="http://schemas.openxmlformats.org/officeDocument/2006/relationships" xmlns:p="http://schemas.openxmlformats.org/presentationml/2006/main">
   <p:cSld>
     <p:spTree>
       <p:nvGrpSpPr>
-        <p:cNvPr id="266" name="Shape 266"/>
+        <p:cNvPr id="1" name="Shape 266"/>
         <p:cNvGrpSpPr/>
         <p:nvPr/>
       </p:nvGrpSpPr>
@@ -14871,7 +14547,9 @@
       <p:sp>
         <p:nvSpPr>
           <p:cNvPr id="267" name="Google Shape;267;p14"/>
-          <p:cNvSpPr txBox="1"/>
+          <p:cNvSpPr txBox="1">
+            <a:spLocks noGrp="1"/>
+          </p:cNvSpPr>
           <p:nvPr>
             <p:ph type="title"/>
           </p:nvPr>
@@ -14886,12 +14564,12 @@
           </a:prstGeom>
         </p:spPr>
         <p:txBody>
-          <a:bodyPr anchorCtr="0" anchor="t" bIns="91425" lIns="91425" spcFirstLastPara="1" rIns="91425" wrap="square" tIns="91425">
+          <a:bodyPr spcFirstLastPara="1" wrap="square" lIns="91425" tIns="91425" rIns="91425" bIns="91425" anchor="t" anchorCtr="0">
             <a:noAutofit/>
           </a:bodyPr>
           <a:lstStyle/>
           <a:p>
-            <a:pPr indent="0" lvl="0" marL="0" rtl="0" algn="l">
+            <a:pPr marL="0" lvl="0" indent="0" algn="l" rtl="0">
               <a:spcBef>
                 <a:spcPts val="0"/>
               </a:spcBef>
@@ -14911,9 +14589,11 @@
       <p:sp>
         <p:nvSpPr>
           <p:cNvPr id="268" name="Google Shape;268;p14"/>
-          <p:cNvSpPr txBox="1"/>
+          <p:cNvSpPr txBox="1">
+            <a:spLocks noGrp="1"/>
+          </p:cNvSpPr>
           <p:nvPr>
-            <p:ph idx="1" type="body"/>
+            <p:ph type="body" idx="1"/>
           </p:nvPr>
         </p:nvSpPr>
         <p:spPr>
@@ -14926,12 +14606,12 @@
           </a:prstGeom>
         </p:spPr>
         <p:txBody>
-          <a:bodyPr anchorCtr="0" anchor="t" bIns="91425" lIns="91425" spcFirstLastPara="1" rIns="91425" wrap="square" tIns="91425">
+          <a:bodyPr spcFirstLastPara="1" wrap="square" lIns="91425" tIns="91425" rIns="91425" bIns="91425" anchor="t" anchorCtr="0">
             <a:noAutofit/>
           </a:bodyPr>
           <a:lstStyle/>
           <a:p>
-            <a:pPr indent="0" lvl="0" marL="0" rtl="0" algn="l">
+            <a:pPr marL="0" lvl="0" indent="0" algn="l" rtl="0">
               <a:spcBef>
                 <a:spcPts val="0"/>
               </a:spcBef>
@@ -14941,10 +14621,28 @@
               <a:buNone/>
             </a:pPr>
             <a:r>
-              <a:rPr lang="pt-BR"/>
-              <a:t>Adicionar o link para as apresentações e materiais suplementares</a:t>
+              <a:rPr lang="pt-BR" dirty="0"/>
+              <a:t>Essa apresentações e os materiais suplementares: </a:t>
             </a:r>
-            <a:endParaRPr/>
+            <a:r>
+              <a:rPr lang="pt-BR" dirty="0">
+                <a:hlinkClick r:id="rId3"/>
+              </a:rPr>
+              <a:t>https://thsdornelas.github.io/</a:t>
+            </a:r>
+            <a:endParaRPr lang="pt-BR" dirty="0"/>
+          </a:p>
+          <a:p>
+            <a:pPr marL="0" lvl="0" indent="0" algn="l" rtl="0">
+              <a:spcBef>
+                <a:spcPts val="0"/>
+              </a:spcBef>
+              <a:spcAft>
+                <a:spcPts val="1600"/>
+              </a:spcAft>
+              <a:buNone/>
+            </a:pPr>
+            <a:endParaRPr dirty="0"/>
           </a:p>
         </p:txBody>
       </p:sp>
@@ -14969,7 +14667,7 @@
             <p:nvPr/>
           </p:nvPicPr>
           <p:blipFill>
-            <a:blip r:embed="rId3">
+            <a:blip r:embed="rId4">
               <a:alphaModFix/>
             </a:blip>
             <a:stretch>
@@ -14997,7 +14695,7 @@
             <p:nvPr/>
           </p:nvPicPr>
           <p:blipFill>
-            <a:blip r:embed="rId4">
+            <a:blip r:embed="rId5">
               <a:alphaModFix/>
             </a:blip>
             <a:stretch>
@@ -15025,7 +14723,7 @@
             <p:nvPr/>
           </p:nvPicPr>
           <p:blipFill>
-            <a:blip r:embed="rId5">
+            <a:blip r:embed="rId6">
               <a:alphaModFix/>
             </a:blip>
             <a:stretch>
@@ -15056,11 +14754,11 @@
 </file>
 
 <file path=ppt/slides/slide3.xml><?xml version="1.0" encoding="utf-8"?>
-<p:sld xmlns:a="http://schemas.openxmlformats.org/drawingml/2006/main" xmlns:r="http://schemas.openxmlformats.org/officeDocument/2006/relationships" xmlns:mc="http://schemas.openxmlformats.org/markup-compatibility/2006" xmlns:mv="urn:schemas-microsoft-com:mac:vml" xmlns:p="http://schemas.openxmlformats.org/presentationml/2006/main" xmlns:c="http://schemas.openxmlformats.org/drawingml/2006/chart" xmlns:dgm="http://schemas.openxmlformats.org/drawingml/2006/diagram" xmlns:o="urn:schemas-microsoft-com:office:office" xmlns:v="urn:schemas-microsoft-com:vml" xmlns:pvml="urn:schemas-microsoft-com:office:powerpoint" xmlns:com="http://schemas.openxmlformats.org/drawingml/2006/compatibility" xmlns:p14="http://schemas.microsoft.com/office/powerpoint/2010/main" xmlns:p15="http://schemas.microsoft.com/office/powerpoint/2012/main" xmlns:ahyp="http://schemas.microsoft.com/office/drawing/2018/hyperlinkcolor">
+<p:sld xmlns:a="http://schemas.openxmlformats.org/drawingml/2006/main" xmlns:r="http://schemas.openxmlformats.org/officeDocument/2006/relationships" xmlns:p="http://schemas.openxmlformats.org/presentationml/2006/main">
   <p:cSld>
     <p:spTree>
       <p:nvGrpSpPr>
-        <p:cNvPr id="276" name="Shape 276"/>
+        <p:cNvPr id="1" name="Shape 276"/>
         <p:cNvGrpSpPr/>
         <p:nvPr/>
       </p:nvGrpSpPr>
@@ -15075,7 +14773,9 @@
       <p:sp>
         <p:nvSpPr>
           <p:cNvPr id="277" name="Google Shape;277;p15"/>
-          <p:cNvSpPr txBox="1"/>
+          <p:cNvSpPr txBox="1">
+            <a:spLocks noGrp="1"/>
+          </p:cNvSpPr>
           <p:nvPr>
             <p:ph type="title"/>
           </p:nvPr>
@@ -15090,12 +14790,12 @@
           </a:prstGeom>
         </p:spPr>
         <p:txBody>
-          <a:bodyPr anchorCtr="0" anchor="t" bIns="91425" lIns="91425" spcFirstLastPara="1" rIns="91425" wrap="square" tIns="91425">
+          <a:bodyPr spcFirstLastPara="1" wrap="square" lIns="91425" tIns="91425" rIns="91425" bIns="91425" anchor="t" anchorCtr="0">
             <a:noAutofit/>
           </a:bodyPr>
           <a:lstStyle/>
           <a:p>
-            <a:pPr indent="0" lvl="0" marL="0" rtl="0" algn="l">
+            <a:pPr marL="0" lvl="0" indent="0" algn="l" rtl="0">
               <a:spcBef>
                 <a:spcPts val="0"/>
               </a:spcBef>
@@ -15115,9 +14815,11 @@
       <p:sp>
         <p:nvSpPr>
           <p:cNvPr id="278" name="Google Shape;278;p15"/>
-          <p:cNvSpPr txBox="1"/>
+          <p:cNvSpPr txBox="1">
+            <a:spLocks noGrp="1"/>
+          </p:cNvSpPr>
           <p:nvPr>
-            <p:ph idx="1" type="body"/>
+            <p:ph type="body" idx="1"/>
           </p:nvPr>
         </p:nvSpPr>
         <p:spPr>
@@ -15130,12 +14832,12 @@
           </a:prstGeom>
         </p:spPr>
         <p:txBody>
-          <a:bodyPr anchorCtr="0" anchor="t" bIns="91425" lIns="91425" spcFirstLastPara="1" rIns="91425" wrap="square" tIns="91425">
+          <a:bodyPr spcFirstLastPara="1" wrap="square" lIns="91425" tIns="91425" rIns="91425" bIns="91425" anchor="t" anchorCtr="0">
             <a:noAutofit/>
           </a:bodyPr>
           <a:lstStyle/>
           <a:p>
-            <a:pPr indent="-311150" lvl="0" marL="457200" rtl="0" algn="l">
+            <a:pPr marL="457200" lvl="0" indent="-311150" algn="l" rtl="0">
               <a:lnSpc>
                 <a:spcPct val="150000"/>
               </a:lnSpc>
@@ -15155,7 +14857,7 @@
             <a:endParaRPr/>
           </a:p>
           <a:p>
-            <a:pPr indent="-311150" lvl="0" marL="457200" rtl="0" algn="l">
+            <a:pPr marL="457200" lvl="0" indent="-311150" algn="l" rtl="0">
               <a:lnSpc>
                 <a:spcPct val="150000"/>
               </a:lnSpc>
@@ -15175,7 +14877,7 @@
             <a:endParaRPr/>
           </a:p>
           <a:p>
-            <a:pPr indent="-311150" lvl="0" marL="457200" rtl="0" algn="l">
+            <a:pPr marL="457200" lvl="0" indent="-311150" algn="l" rtl="0">
               <a:lnSpc>
                 <a:spcPct val="150000"/>
               </a:lnSpc>
@@ -15195,7 +14897,7 @@
             <a:endParaRPr/>
           </a:p>
           <a:p>
-            <a:pPr indent="-311150" lvl="0" marL="457200" rtl="0" algn="l">
+            <a:pPr marL="457200" lvl="0" indent="-311150" algn="l" rtl="0">
               <a:lnSpc>
                 <a:spcPct val="150000"/>
               </a:lnSpc>
@@ -15215,7 +14917,7 @@
             <a:endParaRPr/>
           </a:p>
           <a:p>
-            <a:pPr indent="-311150" lvl="0" marL="457200" rtl="0" algn="l">
+            <a:pPr marL="457200" lvl="0" indent="-311150" algn="l" rtl="0">
               <a:lnSpc>
                 <a:spcPct val="150000"/>
               </a:lnSpc>
@@ -15235,7 +14937,7 @@
             <a:endParaRPr/>
           </a:p>
           <a:p>
-            <a:pPr indent="-311150" lvl="0" marL="457200" rtl="0" algn="l">
+            <a:pPr marL="457200" lvl="0" indent="-311150" algn="l" rtl="0">
               <a:lnSpc>
                 <a:spcPct val="150000"/>
               </a:lnSpc>
@@ -15255,7 +14957,7 @@
             <a:endParaRPr/>
           </a:p>
           <a:p>
-            <a:pPr indent="-311150" lvl="0" marL="457200" rtl="0" algn="l">
+            <a:pPr marL="457200" lvl="0" indent="-311150" algn="l" rtl="0">
               <a:lnSpc>
                 <a:spcPct val="150000"/>
               </a:lnSpc>
@@ -15384,11 +15086,11 @@
 </file>
 
 <file path=ppt/slides/slide4.xml><?xml version="1.0" encoding="utf-8"?>
-<p:sld xmlns:a="http://schemas.openxmlformats.org/drawingml/2006/main" xmlns:r="http://schemas.openxmlformats.org/officeDocument/2006/relationships" xmlns:mc="http://schemas.openxmlformats.org/markup-compatibility/2006" xmlns:mv="urn:schemas-microsoft-com:mac:vml" xmlns:p="http://schemas.openxmlformats.org/presentationml/2006/main" xmlns:c="http://schemas.openxmlformats.org/drawingml/2006/chart" xmlns:dgm="http://schemas.openxmlformats.org/drawingml/2006/diagram" xmlns:o="urn:schemas-microsoft-com:office:office" xmlns:v="urn:schemas-microsoft-com:vml" xmlns:pvml="urn:schemas-microsoft-com:office:powerpoint" xmlns:com="http://schemas.openxmlformats.org/drawingml/2006/compatibility" xmlns:p14="http://schemas.microsoft.com/office/powerpoint/2010/main" xmlns:p15="http://schemas.microsoft.com/office/powerpoint/2012/main" xmlns:ahyp="http://schemas.microsoft.com/office/drawing/2018/hyperlinkcolor">
+<p:sld xmlns:a="http://schemas.openxmlformats.org/drawingml/2006/main" xmlns:r="http://schemas.openxmlformats.org/officeDocument/2006/relationships" xmlns:p="http://schemas.openxmlformats.org/presentationml/2006/main">
   <p:cSld>
     <p:spTree>
       <p:nvGrpSpPr>
-        <p:cNvPr id="286" name="Shape 286"/>
+        <p:cNvPr id="1" name="Shape 286"/>
         <p:cNvGrpSpPr/>
         <p:nvPr/>
       </p:nvGrpSpPr>
@@ -15403,7 +15105,9 @@
       <p:sp>
         <p:nvSpPr>
           <p:cNvPr id="287" name="Google Shape;287;p16"/>
-          <p:cNvSpPr txBox="1"/>
+          <p:cNvSpPr txBox="1">
+            <a:spLocks noGrp="1"/>
+          </p:cNvSpPr>
           <p:nvPr>
             <p:ph type="title"/>
           </p:nvPr>
@@ -15418,12 +15122,12 @@
           </a:prstGeom>
         </p:spPr>
         <p:txBody>
-          <a:bodyPr anchorCtr="0" anchor="t" bIns="91425" lIns="91425" spcFirstLastPara="1" rIns="91425" wrap="square" tIns="91425">
+          <a:bodyPr spcFirstLastPara="1" wrap="square" lIns="91425" tIns="91425" rIns="91425" bIns="91425" anchor="t" anchorCtr="0">
             <a:noAutofit/>
           </a:bodyPr>
           <a:lstStyle/>
           <a:p>
-            <a:pPr indent="0" lvl="0" marL="0" rtl="0" algn="l">
+            <a:pPr marL="0" lvl="0" indent="0" algn="l" rtl="0">
               <a:spcBef>
                 <a:spcPts val="0"/>
               </a:spcBef>
@@ -15432,9 +15136,6 @@
               </a:spcAft>
               <a:buNone/>
             </a:pPr>
-            <a:r>
-              <a:t/>
-            </a:r>
             <a:endParaRPr/>
           </a:p>
         </p:txBody>
@@ -15442,9 +15143,11 @@
       <p:sp>
         <p:nvSpPr>
           <p:cNvPr id="288" name="Google Shape;288;p16"/>
-          <p:cNvSpPr txBox="1"/>
+          <p:cNvSpPr txBox="1">
+            <a:spLocks noGrp="1"/>
+          </p:cNvSpPr>
           <p:nvPr>
-            <p:ph idx="1" type="body"/>
+            <p:ph type="body" idx="1"/>
           </p:nvPr>
         </p:nvSpPr>
         <p:spPr>
@@ -15457,12 +15160,12 @@
           </a:prstGeom>
         </p:spPr>
         <p:txBody>
-          <a:bodyPr anchorCtr="0" anchor="t" bIns="91425" lIns="91425" spcFirstLastPara="1" rIns="91425" wrap="square" tIns="91425">
+          <a:bodyPr spcFirstLastPara="1" wrap="square" lIns="91425" tIns="91425" rIns="91425" bIns="91425" anchor="t" anchorCtr="0">
             <a:noAutofit/>
           </a:bodyPr>
           <a:lstStyle/>
           <a:p>
-            <a:pPr indent="0" lvl="0" marL="0" rtl="0" algn="l">
+            <a:pPr marL="0" lvl="0" indent="0" algn="l" rtl="0">
               <a:spcBef>
                 <a:spcPts val="0"/>
               </a:spcBef>
@@ -15471,9 +15174,6 @@
               </a:spcAft>
               <a:buNone/>
             </a:pPr>
-            <a:r>
-              <a:t/>
-            </a:r>
             <a:endParaRPr/>
           </a:p>
         </p:txBody>
@@ -15586,7 +15286,7 @@
 </file>
 
 <file path=ppt/theme/theme1.xml><?xml version="1.0" encoding="utf-8"?>
-<a:theme xmlns:a="http://schemas.openxmlformats.org/drawingml/2006/main" xmlns:r="http://schemas.openxmlformats.org/officeDocument/2006/relationships" name="Momentum">
+<a:theme xmlns:a="http://schemas.openxmlformats.org/drawingml/2006/main" name="Momentum">
   <a:themeElements>
     <a:clrScheme name="Momentum">
       <a:dk1>
@@ -15861,11 +15561,13 @@
       </a:bgFillStyleLst>
     </a:fmtScheme>
   </a:themeElements>
+  <a:objectDefaults/>
+  <a:extraClrSchemeLst/>
 </a:theme>
 </file>
 
 <file path=ppt/theme/theme2.xml><?xml version="1.0" encoding="utf-8"?>
-<a:theme xmlns:a="http://schemas.openxmlformats.org/drawingml/2006/main" xmlns:r="http://schemas.openxmlformats.org/officeDocument/2006/relationships">
+<a:theme xmlns:a="http://schemas.openxmlformats.org/drawingml/2006/main">
   <a:themeElements>
     <a:clrScheme name="Default">
       <a:dk1>
@@ -16140,5 +15842,7 @@
       </a:bgFillStyleLst>
     </a:fmtScheme>
   </a:themeElements>
+  <a:objectDefaults/>
+  <a:extraClrSchemeLst/>
 </a:theme>
 </file>
--- a/slides/Curso_QGIS.pptx
+++ b/slides/Curso_QGIS.pptx
@@ -5,28 +5,37 @@
     <p:sldMasterId id="2147483659" r:id="rId1"/>
   </p:sldMasterIdLst>
   <p:notesMasterIdLst>
-    <p:notesMasterId r:id="rId6"/>
+    <p:notesMasterId r:id="rId15"/>
   </p:notesMasterIdLst>
   <p:sldIdLst>
     <p:sldId id="256" r:id="rId2"/>
     <p:sldId id="257" r:id="rId3"/>
     <p:sldId id="258" r:id="rId4"/>
-    <p:sldId id="259" r:id="rId5"/>
+    <p:sldId id="263" r:id="rId5"/>
+    <p:sldId id="259" r:id="rId6"/>
+    <p:sldId id="261" r:id="rId7"/>
+    <p:sldId id="260" r:id="rId8"/>
+    <p:sldId id="262" r:id="rId9"/>
+    <p:sldId id="268" r:id="rId10"/>
+    <p:sldId id="264" r:id="rId11"/>
+    <p:sldId id="265" r:id="rId12"/>
+    <p:sldId id="266" r:id="rId13"/>
+    <p:sldId id="267" r:id="rId14"/>
   </p:sldIdLst>
   <p:sldSz cx="9144000" cy="5143500" type="screen16x9"/>
   <p:notesSz cx="6858000" cy="9144000"/>
   <p:embeddedFontLst>
     <p:embeddedFont>
       <p:font typeface="Maven Pro" panose="020B0604020202020204" charset="0"/>
-      <p:regular r:id="rId7"/>
-      <p:bold r:id="rId8"/>
+      <p:regular r:id="rId16"/>
+      <p:bold r:id="rId17"/>
     </p:embeddedFont>
     <p:embeddedFont>
       <p:font typeface="Nunito" panose="020B0604020202020204" charset="0"/>
-      <p:regular r:id="rId9"/>
-      <p:bold r:id="rId10"/>
-      <p:italic r:id="rId11"/>
-      <p:boldItalic r:id="rId12"/>
+      <p:regular r:id="rId18"/>
+      <p:bold r:id="rId19"/>
+      <p:italic r:id="rId20"/>
+      <p:boldItalic r:id="rId21"/>
     </p:embeddedFont>
   </p:embeddedFontLst>
   <p:defaultTextStyle>
@@ -747,8 +756,8 @@
         </p:nvSpPr>
         <p:spPr>
           <a:xfrm>
-            <a:off x="381300" y="685800"/>
-            <a:ext cx="6096075" cy="3429000"/>
+            <a:off x="381000" y="685800"/>
+            <a:ext cx="6096000" cy="3429000"/>
           </a:xfrm>
           <a:custGeom>
             <a:avLst/>
@@ -815,6 +824,442 @@
         </p:txBody>
       </p:sp>
     </p:spTree>
+  </p:cSld>
+  <p:clrMapOvr>
+    <a:masterClrMapping/>
+  </p:clrMapOvr>
+</p:notes>
+</file>
+
+<file path=ppt/notesSlides/notesSlide10.xml><?xml version="1.0" encoding="utf-8"?>
+<p:notes xmlns:a="http://schemas.openxmlformats.org/drawingml/2006/main" xmlns:r="http://schemas.openxmlformats.org/officeDocument/2006/relationships" xmlns:p="http://schemas.openxmlformats.org/presentationml/2006/main" showMasterSp="0" showMasterPhAnim="0">
+  <p:cSld>
+    <p:spTree>
+      <p:nvGrpSpPr>
+        <p:cNvPr id="1" name="Shape 283"/>
+        <p:cNvGrpSpPr/>
+        <p:nvPr/>
+      </p:nvGrpSpPr>
+      <p:grpSpPr>
+        <a:xfrm>
+          <a:off x="0" y="0"/>
+          <a:ext cx="0" cy="0"/>
+          <a:chOff x="0" y="0"/>
+          <a:chExt cx="0" cy="0"/>
+        </a:xfrm>
+      </p:grpSpPr>
+      <p:sp>
+        <p:nvSpPr>
+          <p:cNvPr id="284" name="Google Shape;284;g9b0372e4da_0_288:notes"/>
+          <p:cNvSpPr>
+            <a:spLocks noGrp="1" noRot="1" noChangeAspect="1"/>
+          </p:cNvSpPr>
+          <p:nvPr>
+            <p:ph type="sldImg" idx="2"/>
+          </p:nvPr>
+        </p:nvSpPr>
+        <p:spPr>
+          <a:xfrm>
+            <a:off x="381000" y="685800"/>
+            <a:ext cx="6096000" cy="3429000"/>
+          </a:xfrm>
+          <a:custGeom>
+            <a:avLst/>
+            <a:gdLst/>
+            <a:ahLst/>
+            <a:cxnLst/>
+            <a:rect l="l" t="t" r="r" b="b"/>
+            <a:pathLst>
+              <a:path w="120000" h="120000" extrusionOk="0">
+                <a:moveTo>
+                  <a:pt x="0" y="0"/>
+                </a:moveTo>
+                <a:lnTo>
+                  <a:pt x="120000" y="0"/>
+                </a:lnTo>
+                <a:lnTo>
+                  <a:pt x="120000" y="120000"/>
+                </a:lnTo>
+                <a:lnTo>
+                  <a:pt x="0" y="120000"/>
+                </a:lnTo>
+                <a:close/>
+              </a:path>
+            </a:pathLst>
+          </a:custGeom>
+        </p:spPr>
+      </p:sp>
+      <p:sp>
+        <p:nvSpPr>
+          <p:cNvPr id="285" name="Google Shape;285;g9b0372e4da_0_288:notes"/>
+          <p:cNvSpPr txBox="1">
+            <a:spLocks noGrp="1"/>
+          </p:cNvSpPr>
+          <p:nvPr>
+            <p:ph type="body" idx="1"/>
+          </p:nvPr>
+        </p:nvSpPr>
+        <p:spPr>
+          <a:xfrm>
+            <a:off x="685800" y="4343400"/>
+            <a:ext cx="5486400" cy="4114800"/>
+          </a:xfrm>
+          <a:prstGeom prst="rect">
+            <a:avLst/>
+          </a:prstGeom>
+        </p:spPr>
+        <p:txBody>
+          <a:bodyPr spcFirstLastPara="1" wrap="square" lIns="91425" tIns="91425" rIns="91425" bIns="91425" anchor="t" anchorCtr="0">
+            <a:noAutofit/>
+          </a:bodyPr>
+          <a:lstStyle/>
+          <a:p>
+            <a:pPr marL="0" lvl="0" indent="0" algn="l" rtl="0">
+              <a:spcBef>
+                <a:spcPts val="0"/>
+              </a:spcBef>
+              <a:spcAft>
+                <a:spcPts val="0"/>
+              </a:spcAft>
+              <a:buNone/>
+            </a:pPr>
+            <a:endParaRPr/>
+          </a:p>
+        </p:txBody>
+      </p:sp>
+    </p:spTree>
+    <p:extLst>
+      <p:ext uri="{BB962C8B-B14F-4D97-AF65-F5344CB8AC3E}">
+        <p14:creationId xmlns:p14="http://schemas.microsoft.com/office/powerpoint/2010/main" val="1556992980"/>
+      </p:ext>
+    </p:extLst>
+  </p:cSld>
+  <p:clrMapOvr>
+    <a:masterClrMapping/>
+  </p:clrMapOvr>
+</p:notes>
+</file>
+
+<file path=ppt/notesSlides/notesSlide11.xml><?xml version="1.0" encoding="utf-8"?>
+<p:notes xmlns:a="http://schemas.openxmlformats.org/drawingml/2006/main" xmlns:r="http://schemas.openxmlformats.org/officeDocument/2006/relationships" xmlns:p="http://schemas.openxmlformats.org/presentationml/2006/main" showMasterSp="0" showMasterPhAnim="0">
+  <p:cSld>
+    <p:spTree>
+      <p:nvGrpSpPr>
+        <p:cNvPr id="1" name="Shape 283"/>
+        <p:cNvGrpSpPr/>
+        <p:nvPr/>
+      </p:nvGrpSpPr>
+      <p:grpSpPr>
+        <a:xfrm>
+          <a:off x="0" y="0"/>
+          <a:ext cx="0" cy="0"/>
+          <a:chOff x="0" y="0"/>
+          <a:chExt cx="0" cy="0"/>
+        </a:xfrm>
+      </p:grpSpPr>
+      <p:sp>
+        <p:nvSpPr>
+          <p:cNvPr id="284" name="Google Shape;284;g9b0372e4da_0_288:notes"/>
+          <p:cNvSpPr>
+            <a:spLocks noGrp="1" noRot="1" noChangeAspect="1"/>
+          </p:cNvSpPr>
+          <p:nvPr>
+            <p:ph type="sldImg" idx="2"/>
+          </p:nvPr>
+        </p:nvSpPr>
+        <p:spPr>
+          <a:xfrm>
+            <a:off x="381000" y="685800"/>
+            <a:ext cx="6096000" cy="3429000"/>
+          </a:xfrm>
+          <a:custGeom>
+            <a:avLst/>
+            <a:gdLst/>
+            <a:ahLst/>
+            <a:cxnLst/>
+            <a:rect l="l" t="t" r="r" b="b"/>
+            <a:pathLst>
+              <a:path w="120000" h="120000" extrusionOk="0">
+                <a:moveTo>
+                  <a:pt x="0" y="0"/>
+                </a:moveTo>
+                <a:lnTo>
+                  <a:pt x="120000" y="0"/>
+                </a:lnTo>
+                <a:lnTo>
+                  <a:pt x="120000" y="120000"/>
+                </a:lnTo>
+                <a:lnTo>
+                  <a:pt x="0" y="120000"/>
+                </a:lnTo>
+                <a:close/>
+              </a:path>
+            </a:pathLst>
+          </a:custGeom>
+        </p:spPr>
+      </p:sp>
+      <p:sp>
+        <p:nvSpPr>
+          <p:cNvPr id="285" name="Google Shape;285;g9b0372e4da_0_288:notes"/>
+          <p:cNvSpPr txBox="1">
+            <a:spLocks noGrp="1"/>
+          </p:cNvSpPr>
+          <p:nvPr>
+            <p:ph type="body" idx="1"/>
+          </p:nvPr>
+        </p:nvSpPr>
+        <p:spPr>
+          <a:xfrm>
+            <a:off x="685800" y="4343400"/>
+            <a:ext cx="5486400" cy="4114800"/>
+          </a:xfrm>
+          <a:prstGeom prst="rect">
+            <a:avLst/>
+          </a:prstGeom>
+        </p:spPr>
+        <p:txBody>
+          <a:bodyPr spcFirstLastPara="1" wrap="square" lIns="91425" tIns="91425" rIns="91425" bIns="91425" anchor="t" anchorCtr="0">
+            <a:noAutofit/>
+          </a:bodyPr>
+          <a:lstStyle/>
+          <a:p>
+            <a:pPr marL="0" lvl="0" indent="0" algn="l" rtl="0">
+              <a:spcBef>
+                <a:spcPts val="0"/>
+              </a:spcBef>
+              <a:spcAft>
+                <a:spcPts val="0"/>
+              </a:spcAft>
+              <a:buNone/>
+            </a:pPr>
+            <a:endParaRPr/>
+          </a:p>
+        </p:txBody>
+      </p:sp>
+    </p:spTree>
+    <p:extLst>
+      <p:ext uri="{BB962C8B-B14F-4D97-AF65-F5344CB8AC3E}">
+        <p14:creationId xmlns:p14="http://schemas.microsoft.com/office/powerpoint/2010/main" val="3717491342"/>
+      </p:ext>
+    </p:extLst>
+  </p:cSld>
+  <p:clrMapOvr>
+    <a:masterClrMapping/>
+  </p:clrMapOvr>
+</p:notes>
+</file>
+
+<file path=ppt/notesSlides/notesSlide12.xml><?xml version="1.0" encoding="utf-8"?>
+<p:notes xmlns:a="http://schemas.openxmlformats.org/drawingml/2006/main" xmlns:r="http://schemas.openxmlformats.org/officeDocument/2006/relationships" xmlns:p="http://schemas.openxmlformats.org/presentationml/2006/main" showMasterSp="0" showMasterPhAnim="0">
+  <p:cSld>
+    <p:spTree>
+      <p:nvGrpSpPr>
+        <p:cNvPr id="1" name="Shape 283"/>
+        <p:cNvGrpSpPr/>
+        <p:nvPr/>
+      </p:nvGrpSpPr>
+      <p:grpSpPr>
+        <a:xfrm>
+          <a:off x="0" y="0"/>
+          <a:ext cx="0" cy="0"/>
+          <a:chOff x="0" y="0"/>
+          <a:chExt cx="0" cy="0"/>
+        </a:xfrm>
+      </p:grpSpPr>
+      <p:sp>
+        <p:nvSpPr>
+          <p:cNvPr id="284" name="Google Shape;284;g9b0372e4da_0_288:notes"/>
+          <p:cNvSpPr>
+            <a:spLocks noGrp="1" noRot="1" noChangeAspect="1"/>
+          </p:cNvSpPr>
+          <p:nvPr>
+            <p:ph type="sldImg" idx="2"/>
+          </p:nvPr>
+        </p:nvSpPr>
+        <p:spPr>
+          <a:xfrm>
+            <a:off x="381000" y="685800"/>
+            <a:ext cx="6096000" cy="3429000"/>
+          </a:xfrm>
+          <a:custGeom>
+            <a:avLst/>
+            <a:gdLst/>
+            <a:ahLst/>
+            <a:cxnLst/>
+            <a:rect l="l" t="t" r="r" b="b"/>
+            <a:pathLst>
+              <a:path w="120000" h="120000" extrusionOk="0">
+                <a:moveTo>
+                  <a:pt x="0" y="0"/>
+                </a:moveTo>
+                <a:lnTo>
+                  <a:pt x="120000" y="0"/>
+                </a:lnTo>
+                <a:lnTo>
+                  <a:pt x="120000" y="120000"/>
+                </a:lnTo>
+                <a:lnTo>
+                  <a:pt x="0" y="120000"/>
+                </a:lnTo>
+                <a:close/>
+              </a:path>
+            </a:pathLst>
+          </a:custGeom>
+        </p:spPr>
+      </p:sp>
+      <p:sp>
+        <p:nvSpPr>
+          <p:cNvPr id="285" name="Google Shape;285;g9b0372e4da_0_288:notes"/>
+          <p:cNvSpPr txBox="1">
+            <a:spLocks noGrp="1"/>
+          </p:cNvSpPr>
+          <p:nvPr>
+            <p:ph type="body" idx="1"/>
+          </p:nvPr>
+        </p:nvSpPr>
+        <p:spPr>
+          <a:xfrm>
+            <a:off x="685800" y="4343400"/>
+            <a:ext cx="5486400" cy="4114800"/>
+          </a:xfrm>
+          <a:prstGeom prst="rect">
+            <a:avLst/>
+          </a:prstGeom>
+        </p:spPr>
+        <p:txBody>
+          <a:bodyPr spcFirstLastPara="1" wrap="square" lIns="91425" tIns="91425" rIns="91425" bIns="91425" anchor="t" anchorCtr="0">
+            <a:noAutofit/>
+          </a:bodyPr>
+          <a:lstStyle/>
+          <a:p>
+            <a:pPr marL="0" lvl="0" indent="0" algn="l" rtl="0">
+              <a:spcBef>
+                <a:spcPts val="0"/>
+              </a:spcBef>
+              <a:spcAft>
+                <a:spcPts val="0"/>
+              </a:spcAft>
+              <a:buNone/>
+            </a:pPr>
+            <a:endParaRPr/>
+          </a:p>
+        </p:txBody>
+      </p:sp>
+    </p:spTree>
+    <p:extLst>
+      <p:ext uri="{BB962C8B-B14F-4D97-AF65-F5344CB8AC3E}">
+        <p14:creationId xmlns:p14="http://schemas.microsoft.com/office/powerpoint/2010/main" val="1948440579"/>
+      </p:ext>
+    </p:extLst>
+  </p:cSld>
+  <p:clrMapOvr>
+    <a:masterClrMapping/>
+  </p:clrMapOvr>
+</p:notes>
+</file>
+
+<file path=ppt/notesSlides/notesSlide13.xml><?xml version="1.0" encoding="utf-8"?>
+<p:notes xmlns:a="http://schemas.openxmlformats.org/drawingml/2006/main" xmlns:r="http://schemas.openxmlformats.org/officeDocument/2006/relationships" xmlns:p="http://schemas.openxmlformats.org/presentationml/2006/main" showMasterSp="0" showMasterPhAnim="0">
+  <p:cSld>
+    <p:spTree>
+      <p:nvGrpSpPr>
+        <p:cNvPr id="1" name="Shape 283"/>
+        <p:cNvGrpSpPr/>
+        <p:nvPr/>
+      </p:nvGrpSpPr>
+      <p:grpSpPr>
+        <a:xfrm>
+          <a:off x="0" y="0"/>
+          <a:ext cx="0" cy="0"/>
+          <a:chOff x="0" y="0"/>
+          <a:chExt cx="0" cy="0"/>
+        </a:xfrm>
+      </p:grpSpPr>
+      <p:sp>
+        <p:nvSpPr>
+          <p:cNvPr id="284" name="Google Shape;284;g9b0372e4da_0_288:notes"/>
+          <p:cNvSpPr>
+            <a:spLocks noGrp="1" noRot="1" noChangeAspect="1"/>
+          </p:cNvSpPr>
+          <p:nvPr>
+            <p:ph type="sldImg" idx="2"/>
+          </p:nvPr>
+        </p:nvSpPr>
+        <p:spPr>
+          <a:xfrm>
+            <a:off x="381000" y="685800"/>
+            <a:ext cx="6096000" cy="3429000"/>
+          </a:xfrm>
+          <a:custGeom>
+            <a:avLst/>
+            <a:gdLst/>
+            <a:ahLst/>
+            <a:cxnLst/>
+            <a:rect l="l" t="t" r="r" b="b"/>
+            <a:pathLst>
+              <a:path w="120000" h="120000" extrusionOk="0">
+                <a:moveTo>
+                  <a:pt x="0" y="0"/>
+                </a:moveTo>
+                <a:lnTo>
+                  <a:pt x="120000" y="0"/>
+                </a:lnTo>
+                <a:lnTo>
+                  <a:pt x="120000" y="120000"/>
+                </a:lnTo>
+                <a:lnTo>
+                  <a:pt x="0" y="120000"/>
+                </a:lnTo>
+                <a:close/>
+              </a:path>
+            </a:pathLst>
+          </a:custGeom>
+        </p:spPr>
+      </p:sp>
+      <p:sp>
+        <p:nvSpPr>
+          <p:cNvPr id="285" name="Google Shape;285;g9b0372e4da_0_288:notes"/>
+          <p:cNvSpPr txBox="1">
+            <a:spLocks noGrp="1"/>
+          </p:cNvSpPr>
+          <p:nvPr>
+            <p:ph type="body" idx="1"/>
+          </p:nvPr>
+        </p:nvSpPr>
+        <p:spPr>
+          <a:xfrm>
+            <a:off x="685800" y="4343400"/>
+            <a:ext cx="5486400" cy="4114800"/>
+          </a:xfrm>
+          <a:prstGeom prst="rect">
+            <a:avLst/>
+          </a:prstGeom>
+        </p:spPr>
+        <p:txBody>
+          <a:bodyPr spcFirstLastPara="1" wrap="square" lIns="91425" tIns="91425" rIns="91425" bIns="91425" anchor="t" anchorCtr="0">
+            <a:noAutofit/>
+          </a:bodyPr>
+          <a:lstStyle/>
+          <a:p>
+            <a:pPr marL="0" lvl="0" indent="0" algn="l" rtl="0">
+              <a:spcBef>
+                <a:spcPts val="0"/>
+              </a:spcBef>
+              <a:spcAft>
+                <a:spcPts val="0"/>
+              </a:spcAft>
+              <a:buNone/>
+            </a:pPr>
+            <a:endParaRPr/>
+          </a:p>
+        </p:txBody>
+      </p:sp>
+    </p:spTree>
+    <p:extLst>
+      <p:ext uri="{BB962C8B-B14F-4D97-AF65-F5344CB8AC3E}">
+        <p14:creationId xmlns:p14="http://schemas.microsoft.com/office/powerpoint/2010/main" val="4291190593"/>
+      </p:ext>
+    </p:extLst>
   </p:cSld>
   <p:clrMapOvr>
     <a:masterClrMapping/>
@@ -955,7 +1400,7 @@
         </p:nvSpPr>
         <p:spPr>
           <a:xfrm>
-            <a:off x="381300" y="685800"/>
+            <a:off x="381000" y="685800"/>
             <a:ext cx="6096000" cy="3429000"/>
           </a:xfrm>
           <a:custGeom>
@@ -1059,7 +1504,7 @@
         </p:nvSpPr>
         <p:spPr>
           <a:xfrm>
-            <a:off x="381300" y="685800"/>
+            <a:off x="381000" y="685800"/>
             <a:ext cx="6096000" cy="3429000"/>
           </a:xfrm>
           <a:custGeom>
@@ -1127,6 +1572,551 @@
         </p:txBody>
       </p:sp>
     </p:spTree>
+    <p:extLst>
+      <p:ext uri="{BB962C8B-B14F-4D97-AF65-F5344CB8AC3E}">
+        <p14:creationId xmlns:p14="http://schemas.microsoft.com/office/powerpoint/2010/main" val="1357744458"/>
+      </p:ext>
+    </p:extLst>
+  </p:cSld>
+  <p:clrMapOvr>
+    <a:masterClrMapping/>
+  </p:clrMapOvr>
+</p:notes>
+</file>
+
+<file path=ppt/notesSlides/notesSlide5.xml><?xml version="1.0" encoding="utf-8"?>
+<p:notes xmlns:a="http://schemas.openxmlformats.org/drawingml/2006/main" xmlns:r="http://schemas.openxmlformats.org/officeDocument/2006/relationships" xmlns:p="http://schemas.openxmlformats.org/presentationml/2006/main" showMasterSp="0" showMasterPhAnim="0">
+  <p:cSld>
+    <p:spTree>
+      <p:nvGrpSpPr>
+        <p:cNvPr id="1" name="Shape 283"/>
+        <p:cNvGrpSpPr/>
+        <p:nvPr/>
+      </p:nvGrpSpPr>
+      <p:grpSpPr>
+        <a:xfrm>
+          <a:off x="0" y="0"/>
+          <a:ext cx="0" cy="0"/>
+          <a:chOff x="0" y="0"/>
+          <a:chExt cx="0" cy="0"/>
+        </a:xfrm>
+      </p:grpSpPr>
+      <p:sp>
+        <p:nvSpPr>
+          <p:cNvPr id="284" name="Google Shape;284;g9b0372e4da_0_288:notes"/>
+          <p:cNvSpPr>
+            <a:spLocks noGrp="1" noRot="1" noChangeAspect="1"/>
+          </p:cNvSpPr>
+          <p:nvPr>
+            <p:ph type="sldImg" idx="2"/>
+          </p:nvPr>
+        </p:nvSpPr>
+        <p:spPr>
+          <a:xfrm>
+            <a:off x="381000" y="685800"/>
+            <a:ext cx="6096000" cy="3429000"/>
+          </a:xfrm>
+          <a:custGeom>
+            <a:avLst/>
+            <a:gdLst/>
+            <a:ahLst/>
+            <a:cxnLst/>
+            <a:rect l="l" t="t" r="r" b="b"/>
+            <a:pathLst>
+              <a:path w="120000" h="120000" extrusionOk="0">
+                <a:moveTo>
+                  <a:pt x="0" y="0"/>
+                </a:moveTo>
+                <a:lnTo>
+                  <a:pt x="120000" y="0"/>
+                </a:lnTo>
+                <a:lnTo>
+                  <a:pt x="120000" y="120000"/>
+                </a:lnTo>
+                <a:lnTo>
+                  <a:pt x="0" y="120000"/>
+                </a:lnTo>
+                <a:close/>
+              </a:path>
+            </a:pathLst>
+          </a:custGeom>
+        </p:spPr>
+      </p:sp>
+      <p:sp>
+        <p:nvSpPr>
+          <p:cNvPr id="285" name="Google Shape;285;g9b0372e4da_0_288:notes"/>
+          <p:cNvSpPr txBox="1">
+            <a:spLocks noGrp="1"/>
+          </p:cNvSpPr>
+          <p:nvPr>
+            <p:ph type="body" idx="1"/>
+          </p:nvPr>
+        </p:nvSpPr>
+        <p:spPr>
+          <a:xfrm>
+            <a:off x="685800" y="4343400"/>
+            <a:ext cx="5486400" cy="4114800"/>
+          </a:xfrm>
+          <a:prstGeom prst="rect">
+            <a:avLst/>
+          </a:prstGeom>
+        </p:spPr>
+        <p:txBody>
+          <a:bodyPr spcFirstLastPara="1" wrap="square" lIns="91425" tIns="91425" rIns="91425" bIns="91425" anchor="t" anchorCtr="0">
+            <a:noAutofit/>
+          </a:bodyPr>
+          <a:lstStyle/>
+          <a:p>
+            <a:pPr marL="0" lvl="0" indent="0" algn="l" rtl="0">
+              <a:spcBef>
+                <a:spcPts val="0"/>
+              </a:spcBef>
+              <a:spcAft>
+                <a:spcPts val="0"/>
+              </a:spcAft>
+              <a:buNone/>
+            </a:pPr>
+            <a:endParaRPr/>
+          </a:p>
+        </p:txBody>
+      </p:sp>
+    </p:spTree>
+  </p:cSld>
+  <p:clrMapOvr>
+    <a:masterClrMapping/>
+  </p:clrMapOvr>
+</p:notes>
+</file>
+
+<file path=ppt/notesSlides/notesSlide6.xml><?xml version="1.0" encoding="utf-8"?>
+<p:notes xmlns:a="http://schemas.openxmlformats.org/drawingml/2006/main" xmlns:r="http://schemas.openxmlformats.org/officeDocument/2006/relationships" xmlns:p="http://schemas.openxmlformats.org/presentationml/2006/main" showMasterSp="0" showMasterPhAnim="0">
+  <p:cSld>
+    <p:spTree>
+      <p:nvGrpSpPr>
+        <p:cNvPr id="1" name="Shape 283"/>
+        <p:cNvGrpSpPr/>
+        <p:nvPr/>
+      </p:nvGrpSpPr>
+      <p:grpSpPr>
+        <a:xfrm>
+          <a:off x="0" y="0"/>
+          <a:ext cx="0" cy="0"/>
+          <a:chOff x="0" y="0"/>
+          <a:chExt cx="0" cy="0"/>
+        </a:xfrm>
+      </p:grpSpPr>
+      <p:sp>
+        <p:nvSpPr>
+          <p:cNvPr id="284" name="Google Shape;284;g9b0372e4da_0_288:notes"/>
+          <p:cNvSpPr>
+            <a:spLocks noGrp="1" noRot="1" noChangeAspect="1"/>
+          </p:cNvSpPr>
+          <p:nvPr>
+            <p:ph type="sldImg" idx="2"/>
+          </p:nvPr>
+        </p:nvSpPr>
+        <p:spPr>
+          <a:xfrm>
+            <a:off x="381000" y="685800"/>
+            <a:ext cx="6096000" cy="3429000"/>
+          </a:xfrm>
+          <a:custGeom>
+            <a:avLst/>
+            <a:gdLst/>
+            <a:ahLst/>
+            <a:cxnLst/>
+            <a:rect l="l" t="t" r="r" b="b"/>
+            <a:pathLst>
+              <a:path w="120000" h="120000" extrusionOk="0">
+                <a:moveTo>
+                  <a:pt x="0" y="0"/>
+                </a:moveTo>
+                <a:lnTo>
+                  <a:pt x="120000" y="0"/>
+                </a:lnTo>
+                <a:lnTo>
+                  <a:pt x="120000" y="120000"/>
+                </a:lnTo>
+                <a:lnTo>
+                  <a:pt x="0" y="120000"/>
+                </a:lnTo>
+                <a:close/>
+              </a:path>
+            </a:pathLst>
+          </a:custGeom>
+        </p:spPr>
+      </p:sp>
+      <p:sp>
+        <p:nvSpPr>
+          <p:cNvPr id="285" name="Google Shape;285;g9b0372e4da_0_288:notes"/>
+          <p:cNvSpPr txBox="1">
+            <a:spLocks noGrp="1"/>
+          </p:cNvSpPr>
+          <p:nvPr>
+            <p:ph type="body" idx="1"/>
+          </p:nvPr>
+        </p:nvSpPr>
+        <p:spPr>
+          <a:xfrm>
+            <a:off x="685800" y="4343400"/>
+            <a:ext cx="5486400" cy="4114800"/>
+          </a:xfrm>
+          <a:prstGeom prst="rect">
+            <a:avLst/>
+          </a:prstGeom>
+        </p:spPr>
+        <p:txBody>
+          <a:bodyPr spcFirstLastPara="1" wrap="square" lIns="91425" tIns="91425" rIns="91425" bIns="91425" anchor="t" anchorCtr="0">
+            <a:noAutofit/>
+          </a:bodyPr>
+          <a:lstStyle/>
+          <a:p>
+            <a:pPr marL="0" lvl="0" indent="0" algn="l" rtl="0">
+              <a:spcBef>
+                <a:spcPts val="0"/>
+              </a:spcBef>
+              <a:spcAft>
+                <a:spcPts val="0"/>
+              </a:spcAft>
+              <a:buNone/>
+            </a:pPr>
+            <a:endParaRPr/>
+          </a:p>
+        </p:txBody>
+      </p:sp>
+    </p:spTree>
+    <p:extLst>
+      <p:ext uri="{BB962C8B-B14F-4D97-AF65-F5344CB8AC3E}">
+        <p14:creationId xmlns:p14="http://schemas.microsoft.com/office/powerpoint/2010/main" val="3309713088"/>
+      </p:ext>
+    </p:extLst>
+  </p:cSld>
+  <p:clrMapOvr>
+    <a:masterClrMapping/>
+  </p:clrMapOvr>
+</p:notes>
+</file>
+
+<file path=ppt/notesSlides/notesSlide7.xml><?xml version="1.0" encoding="utf-8"?>
+<p:notes xmlns:a="http://schemas.openxmlformats.org/drawingml/2006/main" xmlns:r="http://schemas.openxmlformats.org/officeDocument/2006/relationships" xmlns:p="http://schemas.openxmlformats.org/presentationml/2006/main" showMasterSp="0" showMasterPhAnim="0">
+  <p:cSld>
+    <p:spTree>
+      <p:nvGrpSpPr>
+        <p:cNvPr id="1" name="Shape 283"/>
+        <p:cNvGrpSpPr/>
+        <p:nvPr/>
+      </p:nvGrpSpPr>
+      <p:grpSpPr>
+        <a:xfrm>
+          <a:off x="0" y="0"/>
+          <a:ext cx="0" cy="0"/>
+          <a:chOff x="0" y="0"/>
+          <a:chExt cx="0" cy="0"/>
+        </a:xfrm>
+      </p:grpSpPr>
+      <p:sp>
+        <p:nvSpPr>
+          <p:cNvPr id="284" name="Google Shape;284;g9b0372e4da_0_288:notes"/>
+          <p:cNvSpPr>
+            <a:spLocks noGrp="1" noRot="1" noChangeAspect="1"/>
+          </p:cNvSpPr>
+          <p:nvPr>
+            <p:ph type="sldImg" idx="2"/>
+          </p:nvPr>
+        </p:nvSpPr>
+        <p:spPr>
+          <a:xfrm>
+            <a:off x="381000" y="685800"/>
+            <a:ext cx="6096000" cy="3429000"/>
+          </a:xfrm>
+          <a:custGeom>
+            <a:avLst/>
+            <a:gdLst/>
+            <a:ahLst/>
+            <a:cxnLst/>
+            <a:rect l="l" t="t" r="r" b="b"/>
+            <a:pathLst>
+              <a:path w="120000" h="120000" extrusionOk="0">
+                <a:moveTo>
+                  <a:pt x="0" y="0"/>
+                </a:moveTo>
+                <a:lnTo>
+                  <a:pt x="120000" y="0"/>
+                </a:lnTo>
+                <a:lnTo>
+                  <a:pt x="120000" y="120000"/>
+                </a:lnTo>
+                <a:lnTo>
+                  <a:pt x="0" y="120000"/>
+                </a:lnTo>
+                <a:close/>
+              </a:path>
+            </a:pathLst>
+          </a:custGeom>
+        </p:spPr>
+      </p:sp>
+      <p:sp>
+        <p:nvSpPr>
+          <p:cNvPr id="285" name="Google Shape;285;g9b0372e4da_0_288:notes"/>
+          <p:cNvSpPr txBox="1">
+            <a:spLocks noGrp="1"/>
+          </p:cNvSpPr>
+          <p:nvPr>
+            <p:ph type="body" idx="1"/>
+          </p:nvPr>
+        </p:nvSpPr>
+        <p:spPr>
+          <a:xfrm>
+            <a:off x="685800" y="4343400"/>
+            <a:ext cx="5486400" cy="4114800"/>
+          </a:xfrm>
+          <a:prstGeom prst="rect">
+            <a:avLst/>
+          </a:prstGeom>
+        </p:spPr>
+        <p:txBody>
+          <a:bodyPr spcFirstLastPara="1" wrap="square" lIns="91425" tIns="91425" rIns="91425" bIns="91425" anchor="t" anchorCtr="0">
+            <a:noAutofit/>
+          </a:bodyPr>
+          <a:lstStyle/>
+          <a:p>
+            <a:pPr marL="0" lvl="0" indent="0" algn="l" rtl="0">
+              <a:spcBef>
+                <a:spcPts val="0"/>
+              </a:spcBef>
+              <a:spcAft>
+                <a:spcPts val="0"/>
+              </a:spcAft>
+              <a:buNone/>
+            </a:pPr>
+            <a:endParaRPr/>
+          </a:p>
+        </p:txBody>
+      </p:sp>
+    </p:spTree>
+    <p:extLst>
+      <p:ext uri="{BB962C8B-B14F-4D97-AF65-F5344CB8AC3E}">
+        <p14:creationId xmlns:p14="http://schemas.microsoft.com/office/powerpoint/2010/main" val="1030063844"/>
+      </p:ext>
+    </p:extLst>
+  </p:cSld>
+  <p:clrMapOvr>
+    <a:masterClrMapping/>
+  </p:clrMapOvr>
+</p:notes>
+</file>
+
+<file path=ppt/notesSlides/notesSlide8.xml><?xml version="1.0" encoding="utf-8"?>
+<p:notes xmlns:a="http://schemas.openxmlformats.org/drawingml/2006/main" xmlns:r="http://schemas.openxmlformats.org/officeDocument/2006/relationships" xmlns:p="http://schemas.openxmlformats.org/presentationml/2006/main" showMasterSp="0" showMasterPhAnim="0">
+  <p:cSld>
+    <p:spTree>
+      <p:nvGrpSpPr>
+        <p:cNvPr id="1" name="Shape 283"/>
+        <p:cNvGrpSpPr/>
+        <p:nvPr/>
+      </p:nvGrpSpPr>
+      <p:grpSpPr>
+        <a:xfrm>
+          <a:off x="0" y="0"/>
+          <a:ext cx="0" cy="0"/>
+          <a:chOff x="0" y="0"/>
+          <a:chExt cx="0" cy="0"/>
+        </a:xfrm>
+      </p:grpSpPr>
+      <p:sp>
+        <p:nvSpPr>
+          <p:cNvPr id="284" name="Google Shape;284;g9b0372e4da_0_288:notes"/>
+          <p:cNvSpPr>
+            <a:spLocks noGrp="1" noRot="1" noChangeAspect="1"/>
+          </p:cNvSpPr>
+          <p:nvPr>
+            <p:ph type="sldImg" idx="2"/>
+          </p:nvPr>
+        </p:nvSpPr>
+        <p:spPr>
+          <a:xfrm>
+            <a:off x="381000" y="685800"/>
+            <a:ext cx="6096000" cy="3429000"/>
+          </a:xfrm>
+          <a:custGeom>
+            <a:avLst/>
+            <a:gdLst/>
+            <a:ahLst/>
+            <a:cxnLst/>
+            <a:rect l="l" t="t" r="r" b="b"/>
+            <a:pathLst>
+              <a:path w="120000" h="120000" extrusionOk="0">
+                <a:moveTo>
+                  <a:pt x="0" y="0"/>
+                </a:moveTo>
+                <a:lnTo>
+                  <a:pt x="120000" y="0"/>
+                </a:lnTo>
+                <a:lnTo>
+                  <a:pt x="120000" y="120000"/>
+                </a:lnTo>
+                <a:lnTo>
+                  <a:pt x="0" y="120000"/>
+                </a:lnTo>
+                <a:close/>
+              </a:path>
+            </a:pathLst>
+          </a:custGeom>
+        </p:spPr>
+      </p:sp>
+      <p:sp>
+        <p:nvSpPr>
+          <p:cNvPr id="285" name="Google Shape;285;g9b0372e4da_0_288:notes"/>
+          <p:cNvSpPr txBox="1">
+            <a:spLocks noGrp="1"/>
+          </p:cNvSpPr>
+          <p:nvPr>
+            <p:ph type="body" idx="1"/>
+          </p:nvPr>
+        </p:nvSpPr>
+        <p:spPr>
+          <a:xfrm>
+            <a:off x="685800" y="4343400"/>
+            <a:ext cx="5486400" cy="4114800"/>
+          </a:xfrm>
+          <a:prstGeom prst="rect">
+            <a:avLst/>
+          </a:prstGeom>
+        </p:spPr>
+        <p:txBody>
+          <a:bodyPr spcFirstLastPara="1" wrap="square" lIns="91425" tIns="91425" rIns="91425" bIns="91425" anchor="t" anchorCtr="0">
+            <a:noAutofit/>
+          </a:bodyPr>
+          <a:lstStyle/>
+          <a:p>
+            <a:pPr marL="0" lvl="0" indent="0" algn="l" rtl="0">
+              <a:spcBef>
+                <a:spcPts val="0"/>
+              </a:spcBef>
+              <a:spcAft>
+                <a:spcPts val="0"/>
+              </a:spcAft>
+              <a:buNone/>
+            </a:pPr>
+            <a:endParaRPr/>
+          </a:p>
+        </p:txBody>
+      </p:sp>
+    </p:spTree>
+    <p:extLst>
+      <p:ext uri="{BB962C8B-B14F-4D97-AF65-F5344CB8AC3E}">
+        <p14:creationId xmlns:p14="http://schemas.microsoft.com/office/powerpoint/2010/main" val="3187663636"/>
+      </p:ext>
+    </p:extLst>
+  </p:cSld>
+  <p:clrMapOvr>
+    <a:masterClrMapping/>
+  </p:clrMapOvr>
+</p:notes>
+</file>
+
+<file path=ppt/notesSlides/notesSlide9.xml><?xml version="1.0" encoding="utf-8"?>
+<p:notes xmlns:a="http://schemas.openxmlformats.org/drawingml/2006/main" xmlns:r="http://schemas.openxmlformats.org/officeDocument/2006/relationships" xmlns:p="http://schemas.openxmlformats.org/presentationml/2006/main" showMasterSp="0" showMasterPhAnim="0">
+  <p:cSld>
+    <p:spTree>
+      <p:nvGrpSpPr>
+        <p:cNvPr id="1" name="Shape 283"/>
+        <p:cNvGrpSpPr/>
+        <p:nvPr/>
+      </p:nvGrpSpPr>
+      <p:grpSpPr>
+        <a:xfrm>
+          <a:off x="0" y="0"/>
+          <a:ext cx="0" cy="0"/>
+          <a:chOff x="0" y="0"/>
+          <a:chExt cx="0" cy="0"/>
+        </a:xfrm>
+      </p:grpSpPr>
+      <p:sp>
+        <p:nvSpPr>
+          <p:cNvPr id="284" name="Google Shape;284;g9b0372e4da_0_288:notes"/>
+          <p:cNvSpPr>
+            <a:spLocks noGrp="1" noRot="1" noChangeAspect="1"/>
+          </p:cNvSpPr>
+          <p:nvPr>
+            <p:ph type="sldImg" idx="2"/>
+          </p:nvPr>
+        </p:nvSpPr>
+        <p:spPr>
+          <a:xfrm>
+            <a:off x="381000" y="685800"/>
+            <a:ext cx="6096000" cy="3429000"/>
+          </a:xfrm>
+          <a:custGeom>
+            <a:avLst/>
+            <a:gdLst/>
+            <a:ahLst/>
+            <a:cxnLst/>
+            <a:rect l="l" t="t" r="r" b="b"/>
+            <a:pathLst>
+              <a:path w="120000" h="120000" extrusionOk="0">
+                <a:moveTo>
+                  <a:pt x="0" y="0"/>
+                </a:moveTo>
+                <a:lnTo>
+                  <a:pt x="120000" y="0"/>
+                </a:lnTo>
+                <a:lnTo>
+                  <a:pt x="120000" y="120000"/>
+                </a:lnTo>
+                <a:lnTo>
+                  <a:pt x="0" y="120000"/>
+                </a:lnTo>
+                <a:close/>
+              </a:path>
+            </a:pathLst>
+          </a:custGeom>
+        </p:spPr>
+      </p:sp>
+      <p:sp>
+        <p:nvSpPr>
+          <p:cNvPr id="285" name="Google Shape;285;g9b0372e4da_0_288:notes"/>
+          <p:cNvSpPr txBox="1">
+            <a:spLocks noGrp="1"/>
+          </p:cNvSpPr>
+          <p:nvPr>
+            <p:ph type="body" idx="1"/>
+          </p:nvPr>
+        </p:nvSpPr>
+        <p:spPr>
+          <a:xfrm>
+            <a:off x="685800" y="4343400"/>
+            <a:ext cx="5486400" cy="4114800"/>
+          </a:xfrm>
+          <a:prstGeom prst="rect">
+            <a:avLst/>
+          </a:prstGeom>
+        </p:spPr>
+        <p:txBody>
+          <a:bodyPr spcFirstLastPara="1" wrap="square" lIns="91425" tIns="91425" rIns="91425" bIns="91425" anchor="t" anchorCtr="0">
+            <a:noAutofit/>
+          </a:bodyPr>
+          <a:lstStyle/>
+          <a:p>
+            <a:pPr marL="0" lvl="0" indent="0" algn="l" rtl="0">
+              <a:spcBef>
+                <a:spcPts val="0"/>
+              </a:spcBef>
+              <a:spcAft>
+                <a:spcPts val="0"/>
+              </a:spcAft>
+              <a:buNone/>
+            </a:pPr>
+            <a:endParaRPr/>
+          </a:p>
+        </p:txBody>
+      </p:sp>
+    </p:spTree>
+    <p:extLst>
+      <p:ext uri="{BB962C8B-B14F-4D97-AF65-F5344CB8AC3E}">
+        <p14:creationId xmlns:p14="http://schemas.microsoft.com/office/powerpoint/2010/main" val="3381781803"/>
+      </p:ext>
+    </p:extLst>
   </p:cSld>
   <p:clrMapOvr>
     <a:masterClrMapping/>
@@ -14438,26 +15428,10 @@
               <a:buNone/>
             </a:pPr>
             <a:r>
-              <a:rPr lang="pt-BR"/>
-              <a:t>Curso de QGIS:</a:t>
+              <a:rPr lang="pt-BR" dirty="0"/>
+              <a:t>Introdução ao QGIS 3.x</a:t>
             </a:r>
-            <a:endParaRPr/>
-          </a:p>
-          <a:p>
-            <a:pPr marL="0" lvl="0" indent="0" algn="l" rtl="0">
-              <a:spcBef>
-                <a:spcPts val="0"/>
-              </a:spcBef>
-              <a:spcAft>
-                <a:spcPts val="0"/>
-              </a:spcAft>
-              <a:buNone/>
-            </a:pPr>
-            <a:r>
-              <a:rPr lang="pt-BR"/>
-              <a:t>Básico</a:t>
-            </a:r>
-            <a:endParaRPr/>
+            <a:endParaRPr dirty="0"/>
           </a:p>
         </p:txBody>
       </p:sp>
@@ -14520,6 +15494,674 @@
         </p:txBody>
       </p:sp>
     </p:spTree>
+  </p:cSld>
+  <p:clrMapOvr>
+    <a:masterClrMapping/>
+  </p:clrMapOvr>
+</p:sld>
+</file>
+
+<file path=ppt/slides/slide10.xml><?xml version="1.0" encoding="utf-8"?>
+<p:sld xmlns:a="http://schemas.openxmlformats.org/drawingml/2006/main" xmlns:r="http://schemas.openxmlformats.org/officeDocument/2006/relationships" xmlns:p="http://schemas.openxmlformats.org/presentationml/2006/main">
+  <p:cSld>
+    <p:spTree>
+      <p:nvGrpSpPr>
+        <p:cNvPr id="1" name="Shape 286"/>
+        <p:cNvGrpSpPr/>
+        <p:nvPr/>
+      </p:nvGrpSpPr>
+      <p:grpSpPr>
+        <a:xfrm>
+          <a:off x="0" y="0"/>
+          <a:ext cx="0" cy="0"/>
+          <a:chOff x="0" y="0"/>
+          <a:chExt cx="0" cy="0"/>
+        </a:xfrm>
+      </p:grpSpPr>
+      <p:sp>
+        <p:nvSpPr>
+          <p:cNvPr id="288" name="Google Shape;288;p16"/>
+          <p:cNvSpPr txBox="1">
+            <a:spLocks noGrp="1"/>
+          </p:cNvSpPr>
+          <p:nvPr>
+            <p:ph type="body" idx="1"/>
+          </p:nvPr>
+        </p:nvSpPr>
+        <p:spPr>
+          <a:xfrm>
+            <a:off x="1303800" y="1597875"/>
+            <a:ext cx="7030500" cy="2933700"/>
+          </a:xfrm>
+          <a:prstGeom prst="rect">
+            <a:avLst/>
+          </a:prstGeom>
+        </p:spPr>
+        <p:txBody>
+          <a:bodyPr spcFirstLastPara="1" wrap="square" lIns="91425" tIns="91425" rIns="91425" bIns="91425" anchor="t" anchorCtr="0">
+            <a:noAutofit/>
+          </a:bodyPr>
+          <a:lstStyle/>
+          <a:p>
+            <a:pPr marL="0" lvl="0" indent="0" algn="l" rtl="0">
+              <a:spcBef>
+                <a:spcPts val="0"/>
+              </a:spcBef>
+              <a:spcAft>
+                <a:spcPts val="1600"/>
+              </a:spcAft>
+              <a:buNone/>
+            </a:pPr>
+            <a:endParaRPr/>
+          </a:p>
+        </p:txBody>
+      </p:sp>
+      <p:grpSp>
+        <p:nvGrpSpPr>
+          <p:cNvPr id="289" name="Google Shape;289;p16"/>
+          <p:cNvGrpSpPr/>
+          <p:nvPr/>
+        </p:nvGrpSpPr>
+        <p:grpSpPr>
+          <a:xfrm>
+            <a:off x="1303795" y="4531575"/>
+            <a:ext cx="7030504" cy="611849"/>
+            <a:chOff x="1303795" y="4531575"/>
+            <a:chExt cx="7030504" cy="611849"/>
+          </a:xfrm>
+        </p:grpSpPr>
+        <p:pic>
+          <p:nvPicPr>
+            <p:cNvPr id="290" name="Google Shape;290;p16"/>
+            <p:cNvPicPr preferRelativeResize="0"/>
+            <p:nvPr/>
+          </p:nvPicPr>
+          <p:blipFill>
+            <a:blip r:embed="rId3">
+              <a:alphaModFix/>
+            </a:blip>
+            <a:stretch>
+              <a:fillRect/>
+            </a:stretch>
+          </p:blipFill>
+          <p:spPr>
+            <a:xfrm>
+              <a:off x="3932690" y="4531575"/>
+              <a:ext cx="1278617" cy="611849"/>
+            </a:xfrm>
+            <a:prstGeom prst="rect">
+              <a:avLst/>
+            </a:prstGeom>
+            <a:noFill/>
+            <a:ln>
+              <a:noFill/>
+            </a:ln>
+          </p:spPr>
+        </p:pic>
+        <p:pic>
+          <p:nvPicPr>
+            <p:cNvPr id="291" name="Google Shape;291;p16"/>
+            <p:cNvPicPr preferRelativeResize="0"/>
+            <p:nvPr/>
+          </p:nvPicPr>
+          <p:blipFill>
+            <a:blip r:embed="rId4">
+              <a:alphaModFix/>
+            </a:blip>
+            <a:stretch>
+              <a:fillRect/>
+            </a:stretch>
+          </p:blipFill>
+          <p:spPr>
+            <a:xfrm>
+              <a:off x="6662660" y="4583700"/>
+              <a:ext cx="1671638" cy="438150"/>
+            </a:xfrm>
+            <a:prstGeom prst="rect">
+              <a:avLst/>
+            </a:prstGeom>
+            <a:noFill/>
+            <a:ln>
+              <a:noFill/>
+            </a:ln>
+          </p:spPr>
+        </p:pic>
+        <p:pic>
+          <p:nvPicPr>
+            <p:cNvPr id="292" name="Google Shape;292;p16"/>
+            <p:cNvPicPr preferRelativeResize="0"/>
+            <p:nvPr/>
+          </p:nvPicPr>
+          <p:blipFill>
+            <a:blip r:embed="rId5">
+              <a:alphaModFix/>
+            </a:blip>
+            <a:stretch>
+              <a:fillRect/>
+            </a:stretch>
+          </p:blipFill>
+          <p:spPr>
+            <a:xfrm>
+              <a:off x="1303795" y="4566300"/>
+              <a:ext cx="805382" cy="542400"/>
+            </a:xfrm>
+            <a:prstGeom prst="rect">
+              <a:avLst/>
+            </a:prstGeom>
+            <a:noFill/>
+            <a:ln>
+              <a:noFill/>
+            </a:ln>
+          </p:spPr>
+        </p:pic>
+      </p:grpSp>
+    </p:spTree>
+    <p:extLst>
+      <p:ext uri="{BB962C8B-B14F-4D97-AF65-F5344CB8AC3E}">
+        <p14:creationId xmlns:p14="http://schemas.microsoft.com/office/powerpoint/2010/main" val="3341398221"/>
+      </p:ext>
+    </p:extLst>
+  </p:cSld>
+  <p:clrMapOvr>
+    <a:masterClrMapping/>
+  </p:clrMapOvr>
+</p:sld>
+</file>
+
+<file path=ppt/slides/slide11.xml><?xml version="1.0" encoding="utf-8"?>
+<p:sld xmlns:a="http://schemas.openxmlformats.org/drawingml/2006/main" xmlns:r="http://schemas.openxmlformats.org/officeDocument/2006/relationships" xmlns:p="http://schemas.openxmlformats.org/presentationml/2006/main">
+  <p:cSld>
+    <p:spTree>
+      <p:nvGrpSpPr>
+        <p:cNvPr id="1" name="Shape 286"/>
+        <p:cNvGrpSpPr/>
+        <p:nvPr/>
+      </p:nvGrpSpPr>
+      <p:grpSpPr>
+        <a:xfrm>
+          <a:off x="0" y="0"/>
+          <a:ext cx="0" cy="0"/>
+          <a:chOff x="0" y="0"/>
+          <a:chExt cx="0" cy="0"/>
+        </a:xfrm>
+      </p:grpSpPr>
+      <p:sp>
+        <p:nvSpPr>
+          <p:cNvPr id="288" name="Google Shape;288;p16"/>
+          <p:cNvSpPr txBox="1">
+            <a:spLocks noGrp="1"/>
+          </p:cNvSpPr>
+          <p:nvPr>
+            <p:ph type="body" idx="1"/>
+          </p:nvPr>
+        </p:nvSpPr>
+        <p:spPr>
+          <a:xfrm>
+            <a:off x="1303800" y="1597875"/>
+            <a:ext cx="7030500" cy="2933700"/>
+          </a:xfrm>
+          <a:prstGeom prst="rect">
+            <a:avLst/>
+          </a:prstGeom>
+        </p:spPr>
+        <p:txBody>
+          <a:bodyPr spcFirstLastPara="1" wrap="square" lIns="91425" tIns="91425" rIns="91425" bIns="91425" anchor="t" anchorCtr="0">
+            <a:noAutofit/>
+          </a:bodyPr>
+          <a:lstStyle/>
+          <a:p>
+            <a:pPr marL="0" lvl="0" indent="0" algn="l" rtl="0">
+              <a:spcBef>
+                <a:spcPts val="0"/>
+              </a:spcBef>
+              <a:spcAft>
+                <a:spcPts val="1600"/>
+              </a:spcAft>
+              <a:buNone/>
+            </a:pPr>
+            <a:endParaRPr/>
+          </a:p>
+        </p:txBody>
+      </p:sp>
+      <p:grpSp>
+        <p:nvGrpSpPr>
+          <p:cNvPr id="289" name="Google Shape;289;p16"/>
+          <p:cNvGrpSpPr/>
+          <p:nvPr/>
+        </p:nvGrpSpPr>
+        <p:grpSpPr>
+          <a:xfrm>
+            <a:off x="1303795" y="4531575"/>
+            <a:ext cx="7030504" cy="611849"/>
+            <a:chOff x="1303795" y="4531575"/>
+            <a:chExt cx="7030504" cy="611849"/>
+          </a:xfrm>
+        </p:grpSpPr>
+        <p:pic>
+          <p:nvPicPr>
+            <p:cNvPr id="290" name="Google Shape;290;p16"/>
+            <p:cNvPicPr preferRelativeResize="0"/>
+            <p:nvPr/>
+          </p:nvPicPr>
+          <p:blipFill>
+            <a:blip r:embed="rId3">
+              <a:alphaModFix/>
+            </a:blip>
+            <a:stretch>
+              <a:fillRect/>
+            </a:stretch>
+          </p:blipFill>
+          <p:spPr>
+            <a:xfrm>
+              <a:off x="3932690" y="4531575"/>
+              <a:ext cx="1278617" cy="611849"/>
+            </a:xfrm>
+            <a:prstGeom prst="rect">
+              <a:avLst/>
+            </a:prstGeom>
+            <a:noFill/>
+            <a:ln>
+              <a:noFill/>
+            </a:ln>
+          </p:spPr>
+        </p:pic>
+        <p:pic>
+          <p:nvPicPr>
+            <p:cNvPr id="291" name="Google Shape;291;p16"/>
+            <p:cNvPicPr preferRelativeResize="0"/>
+            <p:nvPr/>
+          </p:nvPicPr>
+          <p:blipFill>
+            <a:blip r:embed="rId4">
+              <a:alphaModFix/>
+            </a:blip>
+            <a:stretch>
+              <a:fillRect/>
+            </a:stretch>
+          </p:blipFill>
+          <p:spPr>
+            <a:xfrm>
+              <a:off x="6662660" y="4583700"/>
+              <a:ext cx="1671638" cy="438150"/>
+            </a:xfrm>
+            <a:prstGeom prst="rect">
+              <a:avLst/>
+            </a:prstGeom>
+            <a:noFill/>
+            <a:ln>
+              <a:noFill/>
+            </a:ln>
+          </p:spPr>
+        </p:pic>
+        <p:pic>
+          <p:nvPicPr>
+            <p:cNvPr id="292" name="Google Shape;292;p16"/>
+            <p:cNvPicPr preferRelativeResize="0"/>
+            <p:nvPr/>
+          </p:nvPicPr>
+          <p:blipFill>
+            <a:blip r:embed="rId5">
+              <a:alphaModFix/>
+            </a:blip>
+            <a:stretch>
+              <a:fillRect/>
+            </a:stretch>
+          </p:blipFill>
+          <p:spPr>
+            <a:xfrm>
+              <a:off x="1303795" y="4566300"/>
+              <a:ext cx="805382" cy="542400"/>
+            </a:xfrm>
+            <a:prstGeom prst="rect">
+              <a:avLst/>
+            </a:prstGeom>
+            <a:noFill/>
+            <a:ln>
+              <a:noFill/>
+            </a:ln>
+          </p:spPr>
+        </p:pic>
+      </p:grpSp>
+    </p:spTree>
+    <p:extLst>
+      <p:ext uri="{BB962C8B-B14F-4D97-AF65-F5344CB8AC3E}">
+        <p14:creationId xmlns:p14="http://schemas.microsoft.com/office/powerpoint/2010/main" val="3038335558"/>
+      </p:ext>
+    </p:extLst>
+  </p:cSld>
+  <p:clrMapOvr>
+    <a:masterClrMapping/>
+  </p:clrMapOvr>
+</p:sld>
+</file>
+
+<file path=ppt/slides/slide12.xml><?xml version="1.0" encoding="utf-8"?>
+<p:sld xmlns:a="http://schemas.openxmlformats.org/drawingml/2006/main" xmlns:r="http://schemas.openxmlformats.org/officeDocument/2006/relationships" xmlns:p="http://schemas.openxmlformats.org/presentationml/2006/main">
+  <p:cSld>
+    <p:spTree>
+      <p:nvGrpSpPr>
+        <p:cNvPr id="1" name="Shape 286"/>
+        <p:cNvGrpSpPr/>
+        <p:nvPr/>
+      </p:nvGrpSpPr>
+      <p:grpSpPr>
+        <a:xfrm>
+          <a:off x="0" y="0"/>
+          <a:ext cx="0" cy="0"/>
+          <a:chOff x="0" y="0"/>
+          <a:chExt cx="0" cy="0"/>
+        </a:xfrm>
+      </p:grpSpPr>
+      <p:sp>
+        <p:nvSpPr>
+          <p:cNvPr id="288" name="Google Shape;288;p16"/>
+          <p:cNvSpPr txBox="1">
+            <a:spLocks noGrp="1"/>
+          </p:cNvSpPr>
+          <p:nvPr>
+            <p:ph type="body" idx="1"/>
+          </p:nvPr>
+        </p:nvSpPr>
+        <p:spPr>
+          <a:xfrm>
+            <a:off x="1303800" y="1597875"/>
+            <a:ext cx="7030500" cy="2933700"/>
+          </a:xfrm>
+          <a:prstGeom prst="rect">
+            <a:avLst/>
+          </a:prstGeom>
+        </p:spPr>
+        <p:txBody>
+          <a:bodyPr spcFirstLastPara="1" wrap="square" lIns="91425" tIns="91425" rIns="91425" bIns="91425" anchor="t" anchorCtr="0">
+            <a:noAutofit/>
+          </a:bodyPr>
+          <a:lstStyle/>
+          <a:p>
+            <a:pPr marL="0" lvl="0" indent="0" algn="l" rtl="0">
+              <a:spcBef>
+                <a:spcPts val="0"/>
+              </a:spcBef>
+              <a:spcAft>
+                <a:spcPts val="1600"/>
+              </a:spcAft>
+              <a:buNone/>
+            </a:pPr>
+            <a:endParaRPr/>
+          </a:p>
+        </p:txBody>
+      </p:sp>
+      <p:grpSp>
+        <p:nvGrpSpPr>
+          <p:cNvPr id="289" name="Google Shape;289;p16"/>
+          <p:cNvGrpSpPr/>
+          <p:nvPr/>
+        </p:nvGrpSpPr>
+        <p:grpSpPr>
+          <a:xfrm>
+            <a:off x="1303795" y="4531575"/>
+            <a:ext cx="7030504" cy="611849"/>
+            <a:chOff x="1303795" y="4531575"/>
+            <a:chExt cx="7030504" cy="611849"/>
+          </a:xfrm>
+        </p:grpSpPr>
+        <p:pic>
+          <p:nvPicPr>
+            <p:cNvPr id="290" name="Google Shape;290;p16"/>
+            <p:cNvPicPr preferRelativeResize="0"/>
+            <p:nvPr/>
+          </p:nvPicPr>
+          <p:blipFill>
+            <a:blip r:embed="rId3">
+              <a:alphaModFix/>
+            </a:blip>
+            <a:stretch>
+              <a:fillRect/>
+            </a:stretch>
+          </p:blipFill>
+          <p:spPr>
+            <a:xfrm>
+              <a:off x="3932690" y="4531575"/>
+              <a:ext cx="1278617" cy="611849"/>
+            </a:xfrm>
+            <a:prstGeom prst="rect">
+              <a:avLst/>
+            </a:prstGeom>
+            <a:noFill/>
+            <a:ln>
+              <a:noFill/>
+            </a:ln>
+          </p:spPr>
+        </p:pic>
+        <p:pic>
+          <p:nvPicPr>
+            <p:cNvPr id="291" name="Google Shape;291;p16"/>
+            <p:cNvPicPr preferRelativeResize="0"/>
+            <p:nvPr/>
+          </p:nvPicPr>
+          <p:blipFill>
+            <a:blip r:embed="rId4">
+              <a:alphaModFix/>
+            </a:blip>
+            <a:stretch>
+              <a:fillRect/>
+            </a:stretch>
+          </p:blipFill>
+          <p:spPr>
+            <a:xfrm>
+              <a:off x="6662660" y="4583700"/>
+              <a:ext cx="1671638" cy="438150"/>
+            </a:xfrm>
+            <a:prstGeom prst="rect">
+              <a:avLst/>
+            </a:prstGeom>
+            <a:noFill/>
+            <a:ln>
+              <a:noFill/>
+            </a:ln>
+          </p:spPr>
+        </p:pic>
+        <p:pic>
+          <p:nvPicPr>
+            <p:cNvPr id="292" name="Google Shape;292;p16"/>
+            <p:cNvPicPr preferRelativeResize="0"/>
+            <p:nvPr/>
+          </p:nvPicPr>
+          <p:blipFill>
+            <a:blip r:embed="rId5">
+              <a:alphaModFix/>
+            </a:blip>
+            <a:stretch>
+              <a:fillRect/>
+            </a:stretch>
+          </p:blipFill>
+          <p:spPr>
+            <a:xfrm>
+              <a:off x="1303795" y="4566300"/>
+              <a:ext cx="805382" cy="542400"/>
+            </a:xfrm>
+            <a:prstGeom prst="rect">
+              <a:avLst/>
+            </a:prstGeom>
+            <a:noFill/>
+            <a:ln>
+              <a:noFill/>
+            </a:ln>
+          </p:spPr>
+        </p:pic>
+      </p:grpSp>
+    </p:spTree>
+    <p:extLst>
+      <p:ext uri="{BB962C8B-B14F-4D97-AF65-F5344CB8AC3E}">
+        <p14:creationId xmlns:p14="http://schemas.microsoft.com/office/powerpoint/2010/main" val="1477694436"/>
+      </p:ext>
+    </p:extLst>
+  </p:cSld>
+  <p:clrMapOvr>
+    <a:masterClrMapping/>
+  </p:clrMapOvr>
+</p:sld>
+</file>
+
+<file path=ppt/slides/slide13.xml><?xml version="1.0" encoding="utf-8"?>
+<p:sld xmlns:a="http://schemas.openxmlformats.org/drawingml/2006/main" xmlns:r="http://schemas.openxmlformats.org/officeDocument/2006/relationships" xmlns:p="http://schemas.openxmlformats.org/presentationml/2006/main">
+  <p:cSld>
+    <p:spTree>
+      <p:nvGrpSpPr>
+        <p:cNvPr id="1" name="Shape 286"/>
+        <p:cNvGrpSpPr/>
+        <p:nvPr/>
+      </p:nvGrpSpPr>
+      <p:grpSpPr>
+        <a:xfrm>
+          <a:off x="0" y="0"/>
+          <a:ext cx="0" cy="0"/>
+          <a:chOff x="0" y="0"/>
+          <a:chExt cx="0" cy="0"/>
+        </a:xfrm>
+      </p:grpSpPr>
+      <p:sp>
+        <p:nvSpPr>
+          <p:cNvPr id="288" name="Google Shape;288;p16"/>
+          <p:cNvSpPr txBox="1">
+            <a:spLocks noGrp="1"/>
+          </p:cNvSpPr>
+          <p:nvPr>
+            <p:ph type="body" idx="1"/>
+          </p:nvPr>
+        </p:nvSpPr>
+        <p:spPr>
+          <a:xfrm>
+            <a:off x="1303800" y="1597875"/>
+            <a:ext cx="7030500" cy="2933700"/>
+          </a:xfrm>
+          <a:prstGeom prst="rect">
+            <a:avLst/>
+          </a:prstGeom>
+        </p:spPr>
+        <p:txBody>
+          <a:bodyPr spcFirstLastPara="1" wrap="square" lIns="91425" tIns="91425" rIns="91425" bIns="91425" anchor="t" anchorCtr="0">
+            <a:noAutofit/>
+          </a:bodyPr>
+          <a:lstStyle/>
+          <a:p>
+            <a:pPr marL="0" lvl="0" indent="0" algn="l" rtl="0">
+              <a:spcBef>
+                <a:spcPts val="0"/>
+              </a:spcBef>
+              <a:spcAft>
+                <a:spcPts val="1600"/>
+              </a:spcAft>
+              <a:buNone/>
+            </a:pPr>
+            <a:endParaRPr/>
+          </a:p>
+        </p:txBody>
+      </p:sp>
+      <p:grpSp>
+        <p:nvGrpSpPr>
+          <p:cNvPr id="289" name="Google Shape;289;p16"/>
+          <p:cNvGrpSpPr/>
+          <p:nvPr/>
+        </p:nvGrpSpPr>
+        <p:grpSpPr>
+          <a:xfrm>
+            <a:off x="1303795" y="4531575"/>
+            <a:ext cx="7030504" cy="611849"/>
+            <a:chOff x="1303795" y="4531575"/>
+            <a:chExt cx="7030504" cy="611849"/>
+          </a:xfrm>
+        </p:grpSpPr>
+        <p:pic>
+          <p:nvPicPr>
+            <p:cNvPr id="290" name="Google Shape;290;p16"/>
+            <p:cNvPicPr preferRelativeResize="0"/>
+            <p:nvPr/>
+          </p:nvPicPr>
+          <p:blipFill>
+            <a:blip r:embed="rId3">
+              <a:alphaModFix/>
+            </a:blip>
+            <a:stretch>
+              <a:fillRect/>
+            </a:stretch>
+          </p:blipFill>
+          <p:spPr>
+            <a:xfrm>
+              <a:off x="3932690" y="4531575"/>
+              <a:ext cx="1278617" cy="611849"/>
+            </a:xfrm>
+            <a:prstGeom prst="rect">
+              <a:avLst/>
+            </a:prstGeom>
+            <a:noFill/>
+            <a:ln>
+              <a:noFill/>
+            </a:ln>
+          </p:spPr>
+        </p:pic>
+        <p:pic>
+          <p:nvPicPr>
+            <p:cNvPr id="291" name="Google Shape;291;p16"/>
+            <p:cNvPicPr preferRelativeResize="0"/>
+            <p:nvPr/>
+          </p:nvPicPr>
+          <p:blipFill>
+            <a:blip r:embed="rId4">
+              <a:alphaModFix/>
+            </a:blip>
+            <a:stretch>
+              <a:fillRect/>
+            </a:stretch>
+          </p:blipFill>
+          <p:spPr>
+            <a:xfrm>
+              <a:off x="6662660" y="4583700"/>
+              <a:ext cx="1671638" cy="438150"/>
+            </a:xfrm>
+            <a:prstGeom prst="rect">
+              <a:avLst/>
+            </a:prstGeom>
+            <a:noFill/>
+            <a:ln>
+              <a:noFill/>
+            </a:ln>
+          </p:spPr>
+        </p:pic>
+        <p:pic>
+          <p:nvPicPr>
+            <p:cNvPr id="292" name="Google Shape;292;p16"/>
+            <p:cNvPicPr preferRelativeResize="0"/>
+            <p:nvPr/>
+          </p:nvPicPr>
+          <p:blipFill>
+            <a:blip r:embed="rId5">
+              <a:alphaModFix/>
+            </a:blip>
+            <a:stretch>
+              <a:fillRect/>
+            </a:stretch>
+          </p:blipFill>
+          <p:spPr>
+            <a:xfrm>
+              <a:off x="1303795" y="4566300"/>
+              <a:ext cx="805382" cy="542400"/>
+            </a:xfrm>
+            <a:prstGeom prst="rect">
+              <a:avLst/>
+            </a:prstGeom>
+            <a:noFill/>
+            <a:ln>
+              <a:noFill/>
+            </a:ln>
+          </p:spPr>
+        </p:pic>
+      </p:grpSp>
+    </p:spTree>
+    <p:extLst>
+      <p:ext uri="{BB962C8B-B14F-4D97-AF65-F5344CB8AC3E}">
+        <p14:creationId xmlns:p14="http://schemas.microsoft.com/office/powerpoint/2010/main" val="3259701683"/>
+      </p:ext>
+    </p:extLst>
   </p:cSld>
   <p:clrMapOvr>
     <a:masterClrMapping/>
@@ -14805,10 +16447,10 @@
               <a:buNone/>
             </a:pPr>
             <a:r>
-              <a:rPr lang="pt-BR"/>
+              <a:rPr lang="pt-BR" dirty="0"/>
               <a:t>Ementa</a:t>
             </a:r>
-            <a:endParaRPr/>
+            <a:endParaRPr dirty="0"/>
           </a:p>
         </p:txBody>
       </p:sp>
@@ -14851,10 +16493,10 @@
               <a:buAutoNum type="arabicPeriod"/>
             </a:pPr>
             <a:r>
-              <a:rPr lang="pt-BR"/>
+              <a:rPr lang="pt-BR" dirty="0"/>
               <a:t>Instalação do QGIS;</a:t>
             </a:r>
-            <a:endParaRPr/>
+            <a:endParaRPr dirty="0"/>
           </a:p>
           <a:p>
             <a:pPr marL="457200" lvl="0" indent="-311150" algn="l" rtl="0">
@@ -14871,10 +16513,10 @@
               <a:buAutoNum type="arabicPeriod"/>
             </a:pPr>
             <a:r>
-              <a:rPr lang="pt-BR"/>
+              <a:rPr lang="pt-BR" dirty="0"/>
               <a:t>Apresentação da interface e instalação de plugins</a:t>
             </a:r>
-            <a:endParaRPr/>
+            <a:endParaRPr dirty="0"/>
           </a:p>
           <a:p>
             <a:pPr marL="457200" lvl="0" indent="-311150" algn="l" rtl="0">
@@ -14891,10 +16533,10 @@
               <a:buAutoNum type="arabicPeriod"/>
             </a:pPr>
             <a:r>
-              <a:rPr lang="pt-BR"/>
+              <a:rPr lang="pt-BR" dirty="0"/>
               <a:t>Trabalhando com dados vetoriais e matriciais</a:t>
             </a:r>
-            <a:endParaRPr/>
+            <a:endParaRPr dirty="0"/>
           </a:p>
           <a:p>
             <a:pPr marL="457200" lvl="0" indent="-311150" algn="l" rtl="0">
@@ -14911,10 +16553,10 @@
               <a:buAutoNum type="arabicPeriod"/>
             </a:pPr>
             <a:r>
-              <a:rPr lang="pt-BR"/>
+              <a:rPr lang="pt-BR" dirty="0"/>
               <a:t>Seleção de feições e operadores lógicos</a:t>
             </a:r>
-            <a:endParaRPr/>
+            <a:endParaRPr dirty="0"/>
           </a:p>
           <a:p>
             <a:pPr marL="457200" lvl="0" indent="-311150" algn="l" rtl="0">
@@ -14931,10 +16573,18 @@
               <a:buAutoNum type="arabicPeriod"/>
             </a:pPr>
             <a:r>
-              <a:rPr lang="pt-BR"/>
-              <a:t>Sistema de coordenadas e datum em projetos SIG</a:t>
+              <a:rPr lang="pt-BR" dirty="0"/>
+              <a:t>Sistema de coordenadas e </a:t>
             </a:r>
-            <a:endParaRPr/>
+            <a:r>
+              <a:rPr lang="pt-BR" dirty="0" err="1"/>
+              <a:t>datum</a:t>
+            </a:r>
+            <a:r>
+              <a:rPr lang="pt-BR" dirty="0"/>
+              <a:t> em projetos SIG</a:t>
+            </a:r>
+            <a:endParaRPr dirty="0"/>
           </a:p>
           <a:p>
             <a:pPr marL="457200" lvl="0" indent="-311150" algn="l" rtl="0">
@@ -14951,30 +16601,10 @@
               <a:buAutoNum type="arabicPeriod"/>
             </a:pPr>
             <a:r>
-              <a:rPr lang="pt-BR"/>
+              <a:rPr lang="pt-BR" dirty="0"/>
               <a:t>Operações e edições vetoriais básicas</a:t>
             </a:r>
-            <a:endParaRPr/>
-          </a:p>
-          <a:p>
-            <a:pPr marL="457200" lvl="0" indent="-311150" algn="l" rtl="0">
-              <a:lnSpc>
-                <a:spcPct val="150000"/>
-              </a:lnSpc>
-              <a:spcBef>
-                <a:spcPts val="0"/>
-              </a:spcBef>
-              <a:spcAft>
-                <a:spcPts val="0"/>
-              </a:spcAft>
-              <a:buSzPts val="1300"/>
-              <a:buAutoNum type="arabicPeriod"/>
-            </a:pPr>
-            <a:r>
-              <a:rPr lang="pt-BR"/>
-              <a:t>Exercícios</a:t>
-            </a:r>
-            <a:endParaRPr/>
+            <a:endParaRPr dirty="0"/>
           </a:p>
         </p:txBody>
       </p:sp>
@@ -15104,6 +16734,378 @@
       </p:grpSpPr>
       <p:sp>
         <p:nvSpPr>
+          <p:cNvPr id="288" name="Google Shape;288;p16"/>
+          <p:cNvSpPr txBox="1">
+            <a:spLocks noGrp="1"/>
+          </p:cNvSpPr>
+          <p:nvPr>
+            <p:ph type="body" idx="1"/>
+          </p:nvPr>
+        </p:nvSpPr>
+        <p:spPr>
+          <a:xfrm>
+            <a:off x="1303800" y="1597875"/>
+            <a:ext cx="2243841" cy="2933700"/>
+          </a:xfrm>
+          <a:prstGeom prst="rect">
+            <a:avLst/>
+          </a:prstGeom>
+        </p:spPr>
+        <p:txBody>
+          <a:bodyPr spcFirstLastPara="1" wrap="square" lIns="91425" tIns="91425" rIns="91425" bIns="91425" anchor="t" anchorCtr="0">
+            <a:noAutofit/>
+          </a:bodyPr>
+          <a:lstStyle/>
+          <a:p>
+            <a:pPr marL="171450" indent="-171450">
+              <a:spcAft>
+                <a:spcPts val="1600"/>
+              </a:spcAft>
+              <a:buFont typeface="Wingdings" panose="05000000000000000000" pitchFamily="2" charset="2"/>
+              <a:buChar char="§"/>
+            </a:pPr>
+            <a:r>
+              <a:rPr lang="pt-BR" sz="1100" dirty="0"/>
+              <a:t>O QGIS está disponível em versões 32 e 64 bits para Windows, Linux, </a:t>
+            </a:r>
+            <a:r>
+              <a:rPr lang="pt-BR" sz="1100" dirty="0" err="1"/>
+              <a:t>MacOS</a:t>
+            </a:r>
+            <a:r>
+              <a:rPr lang="pt-BR" sz="1100" dirty="0"/>
+              <a:t>, entre outros;</a:t>
+            </a:r>
+          </a:p>
+          <a:p>
+            <a:pPr marL="171450" indent="-171450">
+              <a:spcAft>
+                <a:spcPts val="1600"/>
+              </a:spcAft>
+              <a:buFont typeface="Wingdings" panose="05000000000000000000" pitchFamily="2" charset="2"/>
+              <a:buChar char="§"/>
+            </a:pPr>
+            <a:r>
+              <a:rPr lang="pt-BR" sz="1100" dirty="0"/>
+              <a:t>Verifique a versão do seu Sistema Operacional antes de baixar o executável.</a:t>
+            </a:r>
+          </a:p>
+          <a:p>
+            <a:pPr marL="171450" indent="-171450">
+              <a:spcAft>
+                <a:spcPts val="1600"/>
+              </a:spcAft>
+              <a:buFont typeface="Wingdings" panose="05000000000000000000" pitchFamily="2" charset="2"/>
+              <a:buChar char="§"/>
+            </a:pPr>
+            <a:r>
+              <a:rPr lang="pt-BR" sz="1100" dirty="0"/>
+              <a:t>Link: </a:t>
+            </a:r>
+            <a:r>
+              <a:rPr lang="pt-BR" sz="1100" dirty="0">
+                <a:hlinkClick r:id="rId3"/>
+              </a:rPr>
+              <a:t>https://www.qgis.org/pt_BR/site/forusers/download.html</a:t>
+            </a:r>
+            <a:endParaRPr lang="pt-BR" sz="1100" dirty="0"/>
+          </a:p>
+          <a:p>
+            <a:pPr marL="171450" indent="-171450">
+              <a:spcAft>
+                <a:spcPts val="1600"/>
+              </a:spcAft>
+              <a:buFont typeface="Wingdings" panose="05000000000000000000" pitchFamily="2" charset="2"/>
+              <a:buChar char="§"/>
+            </a:pPr>
+            <a:endParaRPr sz="1100" dirty="0"/>
+          </a:p>
+        </p:txBody>
+      </p:sp>
+      <p:grpSp>
+        <p:nvGrpSpPr>
+          <p:cNvPr id="289" name="Google Shape;289;p16"/>
+          <p:cNvGrpSpPr/>
+          <p:nvPr/>
+        </p:nvGrpSpPr>
+        <p:grpSpPr>
+          <a:xfrm>
+            <a:off x="1303795" y="4531575"/>
+            <a:ext cx="7030504" cy="611849"/>
+            <a:chOff x="1303795" y="4531575"/>
+            <a:chExt cx="7030504" cy="611849"/>
+          </a:xfrm>
+        </p:grpSpPr>
+        <p:pic>
+          <p:nvPicPr>
+            <p:cNvPr id="290" name="Google Shape;290;p16"/>
+            <p:cNvPicPr preferRelativeResize="0"/>
+            <p:nvPr/>
+          </p:nvPicPr>
+          <p:blipFill>
+            <a:blip r:embed="rId4">
+              <a:alphaModFix/>
+            </a:blip>
+            <a:stretch>
+              <a:fillRect/>
+            </a:stretch>
+          </p:blipFill>
+          <p:spPr>
+            <a:xfrm>
+              <a:off x="3932690" y="4531575"/>
+              <a:ext cx="1278617" cy="611849"/>
+            </a:xfrm>
+            <a:prstGeom prst="rect">
+              <a:avLst/>
+            </a:prstGeom>
+            <a:noFill/>
+            <a:ln>
+              <a:noFill/>
+            </a:ln>
+          </p:spPr>
+        </p:pic>
+        <p:pic>
+          <p:nvPicPr>
+            <p:cNvPr id="291" name="Google Shape;291;p16"/>
+            <p:cNvPicPr preferRelativeResize="0"/>
+            <p:nvPr/>
+          </p:nvPicPr>
+          <p:blipFill>
+            <a:blip r:embed="rId5">
+              <a:alphaModFix/>
+            </a:blip>
+            <a:stretch>
+              <a:fillRect/>
+            </a:stretch>
+          </p:blipFill>
+          <p:spPr>
+            <a:xfrm>
+              <a:off x="6662660" y="4583700"/>
+              <a:ext cx="1671638" cy="438150"/>
+            </a:xfrm>
+            <a:prstGeom prst="rect">
+              <a:avLst/>
+            </a:prstGeom>
+            <a:noFill/>
+            <a:ln>
+              <a:noFill/>
+            </a:ln>
+          </p:spPr>
+        </p:pic>
+        <p:pic>
+          <p:nvPicPr>
+            <p:cNvPr id="292" name="Google Shape;292;p16"/>
+            <p:cNvPicPr preferRelativeResize="0"/>
+            <p:nvPr/>
+          </p:nvPicPr>
+          <p:blipFill>
+            <a:blip r:embed="rId6">
+              <a:alphaModFix/>
+            </a:blip>
+            <a:stretch>
+              <a:fillRect/>
+            </a:stretch>
+          </p:blipFill>
+          <p:spPr>
+            <a:xfrm>
+              <a:off x="1303795" y="4566300"/>
+              <a:ext cx="805382" cy="542400"/>
+            </a:xfrm>
+            <a:prstGeom prst="rect">
+              <a:avLst/>
+            </a:prstGeom>
+            <a:noFill/>
+            <a:ln>
+              <a:noFill/>
+            </a:ln>
+          </p:spPr>
+        </p:pic>
+      </p:grpSp>
+      <p:sp>
+        <p:nvSpPr>
+          <p:cNvPr id="10" name="Google Shape;277;p15">
+            <a:extLst>
+              <a:ext uri="{FF2B5EF4-FFF2-40B4-BE49-F238E27FC236}">
+                <a16:creationId xmlns:a16="http://schemas.microsoft.com/office/drawing/2014/main" id="{05A11419-2F19-4007-97DC-87FAFD1E4DF8}"/>
+              </a:ext>
+            </a:extLst>
+          </p:cNvPr>
+          <p:cNvSpPr txBox="1">
+            <a:spLocks noGrp="1"/>
+          </p:cNvSpPr>
+          <p:nvPr>
+            <p:ph type="title"/>
+          </p:nvPr>
+        </p:nvSpPr>
+        <p:spPr>
+          <a:xfrm>
+            <a:off x="1303800" y="790795"/>
+            <a:ext cx="3346172" cy="762624"/>
+          </a:xfrm>
+          <a:prstGeom prst="rect">
+            <a:avLst/>
+          </a:prstGeom>
+        </p:spPr>
+        <p:txBody>
+          <a:bodyPr spcFirstLastPara="1" wrap="square" lIns="91425" tIns="91425" rIns="91425" bIns="91425" anchor="t" anchorCtr="0">
+            <a:noAutofit/>
+          </a:bodyPr>
+          <a:lstStyle/>
+          <a:p>
+            <a:pPr marL="0" lvl="0" indent="0" algn="l" rtl="0">
+              <a:spcBef>
+                <a:spcPts val="0"/>
+              </a:spcBef>
+              <a:spcAft>
+                <a:spcPts val="0"/>
+              </a:spcAft>
+              <a:buNone/>
+            </a:pPr>
+            <a:r>
+              <a:rPr lang="pt-BR" sz="1800" dirty="0"/>
+              <a:t>Download da versão do QGIS</a:t>
+            </a:r>
+            <a:endParaRPr sz="1800" dirty="0"/>
+          </a:p>
+        </p:txBody>
+      </p:sp>
+      <p:grpSp>
+        <p:nvGrpSpPr>
+          <p:cNvPr id="7" name="Agrupar 6">
+            <a:extLst>
+              <a:ext uri="{FF2B5EF4-FFF2-40B4-BE49-F238E27FC236}">
+                <a16:creationId xmlns:a16="http://schemas.microsoft.com/office/drawing/2014/main" id="{7E82B5CC-07E0-48B6-8FD0-26B12900193C}"/>
+              </a:ext>
+            </a:extLst>
+          </p:cNvPr>
+          <p:cNvGrpSpPr/>
+          <p:nvPr/>
+        </p:nvGrpSpPr>
+        <p:grpSpPr>
+          <a:xfrm>
+            <a:off x="3547641" y="1597875"/>
+            <a:ext cx="5269689" cy="2968425"/>
+            <a:chOff x="1842511" y="1606538"/>
+            <a:chExt cx="5215467" cy="2933700"/>
+          </a:xfrm>
+        </p:grpSpPr>
+        <p:pic>
+          <p:nvPicPr>
+            <p:cNvPr id="3" name="Imagem 2">
+              <a:extLst>
+                <a:ext uri="{FF2B5EF4-FFF2-40B4-BE49-F238E27FC236}">
+                  <a16:creationId xmlns:a16="http://schemas.microsoft.com/office/drawing/2014/main" id="{ABF8DF67-5E16-4B20-ABFE-01BA56AEE5A3}"/>
+                </a:ext>
+              </a:extLst>
+            </p:cNvPr>
+            <p:cNvPicPr>
+              <a:picLocks noChangeAspect="1"/>
+            </p:cNvPicPr>
+            <p:nvPr/>
+          </p:nvPicPr>
+          <p:blipFill>
+            <a:blip r:embed="rId7"/>
+            <a:stretch>
+              <a:fillRect/>
+            </a:stretch>
+          </p:blipFill>
+          <p:spPr>
+            <a:xfrm>
+              <a:off x="1842511" y="1606538"/>
+              <a:ext cx="5215467" cy="2933700"/>
+            </a:xfrm>
+            <a:prstGeom prst="rect">
+              <a:avLst/>
+            </a:prstGeom>
+          </p:spPr>
+        </p:pic>
+        <p:sp>
+          <p:nvSpPr>
+            <p:cNvPr id="6" name="Retângulo 5">
+              <a:extLst>
+                <a:ext uri="{FF2B5EF4-FFF2-40B4-BE49-F238E27FC236}">
+                  <a16:creationId xmlns:a16="http://schemas.microsoft.com/office/drawing/2014/main" id="{050CB095-B018-4FB9-A879-FBECD098A50D}"/>
+                </a:ext>
+              </a:extLst>
+            </p:cNvPr>
+            <p:cNvSpPr/>
+            <p:nvPr/>
+          </p:nvSpPr>
+          <p:spPr>
+            <a:xfrm>
+              <a:off x="2536593" y="3263882"/>
+              <a:ext cx="2342135" cy="972452"/>
+            </a:xfrm>
+            <a:prstGeom prst="rect">
+              <a:avLst/>
+            </a:prstGeom>
+            <a:noFill/>
+            <a:ln w="9525" cap="flat" cmpd="sng" algn="ctr">
+              <a:solidFill>
+                <a:srgbClr val="FF0000"/>
+              </a:solidFill>
+              <a:prstDash val="solid"/>
+              <a:round/>
+              <a:headEnd type="none" w="med" len="med"/>
+              <a:tailEnd type="none" w="med" len="med"/>
+            </a:ln>
+          </p:spPr>
+          <p:style>
+            <a:lnRef idx="0">
+              <a:scrgbClr r="0" g="0" b="0"/>
+            </a:lnRef>
+            <a:fillRef idx="0">
+              <a:scrgbClr r="0" g="0" b="0"/>
+            </a:fillRef>
+            <a:effectRef idx="0">
+              <a:scrgbClr r="0" g="0" b="0"/>
+            </a:effectRef>
+            <a:fontRef idx="minor">
+              <a:schemeClr val="accent2"/>
+            </a:fontRef>
+          </p:style>
+          <p:txBody>
+            <a:bodyPr rtlCol="0" anchor="ctr"/>
+            <a:lstStyle/>
+            <a:p>
+              <a:pPr algn="ctr"/>
+              <a:endParaRPr lang="pt-BR"/>
+            </a:p>
+          </p:txBody>
+        </p:sp>
+      </p:grpSp>
+    </p:spTree>
+    <p:extLst>
+      <p:ext uri="{BB962C8B-B14F-4D97-AF65-F5344CB8AC3E}">
+        <p14:creationId xmlns:p14="http://schemas.microsoft.com/office/powerpoint/2010/main" val="1791547270"/>
+      </p:ext>
+    </p:extLst>
+  </p:cSld>
+  <p:clrMapOvr>
+    <a:masterClrMapping/>
+  </p:clrMapOvr>
+</p:sld>
+</file>
+
+<file path=ppt/slides/slide5.xml><?xml version="1.0" encoding="utf-8"?>
+<p:sld xmlns:a="http://schemas.openxmlformats.org/drawingml/2006/main" xmlns:r="http://schemas.openxmlformats.org/officeDocument/2006/relationships" xmlns:p="http://schemas.openxmlformats.org/presentationml/2006/main">
+  <p:cSld>
+    <p:spTree>
+      <p:nvGrpSpPr>
+        <p:cNvPr id="1" name="Shape 286"/>
+        <p:cNvGrpSpPr/>
+        <p:nvPr/>
+      </p:nvGrpSpPr>
+      <p:grpSpPr>
+        <a:xfrm>
+          <a:off x="0" y="0"/>
+          <a:ext cx="0" cy="0"/>
+          <a:chOff x="0" y="0"/>
+          <a:chExt cx="0" cy="0"/>
+        </a:xfrm>
+      </p:grpSpPr>
+      <p:sp>
+        <p:nvSpPr>
           <p:cNvPr id="287" name="Google Shape;287;p16"/>
           <p:cNvSpPr txBox="1">
             <a:spLocks noGrp="1"/>
@@ -15277,7 +17279,2286 @@
           </p:spPr>
         </p:pic>
       </p:grpSp>
+      <p:pic>
+        <p:nvPicPr>
+          <p:cNvPr id="3" name="Imagem 2">
+            <a:extLst>
+              <a:ext uri="{FF2B5EF4-FFF2-40B4-BE49-F238E27FC236}">
+                <a16:creationId xmlns:a16="http://schemas.microsoft.com/office/drawing/2014/main" id="{48043E09-5E52-4C93-8E8B-8067DDB173BA}"/>
+              </a:ext>
+            </a:extLst>
+          </p:cNvPr>
+          <p:cNvPicPr>
+            <a:picLocks noChangeAspect="1"/>
+          </p:cNvPicPr>
+          <p:nvPr/>
+        </p:nvPicPr>
+        <p:blipFill>
+          <a:blip r:embed="rId6"/>
+          <a:stretch>
+            <a:fillRect/>
+          </a:stretch>
+        </p:blipFill>
+        <p:spPr>
+          <a:xfrm>
+            <a:off x="1303795" y="301758"/>
+            <a:ext cx="7194440" cy="4264542"/>
+          </a:xfrm>
+          <a:prstGeom prst="rect">
+            <a:avLst/>
+          </a:prstGeom>
+        </p:spPr>
+      </p:pic>
+      <p:sp>
+        <p:nvSpPr>
+          <p:cNvPr id="4" name="CaixaDeTexto 3">
+            <a:extLst>
+              <a:ext uri="{FF2B5EF4-FFF2-40B4-BE49-F238E27FC236}">
+                <a16:creationId xmlns:a16="http://schemas.microsoft.com/office/drawing/2014/main" id="{3B44D460-4FED-4C4B-BDCE-216DDE5976D7}"/>
+              </a:ext>
+            </a:extLst>
+          </p:cNvPr>
+          <p:cNvSpPr txBox="1"/>
+          <p:nvPr/>
+        </p:nvSpPr>
+        <p:spPr>
+          <a:xfrm>
+            <a:off x="1855694" y="1385049"/>
+            <a:ext cx="1073755" cy="400110"/>
+          </a:xfrm>
+          <a:prstGeom prst="rect">
+            <a:avLst/>
+          </a:prstGeom>
+          <a:noFill/>
+        </p:spPr>
+        <p:txBody>
+          <a:bodyPr wrap="square" rtlCol="0">
+            <a:spAutoFit/>
+          </a:bodyPr>
+          <a:lstStyle/>
+          <a:p>
+            <a:r>
+              <a:rPr lang="pt-BR" sz="1000" dirty="0">
+                <a:solidFill>
+                  <a:srgbClr val="FF0000"/>
+                </a:solidFill>
+                <a:latin typeface="Nunito" panose="020B0604020202020204" charset="0"/>
+              </a:rPr>
+              <a:t>Gerenciamento </a:t>
+            </a:r>
+          </a:p>
+          <a:p>
+            <a:pPr algn="ctr"/>
+            <a:r>
+              <a:rPr lang="pt-BR" sz="1000" dirty="0">
+                <a:solidFill>
+                  <a:srgbClr val="FF0000"/>
+                </a:solidFill>
+                <a:latin typeface="Nunito" panose="020B0604020202020204" charset="0"/>
+              </a:rPr>
+              <a:t>de arquivo</a:t>
+            </a:r>
+          </a:p>
+        </p:txBody>
+      </p:sp>
+      <p:sp>
+        <p:nvSpPr>
+          <p:cNvPr id="5" name="CaixaDeTexto 4">
+            <a:extLst>
+              <a:ext uri="{FF2B5EF4-FFF2-40B4-BE49-F238E27FC236}">
+                <a16:creationId xmlns:a16="http://schemas.microsoft.com/office/drawing/2014/main" id="{5888B7C2-30E6-4853-9F5A-65EF47451EB4}"/>
+              </a:ext>
+            </a:extLst>
+          </p:cNvPr>
+          <p:cNvSpPr txBox="1"/>
+          <p:nvPr/>
+        </p:nvSpPr>
+        <p:spPr>
+          <a:xfrm>
+            <a:off x="1572299" y="3460379"/>
+            <a:ext cx="781041" cy="400110"/>
+          </a:xfrm>
+          <a:prstGeom prst="rect">
+            <a:avLst/>
+          </a:prstGeom>
+          <a:noFill/>
+        </p:spPr>
+        <p:txBody>
+          <a:bodyPr wrap="square" rtlCol="0">
+            <a:spAutoFit/>
+          </a:bodyPr>
+          <a:lstStyle/>
+          <a:p>
+            <a:r>
+              <a:rPr lang="pt-BR" sz="1000" dirty="0">
+                <a:solidFill>
+                  <a:srgbClr val="FF0000"/>
+                </a:solidFill>
+                <a:latin typeface="Nunito" panose="020B0604020202020204" charset="0"/>
+              </a:rPr>
+              <a:t>Painel de camadas</a:t>
+            </a:r>
+          </a:p>
+        </p:txBody>
+      </p:sp>
+      <p:sp>
+        <p:nvSpPr>
+          <p:cNvPr id="6" name="CaixaDeTexto 5">
+            <a:extLst>
+              <a:ext uri="{FF2B5EF4-FFF2-40B4-BE49-F238E27FC236}">
+                <a16:creationId xmlns:a16="http://schemas.microsoft.com/office/drawing/2014/main" id="{ADC434E1-38B0-4CBE-983F-81A4F02BF5AA}"/>
+              </a:ext>
+            </a:extLst>
+          </p:cNvPr>
+          <p:cNvSpPr txBox="1"/>
+          <p:nvPr/>
+        </p:nvSpPr>
+        <p:spPr>
+          <a:xfrm>
+            <a:off x="5073016" y="2329072"/>
+            <a:ext cx="1073755" cy="400110"/>
+          </a:xfrm>
+          <a:prstGeom prst="rect">
+            <a:avLst/>
+          </a:prstGeom>
+          <a:noFill/>
+        </p:spPr>
+        <p:txBody>
+          <a:bodyPr wrap="square" rtlCol="0">
+            <a:spAutoFit/>
+          </a:bodyPr>
+          <a:lstStyle/>
+          <a:p>
+            <a:pPr algn="ctr"/>
+            <a:r>
+              <a:rPr lang="pt-BR" sz="1000" dirty="0">
+                <a:solidFill>
+                  <a:srgbClr val="FF0000"/>
+                </a:solidFill>
+                <a:latin typeface="Nunito" panose="020B0604020202020204" charset="0"/>
+              </a:rPr>
+              <a:t>Visualização de camada</a:t>
+            </a:r>
+          </a:p>
+        </p:txBody>
+      </p:sp>
+      <p:sp>
+        <p:nvSpPr>
+          <p:cNvPr id="2" name="CaixaDeTexto 1">
+            <a:extLst>
+              <a:ext uri="{FF2B5EF4-FFF2-40B4-BE49-F238E27FC236}">
+                <a16:creationId xmlns:a16="http://schemas.microsoft.com/office/drawing/2014/main" id="{78C7F423-80DC-4FC0-BABA-9C2B7E818973}"/>
+              </a:ext>
+            </a:extLst>
+          </p:cNvPr>
+          <p:cNvSpPr txBox="1"/>
+          <p:nvPr/>
+        </p:nvSpPr>
+        <p:spPr>
+          <a:xfrm>
+            <a:off x="6044432" y="490321"/>
+            <a:ext cx="1073755" cy="400110"/>
+          </a:xfrm>
+          <a:prstGeom prst="rect">
+            <a:avLst/>
+          </a:prstGeom>
+          <a:noFill/>
+        </p:spPr>
+        <p:txBody>
+          <a:bodyPr wrap="square" rtlCol="0">
+            <a:spAutoFit/>
+          </a:bodyPr>
+          <a:lstStyle/>
+          <a:p>
+            <a:pPr algn="ctr"/>
+            <a:r>
+              <a:rPr lang="pt-BR" sz="1000" dirty="0">
+                <a:solidFill>
+                  <a:srgbClr val="FF0000"/>
+                </a:solidFill>
+                <a:latin typeface="Nunito" panose="020B0604020202020204" charset="0"/>
+              </a:rPr>
+              <a:t>Barra de ferramentas</a:t>
+            </a:r>
+          </a:p>
+        </p:txBody>
+      </p:sp>
+      <p:sp>
+        <p:nvSpPr>
+          <p:cNvPr id="14" name="Google Shape;277;p15">
+            <a:extLst>
+              <a:ext uri="{FF2B5EF4-FFF2-40B4-BE49-F238E27FC236}">
+                <a16:creationId xmlns:a16="http://schemas.microsoft.com/office/drawing/2014/main" id="{D7F15C3D-B0AE-4D78-8F33-96056D9C33B6}"/>
+              </a:ext>
+            </a:extLst>
+          </p:cNvPr>
+          <p:cNvSpPr txBox="1">
+            <a:spLocks/>
+          </p:cNvSpPr>
+          <p:nvPr/>
+        </p:nvSpPr>
+        <p:spPr>
+          <a:xfrm>
+            <a:off x="157802" y="217263"/>
+            <a:ext cx="1303795" cy="762624"/>
+          </a:xfrm>
+          <a:prstGeom prst="rect">
+            <a:avLst/>
+          </a:prstGeom>
+          <a:noFill/>
+          <a:ln>
+            <a:noFill/>
+          </a:ln>
+        </p:spPr>
+        <p:txBody>
+          <a:bodyPr spcFirstLastPara="1" wrap="square" lIns="91425" tIns="91425" rIns="91425" bIns="91425" anchor="t" anchorCtr="0">
+            <a:noAutofit/>
+          </a:bodyPr>
+          <a:lstStyle>
+            <a:defPPr marR="0" lvl="0" algn="l" rtl="0">
+              <a:lnSpc>
+                <a:spcPct val="100000"/>
+              </a:lnSpc>
+              <a:spcBef>
+                <a:spcPts val="0"/>
+              </a:spcBef>
+              <a:spcAft>
+                <a:spcPts val="0"/>
+              </a:spcAft>
+            </a:defPPr>
+            <a:lvl1pPr marR="0" lvl="0" algn="l" rtl="0">
+              <a:lnSpc>
+                <a:spcPct val="100000"/>
+              </a:lnSpc>
+              <a:spcBef>
+                <a:spcPts val="0"/>
+              </a:spcBef>
+              <a:spcAft>
+                <a:spcPts val="0"/>
+              </a:spcAft>
+              <a:buClr>
+                <a:schemeClr val="dk2"/>
+              </a:buClr>
+              <a:buSzPts val="2800"/>
+              <a:buFont typeface="Maven Pro"/>
+              <a:buNone/>
+              <a:defRPr sz="2800" b="1" i="0" u="none" strike="noStrike" cap="none">
+                <a:solidFill>
+                  <a:schemeClr val="dk2"/>
+                </a:solidFill>
+                <a:latin typeface="Maven Pro"/>
+                <a:ea typeface="Maven Pro"/>
+                <a:cs typeface="Maven Pro"/>
+                <a:sym typeface="Maven Pro"/>
+              </a:defRPr>
+            </a:lvl1pPr>
+            <a:lvl2pPr marR="0" lvl="1" algn="l" rtl="0">
+              <a:lnSpc>
+                <a:spcPct val="100000"/>
+              </a:lnSpc>
+              <a:spcBef>
+                <a:spcPts val="0"/>
+              </a:spcBef>
+              <a:spcAft>
+                <a:spcPts val="0"/>
+              </a:spcAft>
+              <a:buClr>
+                <a:schemeClr val="dk2"/>
+              </a:buClr>
+              <a:buSzPts val="2800"/>
+              <a:buFont typeface="Maven Pro"/>
+              <a:buNone/>
+              <a:defRPr sz="2800" b="1" i="0" u="none" strike="noStrike" cap="none">
+                <a:solidFill>
+                  <a:schemeClr val="dk2"/>
+                </a:solidFill>
+                <a:latin typeface="Maven Pro"/>
+                <a:ea typeface="Maven Pro"/>
+                <a:cs typeface="Maven Pro"/>
+                <a:sym typeface="Maven Pro"/>
+              </a:defRPr>
+            </a:lvl2pPr>
+            <a:lvl3pPr marR="0" lvl="2" algn="l" rtl="0">
+              <a:lnSpc>
+                <a:spcPct val="100000"/>
+              </a:lnSpc>
+              <a:spcBef>
+                <a:spcPts val="0"/>
+              </a:spcBef>
+              <a:spcAft>
+                <a:spcPts val="0"/>
+              </a:spcAft>
+              <a:buClr>
+                <a:schemeClr val="dk2"/>
+              </a:buClr>
+              <a:buSzPts val="2800"/>
+              <a:buFont typeface="Maven Pro"/>
+              <a:buNone/>
+              <a:defRPr sz="2800" b="1" i="0" u="none" strike="noStrike" cap="none">
+                <a:solidFill>
+                  <a:schemeClr val="dk2"/>
+                </a:solidFill>
+                <a:latin typeface="Maven Pro"/>
+                <a:ea typeface="Maven Pro"/>
+                <a:cs typeface="Maven Pro"/>
+                <a:sym typeface="Maven Pro"/>
+              </a:defRPr>
+            </a:lvl3pPr>
+            <a:lvl4pPr marR="0" lvl="3" algn="l" rtl="0">
+              <a:lnSpc>
+                <a:spcPct val="100000"/>
+              </a:lnSpc>
+              <a:spcBef>
+                <a:spcPts val="0"/>
+              </a:spcBef>
+              <a:spcAft>
+                <a:spcPts val="0"/>
+              </a:spcAft>
+              <a:buClr>
+                <a:schemeClr val="dk2"/>
+              </a:buClr>
+              <a:buSzPts val="2800"/>
+              <a:buFont typeface="Maven Pro"/>
+              <a:buNone/>
+              <a:defRPr sz="2800" b="1" i="0" u="none" strike="noStrike" cap="none">
+                <a:solidFill>
+                  <a:schemeClr val="dk2"/>
+                </a:solidFill>
+                <a:latin typeface="Maven Pro"/>
+                <a:ea typeface="Maven Pro"/>
+                <a:cs typeface="Maven Pro"/>
+                <a:sym typeface="Maven Pro"/>
+              </a:defRPr>
+            </a:lvl4pPr>
+            <a:lvl5pPr marR="0" lvl="4" algn="l" rtl="0">
+              <a:lnSpc>
+                <a:spcPct val="100000"/>
+              </a:lnSpc>
+              <a:spcBef>
+                <a:spcPts val="0"/>
+              </a:spcBef>
+              <a:spcAft>
+                <a:spcPts val="0"/>
+              </a:spcAft>
+              <a:buClr>
+                <a:schemeClr val="dk2"/>
+              </a:buClr>
+              <a:buSzPts val="2800"/>
+              <a:buFont typeface="Maven Pro"/>
+              <a:buNone/>
+              <a:defRPr sz="2800" b="1" i="0" u="none" strike="noStrike" cap="none">
+                <a:solidFill>
+                  <a:schemeClr val="dk2"/>
+                </a:solidFill>
+                <a:latin typeface="Maven Pro"/>
+                <a:ea typeface="Maven Pro"/>
+                <a:cs typeface="Maven Pro"/>
+                <a:sym typeface="Maven Pro"/>
+              </a:defRPr>
+            </a:lvl5pPr>
+            <a:lvl6pPr marR="0" lvl="5" algn="l" rtl="0">
+              <a:lnSpc>
+                <a:spcPct val="100000"/>
+              </a:lnSpc>
+              <a:spcBef>
+                <a:spcPts val="0"/>
+              </a:spcBef>
+              <a:spcAft>
+                <a:spcPts val="0"/>
+              </a:spcAft>
+              <a:buClr>
+                <a:schemeClr val="dk2"/>
+              </a:buClr>
+              <a:buSzPts val="2800"/>
+              <a:buFont typeface="Maven Pro"/>
+              <a:buNone/>
+              <a:defRPr sz="2800" b="1" i="0" u="none" strike="noStrike" cap="none">
+                <a:solidFill>
+                  <a:schemeClr val="dk2"/>
+                </a:solidFill>
+                <a:latin typeface="Maven Pro"/>
+                <a:ea typeface="Maven Pro"/>
+                <a:cs typeface="Maven Pro"/>
+                <a:sym typeface="Maven Pro"/>
+              </a:defRPr>
+            </a:lvl6pPr>
+            <a:lvl7pPr marR="0" lvl="6" algn="l" rtl="0">
+              <a:lnSpc>
+                <a:spcPct val="100000"/>
+              </a:lnSpc>
+              <a:spcBef>
+                <a:spcPts val="0"/>
+              </a:spcBef>
+              <a:spcAft>
+                <a:spcPts val="0"/>
+              </a:spcAft>
+              <a:buClr>
+                <a:schemeClr val="dk2"/>
+              </a:buClr>
+              <a:buSzPts val="2800"/>
+              <a:buFont typeface="Maven Pro"/>
+              <a:buNone/>
+              <a:defRPr sz="2800" b="1" i="0" u="none" strike="noStrike" cap="none">
+                <a:solidFill>
+                  <a:schemeClr val="dk2"/>
+                </a:solidFill>
+                <a:latin typeface="Maven Pro"/>
+                <a:ea typeface="Maven Pro"/>
+                <a:cs typeface="Maven Pro"/>
+                <a:sym typeface="Maven Pro"/>
+              </a:defRPr>
+            </a:lvl7pPr>
+            <a:lvl8pPr marR="0" lvl="7" algn="l" rtl="0">
+              <a:lnSpc>
+                <a:spcPct val="100000"/>
+              </a:lnSpc>
+              <a:spcBef>
+                <a:spcPts val="0"/>
+              </a:spcBef>
+              <a:spcAft>
+                <a:spcPts val="0"/>
+              </a:spcAft>
+              <a:buClr>
+                <a:schemeClr val="dk2"/>
+              </a:buClr>
+              <a:buSzPts val="2800"/>
+              <a:buFont typeface="Maven Pro"/>
+              <a:buNone/>
+              <a:defRPr sz="2800" b="1" i="0" u="none" strike="noStrike" cap="none">
+                <a:solidFill>
+                  <a:schemeClr val="dk2"/>
+                </a:solidFill>
+                <a:latin typeface="Maven Pro"/>
+                <a:ea typeface="Maven Pro"/>
+                <a:cs typeface="Maven Pro"/>
+                <a:sym typeface="Maven Pro"/>
+              </a:defRPr>
+            </a:lvl8pPr>
+            <a:lvl9pPr marR="0" lvl="8" algn="l" rtl="0">
+              <a:lnSpc>
+                <a:spcPct val="100000"/>
+              </a:lnSpc>
+              <a:spcBef>
+                <a:spcPts val="0"/>
+              </a:spcBef>
+              <a:spcAft>
+                <a:spcPts val="0"/>
+              </a:spcAft>
+              <a:buClr>
+                <a:schemeClr val="dk2"/>
+              </a:buClr>
+              <a:buSzPts val="2800"/>
+              <a:buFont typeface="Maven Pro"/>
+              <a:buNone/>
+              <a:defRPr sz="2800" b="1" i="0" u="none" strike="noStrike" cap="none">
+                <a:solidFill>
+                  <a:schemeClr val="dk2"/>
+                </a:solidFill>
+                <a:latin typeface="Maven Pro"/>
+                <a:ea typeface="Maven Pro"/>
+                <a:cs typeface="Maven Pro"/>
+                <a:sym typeface="Maven Pro"/>
+              </a:defRPr>
+            </a:lvl9pPr>
+          </a:lstStyle>
+          <a:p>
+            <a:r>
+              <a:rPr lang="pt-BR" sz="1800" dirty="0"/>
+              <a:t>Interface</a:t>
+            </a:r>
+          </a:p>
+        </p:txBody>
+      </p:sp>
     </p:spTree>
+  </p:cSld>
+  <p:clrMapOvr>
+    <a:masterClrMapping/>
+  </p:clrMapOvr>
+</p:sld>
+</file>
+
+<file path=ppt/slides/slide6.xml><?xml version="1.0" encoding="utf-8"?>
+<p:sld xmlns:a="http://schemas.openxmlformats.org/drawingml/2006/main" xmlns:r="http://schemas.openxmlformats.org/officeDocument/2006/relationships" xmlns:p="http://schemas.openxmlformats.org/presentationml/2006/main">
+  <p:cSld>
+    <p:spTree>
+      <p:nvGrpSpPr>
+        <p:cNvPr id="1" name="Shape 286"/>
+        <p:cNvGrpSpPr/>
+        <p:nvPr/>
+      </p:nvGrpSpPr>
+      <p:grpSpPr>
+        <a:xfrm>
+          <a:off x="0" y="0"/>
+          <a:ext cx="0" cy="0"/>
+          <a:chOff x="0" y="0"/>
+          <a:chExt cx="0" cy="0"/>
+        </a:xfrm>
+      </p:grpSpPr>
+      <p:sp>
+        <p:nvSpPr>
+          <p:cNvPr id="288" name="Google Shape;288;p16"/>
+          <p:cNvSpPr txBox="1">
+            <a:spLocks noGrp="1"/>
+          </p:cNvSpPr>
+          <p:nvPr>
+            <p:ph type="body" idx="1"/>
+          </p:nvPr>
+        </p:nvSpPr>
+        <p:spPr>
+          <a:xfrm>
+            <a:off x="5291999" y="1632600"/>
+            <a:ext cx="3171385" cy="2628732"/>
+          </a:xfrm>
+          <a:prstGeom prst="rect">
+            <a:avLst/>
+          </a:prstGeom>
+        </p:spPr>
+        <p:txBody>
+          <a:bodyPr spcFirstLastPara="1" wrap="square" lIns="91425" tIns="91425" rIns="91425" bIns="91425" anchor="t" anchorCtr="0">
+            <a:noAutofit/>
+          </a:bodyPr>
+          <a:lstStyle/>
+          <a:p>
+            <a:pPr marL="285750" indent="-285750">
+              <a:spcAft>
+                <a:spcPts val="1600"/>
+              </a:spcAft>
+            </a:pPr>
+            <a:r>
+              <a:rPr lang="pt-BR" dirty="0" err="1"/>
+              <a:t>MapBiomas</a:t>
+            </a:r>
+            <a:r>
+              <a:rPr lang="pt-BR" dirty="0"/>
+              <a:t> </a:t>
+            </a:r>
+            <a:r>
+              <a:rPr lang="pt-BR" dirty="0" err="1"/>
+              <a:t>Alert</a:t>
+            </a:r>
+            <a:endParaRPr lang="pt-BR" dirty="0"/>
+          </a:p>
+          <a:p>
+            <a:pPr marL="285750" indent="-285750">
+              <a:spcAft>
+                <a:spcPts val="1600"/>
+              </a:spcAft>
+            </a:pPr>
+            <a:r>
+              <a:rPr lang="pt-BR" dirty="0" err="1"/>
+              <a:t>Mapbiomas</a:t>
+            </a:r>
+            <a:r>
+              <a:rPr lang="pt-BR" dirty="0"/>
+              <a:t> </a:t>
+            </a:r>
+            <a:r>
+              <a:rPr lang="pt-BR" dirty="0" err="1"/>
+              <a:t>Collection</a:t>
+            </a:r>
+            <a:endParaRPr lang="pt-BR" dirty="0"/>
+          </a:p>
+          <a:p>
+            <a:pPr marL="285750" indent="-285750">
+              <a:spcAft>
+                <a:spcPts val="1600"/>
+              </a:spcAft>
+            </a:pPr>
+            <a:r>
+              <a:rPr lang="pt-BR" dirty="0" err="1"/>
+              <a:t>QuickMapService</a:t>
+            </a:r>
+            <a:endParaRPr lang="pt-BR" dirty="0"/>
+          </a:p>
+          <a:p>
+            <a:pPr marL="285750" indent="-285750">
+              <a:spcAft>
+                <a:spcPts val="1600"/>
+              </a:spcAft>
+            </a:pPr>
+            <a:r>
+              <a:rPr lang="pt-BR" dirty="0" err="1"/>
+              <a:t>QuickOSM</a:t>
+            </a:r>
+            <a:endParaRPr lang="pt-BR" dirty="0"/>
+          </a:p>
+          <a:p>
+            <a:pPr marL="285750" indent="-285750">
+              <a:spcAft>
+                <a:spcPts val="1600"/>
+              </a:spcAft>
+            </a:pPr>
+            <a:r>
+              <a:rPr lang="pt-BR" dirty="0" err="1"/>
+              <a:t>Semi-Automatic</a:t>
+            </a:r>
+            <a:r>
+              <a:rPr lang="pt-BR" dirty="0"/>
+              <a:t> </a:t>
+            </a:r>
+            <a:r>
+              <a:rPr lang="pt-BR" dirty="0" err="1"/>
+              <a:t>Classification</a:t>
+            </a:r>
+            <a:r>
+              <a:rPr lang="pt-BR" dirty="0"/>
+              <a:t> Plugin</a:t>
+            </a:r>
+            <a:endParaRPr dirty="0"/>
+          </a:p>
+        </p:txBody>
+      </p:sp>
+      <p:grpSp>
+        <p:nvGrpSpPr>
+          <p:cNvPr id="289" name="Google Shape;289;p16"/>
+          <p:cNvGrpSpPr/>
+          <p:nvPr/>
+        </p:nvGrpSpPr>
+        <p:grpSpPr>
+          <a:xfrm>
+            <a:off x="1303795" y="4531575"/>
+            <a:ext cx="7030504" cy="611849"/>
+            <a:chOff x="1303795" y="4531575"/>
+            <a:chExt cx="7030504" cy="611849"/>
+          </a:xfrm>
+        </p:grpSpPr>
+        <p:pic>
+          <p:nvPicPr>
+            <p:cNvPr id="290" name="Google Shape;290;p16"/>
+            <p:cNvPicPr preferRelativeResize="0"/>
+            <p:nvPr/>
+          </p:nvPicPr>
+          <p:blipFill>
+            <a:blip r:embed="rId3">
+              <a:alphaModFix/>
+            </a:blip>
+            <a:stretch>
+              <a:fillRect/>
+            </a:stretch>
+          </p:blipFill>
+          <p:spPr>
+            <a:xfrm>
+              <a:off x="3932690" y="4531575"/>
+              <a:ext cx="1278617" cy="611849"/>
+            </a:xfrm>
+            <a:prstGeom prst="rect">
+              <a:avLst/>
+            </a:prstGeom>
+            <a:noFill/>
+            <a:ln>
+              <a:noFill/>
+            </a:ln>
+          </p:spPr>
+        </p:pic>
+        <p:pic>
+          <p:nvPicPr>
+            <p:cNvPr id="291" name="Google Shape;291;p16"/>
+            <p:cNvPicPr preferRelativeResize="0"/>
+            <p:nvPr/>
+          </p:nvPicPr>
+          <p:blipFill>
+            <a:blip r:embed="rId4">
+              <a:alphaModFix/>
+            </a:blip>
+            <a:stretch>
+              <a:fillRect/>
+            </a:stretch>
+          </p:blipFill>
+          <p:spPr>
+            <a:xfrm>
+              <a:off x="6662660" y="4583700"/>
+              <a:ext cx="1671638" cy="438150"/>
+            </a:xfrm>
+            <a:prstGeom prst="rect">
+              <a:avLst/>
+            </a:prstGeom>
+            <a:noFill/>
+            <a:ln>
+              <a:noFill/>
+            </a:ln>
+          </p:spPr>
+        </p:pic>
+        <p:pic>
+          <p:nvPicPr>
+            <p:cNvPr id="292" name="Google Shape;292;p16"/>
+            <p:cNvPicPr preferRelativeResize="0"/>
+            <p:nvPr/>
+          </p:nvPicPr>
+          <p:blipFill>
+            <a:blip r:embed="rId5">
+              <a:alphaModFix/>
+            </a:blip>
+            <a:stretch>
+              <a:fillRect/>
+            </a:stretch>
+          </p:blipFill>
+          <p:spPr>
+            <a:xfrm>
+              <a:off x="1303795" y="4566300"/>
+              <a:ext cx="805382" cy="542400"/>
+            </a:xfrm>
+            <a:prstGeom prst="rect">
+              <a:avLst/>
+            </a:prstGeom>
+            <a:noFill/>
+            <a:ln>
+              <a:noFill/>
+            </a:ln>
+          </p:spPr>
+        </p:pic>
+      </p:grpSp>
+      <p:pic>
+        <p:nvPicPr>
+          <p:cNvPr id="3" name="Imagem 2">
+            <a:extLst>
+              <a:ext uri="{FF2B5EF4-FFF2-40B4-BE49-F238E27FC236}">
+                <a16:creationId xmlns:a16="http://schemas.microsoft.com/office/drawing/2014/main" id="{EAAD3B6C-621D-450E-9B8F-96B4C149EBA8}"/>
+              </a:ext>
+            </a:extLst>
+          </p:cNvPr>
+          <p:cNvPicPr>
+            <a:picLocks noChangeAspect="1"/>
+          </p:cNvPicPr>
+          <p:nvPr/>
+        </p:nvPicPr>
+        <p:blipFill rotWithShape="1">
+          <a:blip r:embed="rId6"/>
+          <a:srcRect l="50000" t="911" r="21957" b="83032"/>
+          <a:stretch/>
+        </p:blipFill>
+        <p:spPr>
+          <a:xfrm>
+            <a:off x="1303794" y="1020751"/>
+            <a:ext cx="3778437" cy="611849"/>
+          </a:xfrm>
+          <a:prstGeom prst="rect">
+            <a:avLst/>
+          </a:prstGeom>
+          <a:ln>
+            <a:noFill/>
+          </a:ln>
+          <a:effectLst/>
+        </p:spPr>
+      </p:pic>
+      <p:sp>
+        <p:nvSpPr>
+          <p:cNvPr id="4" name="CaixaDeTexto 3">
+            <a:extLst>
+              <a:ext uri="{FF2B5EF4-FFF2-40B4-BE49-F238E27FC236}">
+                <a16:creationId xmlns:a16="http://schemas.microsoft.com/office/drawing/2014/main" id="{14907586-4E9A-4AA0-8921-0966C8018C7F}"/>
+              </a:ext>
+            </a:extLst>
+          </p:cNvPr>
+          <p:cNvSpPr txBox="1"/>
+          <p:nvPr/>
+        </p:nvSpPr>
+        <p:spPr>
+          <a:xfrm>
+            <a:off x="1223111" y="755194"/>
+            <a:ext cx="3656770" cy="230832"/>
+          </a:xfrm>
+          <a:prstGeom prst="rect">
+            <a:avLst/>
+          </a:prstGeom>
+          <a:noFill/>
+        </p:spPr>
+        <p:txBody>
+          <a:bodyPr wrap="none" rtlCol="0">
+            <a:spAutoFit/>
+          </a:bodyPr>
+          <a:lstStyle/>
+          <a:p>
+            <a:r>
+              <a:rPr lang="pt-BR" sz="900" dirty="0">
+                <a:solidFill>
+                  <a:srgbClr val="FF0000"/>
+                </a:solidFill>
+                <a:latin typeface="Nunito" panose="020B0604020202020204" charset="0"/>
+              </a:rPr>
+              <a:t>Clique na aba Complementos &gt; Gerenciar e Instalar Complementos</a:t>
+            </a:r>
+          </a:p>
+        </p:txBody>
+      </p:sp>
+      <p:pic>
+        <p:nvPicPr>
+          <p:cNvPr id="6" name="Imagem 5">
+            <a:extLst>
+              <a:ext uri="{FF2B5EF4-FFF2-40B4-BE49-F238E27FC236}">
+                <a16:creationId xmlns:a16="http://schemas.microsoft.com/office/drawing/2014/main" id="{DF2E1474-56E7-465B-88A0-C7B3546F46CB}"/>
+              </a:ext>
+            </a:extLst>
+          </p:cNvPr>
+          <p:cNvPicPr>
+            <a:picLocks noChangeAspect="1"/>
+          </p:cNvPicPr>
+          <p:nvPr/>
+        </p:nvPicPr>
+        <p:blipFill>
+          <a:blip r:embed="rId7"/>
+          <a:stretch>
+            <a:fillRect/>
+          </a:stretch>
+        </p:blipFill>
+        <p:spPr>
+          <a:xfrm>
+            <a:off x="1303794" y="1902843"/>
+            <a:ext cx="3528194" cy="2628732"/>
+          </a:xfrm>
+          <a:prstGeom prst="rect">
+            <a:avLst/>
+          </a:prstGeom>
+        </p:spPr>
+      </p:pic>
+      <p:sp>
+        <p:nvSpPr>
+          <p:cNvPr id="7" name="CaixaDeTexto 6">
+            <a:extLst>
+              <a:ext uri="{FF2B5EF4-FFF2-40B4-BE49-F238E27FC236}">
+                <a16:creationId xmlns:a16="http://schemas.microsoft.com/office/drawing/2014/main" id="{FC700F3B-0D4F-4574-9309-10199617A294}"/>
+              </a:ext>
+            </a:extLst>
+          </p:cNvPr>
+          <p:cNvSpPr txBox="1"/>
+          <p:nvPr/>
+        </p:nvSpPr>
+        <p:spPr>
+          <a:xfrm>
+            <a:off x="1223111" y="1666781"/>
+            <a:ext cx="1467068" cy="230832"/>
+          </a:xfrm>
+          <a:prstGeom prst="rect">
+            <a:avLst/>
+          </a:prstGeom>
+          <a:noFill/>
+        </p:spPr>
+        <p:txBody>
+          <a:bodyPr wrap="none" rtlCol="0">
+            <a:spAutoFit/>
+          </a:bodyPr>
+          <a:lstStyle/>
+          <a:p>
+            <a:r>
+              <a:rPr lang="pt-BR" sz="900" dirty="0">
+                <a:solidFill>
+                  <a:srgbClr val="FF0000"/>
+                </a:solidFill>
+                <a:latin typeface="Nunito" panose="020B0604020202020204" charset="0"/>
+              </a:rPr>
+              <a:t>Janela de complementos</a:t>
+            </a:r>
+          </a:p>
+        </p:txBody>
+      </p:sp>
+      <p:sp>
+        <p:nvSpPr>
+          <p:cNvPr id="15" name="Google Shape;277;p15">
+            <a:extLst>
+              <a:ext uri="{FF2B5EF4-FFF2-40B4-BE49-F238E27FC236}">
+                <a16:creationId xmlns:a16="http://schemas.microsoft.com/office/drawing/2014/main" id="{E12A2258-33F5-4778-A37E-848F8CFB5C09}"/>
+              </a:ext>
+            </a:extLst>
+          </p:cNvPr>
+          <p:cNvSpPr txBox="1">
+            <a:spLocks noGrp="1"/>
+          </p:cNvSpPr>
+          <p:nvPr>
+            <p:ph type="title"/>
+          </p:nvPr>
+        </p:nvSpPr>
+        <p:spPr>
+          <a:xfrm>
+            <a:off x="5291999" y="755194"/>
+            <a:ext cx="2628890" cy="762624"/>
+          </a:xfrm>
+          <a:prstGeom prst="rect">
+            <a:avLst/>
+          </a:prstGeom>
+        </p:spPr>
+        <p:txBody>
+          <a:bodyPr spcFirstLastPara="1" wrap="square" lIns="91425" tIns="91425" rIns="91425" bIns="91425" anchor="t" anchorCtr="0">
+            <a:noAutofit/>
+          </a:bodyPr>
+          <a:lstStyle/>
+          <a:p>
+            <a:pPr marL="0" lvl="0" indent="0" algn="l" rtl="0">
+              <a:spcBef>
+                <a:spcPts val="0"/>
+              </a:spcBef>
+              <a:spcAft>
+                <a:spcPts val="0"/>
+              </a:spcAft>
+              <a:buNone/>
+            </a:pPr>
+            <a:r>
+              <a:rPr lang="pt-BR" sz="1800" dirty="0"/>
+              <a:t>Plugin</a:t>
+            </a:r>
+            <a:endParaRPr sz="1800" dirty="0"/>
+          </a:p>
+        </p:txBody>
+      </p:sp>
+    </p:spTree>
+    <p:extLst>
+      <p:ext uri="{BB962C8B-B14F-4D97-AF65-F5344CB8AC3E}">
+        <p14:creationId xmlns:p14="http://schemas.microsoft.com/office/powerpoint/2010/main" val="574452318"/>
+      </p:ext>
+    </p:extLst>
+  </p:cSld>
+  <p:clrMapOvr>
+    <a:masterClrMapping/>
+  </p:clrMapOvr>
+</p:sld>
+</file>
+
+<file path=ppt/slides/slide7.xml><?xml version="1.0" encoding="utf-8"?>
+<p:sld xmlns:a="http://schemas.openxmlformats.org/drawingml/2006/main" xmlns:r="http://schemas.openxmlformats.org/officeDocument/2006/relationships" xmlns:p="http://schemas.openxmlformats.org/presentationml/2006/main">
+  <p:cSld>
+    <p:spTree>
+      <p:nvGrpSpPr>
+        <p:cNvPr id="1" name="Shape 286"/>
+        <p:cNvGrpSpPr/>
+        <p:nvPr/>
+      </p:nvGrpSpPr>
+      <p:grpSpPr>
+        <a:xfrm>
+          <a:off x="0" y="0"/>
+          <a:ext cx="0" cy="0"/>
+          <a:chOff x="0" y="0"/>
+          <a:chExt cx="0" cy="0"/>
+        </a:xfrm>
+      </p:grpSpPr>
+      <p:grpSp>
+        <p:nvGrpSpPr>
+          <p:cNvPr id="289" name="Google Shape;289;p16"/>
+          <p:cNvGrpSpPr/>
+          <p:nvPr/>
+        </p:nvGrpSpPr>
+        <p:grpSpPr>
+          <a:xfrm>
+            <a:off x="1303795" y="4531575"/>
+            <a:ext cx="7030504" cy="611849"/>
+            <a:chOff x="1303795" y="4531575"/>
+            <a:chExt cx="7030504" cy="611849"/>
+          </a:xfrm>
+        </p:grpSpPr>
+        <p:pic>
+          <p:nvPicPr>
+            <p:cNvPr id="290" name="Google Shape;290;p16"/>
+            <p:cNvPicPr preferRelativeResize="0"/>
+            <p:nvPr/>
+          </p:nvPicPr>
+          <p:blipFill>
+            <a:blip r:embed="rId3">
+              <a:alphaModFix/>
+            </a:blip>
+            <a:stretch>
+              <a:fillRect/>
+            </a:stretch>
+          </p:blipFill>
+          <p:spPr>
+            <a:xfrm>
+              <a:off x="3932690" y="4531575"/>
+              <a:ext cx="1278617" cy="611849"/>
+            </a:xfrm>
+            <a:prstGeom prst="rect">
+              <a:avLst/>
+            </a:prstGeom>
+            <a:noFill/>
+            <a:ln>
+              <a:noFill/>
+            </a:ln>
+          </p:spPr>
+        </p:pic>
+        <p:pic>
+          <p:nvPicPr>
+            <p:cNvPr id="291" name="Google Shape;291;p16"/>
+            <p:cNvPicPr preferRelativeResize="0"/>
+            <p:nvPr/>
+          </p:nvPicPr>
+          <p:blipFill>
+            <a:blip r:embed="rId4">
+              <a:alphaModFix/>
+            </a:blip>
+            <a:stretch>
+              <a:fillRect/>
+            </a:stretch>
+          </p:blipFill>
+          <p:spPr>
+            <a:xfrm>
+              <a:off x="6662660" y="4583700"/>
+              <a:ext cx="1671638" cy="438150"/>
+            </a:xfrm>
+            <a:prstGeom prst="rect">
+              <a:avLst/>
+            </a:prstGeom>
+            <a:noFill/>
+            <a:ln>
+              <a:noFill/>
+            </a:ln>
+          </p:spPr>
+        </p:pic>
+        <p:pic>
+          <p:nvPicPr>
+            <p:cNvPr id="292" name="Google Shape;292;p16"/>
+            <p:cNvPicPr preferRelativeResize="0"/>
+            <p:nvPr/>
+          </p:nvPicPr>
+          <p:blipFill>
+            <a:blip r:embed="rId5">
+              <a:alphaModFix/>
+            </a:blip>
+            <a:stretch>
+              <a:fillRect/>
+            </a:stretch>
+          </p:blipFill>
+          <p:spPr>
+            <a:xfrm>
+              <a:off x="1303795" y="4566300"/>
+              <a:ext cx="805382" cy="542400"/>
+            </a:xfrm>
+            <a:prstGeom prst="rect">
+              <a:avLst/>
+            </a:prstGeom>
+            <a:noFill/>
+            <a:ln>
+              <a:noFill/>
+            </a:ln>
+          </p:spPr>
+        </p:pic>
+      </p:grpSp>
+      <p:pic>
+        <p:nvPicPr>
+          <p:cNvPr id="6" name="Imagem 5">
+            <a:extLst>
+              <a:ext uri="{FF2B5EF4-FFF2-40B4-BE49-F238E27FC236}">
+                <a16:creationId xmlns:a16="http://schemas.microsoft.com/office/drawing/2014/main" id="{0E5DEF8C-C44C-4886-A4B9-DF1DCE1778F7}"/>
+              </a:ext>
+            </a:extLst>
+          </p:cNvPr>
+          <p:cNvPicPr>
+            <a:picLocks noChangeAspect="1"/>
+          </p:cNvPicPr>
+          <p:nvPr/>
+        </p:nvPicPr>
+        <p:blipFill rotWithShape="1">
+          <a:blip r:embed="rId6"/>
+          <a:srcRect r="72603" b="48212"/>
+          <a:stretch/>
+        </p:blipFill>
+        <p:spPr>
+          <a:xfrm>
+            <a:off x="1303795" y="1361199"/>
+            <a:ext cx="2505184" cy="2663687"/>
+          </a:xfrm>
+          <a:prstGeom prst="rect">
+            <a:avLst/>
+          </a:prstGeom>
+        </p:spPr>
+      </p:pic>
+      <p:sp>
+        <p:nvSpPr>
+          <p:cNvPr id="8" name="Retângulo 7">
+            <a:extLst>
+              <a:ext uri="{FF2B5EF4-FFF2-40B4-BE49-F238E27FC236}">
+                <a16:creationId xmlns:a16="http://schemas.microsoft.com/office/drawing/2014/main" id="{F12278AF-D08B-4CE1-9563-F2EFD896CD0D}"/>
+              </a:ext>
+            </a:extLst>
+          </p:cNvPr>
+          <p:cNvSpPr/>
+          <p:nvPr/>
+        </p:nvSpPr>
+        <p:spPr>
+          <a:xfrm>
+            <a:off x="1303795" y="1545750"/>
+            <a:ext cx="270207" cy="1804438"/>
+          </a:xfrm>
+          <a:prstGeom prst="rect">
+            <a:avLst/>
+          </a:prstGeom>
+          <a:noFill/>
+          <a:ln w="12700">
+            <a:solidFill>
+              <a:srgbClr val="FF0000"/>
+            </a:solidFill>
+          </a:ln>
+        </p:spPr>
+        <p:style>
+          <a:lnRef idx="2">
+            <a:schemeClr val="accent1">
+              <a:shade val="50000"/>
+            </a:schemeClr>
+          </a:lnRef>
+          <a:fillRef idx="1">
+            <a:schemeClr val="accent1"/>
+          </a:fillRef>
+          <a:effectRef idx="0">
+            <a:schemeClr val="accent1"/>
+          </a:effectRef>
+          <a:fontRef idx="minor">
+            <a:schemeClr val="lt1"/>
+          </a:fontRef>
+        </p:style>
+        <p:txBody>
+          <a:bodyPr rtlCol="0" anchor="ctr"/>
+          <a:lstStyle/>
+          <a:p>
+            <a:pPr algn="ctr"/>
+            <a:endParaRPr lang="pt-BR"/>
+          </a:p>
+        </p:txBody>
+      </p:sp>
+      <p:sp>
+        <p:nvSpPr>
+          <p:cNvPr id="11" name="CaixaDeTexto 10">
+            <a:extLst>
+              <a:ext uri="{FF2B5EF4-FFF2-40B4-BE49-F238E27FC236}">
+                <a16:creationId xmlns:a16="http://schemas.microsoft.com/office/drawing/2014/main" id="{DAC835BD-B799-43C3-9F27-CCC03ACB66F6}"/>
+              </a:ext>
+            </a:extLst>
+          </p:cNvPr>
+          <p:cNvSpPr txBox="1"/>
+          <p:nvPr/>
+        </p:nvSpPr>
+        <p:spPr>
+          <a:xfrm>
+            <a:off x="511590" y="2323711"/>
+            <a:ext cx="792205" cy="400110"/>
+          </a:xfrm>
+          <a:prstGeom prst="rect">
+            <a:avLst/>
+          </a:prstGeom>
+          <a:noFill/>
+        </p:spPr>
+        <p:txBody>
+          <a:bodyPr wrap="none" rtlCol="0">
+            <a:spAutoFit/>
+          </a:bodyPr>
+          <a:lstStyle/>
+          <a:p>
+            <a:pPr algn="ctr"/>
+            <a:r>
+              <a:rPr lang="pt-BR" sz="1000" dirty="0">
+                <a:latin typeface="Nunito" panose="020B0604020202020204" charset="0"/>
+              </a:rPr>
+              <a:t>Adição de </a:t>
+            </a:r>
+          </a:p>
+          <a:p>
+            <a:pPr algn="ctr"/>
+            <a:r>
+              <a:rPr lang="pt-BR" sz="1000" dirty="0">
+                <a:latin typeface="Nunito" panose="020B0604020202020204" charset="0"/>
+              </a:rPr>
+              <a:t>camadas</a:t>
+            </a:r>
+          </a:p>
+        </p:txBody>
+      </p:sp>
+      <p:pic>
+        <p:nvPicPr>
+          <p:cNvPr id="15" name="Imagem 14">
+            <a:extLst>
+              <a:ext uri="{FF2B5EF4-FFF2-40B4-BE49-F238E27FC236}">
+                <a16:creationId xmlns:a16="http://schemas.microsoft.com/office/drawing/2014/main" id="{F9C2F9B0-3496-4917-8846-EB40F6FF0509}"/>
+              </a:ext>
+            </a:extLst>
+          </p:cNvPr>
+          <p:cNvPicPr>
+            <a:picLocks noChangeAspect="1"/>
+          </p:cNvPicPr>
+          <p:nvPr/>
+        </p:nvPicPr>
+        <p:blipFill>
+          <a:blip r:embed="rId7"/>
+          <a:stretch>
+            <a:fillRect/>
+          </a:stretch>
+        </p:blipFill>
+        <p:spPr>
+          <a:xfrm>
+            <a:off x="3932690" y="802386"/>
+            <a:ext cx="4879115" cy="3781314"/>
+          </a:xfrm>
+          <a:prstGeom prst="rect">
+            <a:avLst/>
+          </a:prstGeom>
+        </p:spPr>
+      </p:pic>
+      <p:sp>
+        <p:nvSpPr>
+          <p:cNvPr id="10" name="CaixaDeTexto 9">
+            <a:extLst>
+              <a:ext uri="{FF2B5EF4-FFF2-40B4-BE49-F238E27FC236}">
+                <a16:creationId xmlns:a16="http://schemas.microsoft.com/office/drawing/2014/main" id="{2DC152B6-CBE9-44C5-8840-1BA113C50F5E}"/>
+              </a:ext>
+            </a:extLst>
+          </p:cNvPr>
+          <p:cNvSpPr txBox="1"/>
+          <p:nvPr/>
+        </p:nvSpPr>
+        <p:spPr>
+          <a:xfrm>
+            <a:off x="5384439" y="2323711"/>
+            <a:ext cx="2710482" cy="507831"/>
+          </a:xfrm>
+          <a:prstGeom prst="rect">
+            <a:avLst/>
+          </a:prstGeom>
+          <a:noFill/>
+        </p:spPr>
+        <p:txBody>
+          <a:bodyPr wrap="square" rtlCol="0">
+            <a:spAutoFit/>
+          </a:bodyPr>
+          <a:lstStyle/>
+          <a:p>
+            <a:r>
+              <a:rPr lang="pt-BR" sz="900" dirty="0">
+                <a:solidFill>
+                  <a:srgbClr val="FF0000"/>
+                </a:solidFill>
+                <a:latin typeface="Nunito" panose="020B0604020202020204" charset="0"/>
+              </a:rPr>
+              <a:t>Selecione o tipo de dados a ser adicionado &gt; Clique em ... e navegue até o diretório em que o arquivo está localizado</a:t>
+            </a:r>
+          </a:p>
+        </p:txBody>
+      </p:sp>
+      <p:sp>
+        <p:nvSpPr>
+          <p:cNvPr id="22" name="Google Shape;277;p15">
+            <a:extLst>
+              <a:ext uri="{FF2B5EF4-FFF2-40B4-BE49-F238E27FC236}">
+                <a16:creationId xmlns:a16="http://schemas.microsoft.com/office/drawing/2014/main" id="{EF577113-C8BC-49B3-BB50-A5B2AA983A69}"/>
+              </a:ext>
+            </a:extLst>
+          </p:cNvPr>
+          <p:cNvSpPr txBox="1">
+            <a:spLocks noGrp="1"/>
+          </p:cNvSpPr>
+          <p:nvPr>
+            <p:ph type="title"/>
+          </p:nvPr>
+        </p:nvSpPr>
+        <p:spPr>
+          <a:xfrm>
+            <a:off x="1303800" y="790795"/>
+            <a:ext cx="2628890" cy="762624"/>
+          </a:xfrm>
+          <a:prstGeom prst="rect">
+            <a:avLst/>
+          </a:prstGeom>
+        </p:spPr>
+        <p:txBody>
+          <a:bodyPr spcFirstLastPara="1" wrap="square" lIns="91425" tIns="91425" rIns="91425" bIns="91425" anchor="t" anchorCtr="0">
+            <a:noAutofit/>
+          </a:bodyPr>
+          <a:lstStyle/>
+          <a:p>
+            <a:pPr marL="0" lvl="0" indent="0" algn="l" rtl="0">
+              <a:spcBef>
+                <a:spcPts val="0"/>
+              </a:spcBef>
+              <a:spcAft>
+                <a:spcPts val="0"/>
+              </a:spcAft>
+              <a:buNone/>
+            </a:pPr>
+            <a:r>
+              <a:rPr lang="pt-BR" sz="1800" dirty="0"/>
+              <a:t>Adição de feições</a:t>
+            </a:r>
+            <a:endParaRPr sz="1800" dirty="0"/>
+          </a:p>
+        </p:txBody>
+      </p:sp>
+    </p:spTree>
+    <p:extLst>
+      <p:ext uri="{BB962C8B-B14F-4D97-AF65-F5344CB8AC3E}">
+        <p14:creationId xmlns:p14="http://schemas.microsoft.com/office/powerpoint/2010/main" val="3803780910"/>
+      </p:ext>
+    </p:extLst>
+  </p:cSld>
+  <p:clrMapOvr>
+    <a:masterClrMapping/>
+  </p:clrMapOvr>
+</p:sld>
+</file>
+
+<file path=ppt/slides/slide8.xml><?xml version="1.0" encoding="utf-8"?>
+<p:sld xmlns:a="http://schemas.openxmlformats.org/drawingml/2006/main" xmlns:r="http://schemas.openxmlformats.org/officeDocument/2006/relationships" xmlns:p="http://schemas.openxmlformats.org/presentationml/2006/main">
+  <p:cSld>
+    <p:spTree>
+      <p:nvGrpSpPr>
+        <p:cNvPr id="1" name="Shape 286"/>
+        <p:cNvGrpSpPr/>
+        <p:nvPr/>
+      </p:nvGrpSpPr>
+      <p:grpSpPr>
+        <a:xfrm>
+          <a:off x="0" y="0"/>
+          <a:ext cx="0" cy="0"/>
+          <a:chOff x="0" y="0"/>
+          <a:chExt cx="0" cy="0"/>
+        </a:xfrm>
+      </p:grpSpPr>
+      <p:grpSp>
+        <p:nvGrpSpPr>
+          <p:cNvPr id="289" name="Google Shape;289;p16"/>
+          <p:cNvGrpSpPr/>
+          <p:nvPr/>
+        </p:nvGrpSpPr>
+        <p:grpSpPr>
+          <a:xfrm>
+            <a:off x="1303795" y="4531575"/>
+            <a:ext cx="7030504" cy="611849"/>
+            <a:chOff x="1303795" y="4531575"/>
+            <a:chExt cx="7030504" cy="611849"/>
+          </a:xfrm>
+        </p:grpSpPr>
+        <p:pic>
+          <p:nvPicPr>
+            <p:cNvPr id="290" name="Google Shape;290;p16"/>
+            <p:cNvPicPr preferRelativeResize="0"/>
+            <p:nvPr/>
+          </p:nvPicPr>
+          <p:blipFill>
+            <a:blip r:embed="rId3">
+              <a:alphaModFix/>
+            </a:blip>
+            <a:stretch>
+              <a:fillRect/>
+            </a:stretch>
+          </p:blipFill>
+          <p:spPr>
+            <a:xfrm>
+              <a:off x="3932690" y="4531575"/>
+              <a:ext cx="1278617" cy="611849"/>
+            </a:xfrm>
+            <a:prstGeom prst="rect">
+              <a:avLst/>
+            </a:prstGeom>
+            <a:noFill/>
+            <a:ln>
+              <a:noFill/>
+            </a:ln>
+          </p:spPr>
+        </p:pic>
+        <p:pic>
+          <p:nvPicPr>
+            <p:cNvPr id="291" name="Google Shape;291;p16"/>
+            <p:cNvPicPr preferRelativeResize="0"/>
+            <p:nvPr/>
+          </p:nvPicPr>
+          <p:blipFill>
+            <a:blip r:embed="rId4">
+              <a:alphaModFix/>
+            </a:blip>
+            <a:stretch>
+              <a:fillRect/>
+            </a:stretch>
+          </p:blipFill>
+          <p:spPr>
+            <a:xfrm>
+              <a:off x="6662660" y="4583700"/>
+              <a:ext cx="1671638" cy="438150"/>
+            </a:xfrm>
+            <a:prstGeom prst="rect">
+              <a:avLst/>
+            </a:prstGeom>
+            <a:noFill/>
+            <a:ln>
+              <a:noFill/>
+            </a:ln>
+          </p:spPr>
+        </p:pic>
+        <p:pic>
+          <p:nvPicPr>
+            <p:cNvPr id="292" name="Google Shape;292;p16"/>
+            <p:cNvPicPr preferRelativeResize="0"/>
+            <p:nvPr/>
+          </p:nvPicPr>
+          <p:blipFill>
+            <a:blip r:embed="rId5">
+              <a:alphaModFix/>
+            </a:blip>
+            <a:stretch>
+              <a:fillRect/>
+            </a:stretch>
+          </p:blipFill>
+          <p:spPr>
+            <a:xfrm>
+              <a:off x="1303795" y="4566300"/>
+              <a:ext cx="805382" cy="542400"/>
+            </a:xfrm>
+            <a:prstGeom prst="rect">
+              <a:avLst/>
+            </a:prstGeom>
+            <a:noFill/>
+            <a:ln>
+              <a:noFill/>
+            </a:ln>
+          </p:spPr>
+        </p:pic>
+      </p:grpSp>
+      <p:pic>
+        <p:nvPicPr>
+          <p:cNvPr id="3" name="Imagem 2">
+            <a:extLst>
+              <a:ext uri="{FF2B5EF4-FFF2-40B4-BE49-F238E27FC236}">
+                <a16:creationId xmlns:a16="http://schemas.microsoft.com/office/drawing/2014/main" id="{57375879-BBFC-4F67-A67E-81121CF3B79B}"/>
+              </a:ext>
+            </a:extLst>
+          </p:cNvPr>
+          <p:cNvPicPr>
+            <a:picLocks noChangeAspect="1"/>
+          </p:cNvPicPr>
+          <p:nvPr/>
+        </p:nvPicPr>
+        <p:blipFill>
+          <a:blip r:embed="rId6"/>
+          <a:stretch>
+            <a:fillRect/>
+          </a:stretch>
+        </p:blipFill>
+        <p:spPr>
+          <a:xfrm>
+            <a:off x="1314704" y="1991306"/>
+            <a:ext cx="1242168" cy="304826"/>
+          </a:xfrm>
+          <a:prstGeom prst="rect">
+            <a:avLst/>
+          </a:prstGeom>
+        </p:spPr>
+      </p:pic>
+      <p:cxnSp>
+        <p:nvCxnSpPr>
+          <p:cNvPr id="5" name="Conector: Angulado 4">
+            <a:extLst>
+              <a:ext uri="{FF2B5EF4-FFF2-40B4-BE49-F238E27FC236}">
+                <a16:creationId xmlns:a16="http://schemas.microsoft.com/office/drawing/2014/main" id="{CBF41968-BF49-4CA1-85BD-0EE46CD0E7E1}"/>
+              </a:ext>
+            </a:extLst>
+          </p:cNvPr>
+          <p:cNvCxnSpPr/>
+          <p:nvPr/>
+        </p:nvCxnSpPr>
+        <p:spPr>
+          <a:xfrm rot="5400000" flipH="1" flipV="1">
+            <a:off x="1415562" y="1689474"/>
+            <a:ext cx="407002" cy="196663"/>
+          </a:xfrm>
+          <a:prstGeom prst="bentConnector3">
+            <a:avLst/>
+          </a:prstGeom>
+          <a:ln>
+            <a:tailEnd type="triangle"/>
+          </a:ln>
+        </p:spPr>
+        <p:style>
+          <a:lnRef idx="1">
+            <a:schemeClr val="accent2"/>
+          </a:lnRef>
+          <a:fillRef idx="0">
+            <a:schemeClr val="accent2"/>
+          </a:fillRef>
+          <a:effectRef idx="0">
+            <a:schemeClr val="accent2"/>
+          </a:effectRef>
+          <a:fontRef idx="minor">
+            <a:schemeClr val="tx1"/>
+          </a:fontRef>
+        </p:style>
+      </p:cxnSp>
+      <p:sp>
+        <p:nvSpPr>
+          <p:cNvPr id="6" name="CaixaDeTexto 5">
+            <a:extLst>
+              <a:ext uri="{FF2B5EF4-FFF2-40B4-BE49-F238E27FC236}">
+                <a16:creationId xmlns:a16="http://schemas.microsoft.com/office/drawing/2014/main" id="{C5A7B81F-18CA-4D92-A60F-35703EED123C}"/>
+              </a:ext>
+            </a:extLst>
+          </p:cNvPr>
+          <p:cNvSpPr txBox="1"/>
+          <p:nvPr/>
+        </p:nvSpPr>
+        <p:spPr>
+          <a:xfrm>
+            <a:off x="1257974" y="1368859"/>
+            <a:ext cx="918841" cy="215444"/>
+          </a:xfrm>
+          <a:prstGeom prst="rect">
+            <a:avLst/>
+          </a:prstGeom>
+          <a:noFill/>
+        </p:spPr>
+        <p:txBody>
+          <a:bodyPr wrap="none" rtlCol="0">
+            <a:spAutoFit/>
+          </a:bodyPr>
+          <a:lstStyle/>
+          <a:p>
+            <a:r>
+              <a:rPr lang="pt-BR" sz="800" dirty="0">
+                <a:latin typeface="Nunito" panose="020B0604020202020204" charset="0"/>
+              </a:rPr>
+              <a:t>Seleção simples</a:t>
+            </a:r>
+          </a:p>
+        </p:txBody>
+      </p:sp>
+      <p:cxnSp>
+        <p:nvCxnSpPr>
+          <p:cNvPr id="12" name="Conector: Angulado 11">
+            <a:extLst>
+              <a:ext uri="{FF2B5EF4-FFF2-40B4-BE49-F238E27FC236}">
+                <a16:creationId xmlns:a16="http://schemas.microsoft.com/office/drawing/2014/main" id="{BCCA41DB-DD2C-4BBF-BFBA-8B3CB41C506B}"/>
+              </a:ext>
+            </a:extLst>
+          </p:cNvPr>
+          <p:cNvCxnSpPr>
+            <a:cxnSpLocks/>
+          </p:cNvCxnSpPr>
+          <p:nvPr/>
+        </p:nvCxnSpPr>
+        <p:spPr>
+          <a:xfrm flipV="1">
+            <a:off x="1923422" y="1730192"/>
+            <a:ext cx="459422" cy="261113"/>
+          </a:xfrm>
+          <a:prstGeom prst="bentConnector3">
+            <a:avLst>
+              <a:gd name="adj1" fmla="val -915"/>
+            </a:avLst>
+          </a:prstGeom>
+          <a:ln>
+            <a:tailEnd type="triangle"/>
+          </a:ln>
+        </p:spPr>
+        <p:style>
+          <a:lnRef idx="1">
+            <a:schemeClr val="accent2"/>
+          </a:lnRef>
+          <a:fillRef idx="0">
+            <a:schemeClr val="accent2"/>
+          </a:fillRef>
+          <a:effectRef idx="0">
+            <a:schemeClr val="accent2"/>
+          </a:effectRef>
+          <a:fontRef idx="minor">
+            <a:schemeClr val="tx1"/>
+          </a:fontRef>
+        </p:style>
+      </p:cxnSp>
+      <p:sp>
+        <p:nvSpPr>
+          <p:cNvPr id="11" name="CaixaDeTexto 10">
+            <a:extLst>
+              <a:ext uri="{FF2B5EF4-FFF2-40B4-BE49-F238E27FC236}">
+                <a16:creationId xmlns:a16="http://schemas.microsoft.com/office/drawing/2014/main" id="{20A0812F-151C-4A6F-B72D-3E817F2238B0}"/>
+              </a:ext>
+            </a:extLst>
+          </p:cNvPr>
+          <p:cNvSpPr txBox="1"/>
+          <p:nvPr/>
+        </p:nvSpPr>
+        <p:spPr>
+          <a:xfrm>
+            <a:off x="2382844" y="1622469"/>
+            <a:ext cx="1220206" cy="215444"/>
+          </a:xfrm>
+          <a:prstGeom prst="rect">
+            <a:avLst/>
+          </a:prstGeom>
+          <a:noFill/>
+        </p:spPr>
+        <p:txBody>
+          <a:bodyPr wrap="none" rtlCol="0">
+            <a:spAutoFit/>
+          </a:bodyPr>
+          <a:lstStyle/>
+          <a:p>
+            <a:r>
+              <a:rPr lang="pt-BR" sz="800" dirty="0">
+                <a:latin typeface="Nunito" panose="020B0604020202020204" charset="0"/>
+              </a:rPr>
+              <a:t>Seleção por expressão</a:t>
+            </a:r>
+          </a:p>
+        </p:txBody>
+      </p:sp>
+      <p:sp>
+        <p:nvSpPr>
+          <p:cNvPr id="18" name="CaixaDeTexto 17">
+            <a:extLst>
+              <a:ext uri="{FF2B5EF4-FFF2-40B4-BE49-F238E27FC236}">
+                <a16:creationId xmlns:a16="http://schemas.microsoft.com/office/drawing/2014/main" id="{CF09B60F-C858-422F-875E-264F47C4B7FF}"/>
+              </a:ext>
+            </a:extLst>
+          </p:cNvPr>
+          <p:cNvSpPr txBox="1"/>
+          <p:nvPr/>
+        </p:nvSpPr>
+        <p:spPr>
+          <a:xfrm>
+            <a:off x="2931318" y="2080688"/>
+            <a:ext cx="994183" cy="215444"/>
+          </a:xfrm>
+          <a:prstGeom prst="rect">
+            <a:avLst/>
+          </a:prstGeom>
+          <a:noFill/>
+        </p:spPr>
+        <p:txBody>
+          <a:bodyPr wrap="none" rtlCol="0">
+            <a:spAutoFit/>
+          </a:bodyPr>
+          <a:lstStyle/>
+          <a:p>
+            <a:r>
+              <a:rPr lang="pt-BR" sz="800" dirty="0">
+                <a:latin typeface="Nunito" panose="020B0604020202020204" charset="0"/>
+              </a:rPr>
+              <a:t>Desfazer seleção</a:t>
+            </a:r>
+          </a:p>
+        </p:txBody>
+      </p:sp>
+      <p:cxnSp>
+        <p:nvCxnSpPr>
+          <p:cNvPr id="22" name="Conector de Seta Reta 21">
+            <a:extLst>
+              <a:ext uri="{FF2B5EF4-FFF2-40B4-BE49-F238E27FC236}">
+                <a16:creationId xmlns:a16="http://schemas.microsoft.com/office/drawing/2014/main" id="{F95EAC57-9DB5-4C6F-A658-5152320E5A0C}"/>
+              </a:ext>
+            </a:extLst>
+          </p:cNvPr>
+          <p:cNvCxnSpPr/>
+          <p:nvPr/>
+        </p:nvCxnSpPr>
+        <p:spPr>
+          <a:xfrm>
+            <a:off x="2435132" y="2193904"/>
+            <a:ext cx="496186" cy="0"/>
+          </a:xfrm>
+          <a:prstGeom prst="straightConnector1">
+            <a:avLst/>
+          </a:prstGeom>
+          <a:ln>
+            <a:tailEnd type="triangle"/>
+          </a:ln>
+        </p:spPr>
+        <p:style>
+          <a:lnRef idx="1">
+            <a:schemeClr val="accent2"/>
+          </a:lnRef>
+          <a:fillRef idx="0">
+            <a:schemeClr val="accent2"/>
+          </a:fillRef>
+          <a:effectRef idx="0">
+            <a:schemeClr val="accent2"/>
+          </a:effectRef>
+          <a:fontRef idx="minor">
+            <a:schemeClr val="tx1"/>
+          </a:fontRef>
+        </p:style>
+      </p:cxnSp>
+      <p:pic>
+        <p:nvPicPr>
+          <p:cNvPr id="25" name="Imagem 24">
+            <a:extLst>
+              <a:ext uri="{FF2B5EF4-FFF2-40B4-BE49-F238E27FC236}">
+                <a16:creationId xmlns:a16="http://schemas.microsoft.com/office/drawing/2014/main" id="{B82AC483-90CC-473B-96A1-A52725F48CDF}"/>
+              </a:ext>
+            </a:extLst>
+          </p:cNvPr>
+          <p:cNvPicPr>
+            <a:picLocks noChangeAspect="1"/>
+          </p:cNvPicPr>
+          <p:nvPr/>
+        </p:nvPicPr>
+        <p:blipFill>
+          <a:blip r:embed="rId7"/>
+          <a:stretch>
+            <a:fillRect/>
+          </a:stretch>
+        </p:blipFill>
+        <p:spPr>
+          <a:xfrm>
+            <a:off x="617106" y="2571750"/>
+            <a:ext cx="3213396" cy="1807535"/>
+          </a:xfrm>
+          <a:prstGeom prst="rect">
+            <a:avLst/>
+          </a:prstGeom>
+        </p:spPr>
+      </p:pic>
+      <p:pic>
+        <p:nvPicPr>
+          <p:cNvPr id="28" name="Imagem 27">
+            <a:extLst>
+              <a:ext uri="{FF2B5EF4-FFF2-40B4-BE49-F238E27FC236}">
+                <a16:creationId xmlns:a16="http://schemas.microsoft.com/office/drawing/2014/main" id="{EB877F10-470C-4345-AFB9-F5A9311DAF19}"/>
+              </a:ext>
+            </a:extLst>
+          </p:cNvPr>
+          <p:cNvPicPr>
+            <a:picLocks noChangeAspect="1"/>
+          </p:cNvPicPr>
+          <p:nvPr/>
+        </p:nvPicPr>
+        <p:blipFill>
+          <a:blip r:embed="rId8"/>
+          <a:stretch>
+            <a:fillRect/>
+          </a:stretch>
+        </p:blipFill>
+        <p:spPr>
+          <a:xfrm>
+            <a:off x="4257590" y="153176"/>
+            <a:ext cx="4054378" cy="2889398"/>
+          </a:xfrm>
+          <a:prstGeom prst="rect">
+            <a:avLst/>
+          </a:prstGeom>
+        </p:spPr>
+      </p:pic>
+      <p:graphicFrame>
+        <p:nvGraphicFramePr>
+          <p:cNvPr id="29" name="Tabela 29">
+            <a:extLst>
+              <a:ext uri="{FF2B5EF4-FFF2-40B4-BE49-F238E27FC236}">
+                <a16:creationId xmlns:a16="http://schemas.microsoft.com/office/drawing/2014/main" id="{4FC771DD-B96C-41DD-BF50-C1EF6C5FC0F8}"/>
+              </a:ext>
+            </a:extLst>
+          </p:cNvPr>
+          <p:cNvGraphicFramePr>
+            <a:graphicFrameLocks noGrp="1"/>
+          </p:cNvGraphicFramePr>
+          <p:nvPr>
+            <p:extLst>
+              <p:ext uri="{D42A27DB-BD31-4B8C-83A1-F6EECF244321}">
+                <p14:modId xmlns:p14="http://schemas.microsoft.com/office/powerpoint/2010/main" val="3683919240"/>
+              </p:ext>
+            </p:extLst>
+          </p:nvPr>
+        </p:nvGraphicFramePr>
+        <p:xfrm>
+          <a:off x="5218500" y="3090180"/>
+          <a:ext cx="2132558" cy="1493520"/>
+        </p:xfrm>
+        <a:graphic>
+          <a:graphicData uri="http://schemas.openxmlformats.org/drawingml/2006/table">
+            <a:tbl>
+              <a:tblPr firstRow="1" bandRow="1">
+                <a:tableStyleId>{46F890A9-2807-4EBB-B81D-B2AA78EC7F39}</a:tableStyleId>
+              </a:tblPr>
+              <a:tblGrid>
+                <a:gridCol w="2132558">
+                  <a:extLst>
+                    <a:ext uri="{9D8B030D-6E8A-4147-A177-3AD203B41FA5}">
+                      <a16:colId xmlns:a16="http://schemas.microsoft.com/office/drawing/2014/main" val="1313409552"/>
+                    </a:ext>
+                  </a:extLst>
+                </a:gridCol>
+              </a:tblGrid>
+              <a:tr h="180229">
+                <a:tc>
+                  <a:txBody>
+                    <a:bodyPr/>
+                    <a:lstStyle/>
+                    <a:p>
+                      <a:pPr algn="ctr"/>
+                      <a:r>
+                        <a:rPr lang="pt-BR" sz="800" dirty="0"/>
+                        <a:t>Exemplos de Operadores Lógicos</a:t>
+                      </a:r>
+                      <a:endParaRPr lang="pt-BR" sz="800" dirty="0">
+                        <a:latin typeface="Nunito" panose="020B0604020202020204" charset="0"/>
+                      </a:endParaRPr>
+                    </a:p>
+                  </a:txBody>
+                  <a:tcPr/>
+                </a:tc>
+                <a:extLst>
+                  <a:ext uri="{0D108BD9-81ED-4DB2-BD59-A6C34878D82A}">
+                    <a16:rowId xmlns:a16="http://schemas.microsoft.com/office/drawing/2014/main" val="2138566444"/>
+                  </a:ext>
+                </a:extLst>
+              </a:tr>
+              <a:tr h="180229">
+                <a:tc>
+                  <a:txBody>
+                    <a:bodyPr/>
+                    <a:lstStyle/>
+                    <a:p>
+                      <a:r>
+                        <a:rPr lang="pt-BR" sz="800" dirty="0"/>
+                        <a:t>“nome” = ‘Cachoeiras de Macau’</a:t>
+                      </a:r>
+                      <a:endParaRPr lang="pt-BR" sz="800" dirty="0">
+                        <a:latin typeface="Nunito" panose="020B0604020202020204" charset="0"/>
+                      </a:endParaRPr>
+                    </a:p>
+                  </a:txBody>
+                  <a:tcPr/>
+                </a:tc>
+                <a:extLst>
+                  <a:ext uri="{0D108BD9-81ED-4DB2-BD59-A6C34878D82A}">
+                    <a16:rowId xmlns:a16="http://schemas.microsoft.com/office/drawing/2014/main" val="3089357813"/>
+                  </a:ext>
+                </a:extLst>
+              </a:tr>
+              <a:tr h="180229">
+                <a:tc>
+                  <a:txBody>
+                    <a:bodyPr/>
+                    <a:lstStyle/>
+                    <a:p>
+                      <a:pPr marL="0" marR="0" lvl="0" indent="0" algn="l" defTabSz="914400" rtl="0" eaLnBrk="1" fontAlgn="auto" latinLnBrk="0" hangingPunct="1">
+                        <a:lnSpc>
+                          <a:spcPct val="100000"/>
+                        </a:lnSpc>
+                        <a:spcBef>
+                          <a:spcPts val="0"/>
+                        </a:spcBef>
+                        <a:spcAft>
+                          <a:spcPts val="0"/>
+                        </a:spcAft>
+                        <a:buClr>
+                          <a:srgbClr val="000000"/>
+                        </a:buClr>
+                        <a:buSzTx/>
+                        <a:buFont typeface="Arial"/>
+                        <a:buNone/>
+                        <a:tabLst/>
+                        <a:defRPr/>
+                      </a:pPr>
+                      <a:r>
+                        <a:rPr lang="pt-BR" sz="800" dirty="0"/>
+                        <a:t>“nome” &lt;&gt; ‘Cachoeiras de Macau’</a:t>
+                      </a:r>
+                      <a:endParaRPr lang="pt-BR" sz="800" dirty="0">
+                        <a:latin typeface="Nunito" panose="020B0604020202020204" charset="0"/>
+                      </a:endParaRPr>
+                    </a:p>
+                  </a:txBody>
+                  <a:tcPr/>
+                </a:tc>
+                <a:extLst>
+                  <a:ext uri="{0D108BD9-81ED-4DB2-BD59-A6C34878D82A}">
+                    <a16:rowId xmlns:a16="http://schemas.microsoft.com/office/drawing/2014/main" val="750526336"/>
+                  </a:ext>
+                </a:extLst>
+              </a:tr>
+              <a:tr h="180229">
+                <a:tc>
+                  <a:txBody>
+                    <a:bodyPr/>
+                    <a:lstStyle/>
+                    <a:p>
+                      <a:r>
+                        <a:rPr lang="pt-BR" sz="800" dirty="0"/>
+                        <a:t>“</a:t>
+                      </a:r>
+                      <a:r>
+                        <a:rPr lang="pt-BR" sz="800" dirty="0" err="1"/>
+                        <a:t>area_plant</a:t>
+                      </a:r>
+                      <a:r>
+                        <a:rPr lang="pt-BR" sz="800" dirty="0"/>
+                        <a:t>” &gt; 500000</a:t>
+                      </a:r>
+                      <a:endParaRPr lang="pt-BR" sz="800" dirty="0">
+                        <a:latin typeface="Nunito" panose="020B0604020202020204" charset="0"/>
+                      </a:endParaRPr>
+                    </a:p>
+                  </a:txBody>
+                  <a:tcPr/>
+                </a:tc>
+                <a:extLst>
+                  <a:ext uri="{0D108BD9-81ED-4DB2-BD59-A6C34878D82A}">
+                    <a16:rowId xmlns:a16="http://schemas.microsoft.com/office/drawing/2014/main" val="2340551672"/>
+                  </a:ext>
+                </a:extLst>
+              </a:tr>
+              <a:tr h="180229">
+                <a:tc>
+                  <a:txBody>
+                    <a:bodyPr/>
+                    <a:lstStyle/>
+                    <a:p>
+                      <a:pPr marL="0" marR="0" lvl="0" indent="0" algn="l" defTabSz="914400" rtl="0" eaLnBrk="1" fontAlgn="auto" latinLnBrk="0" hangingPunct="1">
+                        <a:lnSpc>
+                          <a:spcPct val="100000"/>
+                        </a:lnSpc>
+                        <a:spcBef>
+                          <a:spcPts val="0"/>
+                        </a:spcBef>
+                        <a:spcAft>
+                          <a:spcPts val="0"/>
+                        </a:spcAft>
+                        <a:buClr>
+                          <a:srgbClr val="000000"/>
+                        </a:buClr>
+                        <a:buSzTx/>
+                        <a:buFont typeface="Arial"/>
+                        <a:buNone/>
+                        <a:tabLst/>
+                        <a:defRPr/>
+                      </a:pPr>
+                      <a:r>
+                        <a:rPr lang="pt-BR" sz="800" dirty="0"/>
+                        <a:t>“</a:t>
+                      </a:r>
+                      <a:r>
+                        <a:rPr lang="pt-BR" sz="800" dirty="0" err="1"/>
+                        <a:t>area_plant</a:t>
+                      </a:r>
+                      <a:r>
+                        <a:rPr lang="pt-BR" sz="800" dirty="0"/>
+                        <a:t>” &lt; 500000</a:t>
+                      </a:r>
+                      <a:endParaRPr lang="pt-BR" sz="800" dirty="0">
+                        <a:latin typeface="Nunito" panose="020B0604020202020204" charset="0"/>
+                      </a:endParaRPr>
+                    </a:p>
+                  </a:txBody>
+                  <a:tcPr/>
+                </a:tc>
+                <a:extLst>
+                  <a:ext uri="{0D108BD9-81ED-4DB2-BD59-A6C34878D82A}">
+                    <a16:rowId xmlns:a16="http://schemas.microsoft.com/office/drawing/2014/main" val="981886711"/>
+                  </a:ext>
+                </a:extLst>
+              </a:tr>
+              <a:tr h="180229">
+                <a:tc>
+                  <a:txBody>
+                    <a:bodyPr/>
+                    <a:lstStyle/>
+                    <a:p>
+                      <a:r>
+                        <a:rPr lang="pt-BR" sz="800" dirty="0"/>
+                        <a:t>“</a:t>
+                      </a:r>
+                      <a:r>
+                        <a:rPr lang="pt-BR" sz="800" dirty="0" err="1"/>
+                        <a:t>geocodigo</a:t>
+                      </a:r>
+                      <a:r>
+                        <a:rPr lang="pt-BR" sz="800" dirty="0"/>
+                        <a:t>” like ’33%’</a:t>
+                      </a:r>
+                      <a:endParaRPr lang="pt-BR" sz="800" dirty="0">
+                        <a:latin typeface="Nunito" panose="020B0604020202020204" charset="0"/>
+                      </a:endParaRPr>
+                    </a:p>
+                  </a:txBody>
+                  <a:tcPr/>
+                </a:tc>
+                <a:extLst>
+                  <a:ext uri="{0D108BD9-81ED-4DB2-BD59-A6C34878D82A}">
+                    <a16:rowId xmlns:a16="http://schemas.microsoft.com/office/drawing/2014/main" val="2364140135"/>
+                  </a:ext>
+                </a:extLst>
+              </a:tr>
+              <a:tr h="180229">
+                <a:tc>
+                  <a:txBody>
+                    <a:bodyPr/>
+                    <a:lstStyle/>
+                    <a:p>
+                      <a:r>
+                        <a:rPr lang="pt-BR" sz="800" dirty="0">
+                          <a:latin typeface="Nunito" panose="020B0604020202020204" charset="0"/>
+                        </a:rPr>
+                        <a:t>“nome” in (‘Angra dos Reis’, ‘Pinheiral’)</a:t>
+                      </a:r>
+                    </a:p>
+                  </a:txBody>
+                  <a:tcPr/>
+                </a:tc>
+                <a:extLst>
+                  <a:ext uri="{0D108BD9-81ED-4DB2-BD59-A6C34878D82A}">
+                    <a16:rowId xmlns:a16="http://schemas.microsoft.com/office/drawing/2014/main" val="1757859445"/>
+                  </a:ext>
+                </a:extLst>
+              </a:tr>
+            </a:tbl>
+          </a:graphicData>
+        </a:graphic>
+      </p:graphicFrame>
+      <p:sp>
+        <p:nvSpPr>
+          <p:cNvPr id="39" name="Google Shape;277;p15">
+            <a:extLst>
+              <a:ext uri="{FF2B5EF4-FFF2-40B4-BE49-F238E27FC236}">
+                <a16:creationId xmlns:a16="http://schemas.microsoft.com/office/drawing/2014/main" id="{BF2D8A60-02D2-4F78-AE9E-420284DE8D78}"/>
+              </a:ext>
+            </a:extLst>
+          </p:cNvPr>
+          <p:cNvSpPr txBox="1">
+            <a:spLocks noGrp="1"/>
+          </p:cNvSpPr>
+          <p:nvPr>
+            <p:ph type="title"/>
+          </p:nvPr>
+        </p:nvSpPr>
+        <p:spPr>
+          <a:xfrm>
+            <a:off x="1303800" y="790795"/>
+            <a:ext cx="2628890" cy="762624"/>
+          </a:xfrm>
+          <a:prstGeom prst="rect">
+            <a:avLst/>
+          </a:prstGeom>
+        </p:spPr>
+        <p:txBody>
+          <a:bodyPr spcFirstLastPara="1" wrap="square" lIns="91425" tIns="91425" rIns="91425" bIns="91425" anchor="t" anchorCtr="0">
+            <a:noAutofit/>
+          </a:bodyPr>
+          <a:lstStyle/>
+          <a:p>
+            <a:pPr marL="0" lvl="0" indent="0" algn="l" rtl="0">
+              <a:spcBef>
+                <a:spcPts val="0"/>
+              </a:spcBef>
+              <a:spcAft>
+                <a:spcPts val="0"/>
+              </a:spcAft>
+              <a:buNone/>
+            </a:pPr>
+            <a:r>
+              <a:rPr lang="pt-BR" sz="1800" dirty="0"/>
+              <a:t>Seleção de feições</a:t>
+            </a:r>
+            <a:endParaRPr sz="1800" dirty="0"/>
+          </a:p>
+        </p:txBody>
+      </p:sp>
+    </p:spTree>
+    <p:extLst>
+      <p:ext uri="{BB962C8B-B14F-4D97-AF65-F5344CB8AC3E}">
+        <p14:creationId xmlns:p14="http://schemas.microsoft.com/office/powerpoint/2010/main" val="388124539"/>
+      </p:ext>
+    </p:extLst>
+  </p:cSld>
+  <p:clrMapOvr>
+    <a:masterClrMapping/>
+  </p:clrMapOvr>
+</p:sld>
+</file>
+
+<file path=ppt/slides/slide9.xml><?xml version="1.0" encoding="utf-8"?>
+<p:sld xmlns:a="http://schemas.openxmlformats.org/drawingml/2006/main" xmlns:r="http://schemas.openxmlformats.org/officeDocument/2006/relationships" xmlns:p="http://schemas.openxmlformats.org/presentationml/2006/main">
+  <p:cSld>
+    <p:spTree>
+      <p:nvGrpSpPr>
+        <p:cNvPr id="1" name="Shape 286"/>
+        <p:cNvGrpSpPr/>
+        <p:nvPr/>
+      </p:nvGrpSpPr>
+      <p:grpSpPr>
+        <a:xfrm>
+          <a:off x="0" y="0"/>
+          <a:ext cx="0" cy="0"/>
+          <a:chOff x="0" y="0"/>
+          <a:chExt cx="0" cy="0"/>
+        </a:xfrm>
+      </p:grpSpPr>
+      <p:sp>
+        <p:nvSpPr>
+          <p:cNvPr id="288" name="Google Shape;288;p16"/>
+          <p:cNvSpPr txBox="1">
+            <a:spLocks noGrp="1"/>
+          </p:cNvSpPr>
+          <p:nvPr>
+            <p:ph type="body" idx="1"/>
+          </p:nvPr>
+        </p:nvSpPr>
+        <p:spPr>
+          <a:xfrm>
+            <a:off x="1303800" y="1597875"/>
+            <a:ext cx="7030500" cy="2933700"/>
+          </a:xfrm>
+          <a:prstGeom prst="rect">
+            <a:avLst/>
+          </a:prstGeom>
+        </p:spPr>
+        <p:txBody>
+          <a:bodyPr spcFirstLastPara="1" wrap="square" lIns="91425" tIns="91425" rIns="91425" bIns="91425" anchor="t" anchorCtr="0">
+            <a:noAutofit/>
+          </a:bodyPr>
+          <a:lstStyle/>
+          <a:p>
+            <a:pPr marL="0" lvl="0" indent="0" algn="l" rtl="0">
+              <a:spcBef>
+                <a:spcPts val="0"/>
+              </a:spcBef>
+              <a:spcAft>
+                <a:spcPts val="1600"/>
+              </a:spcAft>
+              <a:buNone/>
+            </a:pPr>
+            <a:endParaRPr dirty="0"/>
+          </a:p>
+        </p:txBody>
+      </p:sp>
+      <p:grpSp>
+        <p:nvGrpSpPr>
+          <p:cNvPr id="289" name="Google Shape;289;p16"/>
+          <p:cNvGrpSpPr/>
+          <p:nvPr/>
+        </p:nvGrpSpPr>
+        <p:grpSpPr>
+          <a:xfrm>
+            <a:off x="1303795" y="4531575"/>
+            <a:ext cx="7030504" cy="611849"/>
+            <a:chOff x="1303795" y="4531575"/>
+            <a:chExt cx="7030504" cy="611849"/>
+          </a:xfrm>
+        </p:grpSpPr>
+        <p:pic>
+          <p:nvPicPr>
+            <p:cNvPr id="290" name="Google Shape;290;p16"/>
+            <p:cNvPicPr preferRelativeResize="0"/>
+            <p:nvPr/>
+          </p:nvPicPr>
+          <p:blipFill>
+            <a:blip r:embed="rId3">
+              <a:alphaModFix/>
+            </a:blip>
+            <a:stretch>
+              <a:fillRect/>
+            </a:stretch>
+          </p:blipFill>
+          <p:spPr>
+            <a:xfrm>
+              <a:off x="3932690" y="4531575"/>
+              <a:ext cx="1278617" cy="611849"/>
+            </a:xfrm>
+            <a:prstGeom prst="rect">
+              <a:avLst/>
+            </a:prstGeom>
+            <a:noFill/>
+            <a:ln>
+              <a:noFill/>
+            </a:ln>
+          </p:spPr>
+        </p:pic>
+        <p:pic>
+          <p:nvPicPr>
+            <p:cNvPr id="291" name="Google Shape;291;p16"/>
+            <p:cNvPicPr preferRelativeResize="0"/>
+            <p:nvPr/>
+          </p:nvPicPr>
+          <p:blipFill>
+            <a:blip r:embed="rId4">
+              <a:alphaModFix/>
+            </a:blip>
+            <a:stretch>
+              <a:fillRect/>
+            </a:stretch>
+          </p:blipFill>
+          <p:spPr>
+            <a:xfrm>
+              <a:off x="6662660" y="4583700"/>
+              <a:ext cx="1671638" cy="438150"/>
+            </a:xfrm>
+            <a:prstGeom prst="rect">
+              <a:avLst/>
+            </a:prstGeom>
+            <a:noFill/>
+            <a:ln>
+              <a:noFill/>
+            </a:ln>
+          </p:spPr>
+        </p:pic>
+        <p:pic>
+          <p:nvPicPr>
+            <p:cNvPr id="292" name="Google Shape;292;p16"/>
+            <p:cNvPicPr preferRelativeResize="0"/>
+            <p:nvPr/>
+          </p:nvPicPr>
+          <p:blipFill>
+            <a:blip r:embed="rId5">
+              <a:alphaModFix/>
+            </a:blip>
+            <a:stretch>
+              <a:fillRect/>
+            </a:stretch>
+          </p:blipFill>
+          <p:spPr>
+            <a:xfrm>
+              <a:off x="1303795" y="4566300"/>
+              <a:ext cx="805382" cy="542400"/>
+            </a:xfrm>
+            <a:prstGeom prst="rect">
+              <a:avLst/>
+            </a:prstGeom>
+            <a:noFill/>
+            <a:ln>
+              <a:noFill/>
+            </a:ln>
+          </p:spPr>
+        </p:pic>
+      </p:grpSp>
+      <p:sp>
+        <p:nvSpPr>
+          <p:cNvPr id="10" name="Google Shape;277;p15">
+            <a:extLst>
+              <a:ext uri="{FF2B5EF4-FFF2-40B4-BE49-F238E27FC236}">
+                <a16:creationId xmlns:a16="http://schemas.microsoft.com/office/drawing/2014/main" id="{05A11419-2F19-4007-97DC-87FAFD1E4DF8}"/>
+              </a:ext>
+            </a:extLst>
+          </p:cNvPr>
+          <p:cNvSpPr txBox="1">
+            <a:spLocks noGrp="1"/>
+          </p:cNvSpPr>
+          <p:nvPr>
+            <p:ph type="title"/>
+          </p:nvPr>
+        </p:nvSpPr>
+        <p:spPr>
+          <a:xfrm>
+            <a:off x="1303800" y="790795"/>
+            <a:ext cx="3346172" cy="762624"/>
+          </a:xfrm>
+          <a:prstGeom prst="rect">
+            <a:avLst/>
+          </a:prstGeom>
+        </p:spPr>
+        <p:txBody>
+          <a:bodyPr spcFirstLastPara="1" wrap="square" lIns="91425" tIns="91425" rIns="91425" bIns="91425" anchor="t" anchorCtr="0">
+            <a:noAutofit/>
+          </a:bodyPr>
+          <a:lstStyle/>
+          <a:p>
+            <a:pPr marL="0" lvl="0" indent="0" algn="l" rtl="0">
+              <a:spcBef>
+                <a:spcPts val="0"/>
+              </a:spcBef>
+              <a:spcAft>
+                <a:spcPts val="0"/>
+              </a:spcAft>
+              <a:buNone/>
+            </a:pPr>
+            <a:r>
+              <a:rPr lang="pt-BR" sz="1800" dirty="0"/>
+              <a:t>Sistemas de Coordenadas</a:t>
+            </a:r>
+            <a:endParaRPr sz="1800" dirty="0"/>
+          </a:p>
+        </p:txBody>
+      </p:sp>
+    </p:spTree>
+    <p:extLst>
+      <p:ext uri="{BB962C8B-B14F-4D97-AF65-F5344CB8AC3E}">
+        <p14:creationId xmlns:p14="http://schemas.microsoft.com/office/powerpoint/2010/main" val="4269319799"/>
+      </p:ext>
+    </p:extLst>
   </p:cSld>
   <p:clrMapOvr>
     <a:masterClrMapping/>

--- a/slides/Curso_QGIS.pptx
+++ b/slides/Curso_QGIS.pptx
@@ -5,37 +5,38 @@
     <p:sldMasterId id="2147483659" r:id="rId1"/>
   </p:sldMasterIdLst>
   <p:notesMasterIdLst>
-    <p:notesMasterId r:id="rId15"/>
+    <p:notesMasterId r:id="rId16"/>
   </p:notesMasterIdLst>
   <p:sldIdLst>
     <p:sldId id="256" r:id="rId2"/>
     <p:sldId id="257" r:id="rId3"/>
     <p:sldId id="258" r:id="rId4"/>
     <p:sldId id="263" r:id="rId5"/>
-    <p:sldId id="259" r:id="rId6"/>
-    <p:sldId id="261" r:id="rId7"/>
-    <p:sldId id="260" r:id="rId8"/>
-    <p:sldId id="262" r:id="rId9"/>
-    <p:sldId id="268" r:id="rId10"/>
-    <p:sldId id="264" r:id="rId11"/>
-    <p:sldId id="265" r:id="rId12"/>
-    <p:sldId id="266" r:id="rId13"/>
-    <p:sldId id="267" r:id="rId14"/>
+    <p:sldId id="269" r:id="rId6"/>
+    <p:sldId id="259" r:id="rId7"/>
+    <p:sldId id="261" r:id="rId8"/>
+    <p:sldId id="260" r:id="rId9"/>
+    <p:sldId id="262" r:id="rId10"/>
+    <p:sldId id="268" r:id="rId11"/>
+    <p:sldId id="264" r:id="rId12"/>
+    <p:sldId id="265" r:id="rId13"/>
+    <p:sldId id="266" r:id="rId14"/>
+    <p:sldId id="267" r:id="rId15"/>
   </p:sldIdLst>
   <p:sldSz cx="9144000" cy="5143500" type="screen16x9"/>
   <p:notesSz cx="6858000" cy="9144000"/>
   <p:embeddedFontLst>
     <p:embeddedFont>
       <p:font typeface="Maven Pro" panose="020B0604020202020204" charset="0"/>
-      <p:regular r:id="rId16"/>
-      <p:bold r:id="rId17"/>
+      <p:regular r:id="rId17"/>
+      <p:bold r:id="rId18"/>
     </p:embeddedFont>
     <p:embeddedFont>
       <p:font typeface="Nunito" panose="020B0604020202020204" charset="0"/>
-      <p:regular r:id="rId18"/>
-      <p:bold r:id="rId19"/>
-      <p:italic r:id="rId20"/>
-      <p:boldItalic r:id="rId21"/>
+      <p:regular r:id="rId19"/>
+      <p:bold r:id="rId20"/>
+      <p:italic r:id="rId21"/>
+      <p:boldItalic r:id="rId22"/>
     </p:embeddedFont>
   </p:embeddedFontLst>
   <p:defaultTextStyle>
@@ -930,7 +931,7 @@
     </p:spTree>
     <p:extLst>
       <p:ext uri="{BB962C8B-B14F-4D97-AF65-F5344CB8AC3E}">
-        <p14:creationId xmlns:p14="http://schemas.microsoft.com/office/powerpoint/2010/main" val="1556992980"/>
+        <p14:creationId xmlns:p14="http://schemas.microsoft.com/office/powerpoint/2010/main" val="3381781803"/>
       </p:ext>
     </p:extLst>
   </p:cSld>
@@ -1039,7 +1040,7 @@
     </p:spTree>
     <p:extLst>
       <p:ext uri="{BB962C8B-B14F-4D97-AF65-F5344CB8AC3E}">
-        <p14:creationId xmlns:p14="http://schemas.microsoft.com/office/powerpoint/2010/main" val="3717491342"/>
+        <p14:creationId xmlns:p14="http://schemas.microsoft.com/office/powerpoint/2010/main" val="1556992980"/>
       </p:ext>
     </p:extLst>
   </p:cSld>
@@ -1148,6 +1149,115 @@
     </p:spTree>
     <p:extLst>
       <p:ext uri="{BB962C8B-B14F-4D97-AF65-F5344CB8AC3E}">
+        <p14:creationId xmlns:p14="http://schemas.microsoft.com/office/powerpoint/2010/main" val="3717491342"/>
+      </p:ext>
+    </p:extLst>
+  </p:cSld>
+  <p:clrMapOvr>
+    <a:masterClrMapping/>
+  </p:clrMapOvr>
+</p:notes>
+</file>
+
+<file path=ppt/notesSlides/notesSlide13.xml><?xml version="1.0" encoding="utf-8"?>
+<p:notes xmlns:a="http://schemas.openxmlformats.org/drawingml/2006/main" xmlns:r="http://schemas.openxmlformats.org/officeDocument/2006/relationships" xmlns:p="http://schemas.openxmlformats.org/presentationml/2006/main" showMasterSp="0" showMasterPhAnim="0">
+  <p:cSld>
+    <p:spTree>
+      <p:nvGrpSpPr>
+        <p:cNvPr id="1" name="Shape 283"/>
+        <p:cNvGrpSpPr/>
+        <p:nvPr/>
+      </p:nvGrpSpPr>
+      <p:grpSpPr>
+        <a:xfrm>
+          <a:off x="0" y="0"/>
+          <a:ext cx="0" cy="0"/>
+          <a:chOff x="0" y="0"/>
+          <a:chExt cx="0" cy="0"/>
+        </a:xfrm>
+      </p:grpSpPr>
+      <p:sp>
+        <p:nvSpPr>
+          <p:cNvPr id="284" name="Google Shape;284;g9b0372e4da_0_288:notes"/>
+          <p:cNvSpPr>
+            <a:spLocks noGrp="1" noRot="1" noChangeAspect="1"/>
+          </p:cNvSpPr>
+          <p:nvPr>
+            <p:ph type="sldImg" idx="2"/>
+          </p:nvPr>
+        </p:nvSpPr>
+        <p:spPr>
+          <a:xfrm>
+            <a:off x="381000" y="685800"/>
+            <a:ext cx="6096000" cy="3429000"/>
+          </a:xfrm>
+          <a:custGeom>
+            <a:avLst/>
+            <a:gdLst/>
+            <a:ahLst/>
+            <a:cxnLst/>
+            <a:rect l="l" t="t" r="r" b="b"/>
+            <a:pathLst>
+              <a:path w="120000" h="120000" extrusionOk="0">
+                <a:moveTo>
+                  <a:pt x="0" y="0"/>
+                </a:moveTo>
+                <a:lnTo>
+                  <a:pt x="120000" y="0"/>
+                </a:lnTo>
+                <a:lnTo>
+                  <a:pt x="120000" y="120000"/>
+                </a:lnTo>
+                <a:lnTo>
+                  <a:pt x="0" y="120000"/>
+                </a:lnTo>
+                <a:close/>
+              </a:path>
+            </a:pathLst>
+          </a:custGeom>
+        </p:spPr>
+      </p:sp>
+      <p:sp>
+        <p:nvSpPr>
+          <p:cNvPr id="285" name="Google Shape;285;g9b0372e4da_0_288:notes"/>
+          <p:cNvSpPr txBox="1">
+            <a:spLocks noGrp="1"/>
+          </p:cNvSpPr>
+          <p:nvPr>
+            <p:ph type="body" idx="1"/>
+          </p:nvPr>
+        </p:nvSpPr>
+        <p:spPr>
+          <a:xfrm>
+            <a:off x="685800" y="4343400"/>
+            <a:ext cx="5486400" cy="4114800"/>
+          </a:xfrm>
+          <a:prstGeom prst="rect">
+            <a:avLst/>
+          </a:prstGeom>
+        </p:spPr>
+        <p:txBody>
+          <a:bodyPr spcFirstLastPara="1" wrap="square" lIns="91425" tIns="91425" rIns="91425" bIns="91425" anchor="t" anchorCtr="0">
+            <a:noAutofit/>
+          </a:bodyPr>
+          <a:lstStyle/>
+          <a:p>
+            <a:pPr marL="0" lvl="0" indent="0" algn="l" rtl="0">
+              <a:spcBef>
+                <a:spcPts val="0"/>
+              </a:spcBef>
+              <a:spcAft>
+                <a:spcPts val="0"/>
+              </a:spcAft>
+              <a:buNone/>
+            </a:pPr>
+            <a:endParaRPr/>
+          </a:p>
+        </p:txBody>
+      </p:sp>
+    </p:spTree>
+    <p:extLst>
+      <p:ext uri="{BB962C8B-B14F-4D97-AF65-F5344CB8AC3E}">
         <p14:creationId xmlns:p14="http://schemas.microsoft.com/office/powerpoint/2010/main" val="1948440579"/>
       </p:ext>
     </p:extLst>
@@ -1158,7 +1268,7 @@
 </p:notes>
 </file>
 
-<file path=ppt/notesSlides/notesSlide13.xml><?xml version="1.0" encoding="utf-8"?>
+<file path=ppt/notesSlides/notesSlide14.xml><?xml version="1.0" encoding="utf-8"?>
 <p:notes xmlns:a="http://schemas.openxmlformats.org/drawingml/2006/main" xmlns:r="http://schemas.openxmlformats.org/officeDocument/2006/relationships" xmlns:p="http://schemas.openxmlformats.org/presentationml/2006/main" showMasterSp="0" showMasterPhAnim="0">
   <p:cSld>
     <p:spTree>
@@ -1681,6 +1791,11 @@
         </p:txBody>
       </p:sp>
     </p:spTree>
+    <p:extLst>
+      <p:ext uri="{BB962C8B-B14F-4D97-AF65-F5344CB8AC3E}">
+        <p14:creationId xmlns:p14="http://schemas.microsoft.com/office/powerpoint/2010/main" val="2333263979"/>
+      </p:ext>
+    </p:extLst>
   </p:cSld>
   <p:clrMapOvr>
     <a:masterClrMapping/>
@@ -1785,11 +1900,6 @@
         </p:txBody>
       </p:sp>
     </p:spTree>
-    <p:extLst>
-      <p:ext uri="{BB962C8B-B14F-4D97-AF65-F5344CB8AC3E}">
-        <p14:creationId xmlns:p14="http://schemas.microsoft.com/office/powerpoint/2010/main" val="3309713088"/>
-      </p:ext>
-    </p:extLst>
   </p:cSld>
   <p:clrMapOvr>
     <a:masterClrMapping/>
@@ -1896,7 +2006,7 @@
     </p:spTree>
     <p:extLst>
       <p:ext uri="{BB962C8B-B14F-4D97-AF65-F5344CB8AC3E}">
-        <p14:creationId xmlns:p14="http://schemas.microsoft.com/office/powerpoint/2010/main" val="1030063844"/>
+        <p14:creationId xmlns:p14="http://schemas.microsoft.com/office/powerpoint/2010/main" val="3309713088"/>
       </p:ext>
     </p:extLst>
   </p:cSld>
@@ -2005,7 +2115,7 @@
     </p:spTree>
     <p:extLst>
       <p:ext uri="{BB962C8B-B14F-4D97-AF65-F5344CB8AC3E}">
-        <p14:creationId xmlns:p14="http://schemas.microsoft.com/office/powerpoint/2010/main" val="3187663636"/>
+        <p14:creationId xmlns:p14="http://schemas.microsoft.com/office/powerpoint/2010/main" val="1030063844"/>
       </p:ext>
     </p:extLst>
   </p:cSld>
@@ -2114,7 +2224,7 @@
     </p:spTree>
     <p:extLst>
       <p:ext uri="{BB962C8B-B14F-4D97-AF65-F5344CB8AC3E}">
-        <p14:creationId xmlns:p14="http://schemas.microsoft.com/office/powerpoint/2010/main" val="3381781803"/>
+        <p14:creationId xmlns:p14="http://schemas.microsoft.com/office/powerpoint/2010/main" val="3187663636"/>
       </p:ext>
     </p:extLst>
   </p:cSld>
@@ -15552,6 +15662,221 @@
               </a:spcAft>
               <a:buNone/>
             </a:pPr>
+            <a:endParaRPr dirty="0"/>
+          </a:p>
+        </p:txBody>
+      </p:sp>
+      <p:grpSp>
+        <p:nvGrpSpPr>
+          <p:cNvPr id="289" name="Google Shape;289;p16"/>
+          <p:cNvGrpSpPr/>
+          <p:nvPr/>
+        </p:nvGrpSpPr>
+        <p:grpSpPr>
+          <a:xfrm>
+            <a:off x="1303795" y="4531575"/>
+            <a:ext cx="7030504" cy="611849"/>
+            <a:chOff x="1303795" y="4531575"/>
+            <a:chExt cx="7030504" cy="611849"/>
+          </a:xfrm>
+        </p:grpSpPr>
+        <p:pic>
+          <p:nvPicPr>
+            <p:cNvPr id="290" name="Google Shape;290;p16"/>
+            <p:cNvPicPr preferRelativeResize="0"/>
+            <p:nvPr/>
+          </p:nvPicPr>
+          <p:blipFill>
+            <a:blip r:embed="rId3">
+              <a:alphaModFix/>
+            </a:blip>
+            <a:stretch>
+              <a:fillRect/>
+            </a:stretch>
+          </p:blipFill>
+          <p:spPr>
+            <a:xfrm>
+              <a:off x="3932690" y="4531575"/>
+              <a:ext cx="1278617" cy="611849"/>
+            </a:xfrm>
+            <a:prstGeom prst="rect">
+              <a:avLst/>
+            </a:prstGeom>
+            <a:noFill/>
+            <a:ln>
+              <a:noFill/>
+            </a:ln>
+          </p:spPr>
+        </p:pic>
+        <p:pic>
+          <p:nvPicPr>
+            <p:cNvPr id="291" name="Google Shape;291;p16"/>
+            <p:cNvPicPr preferRelativeResize="0"/>
+            <p:nvPr/>
+          </p:nvPicPr>
+          <p:blipFill>
+            <a:blip r:embed="rId4">
+              <a:alphaModFix/>
+            </a:blip>
+            <a:stretch>
+              <a:fillRect/>
+            </a:stretch>
+          </p:blipFill>
+          <p:spPr>
+            <a:xfrm>
+              <a:off x="6662660" y="4583700"/>
+              <a:ext cx="1671638" cy="438150"/>
+            </a:xfrm>
+            <a:prstGeom prst="rect">
+              <a:avLst/>
+            </a:prstGeom>
+            <a:noFill/>
+            <a:ln>
+              <a:noFill/>
+            </a:ln>
+          </p:spPr>
+        </p:pic>
+        <p:pic>
+          <p:nvPicPr>
+            <p:cNvPr id="292" name="Google Shape;292;p16"/>
+            <p:cNvPicPr preferRelativeResize="0"/>
+            <p:nvPr/>
+          </p:nvPicPr>
+          <p:blipFill>
+            <a:blip r:embed="rId5">
+              <a:alphaModFix/>
+            </a:blip>
+            <a:stretch>
+              <a:fillRect/>
+            </a:stretch>
+          </p:blipFill>
+          <p:spPr>
+            <a:xfrm>
+              <a:off x="1303795" y="4566300"/>
+              <a:ext cx="805382" cy="542400"/>
+            </a:xfrm>
+            <a:prstGeom prst="rect">
+              <a:avLst/>
+            </a:prstGeom>
+            <a:noFill/>
+            <a:ln>
+              <a:noFill/>
+            </a:ln>
+          </p:spPr>
+        </p:pic>
+      </p:grpSp>
+      <p:sp>
+        <p:nvSpPr>
+          <p:cNvPr id="10" name="Google Shape;277;p15">
+            <a:extLst>
+              <a:ext uri="{FF2B5EF4-FFF2-40B4-BE49-F238E27FC236}">
+                <a16:creationId xmlns:a16="http://schemas.microsoft.com/office/drawing/2014/main" id="{05A11419-2F19-4007-97DC-87FAFD1E4DF8}"/>
+              </a:ext>
+            </a:extLst>
+          </p:cNvPr>
+          <p:cNvSpPr txBox="1">
+            <a:spLocks noGrp="1"/>
+          </p:cNvSpPr>
+          <p:nvPr>
+            <p:ph type="title"/>
+          </p:nvPr>
+        </p:nvSpPr>
+        <p:spPr>
+          <a:xfrm>
+            <a:off x="1303800" y="790795"/>
+            <a:ext cx="3346172" cy="762624"/>
+          </a:xfrm>
+          <a:prstGeom prst="rect">
+            <a:avLst/>
+          </a:prstGeom>
+        </p:spPr>
+        <p:txBody>
+          <a:bodyPr spcFirstLastPara="1" wrap="square" lIns="91425" tIns="91425" rIns="91425" bIns="91425" anchor="t" anchorCtr="0">
+            <a:noAutofit/>
+          </a:bodyPr>
+          <a:lstStyle/>
+          <a:p>
+            <a:pPr marL="0" lvl="0" indent="0" algn="l" rtl="0">
+              <a:spcBef>
+                <a:spcPts val="0"/>
+              </a:spcBef>
+              <a:spcAft>
+                <a:spcPts val="0"/>
+              </a:spcAft>
+              <a:buNone/>
+            </a:pPr>
+            <a:r>
+              <a:rPr lang="pt-BR" sz="1800" dirty="0"/>
+              <a:t>Sistemas de Coordenadas</a:t>
+            </a:r>
+            <a:endParaRPr sz="1800" dirty="0"/>
+          </a:p>
+        </p:txBody>
+      </p:sp>
+    </p:spTree>
+    <p:extLst>
+      <p:ext uri="{BB962C8B-B14F-4D97-AF65-F5344CB8AC3E}">
+        <p14:creationId xmlns:p14="http://schemas.microsoft.com/office/powerpoint/2010/main" val="4269319799"/>
+      </p:ext>
+    </p:extLst>
+  </p:cSld>
+  <p:clrMapOvr>
+    <a:masterClrMapping/>
+  </p:clrMapOvr>
+</p:sld>
+</file>
+
+<file path=ppt/slides/slide11.xml><?xml version="1.0" encoding="utf-8"?>
+<p:sld xmlns:a="http://schemas.openxmlformats.org/drawingml/2006/main" xmlns:r="http://schemas.openxmlformats.org/officeDocument/2006/relationships" xmlns:p="http://schemas.openxmlformats.org/presentationml/2006/main">
+  <p:cSld>
+    <p:spTree>
+      <p:nvGrpSpPr>
+        <p:cNvPr id="1" name="Shape 286"/>
+        <p:cNvGrpSpPr/>
+        <p:nvPr/>
+      </p:nvGrpSpPr>
+      <p:grpSpPr>
+        <a:xfrm>
+          <a:off x="0" y="0"/>
+          <a:ext cx="0" cy="0"/>
+          <a:chOff x="0" y="0"/>
+          <a:chExt cx="0" cy="0"/>
+        </a:xfrm>
+      </p:grpSpPr>
+      <p:sp>
+        <p:nvSpPr>
+          <p:cNvPr id="288" name="Google Shape;288;p16"/>
+          <p:cNvSpPr txBox="1">
+            <a:spLocks noGrp="1"/>
+          </p:cNvSpPr>
+          <p:nvPr>
+            <p:ph type="body" idx="1"/>
+          </p:nvPr>
+        </p:nvSpPr>
+        <p:spPr>
+          <a:xfrm>
+            <a:off x="1303800" y="1597875"/>
+            <a:ext cx="7030500" cy="2933700"/>
+          </a:xfrm>
+          <a:prstGeom prst="rect">
+            <a:avLst/>
+          </a:prstGeom>
+        </p:spPr>
+        <p:txBody>
+          <a:bodyPr spcFirstLastPara="1" wrap="square" lIns="91425" tIns="91425" rIns="91425" bIns="91425" anchor="t" anchorCtr="0">
+            <a:noAutofit/>
+          </a:bodyPr>
+          <a:lstStyle/>
+          <a:p>
+            <a:pPr marL="0" lvl="0" indent="0" algn="l" rtl="0">
+              <a:spcBef>
+                <a:spcPts val="0"/>
+              </a:spcBef>
+              <a:spcAft>
+                <a:spcPts val="1600"/>
+              </a:spcAft>
+              <a:buNone/>
+            </a:pPr>
             <a:endParaRPr/>
           </a:p>
         </p:txBody>
@@ -15655,6 +15980,36 @@
           </p:spPr>
         </p:pic>
       </p:grpSp>
+      <p:pic>
+        <p:nvPicPr>
+          <p:cNvPr id="3" name="Imagem 2">
+            <a:extLst>
+              <a:ext uri="{FF2B5EF4-FFF2-40B4-BE49-F238E27FC236}">
+                <a16:creationId xmlns:a16="http://schemas.microsoft.com/office/drawing/2014/main" id="{52C44ADD-35AA-4266-B249-E1CD6E5D4C5F}"/>
+              </a:ext>
+            </a:extLst>
+          </p:cNvPr>
+          <p:cNvPicPr>
+            <a:picLocks noChangeAspect="1"/>
+          </p:cNvPicPr>
+          <p:nvPr/>
+        </p:nvPicPr>
+        <p:blipFill>
+          <a:blip r:embed="rId6"/>
+          <a:stretch>
+            <a:fillRect/>
+          </a:stretch>
+        </p:blipFill>
+        <p:spPr>
+          <a:xfrm>
+            <a:off x="1233065" y="529303"/>
+            <a:ext cx="6677865" cy="4002272"/>
+          </a:xfrm>
+          <a:prstGeom prst="rect">
+            <a:avLst/>
+          </a:prstGeom>
+        </p:spPr>
+      </p:pic>
     </p:spTree>
     <p:extLst>
       <p:ext uri="{BB962C8B-B14F-4D97-AF65-F5344CB8AC3E}">
@@ -15668,7 +16023,7 @@
 </p:sld>
 </file>
 
-<file path=ppt/slides/slide11.xml><?xml version="1.0" encoding="utf-8"?>
+<file path=ppt/slides/slide12.xml><?xml version="1.0" encoding="utf-8"?>
 <p:sld xmlns:a="http://schemas.openxmlformats.org/drawingml/2006/main" xmlns:r="http://schemas.openxmlformats.org/officeDocument/2006/relationships" xmlns:p="http://schemas.openxmlformats.org/presentationml/2006/main">
   <p:cSld>
     <p:spTree>
@@ -15835,7 +16190,7 @@
 </p:sld>
 </file>
 
-<file path=ppt/slides/slide12.xml><?xml version="1.0" encoding="utf-8"?>
+<file path=ppt/slides/slide13.xml><?xml version="1.0" encoding="utf-8"?>
 <p:sld xmlns:a="http://schemas.openxmlformats.org/drawingml/2006/main" xmlns:r="http://schemas.openxmlformats.org/officeDocument/2006/relationships" xmlns:p="http://schemas.openxmlformats.org/presentationml/2006/main">
   <p:cSld>
     <p:spTree>
@@ -16002,7 +16357,7 @@
 </p:sld>
 </file>
 
-<file path=ppt/slides/slide13.xml><?xml version="1.0" encoding="utf-8"?>
+<file path=ppt/slides/slide14.xml><?xml version="1.0" encoding="utf-8"?>
 <p:sld xmlns:a="http://schemas.openxmlformats.org/drawingml/2006/main" xmlns:r="http://schemas.openxmlformats.org/officeDocument/2006/relationships" xmlns:p="http://schemas.openxmlformats.org/presentationml/2006/main">
   <p:cSld>
     <p:spTree>
@@ -16264,7 +16619,7 @@
             </a:pPr>
             <a:r>
               <a:rPr lang="pt-BR" dirty="0"/>
-              <a:t>Essa apresentações e os materiais suplementares: </a:t>
+              <a:t>Essa apresentação e os materiais suplementares: </a:t>
             </a:r>
             <a:r>
               <a:rPr lang="pt-BR" dirty="0">
@@ -17088,6 +17443,517 @@
 </file>
 
 <file path=ppt/slides/slide5.xml><?xml version="1.0" encoding="utf-8"?>
+<p:sld xmlns:a="http://schemas.openxmlformats.org/drawingml/2006/main" xmlns:r="http://schemas.openxmlformats.org/officeDocument/2006/relationships" xmlns:p="http://schemas.openxmlformats.org/presentationml/2006/main">
+  <p:cSld>
+    <p:spTree>
+      <p:nvGrpSpPr>
+        <p:cNvPr id="1" name="Shape 286"/>
+        <p:cNvGrpSpPr/>
+        <p:nvPr/>
+      </p:nvGrpSpPr>
+      <p:grpSpPr>
+        <a:xfrm>
+          <a:off x="0" y="0"/>
+          <a:ext cx="0" cy="0"/>
+          <a:chOff x="0" y="0"/>
+          <a:chExt cx="0" cy="0"/>
+        </a:xfrm>
+      </p:grpSpPr>
+      <p:grpSp>
+        <p:nvGrpSpPr>
+          <p:cNvPr id="289" name="Google Shape;289;p16"/>
+          <p:cNvGrpSpPr/>
+          <p:nvPr/>
+        </p:nvGrpSpPr>
+        <p:grpSpPr>
+          <a:xfrm>
+            <a:off x="1303795" y="4531575"/>
+            <a:ext cx="7030504" cy="611849"/>
+            <a:chOff x="1303795" y="4531575"/>
+            <a:chExt cx="7030504" cy="611849"/>
+          </a:xfrm>
+        </p:grpSpPr>
+        <p:pic>
+          <p:nvPicPr>
+            <p:cNvPr id="290" name="Google Shape;290;p16"/>
+            <p:cNvPicPr preferRelativeResize="0"/>
+            <p:nvPr/>
+          </p:nvPicPr>
+          <p:blipFill>
+            <a:blip r:embed="rId3">
+              <a:alphaModFix/>
+            </a:blip>
+            <a:stretch>
+              <a:fillRect/>
+            </a:stretch>
+          </p:blipFill>
+          <p:spPr>
+            <a:xfrm>
+              <a:off x="3932690" y="4531575"/>
+              <a:ext cx="1278617" cy="611849"/>
+            </a:xfrm>
+            <a:prstGeom prst="rect">
+              <a:avLst/>
+            </a:prstGeom>
+            <a:noFill/>
+            <a:ln>
+              <a:noFill/>
+            </a:ln>
+          </p:spPr>
+        </p:pic>
+        <p:pic>
+          <p:nvPicPr>
+            <p:cNvPr id="291" name="Google Shape;291;p16"/>
+            <p:cNvPicPr preferRelativeResize="0"/>
+            <p:nvPr/>
+          </p:nvPicPr>
+          <p:blipFill>
+            <a:blip r:embed="rId4">
+              <a:alphaModFix/>
+            </a:blip>
+            <a:stretch>
+              <a:fillRect/>
+            </a:stretch>
+          </p:blipFill>
+          <p:spPr>
+            <a:xfrm>
+              <a:off x="6662660" y="4583700"/>
+              <a:ext cx="1671638" cy="438150"/>
+            </a:xfrm>
+            <a:prstGeom prst="rect">
+              <a:avLst/>
+            </a:prstGeom>
+            <a:noFill/>
+            <a:ln>
+              <a:noFill/>
+            </a:ln>
+          </p:spPr>
+        </p:pic>
+        <p:pic>
+          <p:nvPicPr>
+            <p:cNvPr id="292" name="Google Shape;292;p16"/>
+            <p:cNvPicPr preferRelativeResize="0"/>
+            <p:nvPr/>
+          </p:nvPicPr>
+          <p:blipFill>
+            <a:blip r:embed="rId5">
+              <a:alphaModFix/>
+            </a:blip>
+            <a:stretch>
+              <a:fillRect/>
+            </a:stretch>
+          </p:blipFill>
+          <p:spPr>
+            <a:xfrm>
+              <a:off x="1303795" y="4566300"/>
+              <a:ext cx="805382" cy="542400"/>
+            </a:xfrm>
+            <a:prstGeom prst="rect">
+              <a:avLst/>
+            </a:prstGeom>
+            <a:noFill/>
+            <a:ln>
+              <a:noFill/>
+            </a:ln>
+          </p:spPr>
+        </p:pic>
+      </p:grpSp>
+      <p:sp>
+        <p:nvSpPr>
+          <p:cNvPr id="10" name="Google Shape;277;p15">
+            <a:extLst>
+              <a:ext uri="{FF2B5EF4-FFF2-40B4-BE49-F238E27FC236}">
+                <a16:creationId xmlns:a16="http://schemas.microsoft.com/office/drawing/2014/main" id="{05A11419-2F19-4007-97DC-87FAFD1E4DF8}"/>
+              </a:ext>
+            </a:extLst>
+          </p:cNvPr>
+          <p:cNvSpPr txBox="1">
+            <a:spLocks noGrp="1"/>
+          </p:cNvSpPr>
+          <p:nvPr>
+            <p:ph type="title"/>
+          </p:nvPr>
+        </p:nvSpPr>
+        <p:spPr>
+          <a:xfrm>
+            <a:off x="1303800" y="790795"/>
+            <a:ext cx="3346172" cy="762624"/>
+          </a:xfrm>
+          <a:prstGeom prst="rect">
+            <a:avLst/>
+          </a:prstGeom>
+        </p:spPr>
+        <p:txBody>
+          <a:bodyPr spcFirstLastPara="1" wrap="square" lIns="91425" tIns="91425" rIns="91425" bIns="91425" anchor="t" anchorCtr="0">
+            <a:noAutofit/>
+          </a:bodyPr>
+          <a:lstStyle/>
+          <a:p>
+            <a:pPr marL="0" lvl="0" indent="0" algn="l" rtl="0">
+              <a:spcBef>
+                <a:spcPts val="0"/>
+              </a:spcBef>
+              <a:spcAft>
+                <a:spcPts val="0"/>
+              </a:spcAft>
+              <a:buNone/>
+            </a:pPr>
+            <a:r>
+              <a:rPr lang="pt-BR" sz="1800" dirty="0"/>
+              <a:t>Instalação</a:t>
+            </a:r>
+            <a:endParaRPr sz="1800" dirty="0"/>
+          </a:p>
+        </p:txBody>
+      </p:sp>
+      <p:pic>
+        <p:nvPicPr>
+          <p:cNvPr id="3" name="Imagem 2" descr="Interface gráfica do usuário, Texto, Aplicativo, chat ou mensagem de texto&#10;&#10;Descrição gerada automaticamente">
+            <a:extLst>
+              <a:ext uri="{FF2B5EF4-FFF2-40B4-BE49-F238E27FC236}">
+                <a16:creationId xmlns:a16="http://schemas.microsoft.com/office/drawing/2014/main" id="{7348D6FE-8E0E-4B04-94F6-DDDAFCCBD51C}"/>
+              </a:ext>
+            </a:extLst>
+          </p:cNvPr>
+          <p:cNvPicPr>
+            <a:picLocks noChangeAspect="1"/>
+          </p:cNvPicPr>
+          <p:nvPr/>
+        </p:nvPicPr>
+        <p:blipFill>
+          <a:blip r:embed="rId6"/>
+          <a:stretch>
+            <a:fillRect/>
+          </a:stretch>
+        </p:blipFill>
+        <p:spPr>
+          <a:xfrm>
+            <a:off x="160755" y="1416512"/>
+            <a:ext cx="1851429" cy="1440000"/>
+          </a:xfrm>
+          <a:prstGeom prst="rect">
+            <a:avLst/>
+          </a:prstGeom>
+        </p:spPr>
+      </p:pic>
+      <p:pic>
+        <p:nvPicPr>
+          <p:cNvPr id="5" name="Imagem 4" descr="Interface gráfica do usuário, Texto, Aplicativo, Email&#10;&#10;Descrição gerada automaticamente">
+            <a:extLst>
+              <a:ext uri="{FF2B5EF4-FFF2-40B4-BE49-F238E27FC236}">
+                <a16:creationId xmlns:a16="http://schemas.microsoft.com/office/drawing/2014/main" id="{41C6F4B4-330F-46A5-AABC-EB212A1B4A47}"/>
+              </a:ext>
+            </a:extLst>
+          </p:cNvPr>
+          <p:cNvPicPr>
+            <a:picLocks noChangeAspect="1"/>
+          </p:cNvPicPr>
+          <p:nvPr/>
+        </p:nvPicPr>
+        <p:blipFill>
+          <a:blip r:embed="rId7"/>
+          <a:stretch>
+            <a:fillRect/>
+          </a:stretch>
+        </p:blipFill>
+        <p:spPr>
+          <a:xfrm>
+            <a:off x="2405363" y="1416512"/>
+            <a:ext cx="1851429" cy="1440000"/>
+          </a:xfrm>
+          <a:prstGeom prst="rect">
+            <a:avLst/>
+          </a:prstGeom>
+        </p:spPr>
+      </p:pic>
+      <p:pic>
+        <p:nvPicPr>
+          <p:cNvPr id="7" name="Imagem 6" descr="Interface gráfica do usuário, Texto, Aplicativo&#10;&#10;Descrição gerada automaticamente">
+            <a:extLst>
+              <a:ext uri="{FF2B5EF4-FFF2-40B4-BE49-F238E27FC236}">
+                <a16:creationId xmlns:a16="http://schemas.microsoft.com/office/drawing/2014/main" id="{665E156E-8617-47D8-9998-20E9E64D2C5D}"/>
+              </a:ext>
+            </a:extLst>
+          </p:cNvPr>
+          <p:cNvPicPr>
+            <a:picLocks noChangeAspect="1"/>
+          </p:cNvPicPr>
+          <p:nvPr/>
+        </p:nvPicPr>
+        <p:blipFill>
+          <a:blip r:embed="rId8"/>
+          <a:stretch>
+            <a:fillRect/>
+          </a:stretch>
+        </p:blipFill>
+        <p:spPr>
+          <a:xfrm>
+            <a:off x="4649971" y="1416512"/>
+            <a:ext cx="1851429" cy="1440000"/>
+          </a:xfrm>
+          <a:prstGeom prst="rect">
+            <a:avLst/>
+          </a:prstGeom>
+        </p:spPr>
+      </p:pic>
+      <p:pic>
+        <p:nvPicPr>
+          <p:cNvPr id="9" name="Imagem 8" descr="Interface gráfica do usuário, Texto, Aplicativo&#10;&#10;Descrição gerada automaticamente">
+            <a:extLst>
+              <a:ext uri="{FF2B5EF4-FFF2-40B4-BE49-F238E27FC236}">
+                <a16:creationId xmlns:a16="http://schemas.microsoft.com/office/drawing/2014/main" id="{15AB900A-8EC8-4DDF-AA33-3E70549D2CED}"/>
+              </a:ext>
+            </a:extLst>
+          </p:cNvPr>
+          <p:cNvPicPr>
+            <a:picLocks noChangeAspect="1"/>
+          </p:cNvPicPr>
+          <p:nvPr/>
+        </p:nvPicPr>
+        <p:blipFill>
+          <a:blip r:embed="rId9"/>
+          <a:stretch>
+            <a:fillRect/>
+          </a:stretch>
+        </p:blipFill>
+        <p:spPr>
+          <a:xfrm>
+            <a:off x="7044243" y="1416512"/>
+            <a:ext cx="1851429" cy="1440000"/>
+          </a:xfrm>
+          <a:prstGeom prst="rect">
+            <a:avLst/>
+          </a:prstGeom>
+        </p:spPr>
+      </p:pic>
+      <p:pic>
+        <p:nvPicPr>
+          <p:cNvPr id="12" name="Imagem 11" descr="Interface gráfica do usuário, Texto, Aplicativo, chat ou mensagem de texto&#10;&#10;Descrição gerada automaticamente">
+            <a:extLst>
+              <a:ext uri="{FF2B5EF4-FFF2-40B4-BE49-F238E27FC236}">
+                <a16:creationId xmlns:a16="http://schemas.microsoft.com/office/drawing/2014/main" id="{D46ABEA2-A2D0-4262-8C0F-0D09961567F9}"/>
+              </a:ext>
+            </a:extLst>
+          </p:cNvPr>
+          <p:cNvPicPr>
+            <a:picLocks noChangeAspect="1"/>
+          </p:cNvPicPr>
+          <p:nvPr/>
+        </p:nvPicPr>
+        <p:blipFill>
+          <a:blip r:embed="rId10"/>
+          <a:stretch>
+            <a:fillRect/>
+          </a:stretch>
+        </p:blipFill>
+        <p:spPr>
+          <a:xfrm>
+            <a:off x="3232002" y="3091575"/>
+            <a:ext cx="1851429" cy="1440000"/>
+          </a:xfrm>
+          <a:prstGeom prst="rect">
+            <a:avLst/>
+          </a:prstGeom>
+        </p:spPr>
+      </p:pic>
+      <p:sp>
+        <p:nvSpPr>
+          <p:cNvPr id="13" name="Seta: para a Direita 12">
+            <a:extLst>
+              <a:ext uri="{FF2B5EF4-FFF2-40B4-BE49-F238E27FC236}">
+                <a16:creationId xmlns:a16="http://schemas.microsoft.com/office/drawing/2014/main" id="{095321F9-3AFA-4A1A-8169-F2FD241C241D}"/>
+              </a:ext>
+            </a:extLst>
+          </p:cNvPr>
+          <p:cNvSpPr/>
+          <p:nvPr/>
+        </p:nvSpPr>
+        <p:spPr>
+          <a:xfrm>
+            <a:off x="2109177" y="2101516"/>
+            <a:ext cx="196876" cy="45719"/>
+          </a:xfrm>
+          <a:prstGeom prst="rightArrow">
+            <a:avLst/>
+          </a:prstGeom>
+        </p:spPr>
+        <p:style>
+          <a:lnRef idx="2">
+            <a:schemeClr val="accent2">
+              <a:shade val="50000"/>
+            </a:schemeClr>
+          </a:lnRef>
+          <a:fillRef idx="1">
+            <a:schemeClr val="accent2"/>
+          </a:fillRef>
+          <a:effectRef idx="0">
+            <a:schemeClr val="accent2"/>
+          </a:effectRef>
+          <a:fontRef idx="minor">
+            <a:schemeClr val="lt1"/>
+          </a:fontRef>
+        </p:style>
+        <p:txBody>
+          <a:bodyPr rtlCol="0" anchor="ctr"/>
+          <a:lstStyle/>
+          <a:p>
+            <a:pPr algn="ctr"/>
+            <a:endParaRPr lang="pt-BR"/>
+          </a:p>
+        </p:txBody>
+      </p:sp>
+      <p:sp>
+        <p:nvSpPr>
+          <p:cNvPr id="14" name="Seta: para a Direita 13">
+            <a:extLst>
+              <a:ext uri="{FF2B5EF4-FFF2-40B4-BE49-F238E27FC236}">
+                <a16:creationId xmlns:a16="http://schemas.microsoft.com/office/drawing/2014/main" id="{0279D793-87AF-4F8F-BB6D-11EC4060D290}"/>
+              </a:ext>
+            </a:extLst>
+          </p:cNvPr>
+          <p:cNvSpPr/>
+          <p:nvPr/>
+        </p:nvSpPr>
+        <p:spPr>
+          <a:xfrm>
+            <a:off x="4366729" y="2101515"/>
+            <a:ext cx="196876" cy="45719"/>
+          </a:xfrm>
+          <a:prstGeom prst="rightArrow">
+            <a:avLst/>
+          </a:prstGeom>
+        </p:spPr>
+        <p:style>
+          <a:lnRef idx="2">
+            <a:schemeClr val="accent2">
+              <a:shade val="50000"/>
+            </a:schemeClr>
+          </a:lnRef>
+          <a:fillRef idx="1">
+            <a:schemeClr val="accent2"/>
+          </a:fillRef>
+          <a:effectRef idx="0">
+            <a:schemeClr val="accent2"/>
+          </a:effectRef>
+          <a:fontRef idx="minor">
+            <a:schemeClr val="lt1"/>
+          </a:fontRef>
+        </p:style>
+        <p:txBody>
+          <a:bodyPr rtlCol="0" anchor="ctr"/>
+          <a:lstStyle/>
+          <a:p>
+            <a:pPr algn="ctr"/>
+            <a:endParaRPr lang="pt-BR"/>
+          </a:p>
+        </p:txBody>
+      </p:sp>
+      <p:sp>
+        <p:nvSpPr>
+          <p:cNvPr id="15" name="Seta: para a Direita 14">
+            <a:extLst>
+              <a:ext uri="{FF2B5EF4-FFF2-40B4-BE49-F238E27FC236}">
+                <a16:creationId xmlns:a16="http://schemas.microsoft.com/office/drawing/2014/main" id="{9C567728-F062-426D-B209-BE60D9827DE4}"/>
+              </a:ext>
+            </a:extLst>
+          </p:cNvPr>
+          <p:cNvSpPr/>
+          <p:nvPr/>
+        </p:nvSpPr>
+        <p:spPr>
+          <a:xfrm>
+            <a:off x="6662660" y="2101514"/>
+            <a:ext cx="196876" cy="45719"/>
+          </a:xfrm>
+          <a:prstGeom prst="rightArrow">
+            <a:avLst/>
+          </a:prstGeom>
+        </p:spPr>
+        <p:style>
+          <a:lnRef idx="2">
+            <a:schemeClr val="accent2">
+              <a:shade val="50000"/>
+            </a:schemeClr>
+          </a:lnRef>
+          <a:fillRef idx="1">
+            <a:schemeClr val="accent2"/>
+          </a:fillRef>
+          <a:effectRef idx="0">
+            <a:schemeClr val="accent2"/>
+          </a:effectRef>
+          <a:fontRef idx="minor">
+            <a:schemeClr val="lt1"/>
+          </a:fontRef>
+        </p:style>
+        <p:txBody>
+          <a:bodyPr rtlCol="0" anchor="ctr"/>
+          <a:lstStyle/>
+          <a:p>
+            <a:pPr algn="ctr"/>
+            <a:endParaRPr lang="pt-BR"/>
+          </a:p>
+        </p:txBody>
+      </p:sp>
+      <p:sp>
+        <p:nvSpPr>
+          <p:cNvPr id="16" name="Seta: para a Direita 15">
+            <a:extLst>
+              <a:ext uri="{FF2B5EF4-FFF2-40B4-BE49-F238E27FC236}">
+                <a16:creationId xmlns:a16="http://schemas.microsoft.com/office/drawing/2014/main" id="{FC21476C-9B91-4305-B948-5D9A5D13544D}"/>
+              </a:ext>
+            </a:extLst>
+          </p:cNvPr>
+          <p:cNvSpPr/>
+          <p:nvPr/>
+        </p:nvSpPr>
+        <p:spPr>
+          <a:xfrm>
+            <a:off x="2919036" y="3788715"/>
+            <a:ext cx="196876" cy="45719"/>
+          </a:xfrm>
+          <a:prstGeom prst="rightArrow">
+            <a:avLst/>
+          </a:prstGeom>
+        </p:spPr>
+        <p:style>
+          <a:lnRef idx="2">
+            <a:schemeClr val="accent2">
+              <a:shade val="50000"/>
+            </a:schemeClr>
+          </a:lnRef>
+          <a:fillRef idx="1">
+            <a:schemeClr val="accent2"/>
+          </a:fillRef>
+          <a:effectRef idx="0">
+            <a:schemeClr val="accent2"/>
+          </a:effectRef>
+          <a:fontRef idx="minor">
+            <a:schemeClr val="lt1"/>
+          </a:fontRef>
+        </p:style>
+        <p:txBody>
+          <a:bodyPr rtlCol="0" anchor="ctr"/>
+          <a:lstStyle/>
+          <a:p>
+            <a:pPr algn="ctr"/>
+            <a:endParaRPr lang="pt-BR"/>
+          </a:p>
+        </p:txBody>
+      </p:sp>
+    </p:spTree>
+    <p:extLst>
+      <p:ext uri="{BB962C8B-B14F-4D97-AF65-F5344CB8AC3E}">
+        <p14:creationId xmlns:p14="http://schemas.microsoft.com/office/powerpoint/2010/main" val="1965570654"/>
+      </p:ext>
+    </p:extLst>
+  </p:cSld>
+  <p:clrMapOvr>
+    <a:masterClrMapping/>
+  </p:clrMapOvr>
+</p:sld>
+</file>
+
+<file path=ppt/slides/slide6.xml><?xml version="1.0" encoding="utf-8"?>
 <p:sld xmlns:a="http://schemas.openxmlformats.org/drawingml/2006/main" xmlns:r="http://schemas.openxmlformats.org/officeDocument/2006/relationships" xmlns:p="http://schemas.openxmlformats.org/presentationml/2006/main">
   <p:cSld>
     <p:spTree>
@@ -17437,7 +18303,7 @@
                 </a:solidFill>
                 <a:latin typeface="Nunito" panose="020B0604020202020204" charset="0"/>
               </a:rPr>
-              <a:t>Visualização de camada</a:t>
+              <a:t>Visualização de camadas</a:t>
             </a:r>
           </a:p>
         </p:txBody>
@@ -17456,8 +18322,8 @@
         </p:nvSpPr>
         <p:spPr>
           <a:xfrm>
-            <a:off x="6044432" y="490321"/>
-            <a:ext cx="1073755" cy="400110"/>
+            <a:off x="6146771" y="611925"/>
+            <a:ext cx="1499368" cy="246221"/>
           </a:xfrm>
           <a:prstGeom prst="rect">
             <a:avLst/>
@@ -17769,6 +18635,88 @@
           </a:p>
         </p:txBody>
       </p:sp>
+      <p:sp>
+        <p:nvSpPr>
+          <p:cNvPr id="7" name="CaixaDeTexto 6">
+            <a:extLst>
+              <a:ext uri="{FF2B5EF4-FFF2-40B4-BE49-F238E27FC236}">
+                <a16:creationId xmlns:a16="http://schemas.microsoft.com/office/drawing/2014/main" id="{D669B7E8-2BA0-4DED-948E-2D76933AE49E}"/>
+              </a:ext>
+            </a:extLst>
+          </p:cNvPr>
+          <p:cNvSpPr txBox="1"/>
+          <p:nvPr/>
+        </p:nvSpPr>
+        <p:spPr>
+          <a:xfrm>
+            <a:off x="4012327" y="4382165"/>
+            <a:ext cx="1073755" cy="246221"/>
+          </a:xfrm>
+          <a:prstGeom prst="rect">
+            <a:avLst/>
+          </a:prstGeom>
+          <a:noFill/>
+        </p:spPr>
+        <p:txBody>
+          <a:bodyPr wrap="square" rtlCol="0">
+            <a:spAutoFit/>
+          </a:bodyPr>
+          <a:lstStyle/>
+          <a:p>
+            <a:pPr algn="ctr"/>
+            <a:r>
+              <a:rPr lang="pt-BR" sz="1000" dirty="0">
+                <a:solidFill>
+                  <a:srgbClr val="FF0000"/>
+                </a:solidFill>
+                <a:latin typeface="Nunito" panose="020B0604020202020204" charset="0"/>
+              </a:rPr>
+              <a:t>Barra de status</a:t>
+            </a:r>
+          </a:p>
+        </p:txBody>
+      </p:sp>
+      <p:sp>
+        <p:nvSpPr>
+          <p:cNvPr id="8" name="CaixaDeTexto 7">
+            <a:extLst>
+              <a:ext uri="{FF2B5EF4-FFF2-40B4-BE49-F238E27FC236}">
+                <a16:creationId xmlns:a16="http://schemas.microsoft.com/office/drawing/2014/main" id="{156C5E41-70F2-46EB-B272-61CDC284B589}"/>
+              </a:ext>
+            </a:extLst>
+          </p:cNvPr>
+          <p:cNvSpPr txBox="1"/>
+          <p:nvPr/>
+        </p:nvSpPr>
+        <p:spPr>
+          <a:xfrm>
+            <a:off x="2175621" y="4382164"/>
+            <a:ext cx="1495052" cy="246221"/>
+          </a:xfrm>
+          <a:prstGeom prst="rect">
+            <a:avLst/>
+          </a:prstGeom>
+          <a:noFill/>
+        </p:spPr>
+        <p:txBody>
+          <a:bodyPr wrap="square" rtlCol="0">
+            <a:spAutoFit/>
+          </a:bodyPr>
+          <a:lstStyle/>
+          <a:p>
+            <a:pPr algn="ctr"/>
+            <a:r>
+              <a:rPr lang="pt-BR" sz="1000" dirty="0">
+                <a:solidFill>
+                  <a:srgbClr val="FF0000"/>
+                </a:solidFill>
+                <a:latin typeface="Nunito" panose="020B0604020202020204" charset="0"/>
+              </a:rPr>
+              <a:t>Barra de Localização</a:t>
+            </a:r>
+          </a:p>
+        </p:txBody>
+      </p:sp>
     </p:spTree>
   </p:cSld>
   <p:clrMapOvr>
@@ -17777,7 +18725,7 @@
 </p:sld>
 </file>
 
-<file path=ppt/slides/slide6.xml><?xml version="1.0" encoding="utf-8"?>
+<file path=ppt/slides/slide7.xml><?xml version="1.0" encoding="utf-8"?>
 <p:sld xmlns:a="http://schemas.openxmlformats.org/drawingml/2006/main" xmlns:r="http://schemas.openxmlformats.org/officeDocument/2006/relationships" xmlns:p="http://schemas.openxmlformats.org/presentationml/2006/main">
   <p:cSld>
     <p:spTree>
@@ -18211,7 +19159,7 @@
 </p:sld>
 </file>
 
-<file path=ppt/slides/slide7.xml><?xml version="1.0" encoding="utf-8"?>
+<file path=ppt/slides/slide8.xml><?xml version="1.0" encoding="utf-8"?>
 <p:sld xmlns:a="http://schemas.openxmlformats.org/drawingml/2006/main" xmlns:r="http://schemas.openxmlformats.org/officeDocument/2006/relationships" xmlns:p="http://schemas.openxmlformats.org/presentationml/2006/main">
   <p:cSld>
     <p:spTree>
@@ -18370,8 +19318,8 @@
         </p:nvSpPr>
         <p:spPr>
           <a:xfrm>
-            <a:off x="1303795" y="1545750"/>
-            <a:ext cx="270207" cy="1804438"/>
+            <a:off x="1303795" y="2225488"/>
+            <a:ext cx="270207" cy="1124700"/>
           </a:xfrm>
           <a:prstGeom prst="rect">
             <a:avLst/>
@@ -18586,7 +19534,7 @@
 </p:sld>
 </file>
 
-<file path=ppt/slides/slide8.xml><?xml version="1.0" encoding="utf-8"?>
+<file path=ppt/slides/slide9.xml><?xml version="1.0" encoding="utf-8"?>
 <p:sld xmlns:a="http://schemas.openxmlformats.org/drawingml/2006/main" xmlns:r="http://schemas.openxmlformats.org/officeDocument/2006/relationships" xmlns:p="http://schemas.openxmlformats.org/presentationml/2006/main">
   <p:cSld>
     <p:spTree>
@@ -19351,221 +20299,6 @@
 </p:sld>
 </file>
 
-<file path=ppt/slides/slide9.xml><?xml version="1.0" encoding="utf-8"?>
-<p:sld xmlns:a="http://schemas.openxmlformats.org/drawingml/2006/main" xmlns:r="http://schemas.openxmlformats.org/officeDocument/2006/relationships" xmlns:p="http://schemas.openxmlformats.org/presentationml/2006/main">
-  <p:cSld>
-    <p:spTree>
-      <p:nvGrpSpPr>
-        <p:cNvPr id="1" name="Shape 286"/>
-        <p:cNvGrpSpPr/>
-        <p:nvPr/>
-      </p:nvGrpSpPr>
-      <p:grpSpPr>
-        <a:xfrm>
-          <a:off x="0" y="0"/>
-          <a:ext cx="0" cy="0"/>
-          <a:chOff x="0" y="0"/>
-          <a:chExt cx="0" cy="0"/>
-        </a:xfrm>
-      </p:grpSpPr>
-      <p:sp>
-        <p:nvSpPr>
-          <p:cNvPr id="288" name="Google Shape;288;p16"/>
-          <p:cNvSpPr txBox="1">
-            <a:spLocks noGrp="1"/>
-          </p:cNvSpPr>
-          <p:nvPr>
-            <p:ph type="body" idx="1"/>
-          </p:nvPr>
-        </p:nvSpPr>
-        <p:spPr>
-          <a:xfrm>
-            <a:off x="1303800" y="1597875"/>
-            <a:ext cx="7030500" cy="2933700"/>
-          </a:xfrm>
-          <a:prstGeom prst="rect">
-            <a:avLst/>
-          </a:prstGeom>
-        </p:spPr>
-        <p:txBody>
-          <a:bodyPr spcFirstLastPara="1" wrap="square" lIns="91425" tIns="91425" rIns="91425" bIns="91425" anchor="t" anchorCtr="0">
-            <a:noAutofit/>
-          </a:bodyPr>
-          <a:lstStyle/>
-          <a:p>
-            <a:pPr marL="0" lvl="0" indent="0" algn="l" rtl="0">
-              <a:spcBef>
-                <a:spcPts val="0"/>
-              </a:spcBef>
-              <a:spcAft>
-                <a:spcPts val="1600"/>
-              </a:spcAft>
-              <a:buNone/>
-            </a:pPr>
-            <a:endParaRPr dirty="0"/>
-          </a:p>
-        </p:txBody>
-      </p:sp>
-      <p:grpSp>
-        <p:nvGrpSpPr>
-          <p:cNvPr id="289" name="Google Shape;289;p16"/>
-          <p:cNvGrpSpPr/>
-          <p:nvPr/>
-        </p:nvGrpSpPr>
-        <p:grpSpPr>
-          <a:xfrm>
-            <a:off x="1303795" y="4531575"/>
-            <a:ext cx="7030504" cy="611849"/>
-            <a:chOff x="1303795" y="4531575"/>
-            <a:chExt cx="7030504" cy="611849"/>
-          </a:xfrm>
-        </p:grpSpPr>
-        <p:pic>
-          <p:nvPicPr>
-            <p:cNvPr id="290" name="Google Shape;290;p16"/>
-            <p:cNvPicPr preferRelativeResize="0"/>
-            <p:nvPr/>
-          </p:nvPicPr>
-          <p:blipFill>
-            <a:blip r:embed="rId3">
-              <a:alphaModFix/>
-            </a:blip>
-            <a:stretch>
-              <a:fillRect/>
-            </a:stretch>
-          </p:blipFill>
-          <p:spPr>
-            <a:xfrm>
-              <a:off x="3932690" y="4531575"/>
-              <a:ext cx="1278617" cy="611849"/>
-            </a:xfrm>
-            <a:prstGeom prst="rect">
-              <a:avLst/>
-            </a:prstGeom>
-            <a:noFill/>
-            <a:ln>
-              <a:noFill/>
-            </a:ln>
-          </p:spPr>
-        </p:pic>
-        <p:pic>
-          <p:nvPicPr>
-            <p:cNvPr id="291" name="Google Shape;291;p16"/>
-            <p:cNvPicPr preferRelativeResize="0"/>
-            <p:nvPr/>
-          </p:nvPicPr>
-          <p:blipFill>
-            <a:blip r:embed="rId4">
-              <a:alphaModFix/>
-            </a:blip>
-            <a:stretch>
-              <a:fillRect/>
-            </a:stretch>
-          </p:blipFill>
-          <p:spPr>
-            <a:xfrm>
-              <a:off x="6662660" y="4583700"/>
-              <a:ext cx="1671638" cy="438150"/>
-            </a:xfrm>
-            <a:prstGeom prst="rect">
-              <a:avLst/>
-            </a:prstGeom>
-            <a:noFill/>
-            <a:ln>
-              <a:noFill/>
-            </a:ln>
-          </p:spPr>
-        </p:pic>
-        <p:pic>
-          <p:nvPicPr>
-            <p:cNvPr id="292" name="Google Shape;292;p16"/>
-            <p:cNvPicPr preferRelativeResize="0"/>
-            <p:nvPr/>
-          </p:nvPicPr>
-          <p:blipFill>
-            <a:blip r:embed="rId5">
-              <a:alphaModFix/>
-            </a:blip>
-            <a:stretch>
-              <a:fillRect/>
-            </a:stretch>
-          </p:blipFill>
-          <p:spPr>
-            <a:xfrm>
-              <a:off x="1303795" y="4566300"/>
-              <a:ext cx="805382" cy="542400"/>
-            </a:xfrm>
-            <a:prstGeom prst="rect">
-              <a:avLst/>
-            </a:prstGeom>
-            <a:noFill/>
-            <a:ln>
-              <a:noFill/>
-            </a:ln>
-          </p:spPr>
-        </p:pic>
-      </p:grpSp>
-      <p:sp>
-        <p:nvSpPr>
-          <p:cNvPr id="10" name="Google Shape;277;p15">
-            <a:extLst>
-              <a:ext uri="{FF2B5EF4-FFF2-40B4-BE49-F238E27FC236}">
-                <a16:creationId xmlns:a16="http://schemas.microsoft.com/office/drawing/2014/main" id="{05A11419-2F19-4007-97DC-87FAFD1E4DF8}"/>
-              </a:ext>
-            </a:extLst>
-          </p:cNvPr>
-          <p:cNvSpPr txBox="1">
-            <a:spLocks noGrp="1"/>
-          </p:cNvSpPr>
-          <p:nvPr>
-            <p:ph type="title"/>
-          </p:nvPr>
-        </p:nvSpPr>
-        <p:spPr>
-          <a:xfrm>
-            <a:off x="1303800" y="790795"/>
-            <a:ext cx="3346172" cy="762624"/>
-          </a:xfrm>
-          <a:prstGeom prst="rect">
-            <a:avLst/>
-          </a:prstGeom>
-        </p:spPr>
-        <p:txBody>
-          <a:bodyPr spcFirstLastPara="1" wrap="square" lIns="91425" tIns="91425" rIns="91425" bIns="91425" anchor="t" anchorCtr="0">
-            <a:noAutofit/>
-          </a:bodyPr>
-          <a:lstStyle/>
-          <a:p>
-            <a:pPr marL="0" lvl="0" indent="0" algn="l" rtl="0">
-              <a:spcBef>
-                <a:spcPts val="0"/>
-              </a:spcBef>
-              <a:spcAft>
-                <a:spcPts val="0"/>
-              </a:spcAft>
-              <a:buNone/>
-            </a:pPr>
-            <a:r>
-              <a:rPr lang="pt-BR" sz="1800" dirty="0"/>
-              <a:t>Sistemas de Coordenadas</a:t>
-            </a:r>
-            <a:endParaRPr sz="1800" dirty="0"/>
-          </a:p>
-        </p:txBody>
-      </p:sp>
-    </p:spTree>
-    <p:extLst>
-      <p:ext uri="{BB962C8B-B14F-4D97-AF65-F5344CB8AC3E}">
-        <p14:creationId xmlns:p14="http://schemas.microsoft.com/office/powerpoint/2010/main" val="4269319799"/>
-      </p:ext>
-    </p:extLst>
-  </p:cSld>
-  <p:clrMapOvr>
-    <a:masterClrMapping/>
-  </p:clrMapOvr>
-</p:sld>
-</file>
-
 <file path=ppt/theme/theme1.xml><?xml version="1.0" encoding="utf-8"?>
 <a:theme xmlns:a="http://schemas.openxmlformats.org/drawingml/2006/main" name="Momentum">
   <a:themeElements>

--- a/slides/Curso_QGIS.pptx
+++ b/slides/Curso_QGIS.pptx
@@ -15640,8 +15640,8 @@
         </p:nvSpPr>
         <p:spPr>
           <a:xfrm>
-            <a:off x="1303800" y="1597875"/>
-            <a:ext cx="7030500" cy="2933700"/>
+            <a:off x="6662659" y="1470740"/>
+            <a:ext cx="2204893" cy="2933700"/>
           </a:xfrm>
           <a:prstGeom prst="rect">
             <a:avLst/>
@@ -15662,7 +15662,173 @@
               </a:spcAft>
               <a:buNone/>
             </a:pPr>
-            <a:endParaRPr dirty="0"/>
+            <a:r>
+              <a:rPr lang="pt-BR" sz="1100" dirty="0">
+                <a:latin typeface="Nunito" panose="020B0604020202020204" charset="0"/>
+              </a:rPr>
+              <a:t>Nome: </a:t>
+            </a:r>
+            <a:r>
+              <a:rPr lang="pt-BR" sz="1100" dirty="0" err="1">
+                <a:solidFill>
+                  <a:srgbClr val="FF0000"/>
+                </a:solidFill>
+                <a:latin typeface="Nunito" panose="020B0604020202020204" charset="0"/>
+              </a:rPr>
+              <a:t>Albers</a:t>
+            </a:r>
+            <a:r>
+              <a:rPr lang="pt-BR" sz="1100" dirty="0">
+                <a:solidFill>
+                  <a:srgbClr val="FF0000"/>
+                </a:solidFill>
+                <a:latin typeface="Nunito" panose="020B0604020202020204" charset="0"/>
+              </a:rPr>
+              <a:t> – IBGE</a:t>
+            </a:r>
+          </a:p>
+          <a:p>
+            <a:pPr marL="0" lvl="0" indent="0" algn="l" rtl="0">
+              <a:spcBef>
+                <a:spcPts val="0"/>
+              </a:spcBef>
+              <a:spcAft>
+                <a:spcPts val="1600"/>
+              </a:spcAft>
+              <a:buNone/>
+            </a:pPr>
+            <a:r>
+              <a:rPr lang="pt-BR" sz="1100" dirty="0">
+                <a:latin typeface="Nunito" panose="020B0604020202020204" charset="0"/>
+              </a:rPr>
+              <a:t>Parâmetros: </a:t>
+            </a:r>
+            <a:r>
+              <a:rPr lang="pt-BR" sz="1100" dirty="0">
+                <a:solidFill>
+                  <a:srgbClr val="FF0000"/>
+                </a:solidFill>
+                <a:effectLst/>
+                <a:latin typeface="Nunito" panose="020B0604020202020204" charset="0"/>
+              </a:rPr>
+              <a:t>+</a:t>
+            </a:r>
+            <a:r>
+              <a:rPr lang="pt-BR" sz="1100" dirty="0" err="1">
+                <a:solidFill>
+                  <a:srgbClr val="FF0000"/>
+                </a:solidFill>
+                <a:effectLst/>
+                <a:latin typeface="Nunito" panose="020B0604020202020204" charset="0"/>
+              </a:rPr>
+              <a:t>proj</a:t>
+            </a:r>
+            <a:r>
+              <a:rPr lang="pt-BR" sz="1100" dirty="0">
+                <a:solidFill>
+                  <a:srgbClr val="FF0000"/>
+                </a:solidFill>
+                <a:effectLst/>
+                <a:latin typeface="Nunito" panose="020B0604020202020204" charset="0"/>
+              </a:rPr>
+              <a:t>=</a:t>
+            </a:r>
+            <a:r>
+              <a:rPr lang="pt-BR" sz="1100" dirty="0" err="1">
+                <a:solidFill>
+                  <a:srgbClr val="FF0000"/>
+                </a:solidFill>
+                <a:effectLst/>
+                <a:latin typeface="Nunito" panose="020B0604020202020204" charset="0"/>
+              </a:rPr>
+              <a:t>aea</a:t>
+            </a:r>
+            <a:r>
+              <a:rPr lang="pt-BR" sz="1100" dirty="0">
+                <a:solidFill>
+                  <a:srgbClr val="FF0000"/>
+                </a:solidFill>
+                <a:effectLst/>
+                <a:latin typeface="Nunito" panose="020B0604020202020204" charset="0"/>
+              </a:rPr>
+              <a:t> +lat_1=-2 +lat_2=-22 +lat_0=-12 +lon_0=-54 +x_0=0 +y_0=0 +</a:t>
+            </a:r>
+            <a:r>
+              <a:rPr lang="pt-BR" sz="1100" dirty="0" err="1">
+                <a:solidFill>
+                  <a:srgbClr val="FF0000"/>
+                </a:solidFill>
+                <a:effectLst/>
+                <a:latin typeface="Nunito" panose="020B0604020202020204" charset="0"/>
+              </a:rPr>
+              <a:t>ellps</a:t>
+            </a:r>
+            <a:r>
+              <a:rPr lang="pt-BR" sz="1100" dirty="0">
+                <a:solidFill>
+                  <a:srgbClr val="FF0000"/>
+                </a:solidFill>
+                <a:effectLst/>
+                <a:latin typeface="Nunito" panose="020B0604020202020204" charset="0"/>
+              </a:rPr>
+              <a:t>=WGS84 +</a:t>
+            </a:r>
+            <a:r>
+              <a:rPr lang="pt-BR" sz="1100" dirty="0" err="1">
+                <a:solidFill>
+                  <a:srgbClr val="FF0000"/>
+                </a:solidFill>
+                <a:effectLst/>
+                <a:latin typeface="Nunito" panose="020B0604020202020204" charset="0"/>
+              </a:rPr>
+              <a:t>datum</a:t>
+            </a:r>
+            <a:r>
+              <a:rPr lang="pt-BR" sz="1100" dirty="0">
+                <a:solidFill>
+                  <a:srgbClr val="FF0000"/>
+                </a:solidFill>
+                <a:effectLst/>
+                <a:latin typeface="Nunito" panose="020B0604020202020204" charset="0"/>
+              </a:rPr>
+              <a:t>=WGS84 +</a:t>
+            </a:r>
+            <a:r>
+              <a:rPr lang="pt-BR" sz="1100" dirty="0" err="1">
+                <a:solidFill>
+                  <a:srgbClr val="FF0000"/>
+                </a:solidFill>
+                <a:effectLst/>
+                <a:latin typeface="Nunito" panose="020B0604020202020204" charset="0"/>
+              </a:rPr>
+              <a:t>units</a:t>
+            </a:r>
+            <a:r>
+              <a:rPr lang="pt-BR" sz="1100" dirty="0">
+                <a:solidFill>
+                  <a:srgbClr val="FF0000"/>
+                </a:solidFill>
+                <a:effectLst/>
+                <a:latin typeface="Nunito" panose="020B0604020202020204" charset="0"/>
+              </a:rPr>
+              <a:t>=m +</a:t>
+            </a:r>
+            <a:r>
+              <a:rPr lang="pt-BR" sz="1100" dirty="0" err="1">
+                <a:solidFill>
+                  <a:srgbClr val="FF0000"/>
+                </a:solidFill>
+                <a:effectLst/>
+                <a:latin typeface="Nunito" panose="020B0604020202020204" charset="0"/>
+              </a:rPr>
+              <a:t>no_defs</a:t>
+            </a:r>
+            <a:endParaRPr sz="1100" dirty="0">
+              <a:solidFill>
+                <a:srgbClr val="FF0000"/>
+              </a:solidFill>
+              <a:latin typeface="Nunito" panose="020B0604020202020204" charset="0"/>
+            </a:endParaRPr>
           </a:p>
         </p:txBody>
       </p:sp>
@@ -15807,12 +15973,122 @@
             </a:pPr>
             <a:r>
               <a:rPr lang="pt-BR" sz="1800" dirty="0"/>
-              <a:t>Sistemas de Coordenadas</a:t>
+              <a:t>Personalização do Sistema de Coordenadas</a:t>
             </a:r>
             <a:endParaRPr sz="1800" dirty="0"/>
           </a:p>
         </p:txBody>
       </p:sp>
+      <p:pic>
+        <p:nvPicPr>
+          <p:cNvPr id="3" name="Imagem 2">
+            <a:extLst>
+              <a:ext uri="{FF2B5EF4-FFF2-40B4-BE49-F238E27FC236}">
+                <a16:creationId xmlns:a16="http://schemas.microsoft.com/office/drawing/2014/main" id="{D90E4769-515B-40A3-92CA-30043CF05D44}"/>
+              </a:ext>
+            </a:extLst>
+          </p:cNvPr>
+          <p:cNvPicPr>
+            <a:picLocks noChangeAspect="1"/>
+          </p:cNvPicPr>
+          <p:nvPr/>
+        </p:nvPicPr>
+        <p:blipFill rotWithShape="1">
+          <a:blip r:embed="rId6"/>
+          <a:srcRect r="69368" b="31704"/>
+          <a:stretch/>
+        </p:blipFill>
+        <p:spPr>
+          <a:xfrm>
+            <a:off x="1303795" y="1917524"/>
+            <a:ext cx="1821711" cy="2284672"/>
+          </a:xfrm>
+          <a:prstGeom prst="rect">
+            <a:avLst/>
+          </a:prstGeom>
+        </p:spPr>
+      </p:pic>
+      <p:sp>
+        <p:nvSpPr>
+          <p:cNvPr id="4" name="CaixaDeTexto 3">
+            <a:extLst>
+              <a:ext uri="{FF2B5EF4-FFF2-40B4-BE49-F238E27FC236}">
+                <a16:creationId xmlns:a16="http://schemas.microsoft.com/office/drawing/2014/main" id="{3CC9842E-AAEB-408A-A980-5A03160040DC}"/>
+              </a:ext>
+            </a:extLst>
+          </p:cNvPr>
+          <p:cNvSpPr txBox="1"/>
+          <p:nvPr/>
+        </p:nvSpPr>
+        <p:spPr>
+          <a:xfrm>
+            <a:off x="1237288" y="1568072"/>
+            <a:ext cx="1689886" cy="369332"/>
+          </a:xfrm>
+          <a:prstGeom prst="rect">
+            <a:avLst/>
+          </a:prstGeom>
+          <a:noFill/>
+        </p:spPr>
+        <p:txBody>
+          <a:bodyPr wrap="none" rtlCol="0">
+            <a:spAutoFit/>
+          </a:bodyPr>
+          <a:lstStyle/>
+          <a:p>
+            <a:r>
+              <a:rPr lang="pt-BR" sz="900" dirty="0">
+                <a:solidFill>
+                  <a:srgbClr val="FF0000"/>
+                </a:solidFill>
+                <a:latin typeface="Nunito" panose="020B0604020202020204" charset="0"/>
+              </a:rPr>
+              <a:t>Clique na aba Configurações </a:t>
+            </a:r>
+          </a:p>
+          <a:p>
+            <a:r>
+              <a:rPr lang="pt-BR" sz="900" dirty="0">
+                <a:solidFill>
+                  <a:srgbClr val="FF0000"/>
+                </a:solidFill>
+                <a:latin typeface="Nunito" panose="020B0604020202020204" charset="0"/>
+              </a:rPr>
+              <a:t>&gt; Personalizar Projeções</a:t>
+            </a:r>
+          </a:p>
+        </p:txBody>
+      </p:sp>
+      <p:pic>
+        <p:nvPicPr>
+          <p:cNvPr id="6" name="Imagem 5">
+            <a:extLst>
+              <a:ext uri="{FF2B5EF4-FFF2-40B4-BE49-F238E27FC236}">
+                <a16:creationId xmlns:a16="http://schemas.microsoft.com/office/drawing/2014/main" id="{4A04A379-6A79-484B-AE7D-0DCFD8F59350}"/>
+              </a:ext>
+            </a:extLst>
+          </p:cNvPr>
+          <p:cNvPicPr>
+            <a:picLocks noChangeAspect="1"/>
+          </p:cNvPicPr>
+          <p:nvPr/>
+        </p:nvPicPr>
+        <p:blipFill>
+          <a:blip r:embed="rId7"/>
+          <a:stretch>
+            <a:fillRect/>
+          </a:stretch>
+        </p:blipFill>
+        <p:spPr>
+          <a:xfrm>
+            <a:off x="3560530" y="1470740"/>
+            <a:ext cx="2907228" cy="3112960"/>
+          </a:xfrm>
+          <a:prstGeom prst="rect">
+            <a:avLst/>
+          </a:prstGeom>
+        </p:spPr>
+      </p:pic>
     </p:spTree>
     <p:extLst>
       <p:ext uri="{BB962C8B-B14F-4D97-AF65-F5344CB8AC3E}">
@@ -18766,46 +19042,6 @@
             <a:noAutofit/>
           </a:bodyPr>
           <a:lstStyle/>
-          <a:p>
-            <a:pPr marL="285750" indent="-285750">
-              <a:spcAft>
-                <a:spcPts val="1600"/>
-              </a:spcAft>
-            </a:pPr>
-            <a:r>
-              <a:rPr lang="pt-BR" dirty="0" err="1"/>
-              <a:t>MapBiomas</a:t>
-            </a:r>
-            <a:r>
-              <a:rPr lang="pt-BR" dirty="0"/>
-              <a:t> </a:t>
-            </a:r>
-            <a:r>
-              <a:rPr lang="pt-BR" dirty="0" err="1"/>
-              <a:t>Alert</a:t>
-            </a:r>
-            <a:endParaRPr lang="pt-BR" dirty="0"/>
-          </a:p>
-          <a:p>
-            <a:pPr marL="285750" indent="-285750">
-              <a:spcAft>
-                <a:spcPts val="1600"/>
-              </a:spcAft>
-            </a:pPr>
-            <a:r>
-              <a:rPr lang="pt-BR" dirty="0" err="1"/>
-              <a:t>Mapbiomas</a:t>
-            </a:r>
-            <a:r>
-              <a:rPr lang="pt-BR" dirty="0"/>
-              <a:t> </a:t>
-            </a:r>
-            <a:r>
-              <a:rPr lang="pt-BR" dirty="0" err="1"/>
-              <a:t>Collection</a:t>
-            </a:r>
-            <a:endParaRPr lang="pt-BR" dirty="0"/>
-          </a:p>
           <a:p>
             <a:pPr marL="285750" indent="-285750">
               <a:spcAft>

--- a/slides/Curso_QGIS.pptx
+++ b/slides/Curso_QGIS.pptx
@@ -16256,36 +16256,6 @@
           </p:spPr>
         </p:pic>
       </p:grpSp>
-      <p:pic>
-        <p:nvPicPr>
-          <p:cNvPr id="3" name="Imagem 2">
-            <a:extLst>
-              <a:ext uri="{FF2B5EF4-FFF2-40B4-BE49-F238E27FC236}">
-                <a16:creationId xmlns:a16="http://schemas.microsoft.com/office/drawing/2014/main" id="{52C44ADD-35AA-4266-B249-E1CD6E5D4C5F}"/>
-              </a:ext>
-            </a:extLst>
-          </p:cNvPr>
-          <p:cNvPicPr>
-            <a:picLocks noChangeAspect="1"/>
-          </p:cNvPicPr>
-          <p:nvPr/>
-        </p:nvPicPr>
-        <p:blipFill>
-          <a:blip r:embed="rId6"/>
-          <a:stretch>
-            <a:fillRect/>
-          </a:stretch>
-        </p:blipFill>
-        <p:spPr>
-          <a:xfrm>
-            <a:off x="1233065" y="529303"/>
-            <a:ext cx="6677865" cy="4002272"/>
-          </a:xfrm>
-          <a:prstGeom prst="rect">
-            <a:avLst/>
-          </a:prstGeom>
-        </p:spPr>
-      </p:pic>
     </p:spTree>
     <p:extLst>
       <p:ext uri="{BB962C8B-B14F-4D97-AF65-F5344CB8AC3E}">
@@ -17079,7 +17049,7 @@
             </a:pPr>
             <a:r>
               <a:rPr lang="pt-BR" dirty="0"/>
-              <a:t>Ementa</a:t>
+              <a:t>Prática com QGIS</a:t>
             </a:r>
             <a:endParaRPr dirty="0"/>
           </a:p>
@@ -17124,10 +17094,22 @@
               <a:buAutoNum type="arabicPeriod"/>
             </a:pPr>
             <a:r>
-              <a:rPr lang="pt-BR" dirty="0"/>
-              <a:t>Instalação do QGIS;</a:t>
+              <a:rPr lang="pt-BR" dirty="0">
+                <a:solidFill>
+                  <a:schemeClr val="accent4">
+                    <a:lumMod val="50000"/>
+                  </a:schemeClr>
+                </a:solidFill>
+              </a:rPr>
+              <a:t>Apresentação da interface e instalação de plugins;</a:t>
             </a:r>
-            <a:endParaRPr dirty="0"/>
+            <a:endParaRPr dirty="0">
+              <a:solidFill>
+                <a:schemeClr val="accent4">
+                  <a:lumMod val="50000"/>
+                </a:schemeClr>
+              </a:solidFill>
+            </a:endParaRPr>
           </a:p>
           <a:p>
             <a:pPr marL="457200" lvl="0" indent="-311150" algn="l" rtl="0">
@@ -17144,10 +17126,22 @@
               <a:buAutoNum type="arabicPeriod"/>
             </a:pPr>
             <a:r>
-              <a:rPr lang="pt-BR" dirty="0"/>
-              <a:t>Apresentação da interface e instalação de plugins</a:t>
+              <a:rPr lang="pt-BR" dirty="0">
+                <a:solidFill>
+                  <a:schemeClr val="accent4">
+                    <a:lumMod val="50000"/>
+                  </a:schemeClr>
+                </a:solidFill>
+              </a:rPr>
+              <a:t>Importação de dados vetoriais e matriciais;</a:t>
             </a:r>
-            <a:endParaRPr dirty="0"/>
+            <a:endParaRPr dirty="0">
+              <a:solidFill>
+                <a:schemeClr val="accent4">
+                  <a:lumMod val="50000"/>
+                </a:schemeClr>
+              </a:solidFill>
+            </a:endParaRPr>
           </a:p>
           <a:p>
             <a:pPr marL="457200" lvl="0" indent="-311150" algn="l" rtl="0">
@@ -17164,10 +17158,42 @@
               <a:buAutoNum type="arabicPeriod"/>
             </a:pPr>
             <a:r>
-              <a:rPr lang="pt-BR" dirty="0"/>
-              <a:t>Trabalhando com dados vetoriais e matriciais</a:t>
+              <a:rPr lang="pt-BR" dirty="0">
+                <a:solidFill>
+                  <a:schemeClr val="accent4">
+                    <a:lumMod val="50000"/>
+                  </a:schemeClr>
+                </a:solidFill>
+              </a:rPr>
+              <a:t>Importação e união de tabelas a dados espaciais (</a:t>
             </a:r>
-            <a:endParaRPr dirty="0"/>
+            <a:r>
+              <a:rPr lang="pt-BR" dirty="0" err="1">
+                <a:solidFill>
+                  <a:schemeClr val="accent4">
+                    <a:lumMod val="50000"/>
+                  </a:schemeClr>
+                </a:solidFill>
+              </a:rPr>
+              <a:t>join</a:t>
+            </a:r>
+            <a:r>
+              <a:rPr lang="pt-BR" dirty="0">
+                <a:solidFill>
+                  <a:schemeClr val="accent4">
+                    <a:lumMod val="50000"/>
+                  </a:schemeClr>
+                </a:solidFill>
+              </a:rPr>
+              <a:t>);</a:t>
+            </a:r>
+            <a:endParaRPr dirty="0">
+              <a:solidFill>
+                <a:schemeClr val="accent4">
+                  <a:lumMod val="50000"/>
+                </a:schemeClr>
+              </a:solidFill>
+            </a:endParaRPr>
           </a:p>
           <a:p>
             <a:pPr marL="457200" lvl="0" indent="-311150" algn="l" rtl="0">
@@ -17184,10 +17210,22 @@
               <a:buAutoNum type="arabicPeriod"/>
             </a:pPr>
             <a:r>
-              <a:rPr lang="pt-BR" dirty="0"/>
-              <a:t>Seleção de feições e operadores lógicos</a:t>
+              <a:rPr lang="pt-BR" dirty="0">
+                <a:solidFill>
+                  <a:schemeClr val="accent4">
+                    <a:lumMod val="50000"/>
+                  </a:schemeClr>
+                </a:solidFill>
+              </a:rPr>
+              <a:t>Consulta a partir de operadores lógicos e manipulação de tabelas;</a:t>
             </a:r>
-            <a:endParaRPr dirty="0"/>
+            <a:endParaRPr dirty="0">
+              <a:solidFill>
+                <a:schemeClr val="accent4">
+                  <a:lumMod val="50000"/>
+                </a:schemeClr>
+              </a:solidFill>
+            </a:endParaRPr>
           </a:p>
           <a:p>
             <a:pPr marL="457200" lvl="0" indent="-311150" algn="l" rtl="0">
@@ -17204,18 +17242,15 @@
               <a:buAutoNum type="arabicPeriod"/>
             </a:pPr>
             <a:r>
-              <a:rPr lang="pt-BR" dirty="0"/>
-              <a:t>Sistema de coordenadas e </a:t>
+              <a:rPr lang="pt-BR" dirty="0">
+                <a:solidFill>
+                  <a:schemeClr val="accent4">
+                    <a:lumMod val="50000"/>
+                  </a:schemeClr>
+                </a:solidFill>
+              </a:rPr>
+              <a:t>Operações vetoriais básicas;</a:t>
             </a:r>
-            <a:r>
-              <a:rPr lang="pt-BR" dirty="0" err="1"/>
-              <a:t>datum</a:t>
-            </a:r>
-            <a:r>
-              <a:rPr lang="pt-BR" dirty="0"/>
-              <a:t> em projetos SIG</a:t>
-            </a:r>
-            <a:endParaRPr dirty="0"/>
           </a:p>
           <a:p>
             <a:pPr marL="457200" lvl="0" indent="-311150" algn="l" rtl="0">
@@ -17232,9 +17267,114 @@
               <a:buAutoNum type="arabicPeriod"/>
             </a:pPr>
             <a:r>
-              <a:rPr lang="pt-BR" dirty="0"/>
-              <a:t>Operações e edições vetoriais básicas</a:t>
+              <a:rPr lang="pt-BR" dirty="0">
+                <a:solidFill>
+                  <a:schemeClr val="accent4">
+                    <a:lumMod val="50000"/>
+                  </a:schemeClr>
+                </a:solidFill>
+              </a:rPr>
+              <a:t>Elaboração de mapa temático;</a:t>
             </a:r>
+          </a:p>
+          <a:p>
+            <a:pPr marL="457200" lvl="0" indent="-311150" algn="l" rtl="0">
+              <a:lnSpc>
+                <a:spcPct val="150000"/>
+              </a:lnSpc>
+              <a:spcBef>
+                <a:spcPts val="0"/>
+              </a:spcBef>
+              <a:spcAft>
+                <a:spcPts val="0"/>
+              </a:spcAft>
+              <a:buSzPts val="1300"/>
+              <a:buAutoNum type="arabicPeriod"/>
+            </a:pPr>
+            <a:r>
+              <a:rPr lang="pt-BR" dirty="0">
+                <a:solidFill>
+                  <a:schemeClr val="accent2">
+                    <a:lumMod val="60000"/>
+                    <a:lumOff val="40000"/>
+                  </a:schemeClr>
+                </a:solidFill>
+              </a:rPr>
+              <a:t>Composição colorida da imagem CBERS 4-A;</a:t>
+            </a:r>
+          </a:p>
+          <a:p>
+            <a:pPr marL="457200" lvl="0" indent="-311150" algn="l" rtl="0">
+              <a:lnSpc>
+                <a:spcPct val="150000"/>
+              </a:lnSpc>
+              <a:spcBef>
+                <a:spcPts val="0"/>
+              </a:spcBef>
+              <a:spcAft>
+                <a:spcPts val="0"/>
+              </a:spcAft>
+              <a:buSzPts val="1300"/>
+              <a:buAutoNum type="arabicPeriod"/>
+            </a:pPr>
+            <a:r>
+              <a:rPr lang="pt-BR" dirty="0">
+                <a:solidFill>
+                  <a:schemeClr val="accent2">
+                    <a:lumMod val="60000"/>
+                    <a:lumOff val="40000"/>
+                  </a:schemeClr>
+                </a:solidFill>
+              </a:rPr>
+              <a:t>Recorte da imagem para área de interesse</a:t>
+            </a:r>
+          </a:p>
+          <a:p>
+            <a:pPr marL="457200" lvl="0" indent="-311150" algn="l" rtl="0">
+              <a:lnSpc>
+                <a:spcPct val="150000"/>
+              </a:lnSpc>
+              <a:spcBef>
+                <a:spcPts val="0"/>
+              </a:spcBef>
+              <a:spcAft>
+                <a:spcPts val="0"/>
+              </a:spcAft>
+              <a:buSzPts val="1300"/>
+              <a:buAutoNum type="arabicPeriod"/>
+            </a:pPr>
+            <a:endParaRPr lang="pt-BR" dirty="0"/>
+          </a:p>
+          <a:p>
+            <a:pPr marL="457200" lvl="0" indent="-311150" algn="l" rtl="0">
+              <a:lnSpc>
+                <a:spcPct val="150000"/>
+              </a:lnSpc>
+              <a:spcBef>
+                <a:spcPts val="0"/>
+              </a:spcBef>
+              <a:spcAft>
+                <a:spcPts val="0"/>
+              </a:spcAft>
+              <a:buSzPts val="1300"/>
+              <a:buAutoNum type="arabicPeriod"/>
+            </a:pPr>
+            <a:endParaRPr lang="pt-BR" dirty="0"/>
+          </a:p>
+          <a:p>
+            <a:pPr marL="457200" lvl="0" indent="-311150" algn="l" rtl="0">
+              <a:lnSpc>
+                <a:spcPct val="150000"/>
+              </a:lnSpc>
+              <a:spcBef>
+                <a:spcPts val="0"/>
+              </a:spcBef>
+              <a:spcAft>
+                <a:spcPts val="0"/>
+              </a:spcAft>
+              <a:buSzPts val="1300"/>
+              <a:buAutoNum type="arabicPeriod"/>
+            </a:pPr>
             <a:endParaRPr dirty="0"/>
           </a:p>
         </p:txBody>
